--- a/lab_06-navigation/lab_06-navigation.pptx
+++ b/lab_06-navigation/lab_06-navigation.pptx
@@ -233,7 +233,7 @@
           <a:p>
             <a:fld id="{81C4B3FE-0320-8142-8396-5C3025C019EC}" type="datetimeFigureOut">
               <a:rPr lang="en-IT" smtClean="0"/>
-              <a:t>11/02/22</a:t>
+              <a:t>16/02/22</a:t>
             </a:fld>
             <a:endParaRPr lang="en-IT"/>
           </a:p>
@@ -16393,7 +16393,7 @@
           <a:p>
             <a:r>
               <a:rPr lang="en-GB" dirty="0"/>
-              <a:t>Exercise 05.01 (easy)</a:t>
+              <a:t>Exercise 06.01 (easy)</a:t>
             </a:r>
           </a:p>
           <a:p>
@@ -17225,7 +17225,7 @@
           <a:p>
             <a:r>
               <a:rPr lang="en-GB" dirty="0"/>
-              <a:t>Exercise 05.02 (medium)</a:t>
+              <a:t>Exercise 06.02 (medium)</a:t>
             </a:r>
           </a:p>
           <a:p>
@@ -17590,7 +17590,7 @@
           <a:p>
             <a:r>
               <a:rPr lang="en-GB" dirty="0"/>
-              <a:t>Exercise 05.03 (medium) </a:t>
+              <a:t>Exercise 06.03 (medium) </a:t>
             </a:r>
           </a:p>
           <a:p>
@@ -17621,13 +17621,8 @@
             <a:pPr lvl="1"/>
             <a:r>
               <a:rPr lang="en-US" dirty="0"/>
-              <a:t>(solution available from the Flutter team in </a:t>
-            </a:r>
-            <a:r>
-              <a:rPr lang="en-US"/>
-              <a:t>the cookbook)</a:t>
-            </a:r>
-            <a:endParaRPr lang="en-US" dirty="0"/>
+              <a:t>(solution available from the Flutter team in the cookbook)</a:t>
+            </a:r>
           </a:p>
           <a:p>
             <a:pPr lvl="1"/>

--- a/lab_06-navigation/lab_06-navigation.pptx
+++ b/lab_06-navigation/lab_06-navigation.pptx
@@ -5,46 +5,47 @@
     <p:sldMasterId id="2147483648" r:id="rId1"/>
   </p:sldMasterIdLst>
   <p:notesMasterIdLst>
-    <p:notesMasterId r:id="rId39"/>
+    <p:notesMasterId r:id="rId40"/>
   </p:notesMasterIdLst>
   <p:sldIdLst>
     <p:sldId id="259" r:id="rId2"/>
-    <p:sldId id="295" r:id="rId3"/>
-    <p:sldId id="379" r:id="rId4"/>
-    <p:sldId id="352" r:id="rId5"/>
-    <p:sldId id="384" r:id="rId6"/>
-    <p:sldId id="378" r:id="rId7"/>
-    <p:sldId id="304" r:id="rId8"/>
-    <p:sldId id="353" r:id="rId9"/>
-    <p:sldId id="354" r:id="rId10"/>
-    <p:sldId id="355" r:id="rId11"/>
-    <p:sldId id="356" r:id="rId12"/>
-    <p:sldId id="357" r:id="rId13"/>
-    <p:sldId id="359" r:id="rId14"/>
-    <p:sldId id="380" r:id="rId15"/>
-    <p:sldId id="351" r:id="rId16"/>
-    <p:sldId id="360" r:id="rId17"/>
-    <p:sldId id="364" r:id="rId18"/>
-    <p:sldId id="381" r:id="rId19"/>
-    <p:sldId id="366" r:id="rId20"/>
-    <p:sldId id="367" r:id="rId21"/>
-    <p:sldId id="368" r:id="rId22"/>
-    <p:sldId id="369" r:id="rId23"/>
-    <p:sldId id="370" r:id="rId24"/>
-    <p:sldId id="382" r:id="rId25"/>
-    <p:sldId id="371" r:id="rId26"/>
-    <p:sldId id="375" r:id="rId27"/>
-    <p:sldId id="373" r:id="rId28"/>
-    <p:sldId id="374" r:id="rId29"/>
-    <p:sldId id="376" r:id="rId30"/>
-    <p:sldId id="383" r:id="rId31"/>
-    <p:sldId id="349" r:id="rId32"/>
-    <p:sldId id="361" r:id="rId33"/>
-    <p:sldId id="377" r:id="rId34"/>
-    <p:sldId id="385" r:id="rId35"/>
-    <p:sldId id="303" r:id="rId36"/>
-    <p:sldId id="386" r:id="rId37"/>
-    <p:sldId id="309" r:id="rId38"/>
+    <p:sldId id="379" r:id="rId3"/>
+    <p:sldId id="363" r:id="rId4"/>
+    <p:sldId id="388" r:id="rId5"/>
+    <p:sldId id="352" r:id="rId6"/>
+    <p:sldId id="384" r:id="rId7"/>
+    <p:sldId id="378" r:id="rId8"/>
+    <p:sldId id="304" r:id="rId9"/>
+    <p:sldId id="353" r:id="rId10"/>
+    <p:sldId id="354" r:id="rId11"/>
+    <p:sldId id="355" r:id="rId12"/>
+    <p:sldId id="356" r:id="rId13"/>
+    <p:sldId id="357" r:id="rId14"/>
+    <p:sldId id="359" r:id="rId15"/>
+    <p:sldId id="380" r:id="rId16"/>
+    <p:sldId id="351" r:id="rId17"/>
+    <p:sldId id="360" r:id="rId18"/>
+    <p:sldId id="364" r:id="rId19"/>
+    <p:sldId id="381" r:id="rId20"/>
+    <p:sldId id="366" r:id="rId21"/>
+    <p:sldId id="367" r:id="rId22"/>
+    <p:sldId id="368" r:id="rId23"/>
+    <p:sldId id="369" r:id="rId24"/>
+    <p:sldId id="370" r:id="rId25"/>
+    <p:sldId id="382" r:id="rId26"/>
+    <p:sldId id="371" r:id="rId27"/>
+    <p:sldId id="375" r:id="rId28"/>
+    <p:sldId id="373" r:id="rId29"/>
+    <p:sldId id="374" r:id="rId30"/>
+    <p:sldId id="376" r:id="rId31"/>
+    <p:sldId id="383" r:id="rId32"/>
+    <p:sldId id="349" r:id="rId33"/>
+    <p:sldId id="361" r:id="rId34"/>
+    <p:sldId id="377" r:id="rId35"/>
+    <p:sldId id="385" r:id="rId36"/>
+    <p:sldId id="303" r:id="rId37"/>
+    <p:sldId id="386" r:id="rId38"/>
+    <p:sldId id="309" r:id="rId39"/>
   </p:sldIdLst>
   <p:sldSz cx="12192000" cy="6858000"/>
   <p:notesSz cx="6858000" cy="9144000"/>
@@ -233,7 +234,7 @@
           <a:p>
             <a:fld id="{81C4B3FE-0320-8142-8396-5C3025C019EC}" type="datetimeFigureOut">
               <a:rPr lang="en-IT" smtClean="0"/>
-              <a:t>16/02/22</a:t>
+              <a:t>24/02/22</a:t>
             </a:fld>
             <a:endParaRPr lang="en-IT"/>
           </a:p>
@@ -650,7 +651,7 @@
           <a:p>
             <a:fld id="{CC0F43FB-3F33-3F4B-9768-2FBED988F992}" type="slidenum">
               <a:rPr lang="en-IT" smtClean="0"/>
-              <a:t>15</a:t>
+              <a:t>3</a:t>
             </a:fld>
             <a:endParaRPr lang="en-IT"/>
           </a:p>
@@ -659,7 +660,7 @@
     </p:spTree>
     <p:extLst>
       <p:ext uri="{BB962C8B-B14F-4D97-AF65-F5344CB8AC3E}">
-        <p14:creationId xmlns:p14="http://schemas.microsoft.com/office/powerpoint/2010/main" val="2024570438"/>
+        <p14:creationId xmlns:p14="http://schemas.microsoft.com/office/powerpoint/2010/main" val="2426855832"/>
       </p:ext>
     </p:extLst>
   </p:cSld>
@@ -743,7 +744,7 @@
     </p:spTree>
     <p:extLst>
       <p:ext uri="{BB962C8B-B14F-4D97-AF65-F5344CB8AC3E}">
-        <p14:creationId xmlns:p14="http://schemas.microsoft.com/office/powerpoint/2010/main" val="1004034773"/>
+        <p14:creationId xmlns:p14="http://schemas.microsoft.com/office/powerpoint/2010/main" val="2024570438"/>
       </p:ext>
     </p:extLst>
   </p:cSld>
@@ -818,7 +819,7 @@
           <a:p>
             <a:fld id="{CC0F43FB-3F33-3F4B-9768-2FBED988F992}" type="slidenum">
               <a:rPr lang="en-IT" smtClean="0"/>
-              <a:t>21</a:t>
+              <a:t>17</a:t>
             </a:fld>
             <a:endParaRPr lang="en-IT"/>
           </a:p>
@@ -827,7 +828,7 @@
     </p:spTree>
     <p:extLst>
       <p:ext uri="{BB962C8B-B14F-4D97-AF65-F5344CB8AC3E}">
-        <p14:creationId xmlns:p14="http://schemas.microsoft.com/office/powerpoint/2010/main" val="1549253498"/>
+        <p14:creationId xmlns:p14="http://schemas.microsoft.com/office/powerpoint/2010/main" val="1004034773"/>
       </p:ext>
     </p:extLst>
   </p:cSld>
@@ -902,7 +903,91 @@
           <a:p>
             <a:fld id="{CC0F43FB-3F33-3F4B-9768-2FBED988F992}" type="slidenum">
               <a:rPr lang="en-IT" smtClean="0"/>
-              <a:t>27</a:t>
+              <a:t>22</a:t>
+            </a:fld>
+            <a:endParaRPr lang="en-IT"/>
+          </a:p>
+        </p:txBody>
+      </p:sp>
+    </p:spTree>
+    <p:extLst>
+      <p:ext uri="{BB962C8B-B14F-4D97-AF65-F5344CB8AC3E}">
+        <p14:creationId xmlns:p14="http://schemas.microsoft.com/office/powerpoint/2010/main" val="1549253498"/>
+      </p:ext>
+    </p:extLst>
+  </p:cSld>
+  <p:clrMapOvr>
+    <a:masterClrMapping/>
+  </p:clrMapOvr>
+</p:notes>
+</file>
+
+<file path=ppt/notesSlides/notesSlide6.xml><?xml version="1.0" encoding="utf-8"?>
+<p:notes xmlns:a="http://schemas.openxmlformats.org/drawingml/2006/main" xmlns:r="http://schemas.openxmlformats.org/officeDocument/2006/relationships" xmlns:p="http://schemas.openxmlformats.org/presentationml/2006/main">
+  <p:cSld>
+    <p:spTree>
+      <p:nvGrpSpPr>
+        <p:cNvPr id="1" name=""/>
+        <p:cNvGrpSpPr/>
+        <p:nvPr/>
+      </p:nvGrpSpPr>
+      <p:grpSpPr>
+        <a:xfrm>
+          <a:off x="0" y="0"/>
+          <a:ext cx="0" cy="0"/>
+          <a:chOff x="0" y="0"/>
+          <a:chExt cx="0" cy="0"/>
+        </a:xfrm>
+      </p:grpSpPr>
+      <p:sp>
+        <p:nvSpPr>
+          <p:cNvPr id="2" name="Slide Image Placeholder 1"/>
+          <p:cNvSpPr>
+            <a:spLocks noGrp="1" noRot="1" noChangeAspect="1"/>
+          </p:cNvSpPr>
+          <p:nvPr>
+            <p:ph type="sldImg"/>
+          </p:nvPr>
+        </p:nvSpPr>
+        <p:spPr/>
+      </p:sp>
+      <p:sp>
+        <p:nvSpPr>
+          <p:cNvPr id="3" name="Notes Placeholder 2"/>
+          <p:cNvSpPr>
+            <a:spLocks noGrp="1"/>
+          </p:cNvSpPr>
+          <p:nvPr>
+            <p:ph type="body" idx="1"/>
+          </p:nvPr>
+        </p:nvSpPr>
+        <p:spPr/>
+        <p:txBody>
+          <a:bodyPr/>
+          <a:lstStyle/>
+          <a:p>
+            <a:endParaRPr lang="en-IT" dirty="0"/>
+          </a:p>
+        </p:txBody>
+      </p:sp>
+      <p:sp>
+        <p:nvSpPr>
+          <p:cNvPr id="4" name="Slide Number Placeholder 3"/>
+          <p:cNvSpPr>
+            <a:spLocks noGrp="1"/>
+          </p:cNvSpPr>
+          <p:nvPr>
+            <p:ph type="sldNum" sz="quarter" idx="5"/>
+          </p:nvPr>
+        </p:nvSpPr>
+        <p:spPr/>
+        <p:txBody>
+          <a:bodyPr/>
+          <a:lstStyle/>
+          <a:p>
+            <a:fld id="{CC0F43FB-3F33-3F4B-9768-2FBED988F992}" type="slidenum">
+              <a:rPr lang="en-IT" smtClean="0"/>
+              <a:t>28</a:t>
             </a:fld>
             <a:endParaRPr lang="en-IT"/>
           </a:p>
@@ -2972,7 +3057,7 @@
           <a:p>
             <a:r>
               <a:rPr lang="en-IT" dirty="0"/>
-              <a:t>Navigator basics – profilePage.dart boilerplate</a:t>
+              <a:t>Navigator basics – homePage.dart boilerplate</a:t>
             </a:r>
           </a:p>
         </p:txBody>
@@ -2996,7 +3081,7 @@
         <p:spPr>
           <a:xfrm>
             <a:off x="428172" y="1361167"/>
-            <a:ext cx="5498495" cy="5053180"/>
+            <a:ext cx="5146281" cy="5053180"/>
           </a:xfrm>
         </p:spPr>
         <p:txBody>
@@ -3053,7 +3138,7 @@
               <a:rPr lang="en-GB" sz="1600" dirty="0" err="1">
                 <a:latin typeface="Courier" pitchFamily="2" charset="0"/>
               </a:rPr>
-              <a:t>ProfilePage</a:t>
+              <a:t>HomePage</a:t>
             </a:r>
             <a:r>
               <a:rPr lang="en-GB" sz="1600" dirty="0">
@@ -3100,7 +3185,7 @@
               <a:rPr lang="en-GB" sz="1600" dirty="0" err="1">
                 <a:latin typeface="Courier" pitchFamily="2" charset="0"/>
               </a:rPr>
-              <a:t>ProfilePage</a:t>
+              <a:t>HomePage</a:t>
             </a:r>
             <a:r>
               <a:rPr lang="en-GB" sz="1600" dirty="0">
@@ -3141,19 +3226,7 @@
               <a:rPr lang="en-GB" sz="1600" dirty="0">
                 <a:latin typeface="Courier" pitchFamily="2" charset="0"/>
               </a:rPr>
-              <a:t> = '</a:t>
-            </a:r>
-            <a:r>
-              <a:rPr lang="en-GB" sz="1600" dirty="0" err="1">
-                <a:latin typeface="Courier" pitchFamily="2" charset="0"/>
-              </a:rPr>
-              <a:t>ProfilePage</a:t>
-            </a:r>
-            <a:r>
-              <a:rPr lang="en-GB" sz="1600" dirty="0">
-                <a:latin typeface="Courier" pitchFamily="2" charset="0"/>
-              </a:rPr>
-              <a:t>';</a:t>
+              <a:t> = 'Homepage';</a:t>
             </a:r>
           </a:p>
           <a:p>
@@ -3561,7 +3634,7 @@
               <a:rPr lang="en-GB" sz="1600" dirty="0">
                 <a:latin typeface="Courier" pitchFamily="2" charset="0"/>
               </a:rPr>
-              <a:t>          child: Text('To the home'),</a:t>
+              <a:t>          child: Text('To the profile'),</a:t>
             </a:r>
           </a:p>
           <a:p>
@@ -3684,7 +3757,7 @@
               <a:rPr lang="en-GB" sz="1600" dirty="0" err="1">
                 <a:latin typeface="Courier" pitchFamily="2" charset="0"/>
               </a:rPr>
-              <a:t>ProfilePage</a:t>
+              <a:t>HomePage</a:t>
             </a:r>
             <a:endParaRPr lang="en-IT" sz="1600" dirty="0">
               <a:latin typeface="Courier" pitchFamily="2" charset="0"/>
@@ -3695,7 +3768,7 @@
     </p:spTree>
     <p:extLst>
       <p:ext uri="{BB962C8B-B14F-4D97-AF65-F5344CB8AC3E}">
-        <p14:creationId xmlns:p14="http://schemas.microsoft.com/office/powerpoint/2010/main" val="3586695086"/>
+        <p14:creationId xmlns:p14="http://schemas.microsoft.com/office/powerpoint/2010/main" val="981630110"/>
       </p:ext>
     </p:extLst>
   </p:cSld>
@@ -3745,6 +3818,779 @@
           <a:p>
             <a:r>
               <a:rPr lang="en-IT" dirty="0"/>
+              <a:t>Navigator basics – profilePage.dart boilerplate</a:t>
+            </a:r>
+          </a:p>
+        </p:txBody>
+      </p:sp>
+      <p:sp>
+        <p:nvSpPr>
+          <p:cNvPr id="6" name="Content Placeholder 5">
+            <a:extLst>
+              <a:ext uri="{FF2B5EF4-FFF2-40B4-BE49-F238E27FC236}">
+                <a16:creationId xmlns:a16="http://schemas.microsoft.com/office/drawing/2014/main" id="{1CFD16F6-AE87-6245-A265-931E7A6676CD}"/>
+              </a:ext>
+            </a:extLst>
+          </p:cNvPr>
+          <p:cNvSpPr>
+            <a:spLocks noGrp="1"/>
+          </p:cNvSpPr>
+          <p:nvPr>
+            <p:ph idx="1"/>
+          </p:nvPr>
+        </p:nvSpPr>
+        <p:spPr>
+          <a:xfrm>
+            <a:off x="428172" y="1361167"/>
+            <a:ext cx="5498495" cy="5053180"/>
+          </a:xfrm>
+        </p:spPr>
+        <p:txBody>
+          <a:bodyPr>
+            <a:normAutofit/>
+          </a:bodyPr>
+          <a:lstStyle/>
+          <a:p>
+            <a:pPr marL="0" indent="0">
+              <a:buNone/>
+            </a:pPr>
+            <a:r>
+              <a:rPr lang="en-GB" sz="1600" dirty="0">
+                <a:latin typeface="Courier" pitchFamily="2" charset="0"/>
+              </a:rPr>
+              <a:t>import '</a:t>
+            </a:r>
+            <a:r>
+              <a:rPr lang="en-GB" sz="1600" dirty="0" err="1">
+                <a:latin typeface="Courier" pitchFamily="2" charset="0"/>
+              </a:rPr>
+              <a:t>package:flutter</a:t>
+            </a:r>
+            <a:r>
+              <a:rPr lang="en-GB" sz="1600" dirty="0">
+                <a:latin typeface="Courier" pitchFamily="2" charset="0"/>
+              </a:rPr>
+              <a:t>/</a:t>
+            </a:r>
+            <a:r>
+              <a:rPr lang="en-GB" sz="1600" dirty="0" err="1">
+                <a:latin typeface="Courier" pitchFamily="2" charset="0"/>
+              </a:rPr>
+              <a:t>material.dart</a:t>
+            </a:r>
+            <a:r>
+              <a:rPr lang="en-GB" sz="1600" dirty="0">
+                <a:latin typeface="Courier" pitchFamily="2" charset="0"/>
+              </a:rPr>
+              <a:t>';</a:t>
+            </a:r>
+          </a:p>
+          <a:p>
+            <a:pPr marL="0" indent="0">
+              <a:buNone/>
+            </a:pPr>
+            <a:r>
+              <a:rPr lang="en-GB" sz="1600" dirty="0">
+                <a:latin typeface="Courier" pitchFamily="2" charset="0"/>
+              </a:rPr>
+              <a:t>class </a:t>
+            </a:r>
+            <a:r>
+              <a:rPr lang="en-GB" sz="1600" dirty="0" err="1">
+                <a:latin typeface="Courier" pitchFamily="2" charset="0"/>
+              </a:rPr>
+              <a:t>ProfilePage</a:t>
+            </a:r>
+            <a:r>
+              <a:rPr lang="en-GB" sz="1600" dirty="0">
+                <a:latin typeface="Courier" pitchFamily="2" charset="0"/>
+              </a:rPr>
+              <a:t> extends </a:t>
+            </a:r>
+            <a:r>
+              <a:rPr lang="en-GB" sz="1600" dirty="0" err="1">
+                <a:latin typeface="Courier" pitchFamily="2" charset="0"/>
+              </a:rPr>
+              <a:t>StatelessWidget</a:t>
+            </a:r>
+            <a:r>
+              <a:rPr lang="en-GB" sz="1600" dirty="0">
+                <a:latin typeface="Courier" pitchFamily="2" charset="0"/>
+              </a:rPr>
+              <a:t> {</a:t>
+            </a:r>
+          </a:p>
+          <a:p>
+            <a:pPr marL="0" indent="0">
+              <a:buNone/>
+            </a:pPr>
+            <a:r>
+              <a:rPr lang="en-GB" sz="1600" dirty="0">
+                <a:latin typeface="Courier" pitchFamily="2" charset="0"/>
+              </a:rPr>
+              <a:t>  </a:t>
+            </a:r>
+            <a:r>
+              <a:rPr lang="en-GB" sz="1600" dirty="0" err="1">
+                <a:latin typeface="Courier" pitchFamily="2" charset="0"/>
+              </a:rPr>
+              <a:t>const</a:t>
+            </a:r>
+            <a:r>
+              <a:rPr lang="en-GB" sz="1600" dirty="0">
+                <a:latin typeface="Courier" pitchFamily="2" charset="0"/>
+              </a:rPr>
+              <a:t> </a:t>
+            </a:r>
+            <a:r>
+              <a:rPr lang="en-GB" sz="1600" dirty="0" err="1">
+                <a:latin typeface="Courier" pitchFamily="2" charset="0"/>
+              </a:rPr>
+              <a:t>ProfilePage</a:t>
+            </a:r>
+            <a:r>
+              <a:rPr lang="en-GB" sz="1600" dirty="0">
+                <a:latin typeface="Courier" pitchFamily="2" charset="0"/>
+              </a:rPr>
+              <a:t>({Key? key}) : super(key: key);</a:t>
+            </a:r>
+          </a:p>
+          <a:p>
+            <a:pPr marL="0" indent="0">
+              <a:buNone/>
+            </a:pPr>
+            <a:r>
+              <a:rPr lang="en-GB" sz="1600" dirty="0">
+                <a:latin typeface="Courier" pitchFamily="2" charset="0"/>
+              </a:rPr>
+              <a:t>  static </a:t>
+            </a:r>
+            <a:r>
+              <a:rPr lang="en-GB" sz="1600" dirty="0" err="1">
+                <a:latin typeface="Courier" pitchFamily="2" charset="0"/>
+              </a:rPr>
+              <a:t>const</a:t>
+            </a:r>
+            <a:r>
+              <a:rPr lang="en-GB" sz="1600" dirty="0">
+                <a:latin typeface="Courier" pitchFamily="2" charset="0"/>
+              </a:rPr>
+              <a:t> </a:t>
+            </a:r>
+            <a:r>
+              <a:rPr lang="en-GB" sz="1600" dirty="0" err="1">
+                <a:latin typeface="Courier" pitchFamily="2" charset="0"/>
+              </a:rPr>
+              <a:t>routename</a:t>
+            </a:r>
+            <a:r>
+              <a:rPr lang="en-GB" sz="1600" dirty="0">
+                <a:latin typeface="Courier" pitchFamily="2" charset="0"/>
+              </a:rPr>
+              <a:t> = '</a:t>
+            </a:r>
+            <a:r>
+              <a:rPr lang="en-GB" sz="1600" dirty="0" err="1">
+                <a:latin typeface="Courier" pitchFamily="2" charset="0"/>
+              </a:rPr>
+              <a:t>ProfilePage</a:t>
+            </a:r>
+            <a:r>
+              <a:rPr lang="en-GB" sz="1600" dirty="0">
+                <a:latin typeface="Courier" pitchFamily="2" charset="0"/>
+              </a:rPr>
+              <a:t>';</a:t>
+            </a:r>
+          </a:p>
+          <a:p>
+            <a:pPr marL="0" indent="0">
+              <a:buNone/>
+            </a:pPr>
+            <a:r>
+              <a:rPr lang="en-GB" sz="1600" dirty="0">
+                <a:latin typeface="Courier" pitchFamily="2" charset="0"/>
+              </a:rPr>
+              <a:t>  @override</a:t>
+            </a:r>
+          </a:p>
+          <a:p>
+            <a:pPr marL="0" indent="0">
+              <a:buNone/>
+            </a:pPr>
+            <a:r>
+              <a:rPr lang="en-GB" sz="1600" dirty="0">
+                <a:latin typeface="Courier" pitchFamily="2" charset="0"/>
+              </a:rPr>
+              <a:t>  Widget build(</a:t>
+            </a:r>
+            <a:r>
+              <a:rPr lang="en-GB" sz="1600" dirty="0" err="1">
+                <a:latin typeface="Courier" pitchFamily="2" charset="0"/>
+              </a:rPr>
+              <a:t>BuildContext</a:t>
+            </a:r>
+            <a:r>
+              <a:rPr lang="en-GB" sz="1600" dirty="0">
+                <a:latin typeface="Courier" pitchFamily="2" charset="0"/>
+              </a:rPr>
+              <a:t> context) {</a:t>
+            </a:r>
+          </a:p>
+          <a:p>
+            <a:pPr marL="0" indent="0">
+              <a:buNone/>
+            </a:pPr>
+            <a:r>
+              <a:rPr lang="en-GB" sz="1600" dirty="0">
+                <a:latin typeface="Courier" pitchFamily="2" charset="0"/>
+              </a:rPr>
+              <a:t>    return Scaffold(</a:t>
+            </a:r>
+          </a:p>
+          <a:p>
+            <a:pPr marL="0" indent="0">
+              <a:buNone/>
+            </a:pPr>
+            <a:r>
+              <a:rPr lang="en-GB" sz="1600" dirty="0">
+                <a:latin typeface="Courier" pitchFamily="2" charset="0"/>
+              </a:rPr>
+              <a:t>      </a:t>
+            </a:r>
+            <a:r>
+              <a:rPr lang="en-GB" sz="1600" dirty="0" err="1">
+                <a:latin typeface="Courier" pitchFamily="2" charset="0"/>
+              </a:rPr>
+              <a:t>appBar</a:t>
+            </a:r>
+            <a:r>
+              <a:rPr lang="en-GB" sz="1600" dirty="0">
+                <a:latin typeface="Courier" pitchFamily="2" charset="0"/>
+              </a:rPr>
+              <a:t>: </a:t>
+            </a:r>
+            <a:r>
+              <a:rPr lang="en-GB" sz="1600" dirty="0" err="1">
+                <a:latin typeface="Courier" pitchFamily="2" charset="0"/>
+              </a:rPr>
+              <a:t>AppBar</a:t>
+            </a:r>
+            <a:r>
+              <a:rPr lang="en-GB" sz="1600" dirty="0">
+                <a:latin typeface="Courier" pitchFamily="2" charset="0"/>
+              </a:rPr>
+              <a:t>(</a:t>
+            </a:r>
+          </a:p>
+          <a:p>
+            <a:pPr marL="0" indent="0">
+              <a:buNone/>
+            </a:pPr>
+            <a:r>
+              <a:rPr lang="en-GB" sz="1600" dirty="0">
+                <a:latin typeface="Courier" pitchFamily="2" charset="0"/>
+              </a:rPr>
+              <a:t>        title: Text(</a:t>
+            </a:r>
+            <a:r>
+              <a:rPr lang="en-GB" sz="1600" dirty="0" err="1">
+                <a:latin typeface="Courier" pitchFamily="2" charset="0"/>
+              </a:rPr>
+              <a:t>HomePage.routename</a:t>
+            </a:r>
+            <a:r>
+              <a:rPr lang="en-GB" sz="1600" dirty="0">
+                <a:latin typeface="Courier" pitchFamily="2" charset="0"/>
+              </a:rPr>
+              <a:t>),</a:t>
+            </a:r>
+          </a:p>
+          <a:p>
+            <a:pPr marL="0" indent="0">
+              <a:buNone/>
+            </a:pPr>
+            <a:r>
+              <a:rPr lang="en-GB" sz="1600" dirty="0">
+                <a:latin typeface="Courier" pitchFamily="2" charset="0"/>
+              </a:rPr>
+              <a:t>      ),</a:t>
+            </a:r>
+          </a:p>
+          <a:p>
+            <a:pPr marL="0" indent="0">
+              <a:buNone/>
+            </a:pPr>
+            <a:r>
+              <a:rPr lang="en-GB" sz="1600" dirty="0">
+                <a:latin typeface="Courier" pitchFamily="2" charset="0"/>
+              </a:rPr>
+              <a:t>      ...</a:t>
+            </a:r>
+            <a:endParaRPr lang="en-IT" sz="1600" dirty="0">
+              <a:latin typeface="Courier" pitchFamily="2" charset="0"/>
+            </a:endParaRPr>
+          </a:p>
+        </p:txBody>
+      </p:sp>
+      <p:sp>
+        <p:nvSpPr>
+          <p:cNvPr id="5" name="Content Placeholder 5">
+            <a:extLst>
+              <a:ext uri="{FF2B5EF4-FFF2-40B4-BE49-F238E27FC236}">
+                <a16:creationId xmlns:a16="http://schemas.microsoft.com/office/drawing/2014/main" id="{2CD0E24D-F407-C340-8481-9E200196E293}"/>
+              </a:ext>
+            </a:extLst>
+          </p:cNvPr>
+          <p:cNvSpPr txBox="1">
+            <a:spLocks/>
+          </p:cNvSpPr>
+          <p:nvPr/>
+        </p:nvSpPr>
+        <p:spPr>
+          <a:xfrm>
+            <a:off x="6317585" y="1892873"/>
+            <a:ext cx="5146281" cy="5053180"/>
+          </a:xfrm>
+          <a:prstGeom prst="rect">
+            <a:avLst/>
+          </a:prstGeom>
+        </p:spPr>
+        <p:txBody>
+          <a:bodyPr vert="horz" lIns="91440" tIns="45720" rIns="91440" bIns="45720" rtlCol="0">
+            <a:normAutofit/>
+          </a:bodyPr>
+          <a:lstStyle>
+            <a:lvl1pPr marL="342900" indent="-342900" algn="l" defTabSz="914400" rtl="0" eaLnBrk="1" latinLnBrk="0" hangingPunct="1">
+              <a:lnSpc>
+                <a:spcPct val="90000"/>
+              </a:lnSpc>
+              <a:spcBef>
+                <a:spcPts val="1000"/>
+              </a:spcBef>
+              <a:buClr>
+                <a:srgbClr val="00B050"/>
+              </a:buClr>
+              <a:buFont typeface="Wingdings" panose="05000000000000000000" pitchFamily="2" charset="2"/>
+              <a:buChar char="Ø"/>
+              <a:defRPr sz="2400" kern="1200">
+                <a:solidFill>
+                  <a:schemeClr val="tx1"/>
+                </a:solidFill>
+                <a:latin typeface="Palatino Linotype" panose="02040502050505030304" pitchFamily="18" charset="0"/>
+                <a:ea typeface="+mn-ea"/>
+                <a:cs typeface="+mn-cs"/>
+              </a:defRPr>
+            </a:lvl1pPr>
+            <a:lvl2pPr marL="685800" indent="-228600" algn="l" defTabSz="914400" rtl="0" eaLnBrk="1" latinLnBrk="0" hangingPunct="1">
+              <a:lnSpc>
+                <a:spcPct val="90000"/>
+              </a:lnSpc>
+              <a:spcBef>
+                <a:spcPts val="500"/>
+              </a:spcBef>
+              <a:buClr>
+                <a:srgbClr val="00B050"/>
+              </a:buClr>
+              <a:buFont typeface="Wingdings" panose="05000000000000000000" pitchFamily="2" charset="2"/>
+              <a:buChar char="§"/>
+              <a:defRPr sz="2000" kern="1200">
+                <a:solidFill>
+                  <a:schemeClr val="tx1"/>
+                </a:solidFill>
+                <a:latin typeface="Palatino Linotype" panose="02040502050505030304" pitchFamily="18" charset="0"/>
+                <a:ea typeface="+mn-ea"/>
+                <a:cs typeface="+mn-cs"/>
+              </a:defRPr>
+            </a:lvl2pPr>
+            <a:lvl3pPr marL="1143000" indent="-228600" algn="l" defTabSz="914400" rtl="0" eaLnBrk="1" latinLnBrk="0" hangingPunct="1">
+              <a:lnSpc>
+                <a:spcPct val="90000"/>
+              </a:lnSpc>
+              <a:spcBef>
+                <a:spcPts val="500"/>
+              </a:spcBef>
+              <a:buClr>
+                <a:srgbClr val="00B050"/>
+              </a:buClr>
+              <a:buFont typeface="Arial" panose="020B0604020202020204" pitchFamily="34" charset="0"/>
+              <a:buChar char="•"/>
+              <a:defRPr sz="1800" kern="1200">
+                <a:solidFill>
+                  <a:schemeClr val="tx1"/>
+                </a:solidFill>
+                <a:latin typeface="Palatino Linotype" panose="02040502050505030304" pitchFamily="18" charset="0"/>
+                <a:ea typeface="+mn-ea"/>
+                <a:cs typeface="+mn-cs"/>
+              </a:defRPr>
+            </a:lvl3pPr>
+            <a:lvl4pPr marL="1600200" indent="-228600" algn="l" defTabSz="914400" rtl="0" eaLnBrk="1" latinLnBrk="0" hangingPunct="1">
+              <a:lnSpc>
+                <a:spcPct val="90000"/>
+              </a:lnSpc>
+              <a:spcBef>
+                <a:spcPts val="500"/>
+              </a:spcBef>
+              <a:buClr>
+                <a:srgbClr val="00B050"/>
+              </a:buClr>
+              <a:buFont typeface="Courier New" panose="02070309020205020404" pitchFamily="49" charset="0"/>
+              <a:buChar char="o"/>
+              <a:defRPr sz="1600" kern="1200">
+                <a:solidFill>
+                  <a:schemeClr val="tx1"/>
+                </a:solidFill>
+                <a:latin typeface="Palatino Linotype" panose="02040502050505030304" pitchFamily="18" charset="0"/>
+                <a:ea typeface="+mn-ea"/>
+                <a:cs typeface="+mn-cs"/>
+              </a:defRPr>
+            </a:lvl4pPr>
+            <a:lvl5pPr marL="2057400" indent="-228600" algn="l" defTabSz="914400" rtl="0" eaLnBrk="1" latinLnBrk="0" hangingPunct="1">
+              <a:lnSpc>
+                <a:spcPct val="90000"/>
+              </a:lnSpc>
+              <a:spcBef>
+                <a:spcPts val="500"/>
+              </a:spcBef>
+              <a:buClr>
+                <a:srgbClr val="00B050"/>
+              </a:buClr>
+              <a:buFont typeface="Times New Roman" panose="02020603050405020304" pitchFamily="18" charset="0"/>
+              <a:buChar char="̶"/>
+              <a:defRPr sz="1600" kern="1200">
+                <a:solidFill>
+                  <a:schemeClr val="tx1"/>
+                </a:solidFill>
+                <a:latin typeface="Palatino Linotype" panose="02040502050505030304" pitchFamily="18" charset="0"/>
+                <a:ea typeface="+mn-ea"/>
+                <a:cs typeface="+mn-cs"/>
+              </a:defRPr>
+            </a:lvl5pPr>
+            <a:lvl6pPr marL="2514600" indent="-228600" algn="l" defTabSz="914400" rtl="0" eaLnBrk="1" latinLnBrk="0" hangingPunct="1">
+              <a:lnSpc>
+                <a:spcPct val="90000"/>
+              </a:lnSpc>
+              <a:spcBef>
+                <a:spcPts val="500"/>
+              </a:spcBef>
+              <a:buFont typeface="Arial" panose="020B0604020202020204" pitchFamily="34" charset="0"/>
+              <a:buChar char="•"/>
+              <a:defRPr sz="1800" kern="1200">
+                <a:solidFill>
+                  <a:schemeClr val="tx1"/>
+                </a:solidFill>
+                <a:latin typeface="+mn-lt"/>
+                <a:ea typeface="+mn-ea"/>
+                <a:cs typeface="+mn-cs"/>
+              </a:defRPr>
+            </a:lvl6pPr>
+            <a:lvl7pPr marL="2971800" indent="-228600" algn="l" defTabSz="914400" rtl="0" eaLnBrk="1" latinLnBrk="0" hangingPunct="1">
+              <a:lnSpc>
+                <a:spcPct val="90000"/>
+              </a:lnSpc>
+              <a:spcBef>
+                <a:spcPts val="500"/>
+              </a:spcBef>
+              <a:buFont typeface="Arial" panose="020B0604020202020204" pitchFamily="34" charset="0"/>
+              <a:buChar char="•"/>
+              <a:defRPr sz="1800" kern="1200">
+                <a:solidFill>
+                  <a:schemeClr val="tx1"/>
+                </a:solidFill>
+                <a:latin typeface="+mn-lt"/>
+                <a:ea typeface="+mn-ea"/>
+                <a:cs typeface="+mn-cs"/>
+              </a:defRPr>
+            </a:lvl7pPr>
+            <a:lvl8pPr marL="3429000" indent="-228600" algn="l" defTabSz="914400" rtl="0" eaLnBrk="1" latinLnBrk="0" hangingPunct="1">
+              <a:lnSpc>
+                <a:spcPct val="90000"/>
+              </a:lnSpc>
+              <a:spcBef>
+                <a:spcPts val="500"/>
+              </a:spcBef>
+              <a:buFont typeface="Arial" panose="020B0604020202020204" pitchFamily="34" charset="0"/>
+              <a:buChar char="•"/>
+              <a:defRPr sz="1800" kern="1200">
+                <a:solidFill>
+                  <a:schemeClr val="tx1"/>
+                </a:solidFill>
+                <a:latin typeface="+mn-lt"/>
+                <a:ea typeface="+mn-ea"/>
+                <a:cs typeface="+mn-cs"/>
+              </a:defRPr>
+            </a:lvl8pPr>
+            <a:lvl9pPr marL="3886200" indent="-228600" algn="l" defTabSz="914400" rtl="0" eaLnBrk="1" latinLnBrk="0" hangingPunct="1">
+              <a:lnSpc>
+                <a:spcPct val="90000"/>
+              </a:lnSpc>
+              <a:spcBef>
+                <a:spcPts val="500"/>
+              </a:spcBef>
+              <a:buFont typeface="Arial" panose="020B0604020202020204" pitchFamily="34" charset="0"/>
+              <a:buChar char="•"/>
+              <a:defRPr sz="1800" kern="1200">
+                <a:solidFill>
+                  <a:schemeClr val="tx1"/>
+                </a:solidFill>
+                <a:latin typeface="+mn-lt"/>
+                <a:ea typeface="+mn-ea"/>
+                <a:cs typeface="+mn-cs"/>
+              </a:defRPr>
+            </a:lvl9pPr>
+          </a:lstStyle>
+          <a:p>
+            <a:pPr marL="0" indent="0">
+              <a:buFont typeface="Wingdings" panose="05000000000000000000" pitchFamily="2" charset="2"/>
+              <a:buNone/>
+            </a:pPr>
+            <a:r>
+              <a:rPr lang="en-GB" sz="1600" dirty="0">
+                <a:latin typeface="Courier" pitchFamily="2" charset="0"/>
+              </a:rPr>
+              <a:t>...</a:t>
+            </a:r>
+          </a:p>
+          <a:p>
+            <a:pPr marL="0" indent="0">
+              <a:buFont typeface="Wingdings" panose="05000000000000000000" pitchFamily="2" charset="2"/>
+              <a:buNone/>
+            </a:pPr>
+            <a:r>
+              <a:rPr lang="en-GB" sz="1600" dirty="0">
+                <a:latin typeface="Courier" pitchFamily="2" charset="0"/>
+              </a:rPr>
+              <a:t>body: </a:t>
+            </a:r>
+            <a:r>
+              <a:rPr lang="en-GB" sz="1600" dirty="0" err="1">
+                <a:latin typeface="Courier" pitchFamily="2" charset="0"/>
+              </a:rPr>
+              <a:t>Center</a:t>
+            </a:r>
+            <a:r>
+              <a:rPr lang="en-GB" sz="1600" dirty="0">
+                <a:latin typeface="Courier" pitchFamily="2" charset="0"/>
+              </a:rPr>
+              <a:t>(</a:t>
+            </a:r>
+          </a:p>
+          <a:p>
+            <a:pPr marL="0" indent="0">
+              <a:buFont typeface="Wingdings" panose="05000000000000000000" pitchFamily="2" charset="2"/>
+              <a:buNone/>
+            </a:pPr>
+            <a:r>
+              <a:rPr lang="en-GB" sz="1600" dirty="0">
+                <a:latin typeface="Courier" pitchFamily="2" charset="0"/>
+              </a:rPr>
+              <a:t>        child: </a:t>
+            </a:r>
+            <a:r>
+              <a:rPr lang="en-GB" sz="1600" dirty="0" err="1">
+                <a:latin typeface="Courier" pitchFamily="2" charset="0"/>
+              </a:rPr>
+              <a:t>ElevatedButton</a:t>
+            </a:r>
+            <a:r>
+              <a:rPr lang="en-GB" sz="1600" dirty="0">
+                <a:latin typeface="Courier" pitchFamily="2" charset="0"/>
+              </a:rPr>
+              <a:t>(</a:t>
+            </a:r>
+          </a:p>
+          <a:p>
+            <a:pPr marL="0" indent="0">
+              <a:buFont typeface="Wingdings" panose="05000000000000000000" pitchFamily="2" charset="2"/>
+              <a:buNone/>
+            </a:pPr>
+            <a:r>
+              <a:rPr lang="en-GB" sz="1600" dirty="0">
+                <a:latin typeface="Courier" pitchFamily="2" charset="0"/>
+              </a:rPr>
+              <a:t>          child: Text('To the home'),</a:t>
+            </a:r>
+          </a:p>
+          <a:p>
+            <a:pPr marL="0" indent="0">
+              <a:buFont typeface="Wingdings" panose="05000000000000000000" pitchFamily="2" charset="2"/>
+              <a:buNone/>
+            </a:pPr>
+            <a:r>
+              <a:rPr lang="en-GB" sz="1600" dirty="0">
+                <a:latin typeface="Courier" pitchFamily="2" charset="0"/>
+              </a:rPr>
+              <a:t>          </a:t>
+            </a:r>
+            <a:r>
+              <a:rPr lang="en-GB" sz="1600" dirty="0" err="1">
+                <a:latin typeface="Courier" pitchFamily="2" charset="0"/>
+              </a:rPr>
+              <a:t>onPressed</a:t>
+            </a:r>
+            <a:r>
+              <a:rPr lang="en-GB" sz="1600" dirty="0">
+                <a:latin typeface="Courier" pitchFamily="2" charset="0"/>
+              </a:rPr>
+              <a:t>: () {</a:t>
+            </a:r>
+          </a:p>
+          <a:p>
+            <a:pPr marL="0" indent="0">
+              <a:buFont typeface="Wingdings" panose="05000000000000000000" pitchFamily="2" charset="2"/>
+              <a:buNone/>
+            </a:pPr>
+            <a:r>
+              <a:rPr lang="en-GB" sz="1600" dirty="0">
+                <a:latin typeface="Courier" pitchFamily="2" charset="0"/>
+              </a:rPr>
+              <a:t>            </a:t>
+            </a:r>
+            <a:r>
+              <a:rPr lang="en-GB" sz="1600" b="1" dirty="0">
+                <a:highlight>
+                  <a:srgbClr val="FFFF00"/>
+                </a:highlight>
+                <a:latin typeface="Courier" pitchFamily="2" charset="0"/>
+              </a:rPr>
+              <a:t>//TODO: implement the navigation</a:t>
+            </a:r>
+          </a:p>
+          <a:p>
+            <a:pPr marL="0" indent="0">
+              <a:buFont typeface="Wingdings" panose="05000000000000000000" pitchFamily="2" charset="2"/>
+              <a:buNone/>
+            </a:pPr>
+            <a:r>
+              <a:rPr lang="en-GB" sz="1600" dirty="0">
+                <a:latin typeface="Courier" pitchFamily="2" charset="0"/>
+              </a:rPr>
+              <a:t>          },</a:t>
+            </a:r>
+          </a:p>
+          <a:p>
+            <a:pPr marL="0" indent="0">
+              <a:buFont typeface="Wingdings" panose="05000000000000000000" pitchFamily="2" charset="2"/>
+              <a:buNone/>
+            </a:pPr>
+            <a:r>
+              <a:rPr lang="en-GB" sz="1600" dirty="0">
+                <a:latin typeface="Courier" pitchFamily="2" charset="0"/>
+              </a:rPr>
+              <a:t>        ),</a:t>
+            </a:r>
+          </a:p>
+          <a:p>
+            <a:pPr marL="0" indent="0">
+              <a:buFont typeface="Wingdings" panose="05000000000000000000" pitchFamily="2" charset="2"/>
+              <a:buNone/>
+            </a:pPr>
+            <a:r>
+              <a:rPr lang="en-GB" sz="1600" dirty="0">
+                <a:latin typeface="Courier" pitchFamily="2" charset="0"/>
+              </a:rPr>
+              <a:t>      ),</a:t>
+            </a:r>
+          </a:p>
+          <a:p>
+            <a:pPr marL="0" indent="0">
+              <a:buFont typeface="Wingdings" panose="05000000000000000000" pitchFamily="2" charset="2"/>
+              <a:buNone/>
+            </a:pPr>
+            <a:r>
+              <a:rPr lang="en-GB" sz="1600" dirty="0">
+                <a:latin typeface="Courier" pitchFamily="2" charset="0"/>
+              </a:rPr>
+              <a:t>    );</a:t>
+            </a:r>
+          </a:p>
+          <a:p>
+            <a:pPr marL="0" indent="0">
+              <a:buFont typeface="Wingdings" panose="05000000000000000000" pitchFamily="2" charset="2"/>
+              <a:buNone/>
+            </a:pPr>
+            <a:r>
+              <a:rPr lang="en-GB" sz="1600" dirty="0">
+                <a:latin typeface="Courier" pitchFamily="2" charset="0"/>
+              </a:rPr>
+              <a:t>  } //build</a:t>
+            </a:r>
+          </a:p>
+          <a:p>
+            <a:pPr marL="0" indent="0">
+              <a:buFont typeface="Wingdings" panose="05000000000000000000" pitchFamily="2" charset="2"/>
+              <a:buNone/>
+            </a:pPr>
+            <a:r>
+              <a:rPr lang="en-GB" sz="1600" dirty="0">
+                <a:latin typeface="Courier" pitchFamily="2" charset="0"/>
+              </a:rPr>
+              <a:t>} //</a:t>
+            </a:r>
+            <a:r>
+              <a:rPr lang="en-GB" sz="1600" dirty="0" err="1">
+                <a:latin typeface="Courier" pitchFamily="2" charset="0"/>
+              </a:rPr>
+              <a:t>ProfilePage</a:t>
+            </a:r>
+            <a:endParaRPr lang="en-IT" sz="1600" dirty="0">
+              <a:latin typeface="Courier" pitchFamily="2" charset="0"/>
+            </a:endParaRPr>
+          </a:p>
+        </p:txBody>
+      </p:sp>
+    </p:spTree>
+    <p:extLst>
+      <p:ext uri="{BB962C8B-B14F-4D97-AF65-F5344CB8AC3E}">
+        <p14:creationId xmlns:p14="http://schemas.microsoft.com/office/powerpoint/2010/main" val="3586695086"/>
+      </p:ext>
+    </p:extLst>
+  </p:cSld>
+  <p:clrMapOvr>
+    <a:masterClrMapping/>
+  </p:clrMapOvr>
+</p:sld>
+</file>
+
+<file path=ppt/slides/slide12.xml><?xml version="1.0" encoding="utf-8"?>
+<p:sld xmlns:a="http://schemas.openxmlformats.org/drawingml/2006/main" xmlns:r="http://schemas.openxmlformats.org/officeDocument/2006/relationships" xmlns:p="http://schemas.openxmlformats.org/presentationml/2006/main">
+  <p:cSld>
+    <p:spTree>
+      <p:nvGrpSpPr>
+        <p:cNvPr id="1" name=""/>
+        <p:cNvGrpSpPr/>
+        <p:nvPr/>
+      </p:nvGrpSpPr>
+      <p:grpSpPr>
+        <a:xfrm>
+          <a:off x="0" y="0"/>
+          <a:ext cx="0" cy="0"/>
+          <a:chOff x="0" y="0"/>
+          <a:chExt cx="0" cy="0"/>
+        </a:xfrm>
+      </p:grpSpPr>
+      <p:sp>
+        <p:nvSpPr>
+          <p:cNvPr id="2" name="Title 1">
+            <a:extLst>
+              <a:ext uri="{FF2B5EF4-FFF2-40B4-BE49-F238E27FC236}">
+                <a16:creationId xmlns:a16="http://schemas.microsoft.com/office/drawing/2014/main" id="{122C1E14-0610-FB4E-BCD3-3BA8CADF9D02}"/>
+              </a:ext>
+            </a:extLst>
+          </p:cNvPr>
+          <p:cNvSpPr>
+            <a:spLocks noGrp="1"/>
+          </p:cNvSpPr>
+          <p:nvPr>
+            <p:ph type="title"/>
+          </p:nvPr>
+        </p:nvSpPr>
+        <p:spPr/>
+        <p:txBody>
+          <a:bodyPr/>
+          <a:lstStyle/>
+          <a:p>
+            <a:r>
+              <a:rPr lang="en-IT" dirty="0"/>
               <a:t>Navigator basics – main.dart boilerplate</a:t>
             </a:r>
           </a:p>
@@ -4151,7 +4997,7 @@
 </p:sld>
 </file>
 
-<file path=ppt/slides/slide12.xml><?xml version="1.0" encoding="utf-8"?>
+<file path=ppt/slides/slide13.xml><?xml version="1.0" encoding="utf-8"?>
 <p:sld xmlns:a="http://schemas.openxmlformats.org/drawingml/2006/main" xmlns:r="http://schemas.openxmlformats.org/officeDocument/2006/relationships" xmlns:p="http://schemas.openxmlformats.org/presentationml/2006/main">
   <p:cSld>
     <p:spTree>
@@ -5764,7 +6610,7 @@
 </p:sld>
 </file>
 
-<file path=ppt/slides/slide13.xml><?xml version="1.0" encoding="utf-8"?>
+<file path=ppt/slides/slide14.xml><?xml version="1.0" encoding="utf-8"?>
 <p:sld xmlns:a="http://schemas.openxmlformats.org/drawingml/2006/main" xmlns:r="http://schemas.openxmlformats.org/officeDocument/2006/relationships" xmlns:p="http://schemas.openxmlformats.org/presentationml/2006/main">
   <p:cSld>
     <p:spTree>
@@ -6528,195 +7374,6 @@
 </p:sld>
 </file>
 
-<file path=ppt/slides/slide14.xml><?xml version="1.0" encoding="utf-8"?>
-<p:sld xmlns:a="http://schemas.openxmlformats.org/drawingml/2006/main" xmlns:r="http://schemas.openxmlformats.org/officeDocument/2006/relationships" xmlns:p="http://schemas.openxmlformats.org/presentationml/2006/main">
-  <p:cSld>
-    <p:spTree>
-      <p:nvGrpSpPr>
-        <p:cNvPr id="1" name=""/>
-        <p:cNvGrpSpPr/>
-        <p:nvPr/>
-      </p:nvGrpSpPr>
-      <p:grpSpPr>
-        <a:xfrm>
-          <a:off x="0" y="0"/>
-          <a:ext cx="0" cy="0"/>
-          <a:chOff x="0" y="0"/>
-          <a:chExt cx="0" cy="0"/>
-        </a:xfrm>
-      </p:grpSpPr>
-      <p:sp>
-        <p:nvSpPr>
-          <p:cNvPr id="2" name="Title 1">
-            <a:extLst>
-              <a:ext uri="{FF2B5EF4-FFF2-40B4-BE49-F238E27FC236}">
-                <a16:creationId xmlns:a16="http://schemas.microsoft.com/office/drawing/2014/main" id="{122C1E14-0610-FB4E-BCD3-3BA8CADF9D02}"/>
-              </a:ext>
-            </a:extLst>
-          </p:cNvPr>
-          <p:cNvSpPr>
-            <a:spLocks noGrp="1"/>
-          </p:cNvSpPr>
-          <p:nvPr>
-            <p:ph type="title"/>
-          </p:nvPr>
-        </p:nvSpPr>
-        <p:spPr/>
-        <p:txBody>
-          <a:bodyPr/>
-          <a:lstStyle/>
-          <a:p>
-            <a:r>
-              <a:rPr lang="en-IT" dirty="0"/>
-              <a:t>Outline</a:t>
-            </a:r>
-          </a:p>
-        </p:txBody>
-      </p:sp>
-      <p:sp>
-        <p:nvSpPr>
-          <p:cNvPr id="3" name="Content Placeholder 2">
-            <a:extLst>
-              <a:ext uri="{FF2B5EF4-FFF2-40B4-BE49-F238E27FC236}">
-                <a16:creationId xmlns:a16="http://schemas.microsoft.com/office/drawing/2014/main" id="{8962CCAC-9D70-C543-BBE0-822B6CB5F5CB}"/>
-              </a:ext>
-            </a:extLst>
-          </p:cNvPr>
-          <p:cNvSpPr>
-            <a:spLocks noGrp="1"/>
-          </p:cNvSpPr>
-          <p:nvPr>
-            <p:ph idx="1"/>
-          </p:nvPr>
-        </p:nvSpPr>
-        <p:spPr>
-          <a:xfrm>
-            <a:off x="428172" y="1361167"/>
-            <a:ext cx="11213368" cy="5334907"/>
-          </a:xfrm>
-        </p:spPr>
-        <p:txBody>
-          <a:bodyPr>
-            <a:normAutofit/>
-          </a:bodyPr>
-          <a:lstStyle/>
-          <a:p>
-            <a:r>
-              <a:rPr lang="en-GB" dirty="0">
-                <a:solidFill>
-                  <a:schemeClr val="bg2">
-                    <a:lumMod val="90000"/>
-                  </a:schemeClr>
-                </a:solidFill>
-              </a:rPr>
-              <a:t>Navigator</a:t>
-            </a:r>
-          </a:p>
-          <a:p>
-            <a:r>
-              <a:rPr lang="en-GB" dirty="0">
-                <a:solidFill>
-                  <a:schemeClr val="bg2">
-                    <a:lumMod val="90000"/>
-                  </a:schemeClr>
-                </a:solidFill>
-              </a:rPr>
-              <a:t>Navigate to a new screen and back</a:t>
-            </a:r>
-          </a:p>
-          <a:p>
-            <a:r>
-              <a:rPr lang="en-GB" b="1" dirty="0"/>
-              <a:t>Named routes </a:t>
-            </a:r>
-          </a:p>
-          <a:p>
-            <a:r>
-              <a:rPr lang="en-GB" dirty="0">
-                <a:solidFill>
-                  <a:schemeClr val="bg2">
-                    <a:lumMod val="90000"/>
-                  </a:schemeClr>
-                </a:solidFill>
-              </a:rPr>
-              <a:t>Passing argument to a named routes</a:t>
-            </a:r>
-          </a:p>
-          <a:p>
-            <a:r>
-              <a:rPr lang="en-GB" dirty="0">
-                <a:solidFill>
-                  <a:schemeClr val="bg2">
-                    <a:lumMod val="90000"/>
-                  </a:schemeClr>
-                </a:solidFill>
-              </a:rPr>
-              <a:t>Returning an argument from a named route</a:t>
-            </a:r>
-          </a:p>
-          <a:p>
-            <a:endParaRPr lang="en-GB" dirty="0">
-              <a:solidFill>
-                <a:schemeClr val="bg2">
-                  <a:lumMod val="90000"/>
-                </a:schemeClr>
-              </a:solidFill>
-            </a:endParaRPr>
-          </a:p>
-          <a:p>
-            <a:r>
-              <a:rPr lang="en-GB" dirty="0">
-                <a:solidFill>
-                  <a:schemeClr val="bg2">
-                    <a:lumMod val="90000"/>
-                  </a:schemeClr>
-                </a:solidFill>
-              </a:rPr>
-              <a:t>Exercise</a:t>
-            </a:r>
-          </a:p>
-          <a:p>
-            <a:r>
-              <a:rPr lang="en-GB" dirty="0">
-                <a:solidFill>
-                  <a:schemeClr val="bg2">
-                    <a:lumMod val="90000"/>
-                  </a:schemeClr>
-                </a:solidFill>
-              </a:rPr>
-              <a:t>Homework</a:t>
-            </a:r>
-          </a:p>
-          <a:p>
-            <a:r>
-              <a:rPr lang="en-GB" dirty="0">
-                <a:solidFill>
-                  <a:schemeClr val="bg2">
-                    <a:lumMod val="90000"/>
-                  </a:schemeClr>
-                </a:solidFill>
-              </a:rPr>
-              <a:t>Resources</a:t>
-            </a:r>
-          </a:p>
-          <a:p>
-            <a:endParaRPr lang="en-GB" dirty="0"/>
-          </a:p>
-        </p:txBody>
-      </p:sp>
-    </p:spTree>
-    <p:extLst>
-      <p:ext uri="{BB962C8B-B14F-4D97-AF65-F5344CB8AC3E}">
-        <p14:creationId xmlns:p14="http://schemas.microsoft.com/office/powerpoint/2010/main" val="3336832377"/>
-      </p:ext>
-    </p:extLst>
-  </p:cSld>
-  <p:clrMapOvr>
-    <a:masterClrMapping/>
-  </p:clrMapOvr>
-</p:sld>
-</file>
-
 <file path=ppt/slides/slide15.xml><?xml version="1.0" encoding="utf-8"?>
 <p:sld xmlns:a="http://schemas.openxmlformats.org/drawingml/2006/main" xmlns:r="http://schemas.openxmlformats.org/officeDocument/2006/relationships" xmlns:p="http://schemas.openxmlformats.org/presentationml/2006/main">
   <p:cSld>
@@ -6757,7 +7414,7 @@
           <a:p>
             <a:r>
               <a:rPr lang="en-IT" dirty="0"/>
-              <a:t>Another approach: Named routes</a:t>
+              <a:t>Outline</a:t>
             </a:r>
           </a:p>
         </p:txBody>
@@ -6780,8 +7437,8 @@
         </p:nvSpPr>
         <p:spPr>
           <a:xfrm>
-            <a:off x="428171" y="1361167"/>
-            <a:ext cx="10336811" cy="5334907"/>
+            <a:off x="428172" y="1361167"/>
+            <a:ext cx="11213368" cy="5334907"/>
           </a:xfrm>
         </p:spPr>
         <p:txBody>
@@ -6791,98 +7448,124 @@
           <a:lstStyle/>
           <a:p>
             <a:r>
-              <a:rPr lang="en-GB" dirty="0"/>
-              <a:t>An alternative approach to </a:t>
-            </a:r>
-            <a:r>
-              <a:rPr lang="en-GB" dirty="0" err="1">
-                <a:latin typeface="Courier" pitchFamily="2" charset="0"/>
-              </a:rPr>
-              <a:t>Navigator.push</a:t>
-            </a:r>
-            <a:r>
               <a:rPr lang="en-GB" dirty="0">
-                <a:latin typeface="Courier" pitchFamily="2" charset="0"/>
-              </a:rPr>
-              <a:t>()</a:t>
-            </a:r>
-            <a:r>
-              <a:rPr lang="en-GB" dirty="0"/>
-              <a:t> is </a:t>
-            </a:r>
-            <a:r>
-              <a:rPr lang="en-GB" dirty="0" err="1">
-                <a:latin typeface="Courier" pitchFamily="2" charset="0"/>
-              </a:rPr>
-              <a:t>Navigator.pushNamed</a:t>
-            </a:r>
+                <a:solidFill>
+                  <a:schemeClr val="bg2">
+                    <a:lumMod val="90000"/>
+                  </a:schemeClr>
+                </a:solidFill>
+              </a:rPr>
+              <a:t>Recap</a:t>
+            </a:r>
+          </a:p>
+          <a:p>
             <a:r>
               <a:rPr lang="en-GB" dirty="0">
-                <a:latin typeface="Courier" pitchFamily="2" charset="0"/>
-              </a:rPr>
-              <a:t>()</a:t>
+                <a:solidFill>
+                  <a:schemeClr val="bg2">
+                    <a:lumMod val="90000"/>
+                  </a:schemeClr>
+                </a:solidFill>
+              </a:rPr>
+              <a:t>Navigator</a:t>
+            </a:r>
+          </a:p>
+          <a:p>
+            <a:r>
+              <a:rPr lang="en-GB" dirty="0">
+                <a:solidFill>
+                  <a:schemeClr val="bg2">
+                    <a:lumMod val="90000"/>
+                  </a:schemeClr>
+                </a:solidFill>
+              </a:rPr>
+              <a:t>Navigate to a new screen and back</a:t>
+            </a:r>
+          </a:p>
+          <a:p>
+            <a:r>
+              <a:rPr lang="en-GB" b="1" dirty="0"/>
+              <a:t>Named routes </a:t>
+            </a:r>
+          </a:p>
+          <a:p>
+            <a:r>
+              <a:rPr lang="en-GB" dirty="0">
+                <a:solidFill>
+                  <a:schemeClr val="bg2">
+                    <a:lumMod val="90000"/>
+                  </a:schemeClr>
+                </a:solidFill>
+              </a:rPr>
+              <a:t>Passing argument to a named routes</a:t>
+            </a:r>
+          </a:p>
+          <a:p>
+            <a:r>
+              <a:rPr lang="en-GB" dirty="0">
+                <a:solidFill>
+                  <a:schemeClr val="bg2">
+                    <a:lumMod val="90000"/>
+                  </a:schemeClr>
+                </a:solidFill>
+              </a:rPr>
+              <a:t>Returning an argument from a named route</a:t>
+            </a:r>
+          </a:p>
+          <a:p>
+            <a:endParaRPr lang="en-GB" dirty="0">
+              <a:solidFill>
+                <a:schemeClr val="bg2">
+                  <a:lumMod val="90000"/>
+                </a:schemeClr>
+              </a:solidFill>
+            </a:endParaRPr>
+          </a:p>
+          <a:p>
+            <a:r>
+              <a:rPr lang="en-GB" dirty="0">
+                <a:solidFill>
+                  <a:schemeClr val="bg2">
+                    <a:lumMod val="90000"/>
+                  </a:schemeClr>
+                </a:solidFill>
+              </a:rPr>
+              <a:t>Exercise</a:t>
+            </a:r>
+          </a:p>
+          <a:p>
+            <a:r>
+              <a:rPr lang="en-GB" dirty="0">
+                <a:solidFill>
+                  <a:schemeClr val="bg2">
+                    <a:lumMod val="90000"/>
+                  </a:schemeClr>
+                </a:solidFill>
+              </a:rPr>
+              <a:t>Homework</a:t>
+            </a:r>
+          </a:p>
+          <a:p>
+            <a:r>
+              <a:rPr lang="en-GB" dirty="0">
+                <a:solidFill>
+                  <a:schemeClr val="bg2">
+                    <a:lumMod val="90000"/>
+                  </a:schemeClr>
+                </a:solidFill>
+              </a:rPr>
+              <a:t>Resources</a:t>
             </a:r>
           </a:p>
           <a:p>
             <a:endParaRPr lang="en-GB" dirty="0"/>
-          </a:p>
-          <a:p>
-            <a:r>
-              <a:rPr lang="en-GB" dirty="0"/>
-              <a:t>This solution consists of </a:t>
-            </a:r>
-            <a:r>
-              <a:rPr lang="en-GB" b="1" dirty="0"/>
-              <a:t>associating names to each route </a:t>
-            </a:r>
-            <a:r>
-              <a:rPr lang="en-GB" dirty="0"/>
-              <a:t>and use the names for navigation</a:t>
-            </a:r>
-          </a:p>
-          <a:p>
-            <a:pPr marL="0" indent="0">
-              <a:buNone/>
-            </a:pPr>
-            <a:endParaRPr lang="en-GB" dirty="0"/>
-          </a:p>
-          <a:p>
-            <a:r>
-              <a:rPr lang="en-GB" dirty="0"/>
-              <a:t>My personal opinion: this is a </a:t>
-            </a:r>
-            <a:r>
-              <a:rPr lang="en-GB" b="1" dirty="0"/>
-              <a:t>cleaner</a:t>
-            </a:r>
-            <a:r>
-              <a:rPr lang="en-GB" dirty="0"/>
-              <a:t> </a:t>
-            </a:r>
-            <a:r>
-              <a:rPr lang="en-GB" b="1" dirty="0"/>
-              <a:t>approach</a:t>
-            </a:r>
-            <a:r>
-              <a:rPr lang="en-GB" dirty="0"/>
-              <a:t> that leads to better, more readable code</a:t>
-            </a:r>
-          </a:p>
-          <a:p>
-            <a:endParaRPr lang="en-GB" dirty="0"/>
-          </a:p>
-          <a:p>
-            <a:r>
-              <a:rPr lang="en-GB" dirty="0"/>
-              <a:t>Let’s see how to go for this approach</a:t>
-            </a:r>
           </a:p>
         </p:txBody>
       </p:sp>
     </p:spTree>
     <p:extLst>
       <p:ext uri="{BB962C8B-B14F-4D97-AF65-F5344CB8AC3E}">
-        <p14:creationId xmlns:p14="http://schemas.microsoft.com/office/powerpoint/2010/main" val="1075219491"/>
+        <p14:creationId xmlns:p14="http://schemas.microsoft.com/office/powerpoint/2010/main" val="3336832377"/>
       </p:ext>
     </p:extLst>
   </p:cSld>
@@ -6932,6 +7615,181 @@
           <a:p>
             <a:r>
               <a:rPr lang="en-IT" dirty="0"/>
+              <a:t>Another approach: Named routes</a:t>
+            </a:r>
+          </a:p>
+        </p:txBody>
+      </p:sp>
+      <p:sp>
+        <p:nvSpPr>
+          <p:cNvPr id="3" name="Content Placeholder 2">
+            <a:extLst>
+              <a:ext uri="{FF2B5EF4-FFF2-40B4-BE49-F238E27FC236}">
+                <a16:creationId xmlns:a16="http://schemas.microsoft.com/office/drawing/2014/main" id="{8962CCAC-9D70-C543-BBE0-822B6CB5F5CB}"/>
+              </a:ext>
+            </a:extLst>
+          </p:cNvPr>
+          <p:cNvSpPr>
+            <a:spLocks noGrp="1"/>
+          </p:cNvSpPr>
+          <p:nvPr>
+            <p:ph idx="1"/>
+          </p:nvPr>
+        </p:nvSpPr>
+        <p:spPr>
+          <a:xfrm>
+            <a:off x="428171" y="1361167"/>
+            <a:ext cx="10336811" cy="5334907"/>
+          </a:xfrm>
+        </p:spPr>
+        <p:txBody>
+          <a:bodyPr>
+            <a:normAutofit/>
+          </a:bodyPr>
+          <a:lstStyle/>
+          <a:p>
+            <a:r>
+              <a:rPr lang="en-GB" dirty="0"/>
+              <a:t>An alternative approach to </a:t>
+            </a:r>
+            <a:r>
+              <a:rPr lang="en-GB" dirty="0" err="1">
+                <a:latin typeface="Courier" pitchFamily="2" charset="0"/>
+              </a:rPr>
+              <a:t>Navigator.push</a:t>
+            </a:r>
+            <a:r>
+              <a:rPr lang="en-GB" dirty="0">
+                <a:latin typeface="Courier" pitchFamily="2" charset="0"/>
+              </a:rPr>
+              <a:t>()</a:t>
+            </a:r>
+            <a:r>
+              <a:rPr lang="en-GB" dirty="0"/>
+              <a:t> is </a:t>
+            </a:r>
+            <a:r>
+              <a:rPr lang="en-GB" dirty="0" err="1">
+                <a:latin typeface="Courier" pitchFamily="2" charset="0"/>
+              </a:rPr>
+              <a:t>Navigator.pushNamed</a:t>
+            </a:r>
+            <a:r>
+              <a:rPr lang="en-GB" dirty="0">
+                <a:latin typeface="Courier" pitchFamily="2" charset="0"/>
+              </a:rPr>
+              <a:t>()</a:t>
+            </a:r>
+          </a:p>
+          <a:p>
+            <a:endParaRPr lang="en-GB" dirty="0"/>
+          </a:p>
+          <a:p>
+            <a:r>
+              <a:rPr lang="en-GB" dirty="0"/>
+              <a:t>This solution consists of </a:t>
+            </a:r>
+            <a:r>
+              <a:rPr lang="en-GB" b="1" dirty="0"/>
+              <a:t>associating names to each route </a:t>
+            </a:r>
+            <a:r>
+              <a:rPr lang="en-GB" dirty="0"/>
+              <a:t>and use the names for navigation</a:t>
+            </a:r>
+          </a:p>
+          <a:p>
+            <a:pPr marL="0" indent="0">
+              <a:buNone/>
+            </a:pPr>
+            <a:endParaRPr lang="en-GB" dirty="0"/>
+          </a:p>
+          <a:p>
+            <a:r>
+              <a:rPr lang="en-GB" dirty="0"/>
+              <a:t>My personal opinion: this is a </a:t>
+            </a:r>
+            <a:r>
+              <a:rPr lang="en-GB" b="1" dirty="0"/>
+              <a:t>cleaner</a:t>
+            </a:r>
+            <a:r>
+              <a:rPr lang="en-GB" dirty="0"/>
+              <a:t> </a:t>
+            </a:r>
+            <a:r>
+              <a:rPr lang="en-GB" b="1" dirty="0"/>
+              <a:t>approach</a:t>
+            </a:r>
+            <a:r>
+              <a:rPr lang="en-GB" dirty="0"/>
+              <a:t> that leads to better, more readable code</a:t>
+            </a:r>
+          </a:p>
+          <a:p>
+            <a:endParaRPr lang="en-GB" dirty="0"/>
+          </a:p>
+          <a:p>
+            <a:r>
+              <a:rPr lang="en-GB" dirty="0"/>
+              <a:t>Let’s see how to go for this approach</a:t>
+            </a:r>
+          </a:p>
+        </p:txBody>
+      </p:sp>
+    </p:spTree>
+    <p:extLst>
+      <p:ext uri="{BB962C8B-B14F-4D97-AF65-F5344CB8AC3E}">
+        <p14:creationId xmlns:p14="http://schemas.microsoft.com/office/powerpoint/2010/main" val="1075219491"/>
+      </p:ext>
+    </p:extLst>
+  </p:cSld>
+  <p:clrMapOvr>
+    <a:masterClrMapping/>
+  </p:clrMapOvr>
+</p:sld>
+</file>
+
+<file path=ppt/slides/slide17.xml><?xml version="1.0" encoding="utf-8"?>
+<p:sld xmlns:a="http://schemas.openxmlformats.org/drawingml/2006/main" xmlns:r="http://schemas.openxmlformats.org/officeDocument/2006/relationships" xmlns:p="http://schemas.openxmlformats.org/presentationml/2006/main">
+  <p:cSld>
+    <p:spTree>
+      <p:nvGrpSpPr>
+        <p:cNvPr id="1" name=""/>
+        <p:cNvGrpSpPr/>
+        <p:nvPr/>
+      </p:nvGrpSpPr>
+      <p:grpSpPr>
+        <a:xfrm>
+          <a:off x="0" y="0"/>
+          <a:ext cx="0" cy="0"/>
+          <a:chOff x="0" y="0"/>
+          <a:chExt cx="0" cy="0"/>
+        </a:xfrm>
+      </p:grpSpPr>
+      <p:sp>
+        <p:nvSpPr>
+          <p:cNvPr id="2" name="Title 1">
+            <a:extLst>
+              <a:ext uri="{FF2B5EF4-FFF2-40B4-BE49-F238E27FC236}">
+                <a16:creationId xmlns:a16="http://schemas.microsoft.com/office/drawing/2014/main" id="{122C1E14-0610-FB4E-BCD3-3BA8CADF9D02}"/>
+              </a:ext>
+            </a:extLst>
+          </p:cNvPr>
+          <p:cNvSpPr>
+            <a:spLocks noGrp="1"/>
+          </p:cNvSpPr>
+          <p:nvPr>
+            <p:ph type="title"/>
+          </p:nvPr>
+        </p:nvSpPr>
+        <p:spPr/>
+        <p:txBody>
+          <a:bodyPr/>
+          <a:lstStyle/>
+          <a:p>
+            <a:r>
+              <a:rPr lang="en-IT" dirty="0"/>
               <a:t>Named navigation – Preparation</a:t>
             </a:r>
           </a:p>
@@ -7316,7 +8174,7 @@
 </p:sld>
 </file>
 
-<file path=ppt/slides/slide17.xml><?xml version="1.0" encoding="utf-8"?>
+<file path=ppt/slides/slide18.xml><?xml version="1.0" encoding="utf-8"?>
 <p:sld xmlns:a="http://schemas.openxmlformats.org/drawingml/2006/main" xmlns:r="http://schemas.openxmlformats.org/officeDocument/2006/relationships" xmlns:p="http://schemas.openxmlformats.org/presentationml/2006/main">
   <p:cSld>
     <p:spTree>
@@ -8904,7 +9762,7 @@
 </p:sld>
 </file>
 
-<file path=ppt/slides/slide18.xml><?xml version="1.0" encoding="utf-8"?>
+<file path=ppt/slides/slide19.xml><?xml version="1.0" encoding="utf-8"?>
 <p:sld xmlns:a="http://schemas.openxmlformats.org/drawingml/2006/main" xmlns:r="http://schemas.openxmlformats.org/officeDocument/2006/relationships" xmlns:p="http://schemas.openxmlformats.org/presentationml/2006/main">
   <p:cSld>
     <p:spTree>
@@ -8985,6 +9843,18 @@
                   </a:schemeClr>
                 </a:solidFill>
               </a:rPr>
+              <a:t>Recap</a:t>
+            </a:r>
+          </a:p>
+          <a:p>
+            <a:r>
+              <a:rPr lang="en-GB" dirty="0">
+                <a:solidFill>
+                  <a:schemeClr val="bg2">
+                    <a:lumMod val="90000"/>
+                  </a:schemeClr>
+                </a:solidFill>
+              </a:rPr>
               <a:t>Navigator</a:t>
             </a:r>
           </a:p>
@@ -9084,323 +9954,6 @@
     <p:extLst>
       <p:ext uri="{BB962C8B-B14F-4D97-AF65-F5344CB8AC3E}">
         <p14:creationId xmlns:p14="http://schemas.microsoft.com/office/powerpoint/2010/main" val="574813421"/>
-      </p:ext>
-    </p:extLst>
-  </p:cSld>
-  <p:clrMapOvr>
-    <a:masterClrMapping/>
-  </p:clrMapOvr>
-</p:sld>
-</file>
-
-<file path=ppt/slides/slide19.xml><?xml version="1.0" encoding="utf-8"?>
-<p:sld xmlns:a="http://schemas.openxmlformats.org/drawingml/2006/main" xmlns:r="http://schemas.openxmlformats.org/officeDocument/2006/relationships" xmlns:p="http://schemas.openxmlformats.org/presentationml/2006/main">
-  <p:cSld>
-    <p:spTree>
-      <p:nvGrpSpPr>
-        <p:cNvPr id="1" name=""/>
-        <p:cNvGrpSpPr/>
-        <p:nvPr/>
-      </p:nvGrpSpPr>
-      <p:grpSpPr>
-        <a:xfrm>
-          <a:off x="0" y="0"/>
-          <a:ext cx="0" cy="0"/>
-          <a:chOff x="0" y="0"/>
-          <a:chExt cx="0" cy="0"/>
-        </a:xfrm>
-      </p:grpSpPr>
-      <p:pic>
-        <p:nvPicPr>
-          <p:cNvPr id="7" name="Picture 6" descr="Graphical user interface&#10;&#10;Description automatically generated">
-            <a:extLst>
-              <a:ext uri="{FF2B5EF4-FFF2-40B4-BE49-F238E27FC236}">
-                <a16:creationId xmlns:a16="http://schemas.microsoft.com/office/drawing/2014/main" id="{78E60534-2F58-B74A-BBC3-99782BBBCB45}"/>
-              </a:ext>
-            </a:extLst>
-          </p:cNvPr>
-          <p:cNvPicPr>
-            <a:picLocks noChangeAspect="1"/>
-          </p:cNvPicPr>
-          <p:nvPr/>
-        </p:nvPicPr>
-        <p:blipFill>
-          <a:blip r:embed="rId2">
-            <a:extLst>
-              <a:ext uri="{28A0092B-C50C-407E-A947-70E740481C1C}">
-                <a14:useLocalDpi xmlns:a14="http://schemas.microsoft.com/office/drawing/2010/main" val="0"/>
-              </a:ext>
-            </a:extLst>
-          </a:blip>
-          <a:stretch>
-            <a:fillRect/>
-          </a:stretch>
-        </p:blipFill>
-        <p:spPr>
-          <a:xfrm>
-            <a:off x="9095928" y="1200148"/>
-            <a:ext cx="2533718" cy="5483225"/>
-          </a:xfrm>
-          <a:prstGeom prst="rect">
-            <a:avLst/>
-          </a:prstGeom>
-        </p:spPr>
-      </p:pic>
-      <p:pic>
-        <p:nvPicPr>
-          <p:cNvPr id="4" name="Picture 3" descr="Graphical user interface, text, application, chat or text message&#10;&#10;Description automatically generated">
-            <a:extLst>
-              <a:ext uri="{FF2B5EF4-FFF2-40B4-BE49-F238E27FC236}">
-                <a16:creationId xmlns:a16="http://schemas.microsoft.com/office/drawing/2014/main" id="{FDC4A269-85AF-6349-AD98-169D4892E219}"/>
-              </a:ext>
-            </a:extLst>
-          </p:cNvPr>
-          <p:cNvPicPr>
-            <a:picLocks noChangeAspect="1"/>
-          </p:cNvPicPr>
-          <p:nvPr/>
-        </p:nvPicPr>
-        <p:blipFill>
-          <a:blip r:embed="rId3">
-            <a:extLst>
-              <a:ext uri="{28A0092B-C50C-407E-A947-70E740481C1C}">
-                <a14:useLocalDpi xmlns:a14="http://schemas.microsoft.com/office/drawing/2010/main" val="0"/>
-              </a:ext>
-            </a:extLst>
-          </a:blip>
-          <a:stretch>
-            <a:fillRect/>
-          </a:stretch>
-        </p:blipFill>
-        <p:spPr>
-          <a:xfrm>
-            <a:off x="5296561" y="1200148"/>
-            <a:ext cx="2539586" cy="5495925"/>
-          </a:xfrm>
-          <a:prstGeom prst="rect">
-            <a:avLst/>
-          </a:prstGeom>
-        </p:spPr>
-      </p:pic>
-      <p:sp>
-        <p:nvSpPr>
-          <p:cNvPr id="2" name="Title 1">
-            <a:extLst>
-              <a:ext uri="{FF2B5EF4-FFF2-40B4-BE49-F238E27FC236}">
-                <a16:creationId xmlns:a16="http://schemas.microsoft.com/office/drawing/2014/main" id="{122C1E14-0610-FB4E-BCD3-3BA8CADF9D02}"/>
-              </a:ext>
-            </a:extLst>
-          </p:cNvPr>
-          <p:cNvSpPr>
-            <a:spLocks noGrp="1"/>
-          </p:cNvSpPr>
-          <p:nvPr>
-            <p:ph type="title"/>
-          </p:nvPr>
-        </p:nvSpPr>
-        <p:spPr/>
-        <p:txBody>
-          <a:bodyPr/>
-          <a:lstStyle/>
-          <a:p>
-            <a:r>
-              <a:rPr lang="en-IT" dirty="0"/>
-              <a:t>Navigator – Passing an argument</a:t>
-            </a:r>
-          </a:p>
-        </p:txBody>
-      </p:sp>
-      <p:sp>
-        <p:nvSpPr>
-          <p:cNvPr id="6" name="Content Placeholder 5">
-            <a:extLst>
-              <a:ext uri="{FF2B5EF4-FFF2-40B4-BE49-F238E27FC236}">
-                <a16:creationId xmlns:a16="http://schemas.microsoft.com/office/drawing/2014/main" id="{1CFD16F6-AE87-6245-A265-931E7A6676CD}"/>
-              </a:ext>
-            </a:extLst>
-          </p:cNvPr>
-          <p:cNvSpPr>
-            <a:spLocks noGrp="1"/>
-          </p:cNvSpPr>
-          <p:nvPr>
-            <p:ph idx="1"/>
-          </p:nvPr>
-        </p:nvSpPr>
-        <p:spPr>
-          <a:xfrm>
-            <a:off x="428172" y="1361167"/>
-            <a:ext cx="4625091" cy="4858203"/>
-          </a:xfrm>
-        </p:spPr>
-        <p:txBody>
-          <a:bodyPr>
-            <a:normAutofit/>
-          </a:bodyPr>
-          <a:lstStyle/>
-          <a:p>
-            <a:r>
-              <a:rPr lang="en-IT" dirty="0"/>
-              <a:t>It is (of course) possible to pass arguments to the new route that can be used for several purposes.</a:t>
-            </a:r>
-          </a:p>
-          <a:p>
-            <a:endParaRPr lang="en-IT" dirty="0"/>
-          </a:p>
-          <a:p>
-            <a:r>
-              <a:rPr lang="en-IT" dirty="0"/>
-              <a:t>To demonstrate how, let’s expand the app with another route </a:t>
-            </a:r>
-            <a:r>
-              <a:rPr lang="en-IT" dirty="0">
-                <a:latin typeface="Courier" pitchFamily="2" charset="0"/>
-              </a:rPr>
-              <a:t>MessagePage</a:t>
-            </a:r>
-            <a:r>
-              <a:rPr lang="en-IT" dirty="0"/>
-              <a:t> that will get an argument from the </a:t>
-            </a:r>
-            <a:r>
-              <a:rPr lang="en-IT" dirty="0">
-                <a:latin typeface="Courier" pitchFamily="2" charset="0"/>
-              </a:rPr>
-              <a:t>HomePage </a:t>
-            </a:r>
-            <a:r>
-              <a:rPr lang="en-IT" dirty="0"/>
-              <a:t>and will show it in the center of the screen.</a:t>
-            </a:r>
-          </a:p>
-        </p:txBody>
-      </p:sp>
-      <p:cxnSp>
-        <p:nvCxnSpPr>
-          <p:cNvPr id="33" name="Straight Arrow Connector 32">
-            <a:extLst>
-              <a:ext uri="{FF2B5EF4-FFF2-40B4-BE49-F238E27FC236}">
-                <a16:creationId xmlns:a16="http://schemas.microsoft.com/office/drawing/2014/main" id="{379C211A-705D-6546-9E60-9C871D9F1097}"/>
-              </a:ext>
-            </a:extLst>
-          </p:cNvPr>
-          <p:cNvCxnSpPr>
-            <a:cxnSpLocks/>
-          </p:cNvCxnSpPr>
-          <p:nvPr/>
-        </p:nvCxnSpPr>
-        <p:spPr>
-          <a:xfrm flipV="1">
-            <a:off x="7052310" y="1923628"/>
-            <a:ext cx="3148330" cy="2499782"/>
-          </a:xfrm>
-          <a:prstGeom prst="straightConnector1">
-            <a:avLst/>
-          </a:prstGeom>
-          <a:ln w="38100">
-            <a:tailEnd type="triangle"/>
-          </a:ln>
-        </p:spPr>
-        <p:style>
-          <a:lnRef idx="1">
-            <a:schemeClr val="accent6"/>
-          </a:lnRef>
-          <a:fillRef idx="0">
-            <a:schemeClr val="accent6"/>
-          </a:fillRef>
-          <a:effectRef idx="0">
-            <a:schemeClr val="accent6"/>
-          </a:effectRef>
-          <a:fontRef idx="minor">
-            <a:schemeClr val="tx1"/>
-          </a:fontRef>
-        </p:style>
-      </p:cxnSp>
-      <p:cxnSp>
-        <p:nvCxnSpPr>
-          <p:cNvPr id="38" name="Straight Arrow Connector 37">
-            <a:extLst>
-              <a:ext uri="{FF2B5EF4-FFF2-40B4-BE49-F238E27FC236}">
-                <a16:creationId xmlns:a16="http://schemas.microsoft.com/office/drawing/2014/main" id="{C1EAC90E-B4CA-D640-9D8F-EB2205814982}"/>
-              </a:ext>
-            </a:extLst>
-          </p:cNvPr>
-          <p:cNvCxnSpPr>
-            <a:cxnSpLocks/>
-          </p:cNvCxnSpPr>
-          <p:nvPr/>
-        </p:nvCxnSpPr>
-        <p:spPr>
-          <a:xfrm flipH="1" flipV="1">
-            <a:off x="6522720" y="1923627"/>
-            <a:ext cx="3237653" cy="2363893"/>
-          </a:xfrm>
-          <a:prstGeom prst="straightConnector1">
-            <a:avLst/>
-          </a:prstGeom>
-          <a:ln w="38100">
-            <a:tailEnd type="triangle"/>
-          </a:ln>
-        </p:spPr>
-        <p:style>
-          <a:lnRef idx="1">
-            <a:schemeClr val="accent6"/>
-          </a:lnRef>
-          <a:fillRef idx="0">
-            <a:schemeClr val="accent6"/>
-          </a:fillRef>
-          <a:effectRef idx="0">
-            <a:schemeClr val="accent6"/>
-          </a:effectRef>
-          <a:fontRef idx="minor">
-            <a:schemeClr val="tx1"/>
-          </a:fontRef>
-        </p:style>
-      </p:cxnSp>
-      <p:cxnSp>
-        <p:nvCxnSpPr>
-          <p:cNvPr id="42" name="Straight Arrow Connector 41">
-            <a:extLst>
-              <a:ext uri="{FF2B5EF4-FFF2-40B4-BE49-F238E27FC236}">
-                <a16:creationId xmlns:a16="http://schemas.microsoft.com/office/drawing/2014/main" id="{BAD1BE7E-31FC-2F4F-B1AA-08AABBF3791F}"/>
-              </a:ext>
-            </a:extLst>
-          </p:cNvPr>
-          <p:cNvCxnSpPr>
-            <a:cxnSpLocks/>
-          </p:cNvCxnSpPr>
-          <p:nvPr/>
-        </p:nvCxnSpPr>
-        <p:spPr>
-          <a:xfrm flipH="1">
-            <a:off x="7823201" y="1693333"/>
-            <a:ext cx="1043093" cy="0"/>
-          </a:xfrm>
-          <a:prstGeom prst="straightConnector1">
-            <a:avLst/>
-          </a:prstGeom>
-          <a:ln w="38100">
-            <a:tailEnd type="triangle"/>
-          </a:ln>
-        </p:spPr>
-        <p:style>
-          <a:lnRef idx="1">
-            <a:schemeClr val="accent6"/>
-          </a:lnRef>
-          <a:fillRef idx="0">
-            <a:schemeClr val="accent6"/>
-          </a:fillRef>
-          <a:effectRef idx="0">
-            <a:schemeClr val="accent6"/>
-          </a:effectRef>
-          <a:fontRef idx="minor">
-            <a:schemeClr val="tx1"/>
-          </a:fontRef>
-        </p:style>
-      </p:cxnSp>
-    </p:spTree>
-    <p:extLst>
-      <p:ext uri="{BB962C8B-B14F-4D97-AF65-F5344CB8AC3E}">
-        <p14:creationId xmlns:p14="http://schemas.microsoft.com/office/powerpoint/2010/main" val="3843506808"/>
       </p:ext>
     </p:extLst>
   </p:cSld>
@@ -9484,52 +10037,112 @@
           <a:lstStyle/>
           <a:p>
             <a:r>
-              <a:rPr lang="en-GB" dirty="0"/>
+              <a:rPr lang="en-GB" b="1" dirty="0"/>
+              <a:t>Recap</a:t>
+            </a:r>
+          </a:p>
+          <a:p>
+            <a:r>
+              <a:rPr lang="en-GB" dirty="0">
+                <a:solidFill>
+                  <a:schemeClr val="bg2">
+                    <a:lumMod val="90000"/>
+                  </a:schemeClr>
+                </a:solidFill>
+              </a:rPr>
               <a:t>Navigator</a:t>
             </a:r>
           </a:p>
           <a:p>
             <a:r>
-              <a:rPr lang="en-GB" dirty="0"/>
+              <a:rPr lang="en-GB" dirty="0">
+                <a:solidFill>
+                  <a:schemeClr val="bg2">
+                    <a:lumMod val="90000"/>
+                  </a:schemeClr>
+                </a:solidFill>
+              </a:rPr>
               <a:t>Navigate to a new screen and back</a:t>
             </a:r>
           </a:p>
           <a:p>
             <a:r>
-              <a:rPr lang="en-GB" dirty="0"/>
+              <a:rPr lang="en-GB" dirty="0">
+                <a:solidFill>
+                  <a:schemeClr val="bg2">
+                    <a:lumMod val="90000"/>
+                  </a:schemeClr>
+                </a:solidFill>
+              </a:rPr>
               <a:t>Named routes </a:t>
             </a:r>
           </a:p>
           <a:p>
             <a:r>
-              <a:rPr lang="en-GB" dirty="0"/>
+              <a:rPr lang="en-GB" dirty="0">
+                <a:solidFill>
+                  <a:schemeClr val="bg2">
+                    <a:lumMod val="90000"/>
+                  </a:schemeClr>
+                </a:solidFill>
+              </a:rPr>
               <a:t>Passing argument to a named routes</a:t>
             </a:r>
           </a:p>
           <a:p>
             <a:r>
-              <a:rPr lang="en-GB" dirty="0"/>
+              <a:rPr lang="en-GB" dirty="0">
+                <a:solidFill>
+                  <a:schemeClr val="bg2">
+                    <a:lumMod val="90000"/>
+                  </a:schemeClr>
+                </a:solidFill>
+              </a:rPr>
               <a:t>Returning an argument from a named route</a:t>
             </a:r>
           </a:p>
           <a:p>
-            <a:endParaRPr lang="en-GB" dirty="0"/>
-          </a:p>
-          <a:p>
-            <a:r>
-              <a:rPr lang="en-GB" dirty="0"/>
+            <a:endParaRPr lang="en-GB" dirty="0">
+              <a:solidFill>
+                <a:schemeClr val="bg2">
+                  <a:lumMod val="90000"/>
+                </a:schemeClr>
+              </a:solidFill>
+            </a:endParaRPr>
+          </a:p>
+          <a:p>
+            <a:r>
+              <a:rPr lang="en-GB" dirty="0">
+                <a:solidFill>
+                  <a:schemeClr val="bg2">
+                    <a:lumMod val="90000"/>
+                  </a:schemeClr>
+                </a:solidFill>
+              </a:rPr>
               <a:t>Exercise</a:t>
             </a:r>
           </a:p>
           <a:p>
             <a:r>
-              <a:rPr lang="en-GB" dirty="0"/>
+              <a:rPr lang="en-GB" dirty="0">
+                <a:solidFill>
+                  <a:schemeClr val="bg2">
+                    <a:lumMod val="90000"/>
+                  </a:schemeClr>
+                </a:solidFill>
+              </a:rPr>
               <a:t>Homework</a:t>
             </a:r>
           </a:p>
           <a:p>
             <a:r>
-              <a:rPr lang="en-GB" dirty="0"/>
+              <a:rPr lang="en-GB" dirty="0">
+                <a:solidFill>
+                  <a:schemeClr val="bg2">
+                    <a:lumMod val="90000"/>
+                  </a:schemeClr>
+                </a:solidFill>
+              </a:rPr>
               <a:t>Resources</a:t>
             </a:r>
           </a:p>
@@ -9541,7 +10154,7 @@
     </p:spTree>
     <p:extLst>
       <p:ext uri="{BB962C8B-B14F-4D97-AF65-F5344CB8AC3E}">
-        <p14:creationId xmlns:p14="http://schemas.microsoft.com/office/powerpoint/2010/main" val="3442453323"/>
+        <p14:creationId xmlns:p14="http://schemas.microsoft.com/office/powerpoint/2010/main" val="2807510438"/>
       </p:ext>
     </p:extLst>
   </p:cSld>
@@ -9552,6 +10165,323 @@
 </file>
 
 <file path=ppt/slides/slide20.xml><?xml version="1.0" encoding="utf-8"?>
+<p:sld xmlns:a="http://schemas.openxmlformats.org/drawingml/2006/main" xmlns:r="http://schemas.openxmlformats.org/officeDocument/2006/relationships" xmlns:p="http://schemas.openxmlformats.org/presentationml/2006/main">
+  <p:cSld>
+    <p:spTree>
+      <p:nvGrpSpPr>
+        <p:cNvPr id="1" name=""/>
+        <p:cNvGrpSpPr/>
+        <p:nvPr/>
+      </p:nvGrpSpPr>
+      <p:grpSpPr>
+        <a:xfrm>
+          <a:off x="0" y="0"/>
+          <a:ext cx="0" cy="0"/>
+          <a:chOff x="0" y="0"/>
+          <a:chExt cx="0" cy="0"/>
+        </a:xfrm>
+      </p:grpSpPr>
+      <p:pic>
+        <p:nvPicPr>
+          <p:cNvPr id="7" name="Picture 6" descr="Graphical user interface&#10;&#10;Description automatically generated">
+            <a:extLst>
+              <a:ext uri="{FF2B5EF4-FFF2-40B4-BE49-F238E27FC236}">
+                <a16:creationId xmlns:a16="http://schemas.microsoft.com/office/drawing/2014/main" id="{78E60534-2F58-B74A-BBC3-99782BBBCB45}"/>
+              </a:ext>
+            </a:extLst>
+          </p:cNvPr>
+          <p:cNvPicPr>
+            <a:picLocks noChangeAspect="1"/>
+          </p:cNvPicPr>
+          <p:nvPr/>
+        </p:nvPicPr>
+        <p:blipFill>
+          <a:blip r:embed="rId2">
+            <a:extLst>
+              <a:ext uri="{28A0092B-C50C-407E-A947-70E740481C1C}">
+                <a14:useLocalDpi xmlns:a14="http://schemas.microsoft.com/office/drawing/2010/main" val="0"/>
+              </a:ext>
+            </a:extLst>
+          </a:blip>
+          <a:stretch>
+            <a:fillRect/>
+          </a:stretch>
+        </p:blipFill>
+        <p:spPr>
+          <a:xfrm>
+            <a:off x="9095928" y="1200148"/>
+            <a:ext cx="2533718" cy="5483225"/>
+          </a:xfrm>
+          <a:prstGeom prst="rect">
+            <a:avLst/>
+          </a:prstGeom>
+        </p:spPr>
+      </p:pic>
+      <p:pic>
+        <p:nvPicPr>
+          <p:cNvPr id="4" name="Picture 3" descr="Graphical user interface, text, application, chat or text message&#10;&#10;Description automatically generated">
+            <a:extLst>
+              <a:ext uri="{FF2B5EF4-FFF2-40B4-BE49-F238E27FC236}">
+                <a16:creationId xmlns:a16="http://schemas.microsoft.com/office/drawing/2014/main" id="{FDC4A269-85AF-6349-AD98-169D4892E219}"/>
+              </a:ext>
+            </a:extLst>
+          </p:cNvPr>
+          <p:cNvPicPr>
+            <a:picLocks noChangeAspect="1"/>
+          </p:cNvPicPr>
+          <p:nvPr/>
+        </p:nvPicPr>
+        <p:blipFill>
+          <a:blip r:embed="rId3">
+            <a:extLst>
+              <a:ext uri="{28A0092B-C50C-407E-A947-70E740481C1C}">
+                <a14:useLocalDpi xmlns:a14="http://schemas.microsoft.com/office/drawing/2010/main" val="0"/>
+              </a:ext>
+            </a:extLst>
+          </a:blip>
+          <a:stretch>
+            <a:fillRect/>
+          </a:stretch>
+        </p:blipFill>
+        <p:spPr>
+          <a:xfrm>
+            <a:off x="5296561" y="1200148"/>
+            <a:ext cx="2539586" cy="5495925"/>
+          </a:xfrm>
+          <a:prstGeom prst="rect">
+            <a:avLst/>
+          </a:prstGeom>
+        </p:spPr>
+      </p:pic>
+      <p:sp>
+        <p:nvSpPr>
+          <p:cNvPr id="2" name="Title 1">
+            <a:extLst>
+              <a:ext uri="{FF2B5EF4-FFF2-40B4-BE49-F238E27FC236}">
+                <a16:creationId xmlns:a16="http://schemas.microsoft.com/office/drawing/2014/main" id="{122C1E14-0610-FB4E-BCD3-3BA8CADF9D02}"/>
+              </a:ext>
+            </a:extLst>
+          </p:cNvPr>
+          <p:cNvSpPr>
+            <a:spLocks noGrp="1"/>
+          </p:cNvSpPr>
+          <p:nvPr>
+            <p:ph type="title"/>
+          </p:nvPr>
+        </p:nvSpPr>
+        <p:spPr/>
+        <p:txBody>
+          <a:bodyPr/>
+          <a:lstStyle/>
+          <a:p>
+            <a:r>
+              <a:rPr lang="en-IT" dirty="0"/>
+              <a:t>Navigator – Passing an argument</a:t>
+            </a:r>
+          </a:p>
+        </p:txBody>
+      </p:sp>
+      <p:sp>
+        <p:nvSpPr>
+          <p:cNvPr id="6" name="Content Placeholder 5">
+            <a:extLst>
+              <a:ext uri="{FF2B5EF4-FFF2-40B4-BE49-F238E27FC236}">
+                <a16:creationId xmlns:a16="http://schemas.microsoft.com/office/drawing/2014/main" id="{1CFD16F6-AE87-6245-A265-931E7A6676CD}"/>
+              </a:ext>
+            </a:extLst>
+          </p:cNvPr>
+          <p:cNvSpPr>
+            <a:spLocks noGrp="1"/>
+          </p:cNvSpPr>
+          <p:nvPr>
+            <p:ph idx="1"/>
+          </p:nvPr>
+        </p:nvSpPr>
+        <p:spPr>
+          <a:xfrm>
+            <a:off x="428172" y="1361167"/>
+            <a:ext cx="4625091" cy="4858203"/>
+          </a:xfrm>
+        </p:spPr>
+        <p:txBody>
+          <a:bodyPr>
+            <a:normAutofit/>
+          </a:bodyPr>
+          <a:lstStyle/>
+          <a:p>
+            <a:r>
+              <a:rPr lang="en-IT" dirty="0"/>
+              <a:t>It is (of course) possible to pass arguments to the new route that can be used for several purposes.</a:t>
+            </a:r>
+          </a:p>
+          <a:p>
+            <a:endParaRPr lang="en-IT" dirty="0"/>
+          </a:p>
+          <a:p>
+            <a:r>
+              <a:rPr lang="en-IT" dirty="0"/>
+              <a:t>To demonstrate how, let’s expand the app with another route </a:t>
+            </a:r>
+            <a:r>
+              <a:rPr lang="en-IT" dirty="0">
+                <a:latin typeface="Courier" pitchFamily="2" charset="0"/>
+              </a:rPr>
+              <a:t>MessagePage</a:t>
+            </a:r>
+            <a:r>
+              <a:rPr lang="en-IT" dirty="0"/>
+              <a:t> that will get an argument from the </a:t>
+            </a:r>
+            <a:r>
+              <a:rPr lang="en-IT" dirty="0">
+                <a:latin typeface="Courier" pitchFamily="2" charset="0"/>
+              </a:rPr>
+              <a:t>HomePage </a:t>
+            </a:r>
+            <a:r>
+              <a:rPr lang="en-IT" dirty="0"/>
+              <a:t>and will show it in the center of the screen.</a:t>
+            </a:r>
+          </a:p>
+        </p:txBody>
+      </p:sp>
+      <p:cxnSp>
+        <p:nvCxnSpPr>
+          <p:cNvPr id="33" name="Straight Arrow Connector 32">
+            <a:extLst>
+              <a:ext uri="{FF2B5EF4-FFF2-40B4-BE49-F238E27FC236}">
+                <a16:creationId xmlns:a16="http://schemas.microsoft.com/office/drawing/2014/main" id="{379C211A-705D-6546-9E60-9C871D9F1097}"/>
+              </a:ext>
+            </a:extLst>
+          </p:cNvPr>
+          <p:cNvCxnSpPr>
+            <a:cxnSpLocks/>
+          </p:cNvCxnSpPr>
+          <p:nvPr/>
+        </p:nvCxnSpPr>
+        <p:spPr>
+          <a:xfrm flipV="1">
+            <a:off x="7052310" y="1923628"/>
+            <a:ext cx="3148330" cy="2499782"/>
+          </a:xfrm>
+          <a:prstGeom prst="straightConnector1">
+            <a:avLst/>
+          </a:prstGeom>
+          <a:ln w="38100">
+            <a:tailEnd type="triangle"/>
+          </a:ln>
+        </p:spPr>
+        <p:style>
+          <a:lnRef idx="1">
+            <a:schemeClr val="accent6"/>
+          </a:lnRef>
+          <a:fillRef idx="0">
+            <a:schemeClr val="accent6"/>
+          </a:fillRef>
+          <a:effectRef idx="0">
+            <a:schemeClr val="accent6"/>
+          </a:effectRef>
+          <a:fontRef idx="minor">
+            <a:schemeClr val="tx1"/>
+          </a:fontRef>
+        </p:style>
+      </p:cxnSp>
+      <p:cxnSp>
+        <p:nvCxnSpPr>
+          <p:cNvPr id="38" name="Straight Arrow Connector 37">
+            <a:extLst>
+              <a:ext uri="{FF2B5EF4-FFF2-40B4-BE49-F238E27FC236}">
+                <a16:creationId xmlns:a16="http://schemas.microsoft.com/office/drawing/2014/main" id="{C1EAC90E-B4CA-D640-9D8F-EB2205814982}"/>
+              </a:ext>
+            </a:extLst>
+          </p:cNvPr>
+          <p:cNvCxnSpPr>
+            <a:cxnSpLocks/>
+          </p:cNvCxnSpPr>
+          <p:nvPr/>
+        </p:nvCxnSpPr>
+        <p:spPr>
+          <a:xfrm flipH="1" flipV="1">
+            <a:off x="6522720" y="1923627"/>
+            <a:ext cx="3237653" cy="2363893"/>
+          </a:xfrm>
+          <a:prstGeom prst="straightConnector1">
+            <a:avLst/>
+          </a:prstGeom>
+          <a:ln w="38100">
+            <a:tailEnd type="triangle"/>
+          </a:ln>
+        </p:spPr>
+        <p:style>
+          <a:lnRef idx="1">
+            <a:schemeClr val="accent6"/>
+          </a:lnRef>
+          <a:fillRef idx="0">
+            <a:schemeClr val="accent6"/>
+          </a:fillRef>
+          <a:effectRef idx="0">
+            <a:schemeClr val="accent6"/>
+          </a:effectRef>
+          <a:fontRef idx="minor">
+            <a:schemeClr val="tx1"/>
+          </a:fontRef>
+        </p:style>
+      </p:cxnSp>
+      <p:cxnSp>
+        <p:nvCxnSpPr>
+          <p:cNvPr id="42" name="Straight Arrow Connector 41">
+            <a:extLst>
+              <a:ext uri="{FF2B5EF4-FFF2-40B4-BE49-F238E27FC236}">
+                <a16:creationId xmlns:a16="http://schemas.microsoft.com/office/drawing/2014/main" id="{BAD1BE7E-31FC-2F4F-B1AA-08AABBF3791F}"/>
+              </a:ext>
+            </a:extLst>
+          </p:cNvPr>
+          <p:cNvCxnSpPr>
+            <a:cxnSpLocks/>
+          </p:cNvCxnSpPr>
+          <p:nvPr/>
+        </p:nvCxnSpPr>
+        <p:spPr>
+          <a:xfrm flipH="1">
+            <a:off x="7823201" y="1693333"/>
+            <a:ext cx="1043093" cy="0"/>
+          </a:xfrm>
+          <a:prstGeom prst="straightConnector1">
+            <a:avLst/>
+          </a:prstGeom>
+          <a:ln w="38100">
+            <a:tailEnd type="triangle"/>
+          </a:ln>
+        </p:spPr>
+        <p:style>
+          <a:lnRef idx="1">
+            <a:schemeClr val="accent6"/>
+          </a:lnRef>
+          <a:fillRef idx="0">
+            <a:schemeClr val="accent6"/>
+          </a:fillRef>
+          <a:effectRef idx="0">
+            <a:schemeClr val="accent6"/>
+          </a:effectRef>
+          <a:fontRef idx="minor">
+            <a:schemeClr val="tx1"/>
+          </a:fontRef>
+        </p:style>
+      </p:cxnSp>
+    </p:spTree>
+    <p:extLst>
+      <p:ext uri="{BB962C8B-B14F-4D97-AF65-F5344CB8AC3E}">
+        <p14:creationId xmlns:p14="http://schemas.microsoft.com/office/powerpoint/2010/main" val="3843506808"/>
+      </p:ext>
+    </p:extLst>
+  </p:cSld>
+  <p:clrMapOvr>
+    <a:masterClrMapping/>
+  </p:clrMapOvr>
+</p:sld>
+</file>
+
+<file path=ppt/slides/slide21.xml><?xml version="1.0" encoding="utf-8"?>
 <p:sld xmlns:a="http://schemas.openxmlformats.org/drawingml/2006/main" xmlns:r="http://schemas.openxmlformats.org/officeDocument/2006/relationships" xmlns:p="http://schemas.openxmlformats.org/presentationml/2006/main">
   <p:cSld>
     <p:spTree>
@@ -10452,7 +11382,7 @@
 </p:sld>
 </file>
 
-<file path=ppt/slides/slide21.xml><?xml version="1.0" encoding="utf-8"?>
+<file path=ppt/slides/slide22.xml><?xml version="1.0" encoding="utf-8"?>
 <p:sld xmlns:a="http://schemas.openxmlformats.org/drawingml/2006/main" xmlns:r="http://schemas.openxmlformats.org/officeDocument/2006/relationships" xmlns:p="http://schemas.openxmlformats.org/presentationml/2006/main">
   <p:cSld>
     <p:spTree>
@@ -10718,7 +11648,7 @@
 </p:sld>
 </file>
 
-<file path=ppt/slides/slide22.xml><?xml version="1.0" encoding="utf-8"?>
+<file path=ppt/slides/slide23.xml><?xml version="1.0" encoding="utf-8"?>
 <p:sld xmlns:a="http://schemas.openxmlformats.org/drawingml/2006/main" xmlns:r="http://schemas.openxmlformats.org/officeDocument/2006/relationships" xmlns:p="http://schemas.openxmlformats.org/presentationml/2006/main">
   <p:cSld>
     <p:spTree>
@@ -11578,7 +12508,7 @@
 </p:sld>
 </file>
 
-<file path=ppt/slides/slide23.xml><?xml version="1.0" encoding="utf-8"?>
+<file path=ppt/slides/slide24.xml><?xml version="1.0" encoding="utf-8"?>
 <p:sld xmlns:a="http://schemas.openxmlformats.org/drawingml/2006/main" xmlns:r="http://schemas.openxmlformats.org/officeDocument/2006/relationships" xmlns:p="http://schemas.openxmlformats.org/presentationml/2006/main">
   <p:cSld>
     <p:spTree>
@@ -12788,7 +13718,7 @@
 </p:sld>
 </file>
 
-<file path=ppt/slides/slide24.xml><?xml version="1.0" encoding="utf-8"?>
+<file path=ppt/slides/slide25.xml><?xml version="1.0" encoding="utf-8"?>
 <p:sld xmlns:a="http://schemas.openxmlformats.org/drawingml/2006/main" xmlns:r="http://schemas.openxmlformats.org/officeDocument/2006/relationships" xmlns:p="http://schemas.openxmlformats.org/presentationml/2006/main">
   <p:cSld>
     <p:spTree>
@@ -12869,6 +13799,18 @@
                   </a:schemeClr>
                 </a:solidFill>
               </a:rPr>
+              <a:t>Recap</a:t>
+            </a:r>
+          </a:p>
+          <a:p>
+            <a:r>
+              <a:rPr lang="en-GB" dirty="0">
+                <a:solidFill>
+                  <a:schemeClr val="bg2">
+                    <a:lumMod val="90000"/>
+                  </a:schemeClr>
+                </a:solidFill>
+              </a:rPr>
               <a:t>Navigator</a:t>
             </a:r>
           </a:p>
@@ -12977,7 +13919,7 @@
 </p:sld>
 </file>
 
-<file path=ppt/slides/slide25.xml><?xml version="1.0" encoding="utf-8"?>
+<file path=ppt/slides/slide26.xml><?xml version="1.0" encoding="utf-8"?>
 <p:sld xmlns:a="http://schemas.openxmlformats.org/drawingml/2006/main" xmlns:r="http://schemas.openxmlformats.org/officeDocument/2006/relationships" xmlns:p="http://schemas.openxmlformats.org/presentationml/2006/main">
   <p:cSld>
     <p:spTree>
@@ -13304,7 +14246,7 @@
 </p:sld>
 </file>
 
-<file path=ppt/slides/slide26.xml><?xml version="1.0" encoding="utf-8"?>
+<file path=ppt/slides/slide27.xml><?xml version="1.0" encoding="utf-8"?>
 <p:sld xmlns:a="http://schemas.openxmlformats.org/drawingml/2006/main" xmlns:r="http://schemas.openxmlformats.org/officeDocument/2006/relationships" xmlns:p="http://schemas.openxmlformats.org/presentationml/2006/main">
   <p:cSld>
     <p:spTree>
@@ -14076,7 +15018,7 @@
 </p:sld>
 </file>
 
-<file path=ppt/slides/slide27.xml><?xml version="1.0" encoding="utf-8"?>
+<file path=ppt/slides/slide28.xml><?xml version="1.0" encoding="utf-8"?>
 <p:sld xmlns:a="http://schemas.openxmlformats.org/drawingml/2006/main" xmlns:r="http://schemas.openxmlformats.org/officeDocument/2006/relationships" xmlns:p="http://schemas.openxmlformats.org/presentationml/2006/main">
   <p:cSld>
     <p:spTree>
@@ -14355,7 +15297,7 @@
 </p:sld>
 </file>
 
-<file path=ppt/slides/slide28.xml><?xml version="1.0" encoding="utf-8"?>
+<file path=ppt/slides/slide29.xml><?xml version="1.0" encoding="utf-8"?>
 <p:sld xmlns:a="http://schemas.openxmlformats.org/drawingml/2006/main" xmlns:r="http://schemas.openxmlformats.org/officeDocument/2006/relationships" xmlns:p="http://schemas.openxmlformats.org/presentationml/2006/main">
   <p:cSld>
     <p:spTree>
@@ -15075,7 +16017,2262 @@
 </p:sld>
 </file>
 
-<file path=ppt/slides/slide29.xml><?xml version="1.0" encoding="utf-8"?>
+<file path=ppt/slides/slide3.xml><?xml version="1.0" encoding="utf-8"?>
+<p:sld xmlns:a="http://schemas.openxmlformats.org/drawingml/2006/main" xmlns:r="http://schemas.openxmlformats.org/officeDocument/2006/relationships" xmlns:p="http://schemas.openxmlformats.org/presentationml/2006/main">
+  <p:cSld>
+    <p:spTree>
+      <p:nvGrpSpPr>
+        <p:cNvPr id="1" name=""/>
+        <p:cNvGrpSpPr/>
+        <p:nvPr/>
+      </p:nvGrpSpPr>
+      <p:grpSpPr>
+        <a:xfrm>
+          <a:off x="0" y="0"/>
+          <a:ext cx="0" cy="0"/>
+          <a:chOff x="0" y="0"/>
+          <a:chExt cx="0" cy="0"/>
+        </a:xfrm>
+      </p:grpSpPr>
+      <p:sp>
+        <p:nvSpPr>
+          <p:cNvPr id="2" name="Title 1">
+            <a:extLst>
+              <a:ext uri="{FF2B5EF4-FFF2-40B4-BE49-F238E27FC236}">
+                <a16:creationId xmlns:a16="http://schemas.microsoft.com/office/drawing/2014/main" id="{122C1E14-0610-FB4E-BCD3-3BA8CADF9D02}"/>
+              </a:ext>
+            </a:extLst>
+          </p:cNvPr>
+          <p:cNvSpPr>
+            <a:spLocks noGrp="1"/>
+          </p:cNvSpPr>
+          <p:nvPr>
+            <p:ph type="title"/>
+          </p:nvPr>
+        </p:nvSpPr>
+        <p:spPr/>
+        <p:txBody>
+          <a:bodyPr/>
+          <a:lstStyle/>
+          <a:p>
+            <a:r>
+              <a:rPr lang="en-IT" dirty="0"/>
+              <a:t>Recap</a:t>
+            </a:r>
+          </a:p>
+        </p:txBody>
+      </p:sp>
+      <p:sp>
+        <p:nvSpPr>
+          <p:cNvPr id="6" name="Rectangle 5">
+            <a:extLst>
+              <a:ext uri="{FF2B5EF4-FFF2-40B4-BE49-F238E27FC236}">
+                <a16:creationId xmlns:a16="http://schemas.microsoft.com/office/drawing/2014/main" id="{4F59339E-8A81-2441-8894-466CF2091C4C}"/>
+              </a:ext>
+            </a:extLst>
+          </p:cNvPr>
+          <p:cNvSpPr/>
+          <p:nvPr/>
+        </p:nvSpPr>
+        <p:spPr>
+          <a:xfrm>
+            <a:off x="3262086" y="2757271"/>
+            <a:ext cx="2571750" cy="860243"/>
+          </a:xfrm>
+          <a:prstGeom prst="rect">
+            <a:avLst/>
+          </a:prstGeom>
+          <a:solidFill>
+            <a:srgbClr val="FFFF00"/>
+          </a:solidFill>
+          <a:ln w="38100">
+            <a:solidFill>
+              <a:schemeClr val="accent1"/>
+            </a:solidFill>
+          </a:ln>
+        </p:spPr>
+        <p:style>
+          <a:lnRef idx="2">
+            <a:schemeClr val="accent6"/>
+          </a:lnRef>
+          <a:fillRef idx="1">
+            <a:schemeClr val="lt1"/>
+          </a:fillRef>
+          <a:effectRef idx="0">
+            <a:schemeClr val="accent6"/>
+          </a:effectRef>
+          <a:fontRef idx="minor">
+            <a:schemeClr val="dk1"/>
+          </a:fontRef>
+        </p:style>
+        <p:txBody>
+          <a:bodyPr rtlCol="0" anchor="ctr"/>
+          <a:lstStyle/>
+          <a:p>
+            <a:pPr algn="ctr"/>
+            <a:r>
+              <a:rPr lang="en-IT" dirty="0">
+                <a:latin typeface="Palatino Linotype" panose="02040502050505030304" pitchFamily="18" charset="0"/>
+              </a:rPr>
+              <a:t>Navigate between screens</a:t>
+            </a:r>
+          </a:p>
+        </p:txBody>
+      </p:sp>
+      <p:sp>
+        <p:nvSpPr>
+          <p:cNvPr id="8" name="Rectangle 7">
+            <a:extLst>
+              <a:ext uri="{FF2B5EF4-FFF2-40B4-BE49-F238E27FC236}">
+                <a16:creationId xmlns:a16="http://schemas.microsoft.com/office/drawing/2014/main" id="{A3DA10E2-4B67-4448-8871-FA03D68FCBE9}"/>
+              </a:ext>
+            </a:extLst>
+          </p:cNvPr>
+          <p:cNvSpPr/>
+          <p:nvPr/>
+        </p:nvSpPr>
+        <p:spPr>
+          <a:xfrm>
+            <a:off x="6301925" y="1506748"/>
+            <a:ext cx="2571750" cy="860243"/>
+          </a:xfrm>
+          <a:prstGeom prst="rect">
+            <a:avLst/>
+          </a:prstGeom>
+          <a:noFill/>
+          <a:ln w="38100">
+            <a:solidFill>
+              <a:srgbClr val="FFC000"/>
+            </a:solidFill>
+          </a:ln>
+        </p:spPr>
+        <p:style>
+          <a:lnRef idx="2">
+            <a:schemeClr val="accent6"/>
+          </a:lnRef>
+          <a:fillRef idx="1">
+            <a:schemeClr val="lt1"/>
+          </a:fillRef>
+          <a:effectRef idx="0">
+            <a:schemeClr val="accent6"/>
+          </a:effectRef>
+          <a:fontRef idx="minor">
+            <a:schemeClr val="dk1"/>
+          </a:fontRef>
+        </p:style>
+        <p:txBody>
+          <a:bodyPr rtlCol="0" anchor="ctr"/>
+          <a:lstStyle/>
+          <a:p>
+            <a:pPr algn="ctr"/>
+            <a:r>
+              <a:rPr lang="en-IT" dirty="0">
+                <a:latin typeface="Palatino Linotype" panose="02040502050505030304" pitchFamily="18" charset="0"/>
+              </a:rPr>
+              <a:t>Make simple API calls</a:t>
+            </a:r>
+          </a:p>
+        </p:txBody>
+      </p:sp>
+      <p:sp>
+        <p:nvSpPr>
+          <p:cNvPr id="9" name="Rectangle 8">
+            <a:extLst>
+              <a:ext uri="{FF2B5EF4-FFF2-40B4-BE49-F238E27FC236}">
+                <a16:creationId xmlns:a16="http://schemas.microsoft.com/office/drawing/2014/main" id="{91A96BC1-682C-AC4F-AE0B-DE841D7AAA23}"/>
+              </a:ext>
+            </a:extLst>
+          </p:cNvPr>
+          <p:cNvSpPr/>
+          <p:nvPr/>
+        </p:nvSpPr>
+        <p:spPr>
+          <a:xfrm>
+            <a:off x="6287293" y="2757271"/>
+            <a:ext cx="2571750" cy="860243"/>
+          </a:xfrm>
+          <a:prstGeom prst="rect">
+            <a:avLst/>
+          </a:prstGeom>
+          <a:ln w="38100">
+            <a:solidFill>
+              <a:srgbClr val="FFC000"/>
+            </a:solidFill>
+          </a:ln>
+        </p:spPr>
+        <p:style>
+          <a:lnRef idx="2">
+            <a:schemeClr val="accent6"/>
+          </a:lnRef>
+          <a:fillRef idx="1">
+            <a:schemeClr val="lt1"/>
+          </a:fillRef>
+          <a:effectRef idx="0">
+            <a:schemeClr val="accent6"/>
+          </a:effectRef>
+          <a:fontRef idx="minor">
+            <a:schemeClr val="dk1"/>
+          </a:fontRef>
+        </p:style>
+        <p:txBody>
+          <a:bodyPr rtlCol="0" anchor="ctr"/>
+          <a:lstStyle/>
+          <a:p>
+            <a:pPr algn="ctr"/>
+            <a:r>
+              <a:rPr lang="en-IT" dirty="0">
+                <a:latin typeface="Palatino Linotype" panose="02040502050505030304" pitchFamily="18" charset="0"/>
+              </a:rPr>
+              <a:t>Fetch wearable data</a:t>
+            </a:r>
+          </a:p>
+        </p:txBody>
+      </p:sp>
+      <p:sp>
+        <p:nvSpPr>
+          <p:cNvPr id="11" name="Rectangle 10">
+            <a:extLst>
+              <a:ext uri="{FF2B5EF4-FFF2-40B4-BE49-F238E27FC236}">
+                <a16:creationId xmlns:a16="http://schemas.microsoft.com/office/drawing/2014/main" id="{DA0C45BF-9708-D246-AF7A-63F93085FA1B}"/>
+              </a:ext>
+            </a:extLst>
+          </p:cNvPr>
+          <p:cNvSpPr/>
+          <p:nvPr/>
+        </p:nvSpPr>
+        <p:spPr>
+          <a:xfrm>
+            <a:off x="3262086" y="1510133"/>
+            <a:ext cx="2571750" cy="860243"/>
+          </a:xfrm>
+          <a:prstGeom prst="rect">
+            <a:avLst/>
+          </a:prstGeom>
+          <a:ln w="38100">
+            <a:solidFill>
+              <a:schemeClr val="accent1"/>
+            </a:solidFill>
+          </a:ln>
+        </p:spPr>
+        <p:style>
+          <a:lnRef idx="2">
+            <a:schemeClr val="accent6"/>
+          </a:lnRef>
+          <a:fillRef idx="1">
+            <a:schemeClr val="lt1"/>
+          </a:fillRef>
+          <a:effectRef idx="0">
+            <a:schemeClr val="accent6"/>
+          </a:effectRef>
+          <a:fontRef idx="minor">
+            <a:schemeClr val="dk1"/>
+          </a:fontRef>
+        </p:style>
+        <p:txBody>
+          <a:bodyPr rtlCol="0" anchor="ctr"/>
+          <a:lstStyle/>
+          <a:p>
+            <a:pPr algn="ctr"/>
+            <a:r>
+              <a:rPr lang="en-IT" dirty="0">
+                <a:latin typeface="Palatino Linotype" panose="02040502050505030304" pitchFamily="18" charset="0"/>
+              </a:rPr>
+              <a:t>Create a layout</a:t>
+            </a:r>
+          </a:p>
+        </p:txBody>
+      </p:sp>
+      <p:sp>
+        <p:nvSpPr>
+          <p:cNvPr id="12" name="Rectangle 11">
+            <a:extLst>
+              <a:ext uri="{FF2B5EF4-FFF2-40B4-BE49-F238E27FC236}">
+                <a16:creationId xmlns:a16="http://schemas.microsoft.com/office/drawing/2014/main" id="{89A3CF9B-84DE-9A4C-9E18-FBA6C2A9FAAE}"/>
+              </a:ext>
+            </a:extLst>
+          </p:cNvPr>
+          <p:cNvSpPr/>
+          <p:nvPr/>
+        </p:nvSpPr>
+        <p:spPr>
+          <a:xfrm>
+            <a:off x="9303992" y="2752427"/>
+            <a:ext cx="2571750" cy="860243"/>
+          </a:xfrm>
+          <a:prstGeom prst="rect">
+            <a:avLst/>
+          </a:prstGeom>
+          <a:ln w="38100">
+            <a:solidFill>
+              <a:srgbClr val="7030A0"/>
+            </a:solidFill>
+          </a:ln>
+        </p:spPr>
+        <p:style>
+          <a:lnRef idx="2">
+            <a:schemeClr val="accent6"/>
+          </a:lnRef>
+          <a:fillRef idx="1">
+            <a:schemeClr val="lt1"/>
+          </a:fillRef>
+          <a:effectRef idx="0">
+            <a:schemeClr val="accent6"/>
+          </a:effectRef>
+          <a:fontRef idx="minor">
+            <a:schemeClr val="dk1"/>
+          </a:fontRef>
+        </p:style>
+        <p:txBody>
+          <a:bodyPr rtlCol="0" anchor="ctr"/>
+          <a:lstStyle/>
+          <a:p>
+            <a:pPr algn="ctr"/>
+            <a:r>
+              <a:rPr lang="en-IT" dirty="0">
+                <a:latin typeface="Palatino Linotype" panose="02040502050505030304" pitchFamily="18" charset="0"/>
+              </a:rPr>
+              <a:t>Persist user data</a:t>
+            </a:r>
+          </a:p>
+        </p:txBody>
+      </p:sp>
+      <p:sp>
+        <p:nvSpPr>
+          <p:cNvPr id="13" name="Rectangle 12">
+            <a:extLst>
+              <a:ext uri="{FF2B5EF4-FFF2-40B4-BE49-F238E27FC236}">
+                <a16:creationId xmlns:a16="http://schemas.microsoft.com/office/drawing/2014/main" id="{B59EA357-0CE7-EE42-AA24-CF594C57CF30}"/>
+              </a:ext>
+            </a:extLst>
+          </p:cNvPr>
+          <p:cNvSpPr/>
+          <p:nvPr/>
+        </p:nvSpPr>
+        <p:spPr>
+          <a:xfrm>
+            <a:off x="3262086" y="4006100"/>
+            <a:ext cx="2571750" cy="860243"/>
+          </a:xfrm>
+          <a:prstGeom prst="rect">
+            <a:avLst/>
+          </a:prstGeom>
+          <a:ln w="38100">
+            <a:solidFill>
+              <a:schemeClr val="accent1"/>
+            </a:solidFill>
+          </a:ln>
+        </p:spPr>
+        <p:style>
+          <a:lnRef idx="2">
+            <a:schemeClr val="accent6"/>
+          </a:lnRef>
+          <a:fillRef idx="1">
+            <a:schemeClr val="lt1"/>
+          </a:fillRef>
+          <a:effectRef idx="0">
+            <a:schemeClr val="accent6"/>
+          </a:effectRef>
+          <a:fontRef idx="minor">
+            <a:schemeClr val="dk1"/>
+          </a:fontRef>
+        </p:style>
+        <p:txBody>
+          <a:bodyPr rtlCol="0" anchor="ctr"/>
+          <a:lstStyle/>
+          <a:p>
+            <a:pPr algn="ctr"/>
+            <a:r>
+              <a:rPr lang="en-IT" dirty="0">
+                <a:latin typeface="Palatino Linotype" panose="02040502050505030304" pitchFamily="18" charset="0"/>
+              </a:rPr>
+              <a:t>Manage the app state</a:t>
+            </a:r>
+          </a:p>
+        </p:txBody>
+      </p:sp>
+      <p:sp>
+        <p:nvSpPr>
+          <p:cNvPr id="14" name="Rectangle 13">
+            <a:extLst>
+              <a:ext uri="{FF2B5EF4-FFF2-40B4-BE49-F238E27FC236}">
+                <a16:creationId xmlns:a16="http://schemas.microsoft.com/office/drawing/2014/main" id="{59891CCE-800C-D14F-AC56-D2B57CD4489C}"/>
+              </a:ext>
+            </a:extLst>
+          </p:cNvPr>
+          <p:cNvSpPr/>
+          <p:nvPr/>
+        </p:nvSpPr>
+        <p:spPr>
+          <a:xfrm>
+            <a:off x="428173" y="4001893"/>
+            <a:ext cx="2571750" cy="860243"/>
+          </a:xfrm>
+          <a:prstGeom prst="rect">
+            <a:avLst/>
+          </a:prstGeom>
+          <a:ln w="38100">
+            <a:solidFill>
+              <a:schemeClr val="accent1"/>
+            </a:solidFill>
+          </a:ln>
+        </p:spPr>
+        <p:style>
+          <a:lnRef idx="2">
+            <a:schemeClr val="accent6"/>
+          </a:lnRef>
+          <a:fillRef idx="1">
+            <a:schemeClr val="lt1"/>
+          </a:fillRef>
+          <a:effectRef idx="0">
+            <a:schemeClr val="accent6"/>
+          </a:effectRef>
+          <a:fontRef idx="minor">
+            <a:schemeClr val="dk1"/>
+          </a:fontRef>
+        </p:style>
+        <p:txBody>
+          <a:bodyPr rtlCol="0" anchor="ctr"/>
+          <a:lstStyle/>
+          <a:p>
+            <a:pPr algn="ctr"/>
+            <a:r>
+              <a:rPr lang="en-IT" dirty="0">
+                <a:latin typeface="Palatino Linotype" panose="02040502050505030304" pitchFamily="18" charset="0"/>
+              </a:rPr>
+              <a:t>Understand Flutter’s principles</a:t>
+            </a:r>
+          </a:p>
+        </p:txBody>
+      </p:sp>
+      <p:sp>
+        <p:nvSpPr>
+          <p:cNvPr id="15" name="Rectangle 14">
+            <a:extLst>
+              <a:ext uri="{FF2B5EF4-FFF2-40B4-BE49-F238E27FC236}">
+                <a16:creationId xmlns:a16="http://schemas.microsoft.com/office/drawing/2014/main" id="{4578F71A-FE43-5D4A-9447-12A5D61DBED5}"/>
+              </a:ext>
+            </a:extLst>
+          </p:cNvPr>
+          <p:cNvSpPr/>
+          <p:nvPr/>
+        </p:nvSpPr>
+        <p:spPr>
+          <a:xfrm>
+            <a:off x="428173" y="2757271"/>
+            <a:ext cx="2571750" cy="860243"/>
+          </a:xfrm>
+          <a:prstGeom prst="rect">
+            <a:avLst/>
+          </a:prstGeom>
+          <a:ln w="38100">
+            <a:solidFill>
+              <a:schemeClr val="accent1"/>
+            </a:solidFill>
+          </a:ln>
+        </p:spPr>
+        <p:style>
+          <a:lnRef idx="2">
+            <a:schemeClr val="accent6"/>
+          </a:lnRef>
+          <a:fillRef idx="1">
+            <a:schemeClr val="lt1"/>
+          </a:fillRef>
+          <a:effectRef idx="0">
+            <a:schemeClr val="accent6"/>
+          </a:effectRef>
+          <a:fontRef idx="minor">
+            <a:schemeClr val="dk1"/>
+          </a:fontRef>
+        </p:style>
+        <p:txBody>
+          <a:bodyPr rtlCol="0" anchor="ctr"/>
+          <a:lstStyle/>
+          <a:p>
+            <a:pPr algn="ctr"/>
+            <a:r>
+              <a:rPr lang="en-IT" dirty="0">
+                <a:latin typeface="Palatino Linotype" panose="02040502050505030304" pitchFamily="18" charset="0"/>
+              </a:rPr>
+              <a:t>Get familiar with Dart</a:t>
+            </a:r>
+          </a:p>
+        </p:txBody>
+      </p:sp>
+      <p:sp>
+        <p:nvSpPr>
+          <p:cNvPr id="16" name="Rectangle 15">
+            <a:extLst>
+              <a:ext uri="{FF2B5EF4-FFF2-40B4-BE49-F238E27FC236}">
+                <a16:creationId xmlns:a16="http://schemas.microsoft.com/office/drawing/2014/main" id="{F06EC684-AEE0-714D-BA51-7C00C2C4DCF1}"/>
+              </a:ext>
+            </a:extLst>
+          </p:cNvPr>
+          <p:cNvSpPr/>
+          <p:nvPr/>
+        </p:nvSpPr>
+        <p:spPr>
+          <a:xfrm>
+            <a:off x="428173" y="1510134"/>
+            <a:ext cx="2571750" cy="860243"/>
+          </a:xfrm>
+          <a:prstGeom prst="rect">
+            <a:avLst/>
+          </a:prstGeom>
+          <a:ln w="38100">
+            <a:solidFill>
+              <a:schemeClr val="accent1"/>
+            </a:solidFill>
+          </a:ln>
+        </p:spPr>
+        <p:style>
+          <a:lnRef idx="2">
+            <a:schemeClr val="accent6"/>
+          </a:lnRef>
+          <a:fillRef idx="1">
+            <a:schemeClr val="lt1"/>
+          </a:fillRef>
+          <a:effectRef idx="0">
+            <a:schemeClr val="accent6"/>
+          </a:effectRef>
+          <a:fontRef idx="minor">
+            <a:schemeClr val="dk1"/>
+          </a:fontRef>
+        </p:style>
+        <p:txBody>
+          <a:bodyPr rtlCol="0" anchor="ctr"/>
+          <a:lstStyle/>
+          <a:p>
+            <a:pPr algn="ctr"/>
+            <a:r>
+              <a:rPr lang="en-IT" dirty="0">
+                <a:latin typeface="Palatino Linotype" panose="02040502050505030304" pitchFamily="18" charset="0"/>
+              </a:rPr>
+              <a:t>Collaborate and version code</a:t>
+            </a:r>
+          </a:p>
+        </p:txBody>
+      </p:sp>
+      <p:sp>
+        <p:nvSpPr>
+          <p:cNvPr id="17" name="Rectangle 16">
+            <a:extLst>
+              <a:ext uri="{FF2B5EF4-FFF2-40B4-BE49-F238E27FC236}">
+                <a16:creationId xmlns:a16="http://schemas.microsoft.com/office/drawing/2014/main" id="{C2EFE1B8-79ED-B645-A1A5-DD1C452F5C1B}"/>
+              </a:ext>
+            </a:extLst>
+          </p:cNvPr>
+          <p:cNvSpPr/>
+          <p:nvPr/>
+        </p:nvSpPr>
+        <p:spPr>
+          <a:xfrm>
+            <a:off x="9303992" y="1498505"/>
+            <a:ext cx="2571750" cy="860243"/>
+          </a:xfrm>
+          <a:prstGeom prst="rect">
+            <a:avLst/>
+          </a:prstGeom>
+          <a:ln w="38100">
+            <a:solidFill>
+              <a:srgbClr val="7030A0"/>
+            </a:solidFill>
+          </a:ln>
+        </p:spPr>
+        <p:style>
+          <a:lnRef idx="2">
+            <a:schemeClr val="accent6"/>
+          </a:lnRef>
+          <a:fillRef idx="1">
+            <a:schemeClr val="lt1"/>
+          </a:fillRef>
+          <a:effectRef idx="0">
+            <a:schemeClr val="accent6"/>
+          </a:effectRef>
+          <a:fontRef idx="minor">
+            <a:schemeClr val="dk1"/>
+          </a:fontRef>
+        </p:style>
+        <p:txBody>
+          <a:bodyPr rtlCol="0" anchor="ctr"/>
+          <a:lstStyle/>
+          <a:p>
+            <a:pPr algn="ctr"/>
+            <a:r>
+              <a:rPr lang="en-IT" dirty="0">
+                <a:latin typeface="Palatino Linotype" panose="02040502050505030304" pitchFamily="18" charset="0"/>
+              </a:rPr>
+              <a:t>Implement user authentication</a:t>
+            </a:r>
+          </a:p>
+        </p:txBody>
+      </p:sp>
+      <p:sp>
+        <p:nvSpPr>
+          <p:cNvPr id="18" name="Rectangle 17">
+            <a:extLst>
+              <a:ext uri="{FF2B5EF4-FFF2-40B4-BE49-F238E27FC236}">
+                <a16:creationId xmlns:a16="http://schemas.microsoft.com/office/drawing/2014/main" id="{7A69206F-E158-C04A-AA9B-1F9FCE860BD3}"/>
+              </a:ext>
+            </a:extLst>
+          </p:cNvPr>
+          <p:cNvSpPr/>
+          <p:nvPr/>
+        </p:nvSpPr>
+        <p:spPr>
+          <a:xfrm>
+            <a:off x="428173" y="5818578"/>
+            <a:ext cx="11553370" cy="453753"/>
+          </a:xfrm>
+          <a:prstGeom prst="rect">
+            <a:avLst/>
+          </a:prstGeom>
+          <a:ln w="38100"/>
+        </p:spPr>
+        <p:style>
+          <a:lnRef idx="2">
+            <a:schemeClr val="accent6"/>
+          </a:lnRef>
+          <a:fillRef idx="1">
+            <a:schemeClr val="lt1"/>
+          </a:fillRef>
+          <a:effectRef idx="0">
+            <a:schemeClr val="accent6"/>
+          </a:effectRef>
+          <a:fontRef idx="minor">
+            <a:schemeClr val="dk1"/>
+          </a:fontRef>
+        </p:style>
+        <p:txBody>
+          <a:bodyPr rtlCol="0" anchor="ctr"/>
+          <a:lstStyle/>
+          <a:p>
+            <a:pPr algn="ctr"/>
+            <a:r>
+              <a:rPr lang="en-IT" dirty="0">
+                <a:latin typeface="Palatino Linotype" panose="02040502050505030304" pitchFamily="18" charset="0"/>
+              </a:rPr>
+              <a:t>Do something with your fantasy</a:t>
+            </a:r>
+          </a:p>
+        </p:txBody>
+      </p:sp>
+      <p:cxnSp>
+        <p:nvCxnSpPr>
+          <p:cNvPr id="24" name="Straight Connector 23">
+            <a:extLst>
+              <a:ext uri="{FF2B5EF4-FFF2-40B4-BE49-F238E27FC236}">
+                <a16:creationId xmlns:a16="http://schemas.microsoft.com/office/drawing/2014/main" id="{F46B9E0C-1958-334C-8E68-E5B5D895F3A0}"/>
+              </a:ext>
+            </a:extLst>
+          </p:cNvPr>
+          <p:cNvCxnSpPr>
+            <a:cxnSpLocks/>
+          </p:cNvCxnSpPr>
+          <p:nvPr/>
+        </p:nvCxnSpPr>
+        <p:spPr>
+          <a:xfrm>
+            <a:off x="11981543" y="1231320"/>
+            <a:ext cx="0" cy="4088165"/>
+          </a:xfrm>
+          <a:prstGeom prst="line">
+            <a:avLst/>
+          </a:prstGeom>
+          <a:ln w="38100">
+            <a:solidFill>
+              <a:srgbClr val="7030A0"/>
+            </a:solidFill>
+          </a:ln>
+        </p:spPr>
+        <p:style>
+          <a:lnRef idx="1">
+            <a:schemeClr val="accent6"/>
+          </a:lnRef>
+          <a:fillRef idx="0">
+            <a:schemeClr val="accent6"/>
+          </a:fillRef>
+          <a:effectRef idx="0">
+            <a:schemeClr val="accent6"/>
+          </a:effectRef>
+          <a:fontRef idx="minor">
+            <a:schemeClr val="tx1"/>
+          </a:fontRef>
+        </p:style>
+      </p:cxnSp>
+      <p:sp>
+        <p:nvSpPr>
+          <p:cNvPr id="25" name="Content Placeholder 2">
+            <a:extLst>
+              <a:ext uri="{FF2B5EF4-FFF2-40B4-BE49-F238E27FC236}">
+                <a16:creationId xmlns:a16="http://schemas.microsoft.com/office/drawing/2014/main" id="{B714A049-D46C-4741-AC57-5ADD5A556D5E}"/>
+              </a:ext>
+            </a:extLst>
+          </p:cNvPr>
+          <p:cNvSpPr txBox="1">
+            <a:spLocks/>
+          </p:cNvSpPr>
+          <p:nvPr/>
+        </p:nvSpPr>
+        <p:spPr>
+          <a:xfrm>
+            <a:off x="428172" y="4971142"/>
+            <a:ext cx="5405664" cy="348343"/>
+          </a:xfrm>
+          <a:prstGeom prst="rect">
+            <a:avLst/>
+          </a:prstGeom>
+          <a:ln w="38100">
+            <a:solidFill>
+              <a:schemeClr val="accent1"/>
+            </a:solidFill>
+          </a:ln>
+        </p:spPr>
+        <p:txBody>
+          <a:bodyPr vert="horz" lIns="91440" tIns="45720" rIns="91440" bIns="45720" rtlCol="0" anchor="ctr">
+            <a:normAutofit/>
+          </a:bodyPr>
+          <a:lstStyle>
+            <a:lvl1pPr marL="342900" indent="-342900" algn="l" defTabSz="914400" rtl="0" eaLnBrk="1" latinLnBrk="0" hangingPunct="1">
+              <a:lnSpc>
+                <a:spcPct val="90000"/>
+              </a:lnSpc>
+              <a:spcBef>
+                <a:spcPts val="1000"/>
+              </a:spcBef>
+              <a:buClr>
+                <a:srgbClr val="00B050"/>
+              </a:buClr>
+              <a:buFont typeface="Wingdings" panose="05000000000000000000" pitchFamily="2" charset="2"/>
+              <a:buChar char="Ø"/>
+              <a:defRPr sz="2400" kern="1200">
+                <a:solidFill>
+                  <a:schemeClr val="tx1"/>
+                </a:solidFill>
+                <a:latin typeface="Palatino Linotype" panose="02040502050505030304" pitchFamily="18" charset="0"/>
+                <a:ea typeface="+mn-ea"/>
+                <a:cs typeface="+mn-cs"/>
+              </a:defRPr>
+            </a:lvl1pPr>
+            <a:lvl2pPr marL="685800" indent="-228600" algn="l" defTabSz="914400" rtl="0" eaLnBrk="1" latinLnBrk="0" hangingPunct="1">
+              <a:lnSpc>
+                <a:spcPct val="90000"/>
+              </a:lnSpc>
+              <a:spcBef>
+                <a:spcPts val="500"/>
+              </a:spcBef>
+              <a:buClr>
+                <a:srgbClr val="00B050"/>
+              </a:buClr>
+              <a:buFont typeface="Wingdings" panose="05000000000000000000" pitchFamily="2" charset="2"/>
+              <a:buChar char="§"/>
+              <a:defRPr sz="2000" kern="1200">
+                <a:solidFill>
+                  <a:schemeClr val="tx1"/>
+                </a:solidFill>
+                <a:latin typeface="Palatino Linotype" panose="02040502050505030304" pitchFamily="18" charset="0"/>
+                <a:ea typeface="+mn-ea"/>
+                <a:cs typeface="+mn-cs"/>
+              </a:defRPr>
+            </a:lvl2pPr>
+            <a:lvl3pPr marL="1143000" indent="-228600" algn="l" defTabSz="914400" rtl="0" eaLnBrk="1" latinLnBrk="0" hangingPunct="1">
+              <a:lnSpc>
+                <a:spcPct val="90000"/>
+              </a:lnSpc>
+              <a:spcBef>
+                <a:spcPts val="500"/>
+              </a:spcBef>
+              <a:buClr>
+                <a:srgbClr val="00B050"/>
+              </a:buClr>
+              <a:buFont typeface="Arial" panose="020B0604020202020204" pitchFamily="34" charset="0"/>
+              <a:buChar char="•"/>
+              <a:defRPr sz="1800" kern="1200">
+                <a:solidFill>
+                  <a:schemeClr val="tx1"/>
+                </a:solidFill>
+                <a:latin typeface="Palatino Linotype" panose="02040502050505030304" pitchFamily="18" charset="0"/>
+                <a:ea typeface="+mn-ea"/>
+                <a:cs typeface="+mn-cs"/>
+              </a:defRPr>
+            </a:lvl3pPr>
+            <a:lvl4pPr marL="1600200" indent="-228600" algn="l" defTabSz="914400" rtl="0" eaLnBrk="1" latinLnBrk="0" hangingPunct="1">
+              <a:lnSpc>
+                <a:spcPct val="90000"/>
+              </a:lnSpc>
+              <a:spcBef>
+                <a:spcPts val="500"/>
+              </a:spcBef>
+              <a:buClr>
+                <a:srgbClr val="00B050"/>
+              </a:buClr>
+              <a:buFont typeface="Courier New" panose="02070309020205020404" pitchFamily="49" charset="0"/>
+              <a:buChar char="o"/>
+              <a:defRPr sz="1600" kern="1200">
+                <a:solidFill>
+                  <a:schemeClr val="tx1"/>
+                </a:solidFill>
+                <a:latin typeface="Palatino Linotype" panose="02040502050505030304" pitchFamily="18" charset="0"/>
+                <a:ea typeface="+mn-ea"/>
+                <a:cs typeface="+mn-cs"/>
+              </a:defRPr>
+            </a:lvl4pPr>
+            <a:lvl5pPr marL="2057400" indent="-228600" algn="l" defTabSz="914400" rtl="0" eaLnBrk="1" latinLnBrk="0" hangingPunct="1">
+              <a:lnSpc>
+                <a:spcPct val="90000"/>
+              </a:lnSpc>
+              <a:spcBef>
+                <a:spcPts val="500"/>
+              </a:spcBef>
+              <a:buClr>
+                <a:srgbClr val="00B050"/>
+              </a:buClr>
+              <a:buFont typeface="Times New Roman" panose="02020603050405020304" pitchFamily="18" charset="0"/>
+              <a:buChar char="̶"/>
+              <a:defRPr sz="1600" kern="1200">
+                <a:solidFill>
+                  <a:schemeClr val="tx1"/>
+                </a:solidFill>
+                <a:latin typeface="Palatino Linotype" panose="02040502050505030304" pitchFamily="18" charset="0"/>
+                <a:ea typeface="+mn-ea"/>
+                <a:cs typeface="+mn-cs"/>
+              </a:defRPr>
+            </a:lvl5pPr>
+            <a:lvl6pPr marL="2514600" indent="-228600" algn="l" defTabSz="914400" rtl="0" eaLnBrk="1" latinLnBrk="0" hangingPunct="1">
+              <a:lnSpc>
+                <a:spcPct val="90000"/>
+              </a:lnSpc>
+              <a:spcBef>
+                <a:spcPts val="500"/>
+              </a:spcBef>
+              <a:buFont typeface="Arial" panose="020B0604020202020204" pitchFamily="34" charset="0"/>
+              <a:buChar char="•"/>
+              <a:defRPr sz="1800" kern="1200">
+                <a:solidFill>
+                  <a:schemeClr val="tx1"/>
+                </a:solidFill>
+                <a:latin typeface="+mn-lt"/>
+                <a:ea typeface="+mn-ea"/>
+                <a:cs typeface="+mn-cs"/>
+              </a:defRPr>
+            </a:lvl6pPr>
+            <a:lvl7pPr marL="2971800" indent="-228600" algn="l" defTabSz="914400" rtl="0" eaLnBrk="1" latinLnBrk="0" hangingPunct="1">
+              <a:lnSpc>
+                <a:spcPct val="90000"/>
+              </a:lnSpc>
+              <a:spcBef>
+                <a:spcPts val="500"/>
+              </a:spcBef>
+              <a:buFont typeface="Arial" panose="020B0604020202020204" pitchFamily="34" charset="0"/>
+              <a:buChar char="•"/>
+              <a:defRPr sz="1800" kern="1200">
+                <a:solidFill>
+                  <a:schemeClr val="tx1"/>
+                </a:solidFill>
+                <a:latin typeface="+mn-lt"/>
+                <a:ea typeface="+mn-ea"/>
+                <a:cs typeface="+mn-cs"/>
+              </a:defRPr>
+            </a:lvl7pPr>
+            <a:lvl8pPr marL="3429000" indent="-228600" algn="l" defTabSz="914400" rtl="0" eaLnBrk="1" latinLnBrk="0" hangingPunct="1">
+              <a:lnSpc>
+                <a:spcPct val="90000"/>
+              </a:lnSpc>
+              <a:spcBef>
+                <a:spcPts val="500"/>
+              </a:spcBef>
+              <a:buFont typeface="Arial" panose="020B0604020202020204" pitchFamily="34" charset="0"/>
+              <a:buChar char="•"/>
+              <a:defRPr sz="1800" kern="1200">
+                <a:solidFill>
+                  <a:schemeClr val="tx1"/>
+                </a:solidFill>
+                <a:latin typeface="+mn-lt"/>
+                <a:ea typeface="+mn-ea"/>
+                <a:cs typeface="+mn-cs"/>
+              </a:defRPr>
+            </a:lvl8pPr>
+            <a:lvl9pPr marL="3886200" indent="-228600" algn="l" defTabSz="914400" rtl="0" eaLnBrk="1" latinLnBrk="0" hangingPunct="1">
+              <a:lnSpc>
+                <a:spcPct val="90000"/>
+              </a:lnSpc>
+              <a:spcBef>
+                <a:spcPts val="500"/>
+              </a:spcBef>
+              <a:buFont typeface="Arial" panose="020B0604020202020204" pitchFamily="34" charset="0"/>
+              <a:buChar char="•"/>
+              <a:defRPr sz="1800" kern="1200">
+                <a:solidFill>
+                  <a:schemeClr val="tx1"/>
+                </a:solidFill>
+                <a:latin typeface="+mn-lt"/>
+                <a:ea typeface="+mn-ea"/>
+                <a:cs typeface="+mn-cs"/>
+              </a:defRPr>
+            </a:lvl9pPr>
+          </a:lstStyle>
+          <a:p>
+            <a:pPr marL="0" indent="0" algn="r">
+              <a:buNone/>
+            </a:pPr>
+            <a:r>
+              <a:rPr lang="en-GB" sz="1600" b="1" dirty="0"/>
+              <a:t>Milestone #1</a:t>
+            </a:r>
+          </a:p>
+        </p:txBody>
+      </p:sp>
+      <p:sp>
+        <p:nvSpPr>
+          <p:cNvPr id="26" name="Content Placeholder 2">
+            <a:extLst>
+              <a:ext uri="{FF2B5EF4-FFF2-40B4-BE49-F238E27FC236}">
+                <a16:creationId xmlns:a16="http://schemas.microsoft.com/office/drawing/2014/main" id="{2727A7E2-5907-244F-9EA4-6EB7B1B78FC4}"/>
+              </a:ext>
+            </a:extLst>
+          </p:cNvPr>
+          <p:cNvSpPr txBox="1">
+            <a:spLocks/>
+          </p:cNvSpPr>
+          <p:nvPr/>
+        </p:nvSpPr>
+        <p:spPr>
+          <a:xfrm>
+            <a:off x="6273451" y="4971142"/>
+            <a:ext cx="2600224" cy="360748"/>
+          </a:xfrm>
+          <a:prstGeom prst="rect">
+            <a:avLst/>
+          </a:prstGeom>
+          <a:ln w="38100">
+            <a:solidFill>
+              <a:srgbClr val="FFC000"/>
+            </a:solidFill>
+          </a:ln>
+        </p:spPr>
+        <p:txBody>
+          <a:bodyPr vert="horz" lIns="91440" tIns="45720" rIns="91440" bIns="45720" rtlCol="0" anchor="ctr">
+            <a:normAutofit/>
+          </a:bodyPr>
+          <a:lstStyle>
+            <a:lvl1pPr marL="342900" indent="-342900" algn="l" defTabSz="914400" rtl="0" eaLnBrk="1" latinLnBrk="0" hangingPunct="1">
+              <a:lnSpc>
+                <a:spcPct val="90000"/>
+              </a:lnSpc>
+              <a:spcBef>
+                <a:spcPts val="1000"/>
+              </a:spcBef>
+              <a:buClr>
+                <a:srgbClr val="00B050"/>
+              </a:buClr>
+              <a:buFont typeface="Wingdings" panose="05000000000000000000" pitchFamily="2" charset="2"/>
+              <a:buChar char="Ø"/>
+              <a:defRPr sz="2400" kern="1200">
+                <a:solidFill>
+                  <a:schemeClr val="tx1"/>
+                </a:solidFill>
+                <a:latin typeface="Palatino Linotype" panose="02040502050505030304" pitchFamily="18" charset="0"/>
+                <a:ea typeface="+mn-ea"/>
+                <a:cs typeface="+mn-cs"/>
+              </a:defRPr>
+            </a:lvl1pPr>
+            <a:lvl2pPr marL="685800" indent="-228600" algn="l" defTabSz="914400" rtl="0" eaLnBrk="1" latinLnBrk="0" hangingPunct="1">
+              <a:lnSpc>
+                <a:spcPct val="90000"/>
+              </a:lnSpc>
+              <a:spcBef>
+                <a:spcPts val="500"/>
+              </a:spcBef>
+              <a:buClr>
+                <a:srgbClr val="00B050"/>
+              </a:buClr>
+              <a:buFont typeface="Wingdings" panose="05000000000000000000" pitchFamily="2" charset="2"/>
+              <a:buChar char="§"/>
+              <a:defRPr sz="2000" kern="1200">
+                <a:solidFill>
+                  <a:schemeClr val="tx1"/>
+                </a:solidFill>
+                <a:latin typeface="Palatino Linotype" panose="02040502050505030304" pitchFamily="18" charset="0"/>
+                <a:ea typeface="+mn-ea"/>
+                <a:cs typeface="+mn-cs"/>
+              </a:defRPr>
+            </a:lvl2pPr>
+            <a:lvl3pPr marL="1143000" indent="-228600" algn="l" defTabSz="914400" rtl="0" eaLnBrk="1" latinLnBrk="0" hangingPunct="1">
+              <a:lnSpc>
+                <a:spcPct val="90000"/>
+              </a:lnSpc>
+              <a:spcBef>
+                <a:spcPts val="500"/>
+              </a:spcBef>
+              <a:buClr>
+                <a:srgbClr val="00B050"/>
+              </a:buClr>
+              <a:buFont typeface="Arial" panose="020B0604020202020204" pitchFamily="34" charset="0"/>
+              <a:buChar char="•"/>
+              <a:defRPr sz="1800" kern="1200">
+                <a:solidFill>
+                  <a:schemeClr val="tx1"/>
+                </a:solidFill>
+                <a:latin typeface="Palatino Linotype" panose="02040502050505030304" pitchFamily="18" charset="0"/>
+                <a:ea typeface="+mn-ea"/>
+                <a:cs typeface="+mn-cs"/>
+              </a:defRPr>
+            </a:lvl3pPr>
+            <a:lvl4pPr marL="1600200" indent="-228600" algn="l" defTabSz="914400" rtl="0" eaLnBrk="1" latinLnBrk="0" hangingPunct="1">
+              <a:lnSpc>
+                <a:spcPct val="90000"/>
+              </a:lnSpc>
+              <a:spcBef>
+                <a:spcPts val="500"/>
+              </a:spcBef>
+              <a:buClr>
+                <a:srgbClr val="00B050"/>
+              </a:buClr>
+              <a:buFont typeface="Courier New" panose="02070309020205020404" pitchFamily="49" charset="0"/>
+              <a:buChar char="o"/>
+              <a:defRPr sz="1600" kern="1200">
+                <a:solidFill>
+                  <a:schemeClr val="tx1"/>
+                </a:solidFill>
+                <a:latin typeface="Palatino Linotype" panose="02040502050505030304" pitchFamily="18" charset="0"/>
+                <a:ea typeface="+mn-ea"/>
+                <a:cs typeface="+mn-cs"/>
+              </a:defRPr>
+            </a:lvl4pPr>
+            <a:lvl5pPr marL="2057400" indent="-228600" algn="l" defTabSz="914400" rtl="0" eaLnBrk="1" latinLnBrk="0" hangingPunct="1">
+              <a:lnSpc>
+                <a:spcPct val="90000"/>
+              </a:lnSpc>
+              <a:spcBef>
+                <a:spcPts val="500"/>
+              </a:spcBef>
+              <a:buClr>
+                <a:srgbClr val="00B050"/>
+              </a:buClr>
+              <a:buFont typeface="Times New Roman" panose="02020603050405020304" pitchFamily="18" charset="0"/>
+              <a:buChar char="̶"/>
+              <a:defRPr sz="1600" kern="1200">
+                <a:solidFill>
+                  <a:schemeClr val="tx1"/>
+                </a:solidFill>
+                <a:latin typeface="Palatino Linotype" panose="02040502050505030304" pitchFamily="18" charset="0"/>
+                <a:ea typeface="+mn-ea"/>
+                <a:cs typeface="+mn-cs"/>
+              </a:defRPr>
+            </a:lvl5pPr>
+            <a:lvl6pPr marL="2514600" indent="-228600" algn="l" defTabSz="914400" rtl="0" eaLnBrk="1" latinLnBrk="0" hangingPunct="1">
+              <a:lnSpc>
+                <a:spcPct val="90000"/>
+              </a:lnSpc>
+              <a:spcBef>
+                <a:spcPts val="500"/>
+              </a:spcBef>
+              <a:buFont typeface="Arial" panose="020B0604020202020204" pitchFamily="34" charset="0"/>
+              <a:buChar char="•"/>
+              <a:defRPr sz="1800" kern="1200">
+                <a:solidFill>
+                  <a:schemeClr val="tx1"/>
+                </a:solidFill>
+                <a:latin typeface="+mn-lt"/>
+                <a:ea typeface="+mn-ea"/>
+                <a:cs typeface="+mn-cs"/>
+              </a:defRPr>
+            </a:lvl6pPr>
+            <a:lvl7pPr marL="2971800" indent="-228600" algn="l" defTabSz="914400" rtl="0" eaLnBrk="1" latinLnBrk="0" hangingPunct="1">
+              <a:lnSpc>
+                <a:spcPct val="90000"/>
+              </a:lnSpc>
+              <a:spcBef>
+                <a:spcPts val="500"/>
+              </a:spcBef>
+              <a:buFont typeface="Arial" panose="020B0604020202020204" pitchFamily="34" charset="0"/>
+              <a:buChar char="•"/>
+              <a:defRPr sz="1800" kern="1200">
+                <a:solidFill>
+                  <a:schemeClr val="tx1"/>
+                </a:solidFill>
+                <a:latin typeface="+mn-lt"/>
+                <a:ea typeface="+mn-ea"/>
+                <a:cs typeface="+mn-cs"/>
+              </a:defRPr>
+            </a:lvl7pPr>
+            <a:lvl8pPr marL="3429000" indent="-228600" algn="l" defTabSz="914400" rtl="0" eaLnBrk="1" latinLnBrk="0" hangingPunct="1">
+              <a:lnSpc>
+                <a:spcPct val="90000"/>
+              </a:lnSpc>
+              <a:spcBef>
+                <a:spcPts val="500"/>
+              </a:spcBef>
+              <a:buFont typeface="Arial" panose="020B0604020202020204" pitchFamily="34" charset="0"/>
+              <a:buChar char="•"/>
+              <a:defRPr sz="1800" kern="1200">
+                <a:solidFill>
+                  <a:schemeClr val="tx1"/>
+                </a:solidFill>
+                <a:latin typeface="+mn-lt"/>
+                <a:ea typeface="+mn-ea"/>
+                <a:cs typeface="+mn-cs"/>
+              </a:defRPr>
+            </a:lvl8pPr>
+            <a:lvl9pPr marL="3886200" indent="-228600" algn="l" defTabSz="914400" rtl="0" eaLnBrk="1" latinLnBrk="0" hangingPunct="1">
+              <a:lnSpc>
+                <a:spcPct val="90000"/>
+              </a:lnSpc>
+              <a:spcBef>
+                <a:spcPts val="500"/>
+              </a:spcBef>
+              <a:buFont typeface="Arial" panose="020B0604020202020204" pitchFamily="34" charset="0"/>
+              <a:buChar char="•"/>
+              <a:defRPr sz="1800" kern="1200">
+                <a:solidFill>
+                  <a:schemeClr val="tx1"/>
+                </a:solidFill>
+                <a:latin typeface="+mn-lt"/>
+                <a:ea typeface="+mn-ea"/>
+                <a:cs typeface="+mn-cs"/>
+              </a:defRPr>
+            </a:lvl9pPr>
+          </a:lstStyle>
+          <a:p>
+            <a:pPr marL="0" indent="0" algn="r">
+              <a:buNone/>
+            </a:pPr>
+            <a:r>
+              <a:rPr lang="en-GB" sz="1600" b="1" dirty="0"/>
+              <a:t>Milestone #2</a:t>
+            </a:r>
+          </a:p>
+        </p:txBody>
+      </p:sp>
+      <p:sp>
+        <p:nvSpPr>
+          <p:cNvPr id="27" name="Content Placeholder 2">
+            <a:extLst>
+              <a:ext uri="{FF2B5EF4-FFF2-40B4-BE49-F238E27FC236}">
+                <a16:creationId xmlns:a16="http://schemas.microsoft.com/office/drawing/2014/main" id="{097F527A-6D86-4B4B-8507-E05C41EE2643}"/>
+              </a:ext>
+            </a:extLst>
+          </p:cNvPr>
+          <p:cNvSpPr txBox="1">
+            <a:spLocks/>
+          </p:cNvSpPr>
+          <p:nvPr/>
+        </p:nvSpPr>
+        <p:spPr>
+          <a:xfrm>
+            <a:off x="9304006" y="4971141"/>
+            <a:ext cx="2571736" cy="348343"/>
+          </a:xfrm>
+          <a:prstGeom prst="rect">
+            <a:avLst/>
+          </a:prstGeom>
+          <a:ln w="38100">
+            <a:solidFill>
+              <a:srgbClr val="7030A0"/>
+            </a:solidFill>
+          </a:ln>
+        </p:spPr>
+        <p:txBody>
+          <a:bodyPr vert="horz" lIns="91440" tIns="45720" rIns="91440" bIns="45720" rtlCol="0" anchor="ctr">
+            <a:normAutofit/>
+          </a:bodyPr>
+          <a:lstStyle>
+            <a:lvl1pPr marL="342900" indent="-342900" algn="l" defTabSz="914400" rtl="0" eaLnBrk="1" latinLnBrk="0" hangingPunct="1">
+              <a:lnSpc>
+                <a:spcPct val="90000"/>
+              </a:lnSpc>
+              <a:spcBef>
+                <a:spcPts val="1000"/>
+              </a:spcBef>
+              <a:buClr>
+                <a:srgbClr val="00B050"/>
+              </a:buClr>
+              <a:buFont typeface="Wingdings" panose="05000000000000000000" pitchFamily="2" charset="2"/>
+              <a:buChar char="Ø"/>
+              <a:defRPr sz="2400" kern="1200">
+                <a:solidFill>
+                  <a:schemeClr val="tx1"/>
+                </a:solidFill>
+                <a:latin typeface="Palatino Linotype" panose="02040502050505030304" pitchFamily="18" charset="0"/>
+                <a:ea typeface="+mn-ea"/>
+                <a:cs typeface="+mn-cs"/>
+              </a:defRPr>
+            </a:lvl1pPr>
+            <a:lvl2pPr marL="685800" indent="-228600" algn="l" defTabSz="914400" rtl="0" eaLnBrk="1" latinLnBrk="0" hangingPunct="1">
+              <a:lnSpc>
+                <a:spcPct val="90000"/>
+              </a:lnSpc>
+              <a:spcBef>
+                <a:spcPts val="500"/>
+              </a:spcBef>
+              <a:buClr>
+                <a:srgbClr val="00B050"/>
+              </a:buClr>
+              <a:buFont typeface="Wingdings" panose="05000000000000000000" pitchFamily="2" charset="2"/>
+              <a:buChar char="§"/>
+              <a:defRPr sz="2000" kern="1200">
+                <a:solidFill>
+                  <a:schemeClr val="tx1"/>
+                </a:solidFill>
+                <a:latin typeface="Palatino Linotype" panose="02040502050505030304" pitchFamily="18" charset="0"/>
+                <a:ea typeface="+mn-ea"/>
+                <a:cs typeface="+mn-cs"/>
+              </a:defRPr>
+            </a:lvl2pPr>
+            <a:lvl3pPr marL="1143000" indent="-228600" algn="l" defTabSz="914400" rtl="0" eaLnBrk="1" latinLnBrk="0" hangingPunct="1">
+              <a:lnSpc>
+                <a:spcPct val="90000"/>
+              </a:lnSpc>
+              <a:spcBef>
+                <a:spcPts val="500"/>
+              </a:spcBef>
+              <a:buClr>
+                <a:srgbClr val="00B050"/>
+              </a:buClr>
+              <a:buFont typeface="Arial" panose="020B0604020202020204" pitchFamily="34" charset="0"/>
+              <a:buChar char="•"/>
+              <a:defRPr sz="1800" kern="1200">
+                <a:solidFill>
+                  <a:schemeClr val="tx1"/>
+                </a:solidFill>
+                <a:latin typeface="Palatino Linotype" panose="02040502050505030304" pitchFamily="18" charset="0"/>
+                <a:ea typeface="+mn-ea"/>
+                <a:cs typeface="+mn-cs"/>
+              </a:defRPr>
+            </a:lvl3pPr>
+            <a:lvl4pPr marL="1600200" indent="-228600" algn="l" defTabSz="914400" rtl="0" eaLnBrk="1" latinLnBrk="0" hangingPunct="1">
+              <a:lnSpc>
+                <a:spcPct val="90000"/>
+              </a:lnSpc>
+              <a:spcBef>
+                <a:spcPts val="500"/>
+              </a:spcBef>
+              <a:buClr>
+                <a:srgbClr val="00B050"/>
+              </a:buClr>
+              <a:buFont typeface="Courier New" panose="02070309020205020404" pitchFamily="49" charset="0"/>
+              <a:buChar char="o"/>
+              <a:defRPr sz="1600" kern="1200">
+                <a:solidFill>
+                  <a:schemeClr val="tx1"/>
+                </a:solidFill>
+                <a:latin typeface="Palatino Linotype" panose="02040502050505030304" pitchFamily="18" charset="0"/>
+                <a:ea typeface="+mn-ea"/>
+                <a:cs typeface="+mn-cs"/>
+              </a:defRPr>
+            </a:lvl4pPr>
+            <a:lvl5pPr marL="2057400" indent="-228600" algn="l" defTabSz="914400" rtl="0" eaLnBrk="1" latinLnBrk="0" hangingPunct="1">
+              <a:lnSpc>
+                <a:spcPct val="90000"/>
+              </a:lnSpc>
+              <a:spcBef>
+                <a:spcPts val="500"/>
+              </a:spcBef>
+              <a:buClr>
+                <a:srgbClr val="00B050"/>
+              </a:buClr>
+              <a:buFont typeface="Times New Roman" panose="02020603050405020304" pitchFamily="18" charset="0"/>
+              <a:buChar char="̶"/>
+              <a:defRPr sz="1600" kern="1200">
+                <a:solidFill>
+                  <a:schemeClr val="tx1"/>
+                </a:solidFill>
+                <a:latin typeface="Palatino Linotype" panose="02040502050505030304" pitchFamily="18" charset="0"/>
+                <a:ea typeface="+mn-ea"/>
+                <a:cs typeface="+mn-cs"/>
+              </a:defRPr>
+            </a:lvl5pPr>
+            <a:lvl6pPr marL="2514600" indent="-228600" algn="l" defTabSz="914400" rtl="0" eaLnBrk="1" latinLnBrk="0" hangingPunct="1">
+              <a:lnSpc>
+                <a:spcPct val="90000"/>
+              </a:lnSpc>
+              <a:spcBef>
+                <a:spcPts val="500"/>
+              </a:spcBef>
+              <a:buFont typeface="Arial" panose="020B0604020202020204" pitchFamily="34" charset="0"/>
+              <a:buChar char="•"/>
+              <a:defRPr sz="1800" kern="1200">
+                <a:solidFill>
+                  <a:schemeClr val="tx1"/>
+                </a:solidFill>
+                <a:latin typeface="+mn-lt"/>
+                <a:ea typeface="+mn-ea"/>
+                <a:cs typeface="+mn-cs"/>
+              </a:defRPr>
+            </a:lvl6pPr>
+            <a:lvl7pPr marL="2971800" indent="-228600" algn="l" defTabSz="914400" rtl="0" eaLnBrk="1" latinLnBrk="0" hangingPunct="1">
+              <a:lnSpc>
+                <a:spcPct val="90000"/>
+              </a:lnSpc>
+              <a:spcBef>
+                <a:spcPts val="500"/>
+              </a:spcBef>
+              <a:buFont typeface="Arial" panose="020B0604020202020204" pitchFamily="34" charset="0"/>
+              <a:buChar char="•"/>
+              <a:defRPr sz="1800" kern="1200">
+                <a:solidFill>
+                  <a:schemeClr val="tx1"/>
+                </a:solidFill>
+                <a:latin typeface="+mn-lt"/>
+                <a:ea typeface="+mn-ea"/>
+                <a:cs typeface="+mn-cs"/>
+              </a:defRPr>
+            </a:lvl7pPr>
+            <a:lvl8pPr marL="3429000" indent="-228600" algn="l" defTabSz="914400" rtl="0" eaLnBrk="1" latinLnBrk="0" hangingPunct="1">
+              <a:lnSpc>
+                <a:spcPct val="90000"/>
+              </a:lnSpc>
+              <a:spcBef>
+                <a:spcPts val="500"/>
+              </a:spcBef>
+              <a:buFont typeface="Arial" panose="020B0604020202020204" pitchFamily="34" charset="0"/>
+              <a:buChar char="•"/>
+              <a:defRPr sz="1800" kern="1200">
+                <a:solidFill>
+                  <a:schemeClr val="tx1"/>
+                </a:solidFill>
+                <a:latin typeface="+mn-lt"/>
+                <a:ea typeface="+mn-ea"/>
+                <a:cs typeface="+mn-cs"/>
+              </a:defRPr>
+            </a:lvl8pPr>
+            <a:lvl9pPr marL="3886200" indent="-228600" algn="l" defTabSz="914400" rtl="0" eaLnBrk="1" latinLnBrk="0" hangingPunct="1">
+              <a:lnSpc>
+                <a:spcPct val="90000"/>
+              </a:lnSpc>
+              <a:spcBef>
+                <a:spcPts val="500"/>
+              </a:spcBef>
+              <a:buFont typeface="Arial" panose="020B0604020202020204" pitchFamily="34" charset="0"/>
+              <a:buChar char="•"/>
+              <a:defRPr sz="1800" kern="1200">
+                <a:solidFill>
+                  <a:schemeClr val="tx1"/>
+                </a:solidFill>
+                <a:latin typeface="+mn-lt"/>
+                <a:ea typeface="+mn-ea"/>
+                <a:cs typeface="+mn-cs"/>
+              </a:defRPr>
+            </a:lvl9pPr>
+          </a:lstStyle>
+          <a:p>
+            <a:pPr marL="0" indent="0" algn="r">
+              <a:buNone/>
+            </a:pPr>
+            <a:r>
+              <a:rPr lang="en-GB" sz="1600" b="1" dirty="0"/>
+              <a:t>Milestone #3</a:t>
+            </a:r>
+          </a:p>
+        </p:txBody>
+      </p:sp>
+      <p:sp>
+        <p:nvSpPr>
+          <p:cNvPr id="33" name="Rectangle 32">
+            <a:extLst>
+              <a:ext uri="{FF2B5EF4-FFF2-40B4-BE49-F238E27FC236}">
+                <a16:creationId xmlns:a16="http://schemas.microsoft.com/office/drawing/2014/main" id="{0A0D4DC1-5C18-7F46-8370-E7C962DEF38F}"/>
+              </a:ext>
+            </a:extLst>
+          </p:cNvPr>
+          <p:cNvSpPr/>
+          <p:nvPr/>
+        </p:nvSpPr>
+        <p:spPr>
+          <a:xfrm>
+            <a:off x="428172" y="1209985"/>
+            <a:ext cx="913817" cy="300148"/>
+          </a:xfrm>
+          <a:prstGeom prst="rect">
+            <a:avLst/>
+          </a:prstGeom>
+          <a:ln w="38100">
+            <a:solidFill>
+              <a:schemeClr val="accent1"/>
+            </a:solidFill>
+          </a:ln>
+        </p:spPr>
+        <p:style>
+          <a:lnRef idx="2">
+            <a:schemeClr val="accent6"/>
+          </a:lnRef>
+          <a:fillRef idx="1">
+            <a:schemeClr val="lt1"/>
+          </a:fillRef>
+          <a:effectRef idx="0">
+            <a:schemeClr val="accent6"/>
+          </a:effectRef>
+          <a:fontRef idx="minor">
+            <a:schemeClr val="dk1"/>
+          </a:fontRef>
+        </p:style>
+        <p:txBody>
+          <a:bodyPr rtlCol="0" anchor="ctr"/>
+          <a:lstStyle/>
+          <a:p>
+            <a:pPr algn="ctr"/>
+            <a:r>
+              <a:rPr lang="en-IT" sz="1200" dirty="0">
+                <a:latin typeface="Palatino Linotype" panose="02040502050505030304" pitchFamily="18" charset="0"/>
+              </a:rPr>
+              <a:t>Lesson 1</a:t>
+            </a:r>
+          </a:p>
+        </p:txBody>
+      </p:sp>
+      <p:sp>
+        <p:nvSpPr>
+          <p:cNvPr id="34" name="Rectangle 33">
+            <a:extLst>
+              <a:ext uri="{FF2B5EF4-FFF2-40B4-BE49-F238E27FC236}">
+                <a16:creationId xmlns:a16="http://schemas.microsoft.com/office/drawing/2014/main" id="{42637D9E-30CA-E84B-801A-C532883DD90D}"/>
+              </a:ext>
+            </a:extLst>
+          </p:cNvPr>
+          <p:cNvSpPr/>
+          <p:nvPr/>
+        </p:nvSpPr>
+        <p:spPr>
+          <a:xfrm>
+            <a:off x="428173" y="2455130"/>
+            <a:ext cx="913832" cy="300148"/>
+          </a:xfrm>
+          <a:prstGeom prst="rect">
+            <a:avLst/>
+          </a:prstGeom>
+          <a:ln w="38100">
+            <a:solidFill>
+              <a:schemeClr val="accent1"/>
+            </a:solidFill>
+          </a:ln>
+        </p:spPr>
+        <p:style>
+          <a:lnRef idx="2">
+            <a:schemeClr val="accent6"/>
+          </a:lnRef>
+          <a:fillRef idx="1">
+            <a:schemeClr val="lt1"/>
+          </a:fillRef>
+          <a:effectRef idx="0">
+            <a:schemeClr val="accent6"/>
+          </a:effectRef>
+          <a:fontRef idx="minor">
+            <a:schemeClr val="dk1"/>
+          </a:fontRef>
+        </p:style>
+        <p:txBody>
+          <a:bodyPr rtlCol="0" anchor="ctr"/>
+          <a:lstStyle/>
+          <a:p>
+            <a:pPr algn="ctr"/>
+            <a:r>
+              <a:rPr lang="en-IT" sz="1200" dirty="0">
+                <a:latin typeface="Palatino Linotype" panose="02040502050505030304" pitchFamily="18" charset="0"/>
+              </a:rPr>
+              <a:t>Lesson 2/3</a:t>
+            </a:r>
+          </a:p>
+        </p:txBody>
+      </p:sp>
+      <p:sp>
+        <p:nvSpPr>
+          <p:cNvPr id="35" name="Rectangle 34">
+            <a:extLst>
+              <a:ext uri="{FF2B5EF4-FFF2-40B4-BE49-F238E27FC236}">
+                <a16:creationId xmlns:a16="http://schemas.microsoft.com/office/drawing/2014/main" id="{C6E7C382-226C-FA46-8DB3-6D1900A47C91}"/>
+              </a:ext>
+            </a:extLst>
+          </p:cNvPr>
+          <p:cNvSpPr/>
+          <p:nvPr/>
+        </p:nvSpPr>
+        <p:spPr>
+          <a:xfrm>
+            <a:off x="428173" y="3696156"/>
+            <a:ext cx="877080" cy="300148"/>
+          </a:xfrm>
+          <a:prstGeom prst="rect">
+            <a:avLst/>
+          </a:prstGeom>
+          <a:ln w="38100">
+            <a:solidFill>
+              <a:schemeClr val="accent1"/>
+            </a:solidFill>
+          </a:ln>
+        </p:spPr>
+        <p:style>
+          <a:lnRef idx="2">
+            <a:schemeClr val="accent6"/>
+          </a:lnRef>
+          <a:fillRef idx="1">
+            <a:schemeClr val="lt1"/>
+          </a:fillRef>
+          <a:effectRef idx="0">
+            <a:schemeClr val="accent6"/>
+          </a:effectRef>
+          <a:fontRef idx="minor">
+            <a:schemeClr val="dk1"/>
+          </a:fontRef>
+        </p:style>
+        <p:txBody>
+          <a:bodyPr rtlCol="0" anchor="ctr"/>
+          <a:lstStyle/>
+          <a:p>
+            <a:pPr algn="ctr"/>
+            <a:r>
+              <a:rPr lang="en-IT" sz="1200" dirty="0">
+                <a:latin typeface="Palatino Linotype" panose="02040502050505030304" pitchFamily="18" charset="0"/>
+              </a:rPr>
+              <a:t>Lesson 4</a:t>
+            </a:r>
+          </a:p>
+        </p:txBody>
+      </p:sp>
+      <p:sp>
+        <p:nvSpPr>
+          <p:cNvPr id="36" name="Rectangle 35">
+            <a:extLst>
+              <a:ext uri="{FF2B5EF4-FFF2-40B4-BE49-F238E27FC236}">
+                <a16:creationId xmlns:a16="http://schemas.microsoft.com/office/drawing/2014/main" id="{7EFB24BA-496D-0646-B792-701E8EF31927}"/>
+              </a:ext>
+            </a:extLst>
+          </p:cNvPr>
+          <p:cNvSpPr/>
+          <p:nvPr/>
+        </p:nvSpPr>
+        <p:spPr>
+          <a:xfrm>
+            <a:off x="3264544" y="1207068"/>
+            <a:ext cx="877080" cy="300148"/>
+          </a:xfrm>
+          <a:prstGeom prst="rect">
+            <a:avLst/>
+          </a:prstGeom>
+          <a:ln w="38100">
+            <a:solidFill>
+              <a:schemeClr val="accent1"/>
+            </a:solidFill>
+          </a:ln>
+        </p:spPr>
+        <p:style>
+          <a:lnRef idx="2">
+            <a:schemeClr val="accent6"/>
+          </a:lnRef>
+          <a:fillRef idx="1">
+            <a:schemeClr val="lt1"/>
+          </a:fillRef>
+          <a:effectRef idx="0">
+            <a:schemeClr val="accent6"/>
+          </a:effectRef>
+          <a:fontRef idx="minor">
+            <a:schemeClr val="dk1"/>
+          </a:fontRef>
+        </p:style>
+        <p:txBody>
+          <a:bodyPr rtlCol="0" anchor="ctr"/>
+          <a:lstStyle/>
+          <a:p>
+            <a:pPr algn="ctr"/>
+            <a:r>
+              <a:rPr lang="en-IT" sz="1200" dirty="0">
+                <a:latin typeface="Palatino Linotype" panose="02040502050505030304" pitchFamily="18" charset="0"/>
+              </a:rPr>
+              <a:t>Lesson 5</a:t>
+            </a:r>
+          </a:p>
+        </p:txBody>
+      </p:sp>
+      <p:sp>
+        <p:nvSpPr>
+          <p:cNvPr id="37" name="Rectangle 36">
+            <a:extLst>
+              <a:ext uri="{FF2B5EF4-FFF2-40B4-BE49-F238E27FC236}">
+                <a16:creationId xmlns:a16="http://schemas.microsoft.com/office/drawing/2014/main" id="{B92D3ECA-27A3-E346-97B6-6DED991CCB03}"/>
+              </a:ext>
+            </a:extLst>
+          </p:cNvPr>
+          <p:cNvSpPr/>
+          <p:nvPr/>
+        </p:nvSpPr>
+        <p:spPr>
+          <a:xfrm>
+            <a:off x="3264544" y="2452279"/>
+            <a:ext cx="877080" cy="300148"/>
+          </a:xfrm>
+          <a:prstGeom prst="rect">
+            <a:avLst/>
+          </a:prstGeom>
+          <a:solidFill>
+            <a:srgbClr val="FFFF00"/>
+          </a:solidFill>
+          <a:ln w="38100">
+            <a:solidFill>
+              <a:schemeClr val="accent1"/>
+            </a:solidFill>
+          </a:ln>
+        </p:spPr>
+        <p:style>
+          <a:lnRef idx="2">
+            <a:schemeClr val="accent6"/>
+          </a:lnRef>
+          <a:fillRef idx="1">
+            <a:schemeClr val="lt1"/>
+          </a:fillRef>
+          <a:effectRef idx="0">
+            <a:schemeClr val="accent6"/>
+          </a:effectRef>
+          <a:fontRef idx="minor">
+            <a:schemeClr val="dk1"/>
+          </a:fontRef>
+        </p:style>
+        <p:txBody>
+          <a:bodyPr rtlCol="0" anchor="ctr"/>
+          <a:lstStyle/>
+          <a:p>
+            <a:pPr algn="ctr"/>
+            <a:r>
+              <a:rPr lang="en-IT" sz="1200" dirty="0">
+                <a:latin typeface="Palatino Linotype" panose="02040502050505030304" pitchFamily="18" charset="0"/>
+              </a:rPr>
+              <a:t>Lesson 6</a:t>
+            </a:r>
+          </a:p>
+        </p:txBody>
+      </p:sp>
+      <p:sp>
+        <p:nvSpPr>
+          <p:cNvPr id="38" name="Rectangle 37">
+            <a:extLst>
+              <a:ext uri="{FF2B5EF4-FFF2-40B4-BE49-F238E27FC236}">
+                <a16:creationId xmlns:a16="http://schemas.microsoft.com/office/drawing/2014/main" id="{0F1FD419-5760-AA40-96E5-CCCF7F0EAF09}"/>
+              </a:ext>
+            </a:extLst>
+          </p:cNvPr>
+          <p:cNvSpPr/>
+          <p:nvPr/>
+        </p:nvSpPr>
+        <p:spPr>
+          <a:xfrm>
+            <a:off x="3264544" y="3705012"/>
+            <a:ext cx="877080" cy="300148"/>
+          </a:xfrm>
+          <a:prstGeom prst="rect">
+            <a:avLst/>
+          </a:prstGeom>
+          <a:ln w="38100">
+            <a:solidFill>
+              <a:schemeClr val="accent1"/>
+            </a:solidFill>
+          </a:ln>
+        </p:spPr>
+        <p:style>
+          <a:lnRef idx="2">
+            <a:schemeClr val="accent6"/>
+          </a:lnRef>
+          <a:fillRef idx="1">
+            <a:schemeClr val="lt1"/>
+          </a:fillRef>
+          <a:effectRef idx="0">
+            <a:schemeClr val="accent6"/>
+          </a:effectRef>
+          <a:fontRef idx="minor">
+            <a:schemeClr val="dk1"/>
+          </a:fontRef>
+        </p:style>
+        <p:txBody>
+          <a:bodyPr rtlCol="0" anchor="ctr"/>
+          <a:lstStyle/>
+          <a:p>
+            <a:pPr algn="ctr"/>
+            <a:r>
+              <a:rPr lang="en-IT" sz="1200" dirty="0">
+                <a:latin typeface="Palatino Linotype" panose="02040502050505030304" pitchFamily="18" charset="0"/>
+              </a:rPr>
+              <a:t>Lesson 7</a:t>
+            </a:r>
+          </a:p>
+        </p:txBody>
+      </p:sp>
+      <p:sp>
+        <p:nvSpPr>
+          <p:cNvPr id="39" name="Rectangle 38">
+            <a:extLst>
+              <a:ext uri="{FF2B5EF4-FFF2-40B4-BE49-F238E27FC236}">
+                <a16:creationId xmlns:a16="http://schemas.microsoft.com/office/drawing/2014/main" id="{7EBBB248-D357-7143-AFFA-BE798B402DB1}"/>
+              </a:ext>
+            </a:extLst>
+          </p:cNvPr>
+          <p:cNvSpPr/>
+          <p:nvPr/>
+        </p:nvSpPr>
+        <p:spPr>
+          <a:xfrm>
+            <a:off x="6300635" y="1203104"/>
+            <a:ext cx="877080" cy="300148"/>
+          </a:xfrm>
+          <a:prstGeom prst="rect">
+            <a:avLst/>
+          </a:prstGeom>
+          <a:noFill/>
+          <a:ln w="38100">
+            <a:solidFill>
+              <a:srgbClr val="FFC000"/>
+            </a:solidFill>
+          </a:ln>
+        </p:spPr>
+        <p:style>
+          <a:lnRef idx="2">
+            <a:schemeClr val="accent6"/>
+          </a:lnRef>
+          <a:fillRef idx="1">
+            <a:schemeClr val="lt1"/>
+          </a:fillRef>
+          <a:effectRef idx="0">
+            <a:schemeClr val="accent6"/>
+          </a:effectRef>
+          <a:fontRef idx="minor">
+            <a:schemeClr val="dk1"/>
+          </a:fontRef>
+        </p:style>
+        <p:txBody>
+          <a:bodyPr rtlCol="0" anchor="ctr"/>
+          <a:lstStyle/>
+          <a:p>
+            <a:pPr algn="ctr"/>
+            <a:r>
+              <a:rPr lang="en-IT" sz="1200" dirty="0">
+                <a:latin typeface="Palatino Linotype" panose="02040502050505030304" pitchFamily="18" charset="0"/>
+              </a:rPr>
+              <a:t>Lesson 8</a:t>
+            </a:r>
+          </a:p>
+        </p:txBody>
+      </p:sp>
+      <p:sp>
+        <p:nvSpPr>
+          <p:cNvPr id="41" name="Rectangle 40">
+            <a:extLst>
+              <a:ext uri="{FF2B5EF4-FFF2-40B4-BE49-F238E27FC236}">
+                <a16:creationId xmlns:a16="http://schemas.microsoft.com/office/drawing/2014/main" id="{68E15202-D95C-2547-87CD-CC21A871EF0B}"/>
+              </a:ext>
+            </a:extLst>
+          </p:cNvPr>
+          <p:cNvSpPr/>
+          <p:nvPr/>
+        </p:nvSpPr>
+        <p:spPr>
+          <a:xfrm>
+            <a:off x="6287293" y="2452279"/>
+            <a:ext cx="877080" cy="300148"/>
+          </a:xfrm>
+          <a:prstGeom prst="rect">
+            <a:avLst/>
+          </a:prstGeom>
+          <a:ln w="38100">
+            <a:solidFill>
+              <a:srgbClr val="FFC000"/>
+            </a:solidFill>
+          </a:ln>
+        </p:spPr>
+        <p:style>
+          <a:lnRef idx="2">
+            <a:schemeClr val="accent6"/>
+          </a:lnRef>
+          <a:fillRef idx="1">
+            <a:schemeClr val="lt1"/>
+          </a:fillRef>
+          <a:effectRef idx="0">
+            <a:schemeClr val="accent6"/>
+          </a:effectRef>
+          <a:fontRef idx="minor">
+            <a:schemeClr val="dk1"/>
+          </a:fontRef>
+        </p:style>
+        <p:txBody>
+          <a:bodyPr rtlCol="0" anchor="ctr"/>
+          <a:lstStyle/>
+          <a:p>
+            <a:pPr algn="ctr"/>
+            <a:r>
+              <a:rPr lang="en-IT" sz="1200" dirty="0">
+                <a:latin typeface="Palatino Linotype" panose="02040502050505030304" pitchFamily="18" charset="0"/>
+              </a:rPr>
+              <a:t>Lesson 9</a:t>
+            </a:r>
+          </a:p>
+        </p:txBody>
+      </p:sp>
+      <p:sp>
+        <p:nvSpPr>
+          <p:cNvPr id="43" name="Rectangle 42">
+            <a:extLst>
+              <a:ext uri="{FF2B5EF4-FFF2-40B4-BE49-F238E27FC236}">
+                <a16:creationId xmlns:a16="http://schemas.microsoft.com/office/drawing/2014/main" id="{6B269CCF-AC68-0344-836A-3DAFE5918B0A}"/>
+              </a:ext>
+            </a:extLst>
+          </p:cNvPr>
+          <p:cNvSpPr/>
+          <p:nvPr/>
+        </p:nvSpPr>
+        <p:spPr>
+          <a:xfrm>
+            <a:off x="9303992" y="1187877"/>
+            <a:ext cx="877080" cy="300148"/>
+          </a:xfrm>
+          <a:prstGeom prst="rect">
+            <a:avLst/>
+          </a:prstGeom>
+          <a:ln w="38100">
+            <a:solidFill>
+              <a:srgbClr val="7030A0"/>
+            </a:solidFill>
+          </a:ln>
+        </p:spPr>
+        <p:style>
+          <a:lnRef idx="2">
+            <a:schemeClr val="accent6"/>
+          </a:lnRef>
+          <a:fillRef idx="1">
+            <a:schemeClr val="lt1"/>
+          </a:fillRef>
+          <a:effectRef idx="0">
+            <a:schemeClr val="accent6"/>
+          </a:effectRef>
+          <a:fontRef idx="minor">
+            <a:schemeClr val="dk1"/>
+          </a:fontRef>
+        </p:style>
+        <p:txBody>
+          <a:bodyPr rtlCol="0" anchor="ctr"/>
+          <a:lstStyle/>
+          <a:p>
+            <a:pPr algn="ctr"/>
+            <a:r>
+              <a:rPr lang="en-IT" sz="1200" dirty="0">
+                <a:latin typeface="Palatino Linotype" panose="02040502050505030304" pitchFamily="18" charset="0"/>
+              </a:rPr>
+              <a:t>Lesson 10</a:t>
+            </a:r>
+          </a:p>
+        </p:txBody>
+      </p:sp>
+      <p:sp>
+        <p:nvSpPr>
+          <p:cNvPr id="44" name="Rectangle 43">
+            <a:extLst>
+              <a:ext uri="{FF2B5EF4-FFF2-40B4-BE49-F238E27FC236}">
+                <a16:creationId xmlns:a16="http://schemas.microsoft.com/office/drawing/2014/main" id="{7956A9EB-7793-084B-9B37-521829AD396E}"/>
+              </a:ext>
+            </a:extLst>
+          </p:cNvPr>
+          <p:cNvSpPr/>
+          <p:nvPr/>
+        </p:nvSpPr>
+        <p:spPr>
+          <a:xfrm>
+            <a:off x="9305076" y="2436008"/>
+            <a:ext cx="877080" cy="300148"/>
+          </a:xfrm>
+          <a:prstGeom prst="rect">
+            <a:avLst/>
+          </a:prstGeom>
+          <a:ln w="38100">
+            <a:solidFill>
+              <a:srgbClr val="7030A0"/>
+            </a:solidFill>
+          </a:ln>
+        </p:spPr>
+        <p:style>
+          <a:lnRef idx="2">
+            <a:schemeClr val="accent6"/>
+          </a:lnRef>
+          <a:fillRef idx="1">
+            <a:schemeClr val="lt1"/>
+          </a:fillRef>
+          <a:effectRef idx="0">
+            <a:schemeClr val="accent6"/>
+          </a:effectRef>
+          <a:fontRef idx="minor">
+            <a:schemeClr val="dk1"/>
+          </a:fontRef>
+        </p:style>
+        <p:txBody>
+          <a:bodyPr rtlCol="0" anchor="ctr"/>
+          <a:lstStyle/>
+          <a:p>
+            <a:pPr algn="ctr"/>
+            <a:r>
+              <a:rPr lang="en-IT" sz="1200" dirty="0">
+                <a:latin typeface="Palatino Linotype" panose="02040502050505030304" pitchFamily="18" charset="0"/>
+              </a:rPr>
+              <a:t>Lesson 11</a:t>
+            </a:r>
+          </a:p>
+        </p:txBody>
+      </p:sp>
+      <p:cxnSp>
+        <p:nvCxnSpPr>
+          <p:cNvPr id="45" name="Straight Connector 44">
+            <a:extLst>
+              <a:ext uri="{FF2B5EF4-FFF2-40B4-BE49-F238E27FC236}">
+                <a16:creationId xmlns:a16="http://schemas.microsoft.com/office/drawing/2014/main" id="{486C75B7-9B5F-B74C-BE7F-35C0CDFB1817}"/>
+              </a:ext>
+            </a:extLst>
+          </p:cNvPr>
+          <p:cNvCxnSpPr>
+            <a:cxnSpLocks/>
+          </p:cNvCxnSpPr>
+          <p:nvPr/>
+        </p:nvCxnSpPr>
+        <p:spPr>
+          <a:xfrm>
+            <a:off x="9056914" y="1231320"/>
+            <a:ext cx="0" cy="4102679"/>
+          </a:xfrm>
+          <a:prstGeom prst="line">
+            <a:avLst/>
+          </a:prstGeom>
+          <a:ln w="38100">
+            <a:solidFill>
+              <a:srgbClr val="FFC000"/>
+            </a:solidFill>
+          </a:ln>
+        </p:spPr>
+        <p:style>
+          <a:lnRef idx="1">
+            <a:schemeClr val="accent6"/>
+          </a:lnRef>
+          <a:fillRef idx="0">
+            <a:schemeClr val="accent6"/>
+          </a:fillRef>
+          <a:effectRef idx="0">
+            <a:schemeClr val="accent6"/>
+          </a:effectRef>
+          <a:fontRef idx="minor">
+            <a:schemeClr val="tx1"/>
+          </a:fontRef>
+        </p:style>
+      </p:cxnSp>
+      <p:cxnSp>
+        <p:nvCxnSpPr>
+          <p:cNvPr id="46" name="Straight Connector 45">
+            <a:extLst>
+              <a:ext uri="{FF2B5EF4-FFF2-40B4-BE49-F238E27FC236}">
+                <a16:creationId xmlns:a16="http://schemas.microsoft.com/office/drawing/2014/main" id="{7DF77F43-12C7-A14C-810A-67101A243979}"/>
+              </a:ext>
+            </a:extLst>
+          </p:cNvPr>
+          <p:cNvCxnSpPr>
+            <a:cxnSpLocks/>
+          </p:cNvCxnSpPr>
+          <p:nvPr/>
+        </p:nvCxnSpPr>
+        <p:spPr>
+          <a:xfrm>
+            <a:off x="6052457" y="1231320"/>
+            <a:ext cx="0" cy="4102679"/>
+          </a:xfrm>
+          <a:prstGeom prst="line">
+            <a:avLst/>
+          </a:prstGeom>
+          <a:ln w="38100">
+            <a:solidFill>
+              <a:schemeClr val="accent1"/>
+            </a:solidFill>
+          </a:ln>
+        </p:spPr>
+        <p:style>
+          <a:lnRef idx="1">
+            <a:schemeClr val="accent6"/>
+          </a:lnRef>
+          <a:fillRef idx="0">
+            <a:schemeClr val="accent6"/>
+          </a:fillRef>
+          <a:effectRef idx="0">
+            <a:schemeClr val="accent6"/>
+          </a:effectRef>
+          <a:fontRef idx="minor">
+            <a:schemeClr val="tx1"/>
+          </a:fontRef>
+        </p:style>
+      </p:cxnSp>
+      <p:sp>
+        <p:nvSpPr>
+          <p:cNvPr id="47" name="Rectangle 46">
+            <a:extLst>
+              <a:ext uri="{FF2B5EF4-FFF2-40B4-BE49-F238E27FC236}">
+                <a16:creationId xmlns:a16="http://schemas.microsoft.com/office/drawing/2014/main" id="{298133C5-2A16-344D-B5D1-EC7DFAA4BD42}"/>
+              </a:ext>
+            </a:extLst>
+          </p:cNvPr>
+          <p:cNvSpPr/>
+          <p:nvPr/>
+        </p:nvSpPr>
+        <p:spPr>
+          <a:xfrm>
+            <a:off x="9295165" y="4007242"/>
+            <a:ext cx="2571750" cy="860243"/>
+          </a:xfrm>
+          <a:prstGeom prst="rect">
+            <a:avLst/>
+          </a:prstGeom>
+          <a:ln w="38100">
+            <a:solidFill>
+              <a:srgbClr val="7030A0"/>
+            </a:solidFill>
+          </a:ln>
+        </p:spPr>
+        <p:style>
+          <a:lnRef idx="2">
+            <a:schemeClr val="accent6"/>
+          </a:lnRef>
+          <a:fillRef idx="1">
+            <a:schemeClr val="lt1"/>
+          </a:fillRef>
+          <a:effectRef idx="0">
+            <a:schemeClr val="accent6"/>
+          </a:effectRef>
+          <a:fontRef idx="minor">
+            <a:schemeClr val="dk1"/>
+          </a:fontRef>
+        </p:style>
+        <p:txBody>
+          <a:bodyPr rtlCol="0" anchor="ctr"/>
+          <a:lstStyle/>
+          <a:p>
+            <a:pPr algn="ctr"/>
+            <a:r>
+              <a:rPr lang="en-IT" dirty="0">
+                <a:latin typeface="Palatino Linotype" panose="02040502050505030304" pitchFamily="18" charset="0"/>
+              </a:rPr>
+              <a:t>Advanced stuff</a:t>
+            </a:r>
+          </a:p>
+        </p:txBody>
+      </p:sp>
+      <p:sp>
+        <p:nvSpPr>
+          <p:cNvPr id="48" name="Rectangle 47">
+            <a:extLst>
+              <a:ext uri="{FF2B5EF4-FFF2-40B4-BE49-F238E27FC236}">
+                <a16:creationId xmlns:a16="http://schemas.microsoft.com/office/drawing/2014/main" id="{1BEB5484-6620-3542-B689-4B959C0B7DF8}"/>
+              </a:ext>
+            </a:extLst>
+          </p:cNvPr>
+          <p:cNvSpPr/>
+          <p:nvPr/>
+        </p:nvSpPr>
+        <p:spPr>
+          <a:xfrm>
+            <a:off x="9296249" y="3690823"/>
+            <a:ext cx="877080" cy="300148"/>
+          </a:xfrm>
+          <a:prstGeom prst="rect">
+            <a:avLst/>
+          </a:prstGeom>
+          <a:ln w="38100">
+            <a:solidFill>
+              <a:srgbClr val="7030A0"/>
+            </a:solidFill>
+          </a:ln>
+        </p:spPr>
+        <p:style>
+          <a:lnRef idx="2">
+            <a:schemeClr val="accent6"/>
+          </a:lnRef>
+          <a:fillRef idx="1">
+            <a:schemeClr val="lt1"/>
+          </a:fillRef>
+          <a:effectRef idx="0">
+            <a:schemeClr val="accent6"/>
+          </a:effectRef>
+          <a:fontRef idx="minor">
+            <a:schemeClr val="dk1"/>
+          </a:fontRef>
+        </p:style>
+        <p:txBody>
+          <a:bodyPr rtlCol="0" anchor="ctr"/>
+          <a:lstStyle/>
+          <a:p>
+            <a:pPr algn="ctr"/>
+            <a:r>
+              <a:rPr lang="en-IT" sz="1200" dirty="0">
+                <a:latin typeface="Palatino Linotype" panose="02040502050505030304" pitchFamily="18" charset="0"/>
+              </a:rPr>
+              <a:t>Lesson 12</a:t>
+            </a:r>
+          </a:p>
+        </p:txBody>
+      </p:sp>
+      <p:pic>
+        <p:nvPicPr>
+          <p:cNvPr id="4" name="Graphic 3" descr="Tick with solid fill">
+            <a:extLst>
+              <a:ext uri="{FF2B5EF4-FFF2-40B4-BE49-F238E27FC236}">
+                <a16:creationId xmlns:a16="http://schemas.microsoft.com/office/drawing/2014/main" id="{A2607237-7AC3-924E-A8DE-9B2626683324}"/>
+              </a:ext>
+            </a:extLst>
+          </p:cNvPr>
+          <p:cNvPicPr>
+            <a:picLocks noChangeAspect="1"/>
+          </p:cNvPicPr>
+          <p:nvPr/>
+        </p:nvPicPr>
+        <p:blipFill>
+          <a:blip r:embed="rId3">
+            <a:extLst>
+              <a:ext uri="{28A0092B-C50C-407E-A947-70E740481C1C}">
+                <a14:useLocalDpi xmlns:a14="http://schemas.microsoft.com/office/drawing/2010/main" val="0"/>
+              </a:ext>
+              <a:ext uri="{96DAC541-7B7A-43D3-8B79-37D633B846F1}">
+                <asvg:svgBlip xmlns:asvg="http://schemas.microsoft.com/office/drawing/2016/SVG/main" r:embed="rId4"/>
+              </a:ext>
+            </a:extLst>
+          </a:blip>
+          <a:stretch>
+            <a:fillRect/>
+          </a:stretch>
+        </p:blipFill>
+        <p:spPr>
+          <a:xfrm>
+            <a:off x="2581591" y="1231135"/>
+            <a:ext cx="509952" cy="509952"/>
+          </a:xfrm>
+          <a:prstGeom prst="rect">
+            <a:avLst/>
+          </a:prstGeom>
+        </p:spPr>
+      </p:pic>
+      <p:pic>
+        <p:nvPicPr>
+          <p:cNvPr id="40" name="Graphic 39" descr="Tick with solid fill">
+            <a:extLst>
+              <a:ext uri="{FF2B5EF4-FFF2-40B4-BE49-F238E27FC236}">
+                <a16:creationId xmlns:a16="http://schemas.microsoft.com/office/drawing/2014/main" id="{FC205521-E22C-E34D-BF1C-9189D62312A5}"/>
+              </a:ext>
+            </a:extLst>
+          </p:cNvPr>
+          <p:cNvPicPr>
+            <a:picLocks noChangeAspect="1"/>
+          </p:cNvPicPr>
+          <p:nvPr/>
+        </p:nvPicPr>
+        <p:blipFill>
+          <a:blip r:embed="rId3">
+            <a:extLst>
+              <a:ext uri="{28A0092B-C50C-407E-A947-70E740481C1C}">
+                <a14:useLocalDpi xmlns:a14="http://schemas.microsoft.com/office/drawing/2010/main" val="0"/>
+              </a:ext>
+              <a:ext uri="{96DAC541-7B7A-43D3-8B79-37D633B846F1}">
+                <asvg:svgBlip xmlns:asvg="http://schemas.microsoft.com/office/drawing/2016/SVG/main" r:embed="rId4"/>
+              </a:ext>
+            </a:extLst>
+          </a:blip>
+          <a:stretch>
+            <a:fillRect/>
+          </a:stretch>
+        </p:blipFill>
+        <p:spPr>
+          <a:xfrm>
+            <a:off x="2579234" y="2478542"/>
+            <a:ext cx="509952" cy="509952"/>
+          </a:xfrm>
+          <a:prstGeom prst="rect">
+            <a:avLst/>
+          </a:prstGeom>
+        </p:spPr>
+      </p:pic>
+      <p:pic>
+        <p:nvPicPr>
+          <p:cNvPr id="42" name="Graphic 41" descr="Tick with solid fill">
+            <a:extLst>
+              <a:ext uri="{FF2B5EF4-FFF2-40B4-BE49-F238E27FC236}">
+                <a16:creationId xmlns:a16="http://schemas.microsoft.com/office/drawing/2014/main" id="{4E80BC87-BE4D-004A-8B76-759812E840A8}"/>
+              </a:ext>
+            </a:extLst>
+          </p:cNvPr>
+          <p:cNvPicPr>
+            <a:picLocks noChangeAspect="1"/>
+          </p:cNvPicPr>
+          <p:nvPr/>
+        </p:nvPicPr>
+        <p:blipFill>
+          <a:blip r:embed="rId3">
+            <a:extLst>
+              <a:ext uri="{28A0092B-C50C-407E-A947-70E740481C1C}">
+                <a14:useLocalDpi xmlns:a14="http://schemas.microsoft.com/office/drawing/2010/main" val="0"/>
+              </a:ext>
+              <a:ext uri="{96DAC541-7B7A-43D3-8B79-37D633B846F1}">
+                <asvg:svgBlip xmlns:asvg="http://schemas.microsoft.com/office/drawing/2016/SVG/main" r:embed="rId4"/>
+              </a:ext>
+            </a:extLst>
+          </a:blip>
+          <a:stretch>
+            <a:fillRect/>
+          </a:stretch>
+        </p:blipFill>
+        <p:spPr>
+          <a:xfrm>
+            <a:off x="2579234" y="3715976"/>
+            <a:ext cx="509952" cy="509952"/>
+          </a:xfrm>
+          <a:prstGeom prst="rect">
+            <a:avLst/>
+          </a:prstGeom>
+        </p:spPr>
+      </p:pic>
+      <p:pic>
+        <p:nvPicPr>
+          <p:cNvPr id="49" name="Graphic 48" descr="Tick with solid fill">
+            <a:extLst>
+              <a:ext uri="{FF2B5EF4-FFF2-40B4-BE49-F238E27FC236}">
+                <a16:creationId xmlns:a16="http://schemas.microsoft.com/office/drawing/2014/main" id="{7216EBF6-9143-144F-B9D7-70E9EA809F20}"/>
+              </a:ext>
+            </a:extLst>
+          </p:cNvPr>
+          <p:cNvPicPr>
+            <a:picLocks noChangeAspect="1"/>
+          </p:cNvPicPr>
+          <p:nvPr/>
+        </p:nvPicPr>
+        <p:blipFill>
+          <a:blip r:embed="rId3">
+            <a:extLst>
+              <a:ext uri="{28A0092B-C50C-407E-A947-70E740481C1C}">
+                <a14:useLocalDpi xmlns:a14="http://schemas.microsoft.com/office/drawing/2010/main" val="0"/>
+              </a:ext>
+              <a:ext uri="{96DAC541-7B7A-43D3-8B79-37D633B846F1}">
+                <asvg:svgBlip xmlns:asvg="http://schemas.microsoft.com/office/drawing/2016/SVG/main" r:embed="rId4"/>
+              </a:ext>
+            </a:extLst>
+          </a:blip>
+          <a:stretch>
+            <a:fillRect/>
+          </a:stretch>
+        </p:blipFill>
+        <p:spPr>
+          <a:xfrm>
+            <a:off x="5440738" y="1233035"/>
+            <a:ext cx="509952" cy="509952"/>
+          </a:xfrm>
+          <a:prstGeom prst="rect">
+            <a:avLst/>
+          </a:prstGeom>
+        </p:spPr>
+      </p:pic>
+    </p:spTree>
+    <p:extLst>
+      <p:ext uri="{BB962C8B-B14F-4D97-AF65-F5344CB8AC3E}">
+        <p14:creationId xmlns:p14="http://schemas.microsoft.com/office/powerpoint/2010/main" val="2792479671"/>
+      </p:ext>
+    </p:extLst>
+  </p:cSld>
+  <p:clrMapOvr>
+    <a:masterClrMapping/>
+  </p:clrMapOvr>
+</p:sld>
+</file>
+
+<file path=ppt/slides/slide30.xml><?xml version="1.0" encoding="utf-8"?>
 <p:sld xmlns:a="http://schemas.openxmlformats.org/drawingml/2006/main" xmlns:r="http://schemas.openxmlformats.org/officeDocument/2006/relationships" xmlns:p="http://schemas.openxmlformats.org/presentationml/2006/main">
   <p:cSld>
     <p:spTree>
@@ -15940,384 +19137,6 @@
 </p:sld>
 </file>
 
-<file path=ppt/slides/slide3.xml><?xml version="1.0" encoding="utf-8"?>
-<p:sld xmlns:a="http://schemas.openxmlformats.org/drawingml/2006/main" xmlns:r="http://schemas.openxmlformats.org/officeDocument/2006/relationships" xmlns:p="http://schemas.openxmlformats.org/presentationml/2006/main">
-  <p:cSld>
-    <p:spTree>
-      <p:nvGrpSpPr>
-        <p:cNvPr id="1" name=""/>
-        <p:cNvGrpSpPr/>
-        <p:nvPr/>
-      </p:nvGrpSpPr>
-      <p:grpSpPr>
-        <a:xfrm>
-          <a:off x="0" y="0"/>
-          <a:ext cx="0" cy="0"/>
-          <a:chOff x="0" y="0"/>
-          <a:chExt cx="0" cy="0"/>
-        </a:xfrm>
-      </p:grpSpPr>
-      <p:sp>
-        <p:nvSpPr>
-          <p:cNvPr id="2" name="Title 1">
-            <a:extLst>
-              <a:ext uri="{FF2B5EF4-FFF2-40B4-BE49-F238E27FC236}">
-                <a16:creationId xmlns:a16="http://schemas.microsoft.com/office/drawing/2014/main" id="{122C1E14-0610-FB4E-BCD3-3BA8CADF9D02}"/>
-              </a:ext>
-            </a:extLst>
-          </p:cNvPr>
-          <p:cNvSpPr>
-            <a:spLocks noGrp="1"/>
-          </p:cNvSpPr>
-          <p:nvPr>
-            <p:ph type="title"/>
-          </p:nvPr>
-        </p:nvSpPr>
-        <p:spPr/>
-        <p:txBody>
-          <a:bodyPr/>
-          <a:lstStyle/>
-          <a:p>
-            <a:r>
-              <a:rPr lang="en-IT" dirty="0"/>
-              <a:t>Outline</a:t>
-            </a:r>
-          </a:p>
-        </p:txBody>
-      </p:sp>
-      <p:sp>
-        <p:nvSpPr>
-          <p:cNvPr id="3" name="Content Placeholder 2">
-            <a:extLst>
-              <a:ext uri="{FF2B5EF4-FFF2-40B4-BE49-F238E27FC236}">
-                <a16:creationId xmlns:a16="http://schemas.microsoft.com/office/drawing/2014/main" id="{8962CCAC-9D70-C543-BBE0-822B6CB5F5CB}"/>
-              </a:ext>
-            </a:extLst>
-          </p:cNvPr>
-          <p:cNvSpPr>
-            <a:spLocks noGrp="1"/>
-          </p:cNvSpPr>
-          <p:nvPr>
-            <p:ph idx="1"/>
-          </p:nvPr>
-        </p:nvSpPr>
-        <p:spPr>
-          <a:xfrm>
-            <a:off x="428172" y="1361167"/>
-            <a:ext cx="11213368" cy="5334907"/>
-          </a:xfrm>
-        </p:spPr>
-        <p:txBody>
-          <a:bodyPr>
-            <a:normAutofit/>
-          </a:bodyPr>
-          <a:lstStyle/>
-          <a:p>
-            <a:r>
-              <a:rPr lang="en-GB" b="1" dirty="0"/>
-              <a:t>Navigator</a:t>
-            </a:r>
-          </a:p>
-          <a:p>
-            <a:r>
-              <a:rPr lang="en-GB" dirty="0">
-                <a:solidFill>
-                  <a:schemeClr val="bg2">
-                    <a:lumMod val="90000"/>
-                  </a:schemeClr>
-                </a:solidFill>
-              </a:rPr>
-              <a:t>Navigate to a new screen and back</a:t>
-            </a:r>
-          </a:p>
-          <a:p>
-            <a:r>
-              <a:rPr lang="en-GB" dirty="0">
-                <a:solidFill>
-                  <a:schemeClr val="bg2">
-                    <a:lumMod val="90000"/>
-                  </a:schemeClr>
-                </a:solidFill>
-              </a:rPr>
-              <a:t>Named routes </a:t>
-            </a:r>
-          </a:p>
-          <a:p>
-            <a:r>
-              <a:rPr lang="en-GB" dirty="0">
-                <a:solidFill>
-                  <a:schemeClr val="bg2">
-                    <a:lumMod val="90000"/>
-                  </a:schemeClr>
-                </a:solidFill>
-              </a:rPr>
-              <a:t>Passing argument to a named routes</a:t>
-            </a:r>
-          </a:p>
-          <a:p>
-            <a:r>
-              <a:rPr lang="en-GB" dirty="0">
-                <a:solidFill>
-                  <a:schemeClr val="bg2">
-                    <a:lumMod val="90000"/>
-                  </a:schemeClr>
-                </a:solidFill>
-              </a:rPr>
-              <a:t>Returning an argument from a named route</a:t>
-            </a:r>
-          </a:p>
-          <a:p>
-            <a:endParaRPr lang="en-GB" dirty="0">
-              <a:solidFill>
-                <a:schemeClr val="bg2">
-                  <a:lumMod val="90000"/>
-                </a:schemeClr>
-              </a:solidFill>
-            </a:endParaRPr>
-          </a:p>
-          <a:p>
-            <a:r>
-              <a:rPr lang="en-GB" dirty="0">
-                <a:solidFill>
-                  <a:schemeClr val="bg2">
-                    <a:lumMod val="90000"/>
-                  </a:schemeClr>
-                </a:solidFill>
-              </a:rPr>
-              <a:t>Exercise</a:t>
-            </a:r>
-          </a:p>
-          <a:p>
-            <a:r>
-              <a:rPr lang="en-GB" dirty="0">
-                <a:solidFill>
-                  <a:schemeClr val="bg2">
-                    <a:lumMod val="90000"/>
-                  </a:schemeClr>
-                </a:solidFill>
-              </a:rPr>
-              <a:t>Homework</a:t>
-            </a:r>
-          </a:p>
-          <a:p>
-            <a:r>
-              <a:rPr lang="en-GB" dirty="0">
-                <a:solidFill>
-                  <a:schemeClr val="bg2">
-                    <a:lumMod val="90000"/>
-                  </a:schemeClr>
-                </a:solidFill>
-              </a:rPr>
-              <a:t>Resources</a:t>
-            </a:r>
-          </a:p>
-          <a:p>
-            <a:endParaRPr lang="en-GB" dirty="0"/>
-          </a:p>
-        </p:txBody>
-      </p:sp>
-    </p:spTree>
-    <p:extLst>
-      <p:ext uri="{BB962C8B-B14F-4D97-AF65-F5344CB8AC3E}">
-        <p14:creationId xmlns:p14="http://schemas.microsoft.com/office/powerpoint/2010/main" val="2807510438"/>
-      </p:ext>
-    </p:extLst>
-  </p:cSld>
-  <p:clrMapOvr>
-    <a:masterClrMapping/>
-  </p:clrMapOvr>
-</p:sld>
-</file>
-
-<file path=ppt/slides/slide30.xml><?xml version="1.0" encoding="utf-8"?>
-<p:sld xmlns:a="http://schemas.openxmlformats.org/drawingml/2006/main" xmlns:r="http://schemas.openxmlformats.org/officeDocument/2006/relationships" xmlns:p="http://schemas.openxmlformats.org/presentationml/2006/main">
-  <p:cSld>
-    <p:spTree>
-      <p:nvGrpSpPr>
-        <p:cNvPr id="1" name=""/>
-        <p:cNvGrpSpPr/>
-        <p:nvPr/>
-      </p:nvGrpSpPr>
-      <p:grpSpPr>
-        <a:xfrm>
-          <a:off x="0" y="0"/>
-          <a:ext cx="0" cy="0"/>
-          <a:chOff x="0" y="0"/>
-          <a:chExt cx="0" cy="0"/>
-        </a:xfrm>
-      </p:grpSpPr>
-      <p:sp>
-        <p:nvSpPr>
-          <p:cNvPr id="2" name="Title 1">
-            <a:extLst>
-              <a:ext uri="{FF2B5EF4-FFF2-40B4-BE49-F238E27FC236}">
-                <a16:creationId xmlns:a16="http://schemas.microsoft.com/office/drawing/2014/main" id="{122C1E14-0610-FB4E-BCD3-3BA8CADF9D02}"/>
-              </a:ext>
-            </a:extLst>
-          </p:cNvPr>
-          <p:cNvSpPr>
-            <a:spLocks noGrp="1"/>
-          </p:cNvSpPr>
-          <p:nvPr>
-            <p:ph type="title"/>
-          </p:nvPr>
-        </p:nvSpPr>
-        <p:spPr/>
-        <p:txBody>
-          <a:bodyPr/>
-          <a:lstStyle/>
-          <a:p>
-            <a:r>
-              <a:rPr lang="en-IT" dirty="0"/>
-              <a:t>Outline</a:t>
-            </a:r>
-          </a:p>
-        </p:txBody>
-      </p:sp>
-      <p:sp>
-        <p:nvSpPr>
-          <p:cNvPr id="3" name="Content Placeholder 2">
-            <a:extLst>
-              <a:ext uri="{FF2B5EF4-FFF2-40B4-BE49-F238E27FC236}">
-                <a16:creationId xmlns:a16="http://schemas.microsoft.com/office/drawing/2014/main" id="{8962CCAC-9D70-C543-BBE0-822B6CB5F5CB}"/>
-              </a:ext>
-            </a:extLst>
-          </p:cNvPr>
-          <p:cNvSpPr>
-            <a:spLocks noGrp="1"/>
-          </p:cNvSpPr>
-          <p:nvPr>
-            <p:ph idx="1"/>
-          </p:nvPr>
-        </p:nvSpPr>
-        <p:spPr>
-          <a:xfrm>
-            <a:off x="428172" y="1361167"/>
-            <a:ext cx="11213368" cy="5334907"/>
-          </a:xfrm>
-        </p:spPr>
-        <p:txBody>
-          <a:bodyPr>
-            <a:normAutofit/>
-          </a:bodyPr>
-          <a:lstStyle/>
-          <a:p>
-            <a:r>
-              <a:rPr lang="en-GB" dirty="0">
-                <a:solidFill>
-                  <a:schemeClr val="bg2">
-                    <a:lumMod val="90000"/>
-                  </a:schemeClr>
-                </a:solidFill>
-              </a:rPr>
-              <a:t>Navigator</a:t>
-            </a:r>
-          </a:p>
-          <a:p>
-            <a:r>
-              <a:rPr lang="en-GB" dirty="0">
-                <a:solidFill>
-                  <a:schemeClr val="bg2">
-                    <a:lumMod val="90000"/>
-                  </a:schemeClr>
-                </a:solidFill>
-              </a:rPr>
-              <a:t>Navigate to a new screen and back</a:t>
-            </a:r>
-          </a:p>
-          <a:p>
-            <a:r>
-              <a:rPr lang="en-GB" dirty="0">
-                <a:solidFill>
-                  <a:schemeClr val="bg2">
-                    <a:lumMod val="90000"/>
-                  </a:schemeClr>
-                </a:solidFill>
-              </a:rPr>
-              <a:t>Named routes </a:t>
-            </a:r>
-          </a:p>
-          <a:p>
-            <a:r>
-              <a:rPr lang="en-GB" dirty="0">
-                <a:solidFill>
-                  <a:schemeClr val="bg2">
-                    <a:lumMod val="90000"/>
-                  </a:schemeClr>
-                </a:solidFill>
-              </a:rPr>
-              <a:t>Passing argument to a named routes</a:t>
-            </a:r>
-          </a:p>
-          <a:p>
-            <a:r>
-              <a:rPr lang="en-GB" dirty="0">
-                <a:solidFill>
-                  <a:schemeClr val="bg2">
-                    <a:lumMod val="90000"/>
-                  </a:schemeClr>
-                </a:solidFill>
-              </a:rPr>
-              <a:t>Returning an argument from a named route</a:t>
-            </a:r>
-          </a:p>
-          <a:p>
-            <a:endParaRPr lang="en-GB" dirty="0">
-              <a:solidFill>
-                <a:schemeClr val="bg2">
-                  <a:lumMod val="90000"/>
-                </a:schemeClr>
-              </a:solidFill>
-            </a:endParaRPr>
-          </a:p>
-          <a:p>
-            <a:r>
-              <a:rPr lang="en-GB" b="1" dirty="0"/>
-              <a:t>Exercise</a:t>
-            </a:r>
-          </a:p>
-          <a:p>
-            <a:r>
-              <a:rPr lang="en-GB" dirty="0">
-                <a:solidFill>
-                  <a:schemeClr val="bg2">
-                    <a:lumMod val="90000"/>
-                  </a:schemeClr>
-                </a:solidFill>
-              </a:rPr>
-              <a:t>Homework</a:t>
-            </a:r>
-          </a:p>
-          <a:p>
-            <a:r>
-              <a:rPr lang="en-GB" dirty="0">
-                <a:solidFill>
-                  <a:schemeClr val="bg2">
-                    <a:lumMod val="90000"/>
-                  </a:schemeClr>
-                </a:solidFill>
-              </a:rPr>
-              <a:t>Resources</a:t>
-            </a:r>
-          </a:p>
-          <a:p>
-            <a:endParaRPr lang="en-GB" dirty="0"/>
-          </a:p>
-        </p:txBody>
-      </p:sp>
-    </p:spTree>
-    <p:extLst>
-      <p:ext uri="{BB962C8B-B14F-4D97-AF65-F5344CB8AC3E}">
-        <p14:creationId xmlns:p14="http://schemas.microsoft.com/office/powerpoint/2010/main" val="1374369101"/>
-      </p:ext>
-    </p:extLst>
-  </p:cSld>
-  <p:clrMapOvr>
-    <a:masterClrMapping/>
-  </p:clrMapOvr>
-</p:sld>
-</file>
-
 <file path=ppt/slides/slide31.xml><?xml version="1.0" encoding="utf-8"?>
 <p:sld xmlns:a="http://schemas.openxmlformats.org/drawingml/2006/main" xmlns:r="http://schemas.openxmlformats.org/officeDocument/2006/relationships" xmlns:p="http://schemas.openxmlformats.org/presentationml/2006/main">
   <p:cSld>
@@ -16358,7 +19177,7 @@
           <a:p>
             <a:r>
               <a:rPr lang="en-IT" dirty="0"/>
-              <a:t>Exercise</a:t>
+              <a:t>Outline</a:t>
             </a:r>
           </a:p>
         </p:txBody>
@@ -16382,7 +19201,7 @@
         <p:spPr>
           <a:xfrm>
             <a:off x="428172" y="1361167"/>
-            <a:ext cx="5787277" cy="5334907"/>
+            <a:ext cx="11213368" cy="5334907"/>
           </a:xfrm>
         </p:spPr>
         <p:txBody>
@@ -16392,755 +19211,124 @@
           <a:lstStyle/>
           <a:p>
             <a:r>
-              <a:rPr lang="en-GB" dirty="0"/>
-              <a:t>Exercise 06.01 (easy)</a:t>
+              <a:rPr lang="en-GB" dirty="0">
+                <a:solidFill>
+                  <a:schemeClr val="bg2">
+                    <a:lumMod val="90000"/>
+                  </a:schemeClr>
+                </a:solidFill>
+              </a:rPr>
+              <a:t>Recap</a:t>
+            </a:r>
+          </a:p>
+          <a:p>
+            <a:r>
+              <a:rPr lang="en-GB" dirty="0">
+                <a:solidFill>
+                  <a:schemeClr val="bg2">
+                    <a:lumMod val="90000"/>
+                  </a:schemeClr>
+                </a:solidFill>
+              </a:rPr>
+              <a:t>Navigator</a:t>
+            </a:r>
+          </a:p>
+          <a:p>
+            <a:r>
+              <a:rPr lang="en-GB" dirty="0">
+                <a:solidFill>
+                  <a:schemeClr val="bg2">
+                    <a:lumMod val="90000"/>
+                  </a:schemeClr>
+                </a:solidFill>
+              </a:rPr>
+              <a:t>Navigate to a new screen and back</a:t>
+            </a:r>
+          </a:p>
+          <a:p>
+            <a:r>
+              <a:rPr lang="en-GB" dirty="0">
+                <a:solidFill>
+                  <a:schemeClr val="bg2">
+                    <a:lumMod val="90000"/>
+                  </a:schemeClr>
+                </a:solidFill>
+              </a:rPr>
+              <a:t>Named routes </a:t>
+            </a:r>
+          </a:p>
+          <a:p>
+            <a:r>
+              <a:rPr lang="en-GB" dirty="0">
+                <a:solidFill>
+                  <a:schemeClr val="bg2">
+                    <a:lumMod val="90000"/>
+                  </a:schemeClr>
+                </a:solidFill>
+              </a:rPr>
+              <a:t>Passing argument to a named routes</a:t>
+            </a:r>
+          </a:p>
+          <a:p>
+            <a:r>
+              <a:rPr lang="en-GB" dirty="0">
+                <a:solidFill>
+                  <a:schemeClr val="bg2">
+                    <a:lumMod val="90000"/>
+                  </a:schemeClr>
+                </a:solidFill>
+              </a:rPr>
+              <a:t>Returning an argument from a named route</a:t>
+            </a:r>
+          </a:p>
+          <a:p>
+            <a:endParaRPr lang="en-GB" dirty="0">
+              <a:solidFill>
+                <a:schemeClr val="bg2">
+                  <a:lumMod val="90000"/>
+                </a:schemeClr>
+              </a:solidFill>
+            </a:endParaRPr>
+          </a:p>
+          <a:p>
+            <a:r>
+              <a:rPr lang="en-GB" b="1" dirty="0"/>
+              <a:t>Exercise</a:t>
+            </a:r>
+          </a:p>
+          <a:p>
+            <a:r>
+              <a:rPr lang="en-GB" dirty="0">
+                <a:solidFill>
+                  <a:schemeClr val="bg2">
+                    <a:lumMod val="90000"/>
+                  </a:schemeClr>
+                </a:solidFill>
+              </a:rPr>
+              <a:t>Homework</a:t>
+            </a:r>
+          </a:p>
+          <a:p>
+            <a:r>
+              <a:rPr lang="en-GB" dirty="0">
+                <a:solidFill>
+                  <a:schemeClr val="bg2">
+                    <a:lumMod val="90000"/>
+                  </a:schemeClr>
+                </a:solidFill>
+              </a:rPr>
+              <a:t>Resources</a:t>
             </a:r>
           </a:p>
           <a:p>
             <a:endParaRPr lang="en-GB" dirty="0"/>
-          </a:p>
-          <a:p>
-            <a:pPr lvl="1"/>
-            <a:r>
-              <a:rPr lang="en-US" dirty="0"/>
-              <a:t>Create a new project ‘</a:t>
-            </a:r>
-            <a:r>
-              <a:rPr lang="en-US" dirty="0" err="1"/>
-              <a:t>reproduce_structure</a:t>
-            </a:r>
-            <a:r>
-              <a:rPr lang="en-US" dirty="0"/>
-              <a:t>’</a:t>
-            </a:r>
-          </a:p>
-          <a:p>
-            <a:pPr lvl="1"/>
-            <a:endParaRPr lang="en-US" dirty="0"/>
-          </a:p>
-          <a:p>
-            <a:pPr lvl="1"/>
-            <a:r>
-              <a:rPr lang="en-US" dirty="0"/>
-              <a:t>Reproduce the app navigation structure on the right using the named routing approach.</a:t>
-            </a:r>
           </a:p>
         </p:txBody>
       </p:sp>
-      <p:sp>
-        <p:nvSpPr>
-          <p:cNvPr id="5" name="Rectangle 4">
-            <a:extLst>
-              <a:ext uri="{FF2B5EF4-FFF2-40B4-BE49-F238E27FC236}">
-                <a16:creationId xmlns:a16="http://schemas.microsoft.com/office/drawing/2014/main" id="{F43C729A-7A00-C248-89B9-49537842BCA2}"/>
-              </a:ext>
-            </a:extLst>
-          </p:cNvPr>
-          <p:cNvSpPr/>
-          <p:nvPr/>
-        </p:nvSpPr>
-        <p:spPr>
-          <a:xfrm>
-            <a:off x="8452757" y="1914897"/>
-            <a:ext cx="1760256" cy="452175"/>
-          </a:xfrm>
-          <a:prstGeom prst="rect">
-            <a:avLst/>
-          </a:prstGeom>
-          <a:ln w="28575"/>
-        </p:spPr>
-        <p:style>
-          <a:lnRef idx="2">
-            <a:schemeClr val="accent6"/>
-          </a:lnRef>
-          <a:fillRef idx="1">
-            <a:schemeClr val="lt1"/>
-          </a:fillRef>
-          <a:effectRef idx="0">
-            <a:schemeClr val="accent6"/>
-          </a:effectRef>
-          <a:fontRef idx="minor">
-            <a:schemeClr val="dk1"/>
-          </a:fontRef>
-        </p:style>
-        <p:txBody>
-          <a:bodyPr rtlCol="0" anchor="ctr"/>
-          <a:lstStyle/>
-          <a:p>
-            <a:pPr algn="ctr"/>
-            <a:r>
-              <a:rPr lang="en-IT" dirty="0">
-                <a:latin typeface="Courier" pitchFamily="2" charset="0"/>
-              </a:rPr>
-              <a:t>LoginPage</a:t>
-            </a:r>
-          </a:p>
-        </p:txBody>
-      </p:sp>
-      <p:sp>
-        <p:nvSpPr>
-          <p:cNvPr id="7" name="Rectangle 6">
-            <a:extLst>
-              <a:ext uri="{FF2B5EF4-FFF2-40B4-BE49-F238E27FC236}">
-                <a16:creationId xmlns:a16="http://schemas.microsoft.com/office/drawing/2014/main" id="{6421DB30-3370-FD48-AC07-F3F0CE007AB0}"/>
-              </a:ext>
-            </a:extLst>
-          </p:cNvPr>
-          <p:cNvSpPr/>
-          <p:nvPr/>
-        </p:nvSpPr>
-        <p:spPr>
-          <a:xfrm>
-            <a:off x="8452757" y="2850832"/>
-            <a:ext cx="1760256" cy="452175"/>
-          </a:xfrm>
-          <a:prstGeom prst="rect">
-            <a:avLst/>
-          </a:prstGeom>
-          <a:ln w="28575"/>
-        </p:spPr>
-        <p:style>
-          <a:lnRef idx="2">
-            <a:schemeClr val="accent6"/>
-          </a:lnRef>
-          <a:fillRef idx="1">
-            <a:schemeClr val="lt1"/>
-          </a:fillRef>
-          <a:effectRef idx="0">
-            <a:schemeClr val="accent6"/>
-          </a:effectRef>
-          <a:fontRef idx="minor">
-            <a:schemeClr val="dk1"/>
-          </a:fontRef>
-        </p:style>
-        <p:txBody>
-          <a:bodyPr rtlCol="0" anchor="ctr"/>
-          <a:lstStyle/>
-          <a:p>
-            <a:pPr algn="ctr"/>
-            <a:r>
-              <a:rPr lang="en-IT" dirty="0">
-                <a:latin typeface="Courier" pitchFamily="2" charset="0"/>
-              </a:rPr>
-              <a:t>HomePage</a:t>
-            </a:r>
-          </a:p>
-        </p:txBody>
-      </p:sp>
-      <p:sp>
-        <p:nvSpPr>
-          <p:cNvPr id="8" name="Rectangle 7">
-            <a:extLst>
-              <a:ext uri="{FF2B5EF4-FFF2-40B4-BE49-F238E27FC236}">
-                <a16:creationId xmlns:a16="http://schemas.microsoft.com/office/drawing/2014/main" id="{E6C98D65-4CAB-B84C-8419-D74D3B3167A8}"/>
-              </a:ext>
-            </a:extLst>
-          </p:cNvPr>
-          <p:cNvSpPr/>
-          <p:nvPr/>
-        </p:nvSpPr>
-        <p:spPr>
-          <a:xfrm>
-            <a:off x="7429817" y="3802532"/>
-            <a:ext cx="1760256" cy="452175"/>
-          </a:xfrm>
-          <a:prstGeom prst="rect">
-            <a:avLst/>
-          </a:prstGeom>
-          <a:ln w="28575"/>
-        </p:spPr>
-        <p:style>
-          <a:lnRef idx="2">
-            <a:schemeClr val="accent6"/>
-          </a:lnRef>
-          <a:fillRef idx="1">
-            <a:schemeClr val="lt1"/>
-          </a:fillRef>
-          <a:effectRef idx="0">
-            <a:schemeClr val="accent6"/>
-          </a:effectRef>
-          <a:fontRef idx="minor">
-            <a:schemeClr val="dk1"/>
-          </a:fontRef>
-        </p:style>
-        <p:txBody>
-          <a:bodyPr rtlCol="0" anchor="ctr"/>
-          <a:lstStyle/>
-          <a:p>
-            <a:pPr algn="ctr"/>
-            <a:r>
-              <a:rPr lang="en-IT" dirty="0">
-                <a:latin typeface="Courier" pitchFamily="2" charset="0"/>
-              </a:rPr>
-              <a:t>ProfilePage</a:t>
-            </a:r>
-          </a:p>
-        </p:txBody>
-      </p:sp>
-      <p:sp>
-        <p:nvSpPr>
-          <p:cNvPr id="9" name="Rectangle 8">
-            <a:extLst>
-              <a:ext uri="{FF2B5EF4-FFF2-40B4-BE49-F238E27FC236}">
-                <a16:creationId xmlns:a16="http://schemas.microsoft.com/office/drawing/2014/main" id="{3EFAFEAB-15F5-A347-A171-BEDCFE4C3825}"/>
-              </a:ext>
-            </a:extLst>
-          </p:cNvPr>
-          <p:cNvSpPr/>
-          <p:nvPr/>
-        </p:nvSpPr>
-        <p:spPr>
-          <a:xfrm>
-            <a:off x="9472365" y="4738464"/>
-            <a:ext cx="2000286" cy="452175"/>
-          </a:xfrm>
-          <a:prstGeom prst="rect">
-            <a:avLst/>
-          </a:prstGeom>
-          <a:ln w="28575"/>
-        </p:spPr>
-        <p:style>
-          <a:lnRef idx="2">
-            <a:schemeClr val="accent6"/>
-          </a:lnRef>
-          <a:fillRef idx="1">
-            <a:schemeClr val="lt1"/>
-          </a:fillRef>
-          <a:effectRef idx="0">
-            <a:schemeClr val="accent6"/>
-          </a:effectRef>
-          <a:fontRef idx="minor">
-            <a:schemeClr val="dk1"/>
-          </a:fontRef>
-        </p:style>
-        <p:txBody>
-          <a:bodyPr rtlCol="0" anchor="ctr"/>
-          <a:lstStyle/>
-          <a:p>
-            <a:pPr algn="ctr"/>
-            <a:r>
-              <a:rPr lang="en-IT" dirty="0">
-                <a:latin typeface="Courier" pitchFamily="2" charset="0"/>
-              </a:rPr>
-              <a:t>EditEventPage</a:t>
-            </a:r>
-          </a:p>
-        </p:txBody>
-      </p:sp>
-      <p:sp>
-        <p:nvSpPr>
-          <p:cNvPr id="10" name="Rectangle 9">
-            <a:extLst>
-              <a:ext uri="{FF2B5EF4-FFF2-40B4-BE49-F238E27FC236}">
-                <a16:creationId xmlns:a16="http://schemas.microsoft.com/office/drawing/2014/main" id="{F5E25B9F-C10C-C647-8007-6D80A539C9A2}"/>
-              </a:ext>
-            </a:extLst>
-          </p:cNvPr>
-          <p:cNvSpPr/>
-          <p:nvPr/>
-        </p:nvSpPr>
-        <p:spPr>
-          <a:xfrm>
-            <a:off x="9472365" y="3802532"/>
-            <a:ext cx="1885155" cy="452175"/>
-          </a:xfrm>
-          <a:prstGeom prst="rect">
-            <a:avLst/>
-          </a:prstGeom>
-          <a:ln w="28575"/>
-        </p:spPr>
-        <p:style>
-          <a:lnRef idx="2">
-            <a:schemeClr val="accent6"/>
-          </a:lnRef>
-          <a:fillRef idx="1">
-            <a:schemeClr val="lt1"/>
-          </a:fillRef>
-          <a:effectRef idx="0">
-            <a:schemeClr val="accent6"/>
-          </a:effectRef>
-          <a:fontRef idx="minor">
-            <a:schemeClr val="dk1"/>
-          </a:fontRef>
-        </p:style>
-        <p:txBody>
-          <a:bodyPr rtlCol="0" anchor="ctr"/>
-          <a:lstStyle/>
-          <a:p>
-            <a:pPr algn="ctr"/>
-            <a:r>
-              <a:rPr lang="en-IT" dirty="0">
-                <a:latin typeface="Courier" pitchFamily="2" charset="0"/>
-              </a:rPr>
-              <a:t>CalendarPage</a:t>
-            </a:r>
-          </a:p>
-        </p:txBody>
-      </p:sp>
-      <p:sp>
-        <p:nvSpPr>
-          <p:cNvPr id="11" name="Rectangle 10">
-            <a:extLst>
-              <a:ext uri="{FF2B5EF4-FFF2-40B4-BE49-F238E27FC236}">
-                <a16:creationId xmlns:a16="http://schemas.microsoft.com/office/drawing/2014/main" id="{A5CC1CBB-CDD3-D940-8578-D95C7B635C8C}"/>
-              </a:ext>
-            </a:extLst>
-          </p:cNvPr>
-          <p:cNvSpPr/>
-          <p:nvPr/>
-        </p:nvSpPr>
-        <p:spPr>
-          <a:xfrm>
-            <a:off x="6824588" y="4706882"/>
-            <a:ext cx="2415812" cy="452175"/>
-          </a:xfrm>
-          <a:prstGeom prst="rect">
-            <a:avLst/>
-          </a:prstGeom>
-          <a:ln w="28575"/>
-        </p:spPr>
-        <p:style>
-          <a:lnRef idx="2">
-            <a:schemeClr val="accent6"/>
-          </a:lnRef>
-          <a:fillRef idx="1">
-            <a:schemeClr val="lt1"/>
-          </a:fillRef>
-          <a:effectRef idx="0">
-            <a:schemeClr val="accent6"/>
-          </a:effectRef>
-          <a:fontRef idx="minor">
-            <a:schemeClr val="dk1"/>
-          </a:fontRef>
-        </p:style>
-        <p:txBody>
-          <a:bodyPr rtlCol="0" anchor="ctr"/>
-          <a:lstStyle/>
-          <a:p>
-            <a:pPr algn="ctr"/>
-            <a:r>
-              <a:rPr lang="en-IT" dirty="0">
-                <a:latin typeface="Courier" pitchFamily="2" charset="0"/>
-              </a:rPr>
-              <a:t>EditProfilePage</a:t>
-            </a:r>
-          </a:p>
-        </p:txBody>
-      </p:sp>
-      <p:cxnSp>
-        <p:nvCxnSpPr>
-          <p:cNvPr id="12" name="Straight Arrow Connector 11">
-            <a:extLst>
-              <a:ext uri="{FF2B5EF4-FFF2-40B4-BE49-F238E27FC236}">
-                <a16:creationId xmlns:a16="http://schemas.microsoft.com/office/drawing/2014/main" id="{A69F225E-8A04-A341-B114-5139B0EE971F}"/>
-              </a:ext>
-            </a:extLst>
-          </p:cNvPr>
-          <p:cNvCxnSpPr>
-            <a:cxnSpLocks/>
-          </p:cNvCxnSpPr>
-          <p:nvPr/>
-        </p:nvCxnSpPr>
-        <p:spPr>
-          <a:xfrm flipV="1">
-            <a:off x="9039497" y="2367073"/>
-            <a:ext cx="0" cy="483759"/>
-          </a:xfrm>
-          <a:prstGeom prst="straightConnector1">
-            <a:avLst/>
-          </a:prstGeom>
-          <a:ln>
-            <a:tailEnd type="triangle"/>
-          </a:ln>
-        </p:spPr>
-        <p:style>
-          <a:lnRef idx="1">
-            <a:schemeClr val="accent6"/>
-          </a:lnRef>
-          <a:fillRef idx="0">
-            <a:schemeClr val="accent6"/>
-          </a:fillRef>
-          <a:effectRef idx="0">
-            <a:schemeClr val="accent6"/>
-          </a:effectRef>
-          <a:fontRef idx="minor">
-            <a:schemeClr val="tx1"/>
-          </a:fontRef>
-        </p:style>
-      </p:cxnSp>
-      <p:cxnSp>
-        <p:nvCxnSpPr>
-          <p:cNvPr id="14" name="Straight Arrow Connector 13">
-            <a:extLst>
-              <a:ext uri="{FF2B5EF4-FFF2-40B4-BE49-F238E27FC236}">
-                <a16:creationId xmlns:a16="http://schemas.microsoft.com/office/drawing/2014/main" id="{1516A1D1-461C-494C-A59E-87CD8EBBA963}"/>
-              </a:ext>
-            </a:extLst>
-          </p:cNvPr>
-          <p:cNvCxnSpPr>
-            <a:cxnSpLocks/>
-          </p:cNvCxnSpPr>
-          <p:nvPr/>
-        </p:nvCxnSpPr>
-        <p:spPr>
-          <a:xfrm>
-            <a:off x="9692640" y="2367072"/>
-            <a:ext cx="0" cy="483761"/>
-          </a:xfrm>
-          <a:prstGeom prst="straightConnector1">
-            <a:avLst/>
-          </a:prstGeom>
-          <a:ln>
-            <a:tailEnd type="triangle"/>
-          </a:ln>
-        </p:spPr>
-        <p:style>
-          <a:lnRef idx="1">
-            <a:schemeClr val="accent6"/>
-          </a:lnRef>
-          <a:fillRef idx="0">
-            <a:schemeClr val="accent6"/>
-          </a:fillRef>
-          <a:effectRef idx="0">
-            <a:schemeClr val="accent6"/>
-          </a:effectRef>
-          <a:fontRef idx="minor">
-            <a:schemeClr val="tx1"/>
-          </a:fontRef>
-        </p:style>
-      </p:cxnSp>
-      <p:cxnSp>
-        <p:nvCxnSpPr>
-          <p:cNvPr id="17" name="Straight Arrow Connector 16">
-            <a:extLst>
-              <a:ext uri="{FF2B5EF4-FFF2-40B4-BE49-F238E27FC236}">
-                <a16:creationId xmlns:a16="http://schemas.microsoft.com/office/drawing/2014/main" id="{27949AA7-E049-F04C-B70F-BD310DA8CD21}"/>
-              </a:ext>
-            </a:extLst>
-          </p:cNvPr>
-          <p:cNvCxnSpPr>
-            <a:cxnSpLocks/>
-          </p:cNvCxnSpPr>
-          <p:nvPr/>
-        </p:nvCxnSpPr>
-        <p:spPr>
-          <a:xfrm flipV="1">
-            <a:off x="8654687" y="3318773"/>
-            <a:ext cx="0" cy="483759"/>
-          </a:xfrm>
-          <a:prstGeom prst="straightConnector1">
-            <a:avLst/>
-          </a:prstGeom>
-          <a:ln>
-            <a:tailEnd type="triangle"/>
-          </a:ln>
-        </p:spPr>
-        <p:style>
-          <a:lnRef idx="1">
-            <a:schemeClr val="accent6"/>
-          </a:lnRef>
-          <a:fillRef idx="0">
-            <a:schemeClr val="accent6"/>
-          </a:fillRef>
-          <a:effectRef idx="0">
-            <a:schemeClr val="accent6"/>
-          </a:effectRef>
-          <a:fontRef idx="minor">
-            <a:schemeClr val="tx1"/>
-          </a:fontRef>
-        </p:style>
-      </p:cxnSp>
-      <p:cxnSp>
-        <p:nvCxnSpPr>
-          <p:cNvPr id="18" name="Straight Arrow Connector 17">
-            <a:extLst>
-              <a:ext uri="{FF2B5EF4-FFF2-40B4-BE49-F238E27FC236}">
-                <a16:creationId xmlns:a16="http://schemas.microsoft.com/office/drawing/2014/main" id="{13190F5F-4C7C-DC49-972F-8A26B4AFCA49}"/>
-              </a:ext>
-            </a:extLst>
-          </p:cNvPr>
-          <p:cNvCxnSpPr>
-            <a:cxnSpLocks/>
-          </p:cNvCxnSpPr>
-          <p:nvPr/>
-        </p:nvCxnSpPr>
-        <p:spPr>
-          <a:xfrm>
-            <a:off x="8907780" y="3318772"/>
-            <a:ext cx="0" cy="483761"/>
-          </a:xfrm>
-          <a:prstGeom prst="straightConnector1">
-            <a:avLst/>
-          </a:prstGeom>
-          <a:ln>
-            <a:tailEnd type="triangle"/>
-          </a:ln>
-        </p:spPr>
-        <p:style>
-          <a:lnRef idx="1">
-            <a:schemeClr val="accent6"/>
-          </a:lnRef>
-          <a:fillRef idx="0">
-            <a:schemeClr val="accent6"/>
-          </a:fillRef>
-          <a:effectRef idx="0">
-            <a:schemeClr val="accent6"/>
-          </a:effectRef>
-          <a:fontRef idx="minor">
-            <a:schemeClr val="tx1"/>
-          </a:fontRef>
-        </p:style>
-      </p:cxnSp>
-      <p:cxnSp>
-        <p:nvCxnSpPr>
-          <p:cNvPr id="19" name="Straight Arrow Connector 18">
-            <a:extLst>
-              <a:ext uri="{FF2B5EF4-FFF2-40B4-BE49-F238E27FC236}">
-                <a16:creationId xmlns:a16="http://schemas.microsoft.com/office/drawing/2014/main" id="{E2D440F0-754C-5042-8B9C-EE0D31BEE65F}"/>
-              </a:ext>
-            </a:extLst>
-          </p:cNvPr>
-          <p:cNvCxnSpPr>
-            <a:cxnSpLocks/>
-          </p:cNvCxnSpPr>
-          <p:nvPr/>
-        </p:nvCxnSpPr>
-        <p:spPr>
-          <a:xfrm flipV="1">
-            <a:off x="9732917" y="3303008"/>
-            <a:ext cx="0" cy="483759"/>
-          </a:xfrm>
-          <a:prstGeom prst="straightConnector1">
-            <a:avLst/>
-          </a:prstGeom>
-          <a:ln>
-            <a:tailEnd type="triangle"/>
-          </a:ln>
-        </p:spPr>
-        <p:style>
-          <a:lnRef idx="1">
-            <a:schemeClr val="accent6"/>
-          </a:lnRef>
-          <a:fillRef idx="0">
-            <a:schemeClr val="accent6"/>
-          </a:fillRef>
-          <a:effectRef idx="0">
-            <a:schemeClr val="accent6"/>
-          </a:effectRef>
-          <a:fontRef idx="minor">
-            <a:schemeClr val="tx1"/>
-          </a:fontRef>
-        </p:style>
-      </p:cxnSp>
-      <p:cxnSp>
-        <p:nvCxnSpPr>
-          <p:cNvPr id="20" name="Straight Arrow Connector 19">
-            <a:extLst>
-              <a:ext uri="{FF2B5EF4-FFF2-40B4-BE49-F238E27FC236}">
-                <a16:creationId xmlns:a16="http://schemas.microsoft.com/office/drawing/2014/main" id="{E0DFE7A5-070B-5C4A-97C4-E9DF540FE663}"/>
-              </a:ext>
-            </a:extLst>
-          </p:cNvPr>
-          <p:cNvCxnSpPr>
-            <a:cxnSpLocks/>
-          </p:cNvCxnSpPr>
-          <p:nvPr/>
-        </p:nvCxnSpPr>
-        <p:spPr>
-          <a:xfrm>
-            <a:off x="9986010" y="3303007"/>
-            <a:ext cx="0" cy="483761"/>
-          </a:xfrm>
-          <a:prstGeom prst="straightConnector1">
-            <a:avLst/>
-          </a:prstGeom>
-          <a:ln>
-            <a:tailEnd type="triangle"/>
-          </a:ln>
-        </p:spPr>
-        <p:style>
-          <a:lnRef idx="1">
-            <a:schemeClr val="accent6"/>
-          </a:lnRef>
-          <a:fillRef idx="0">
-            <a:schemeClr val="accent6"/>
-          </a:fillRef>
-          <a:effectRef idx="0">
-            <a:schemeClr val="accent6"/>
-          </a:effectRef>
-          <a:fontRef idx="minor">
-            <a:schemeClr val="tx1"/>
-          </a:fontRef>
-        </p:style>
-      </p:cxnSp>
-      <p:cxnSp>
-        <p:nvCxnSpPr>
-          <p:cNvPr id="23" name="Straight Arrow Connector 22">
-            <a:extLst>
-              <a:ext uri="{FF2B5EF4-FFF2-40B4-BE49-F238E27FC236}">
-                <a16:creationId xmlns:a16="http://schemas.microsoft.com/office/drawing/2014/main" id="{2F3AD212-909A-6847-AB43-026A4A9E4345}"/>
-              </a:ext>
-            </a:extLst>
-          </p:cNvPr>
-          <p:cNvCxnSpPr>
-            <a:cxnSpLocks/>
-          </p:cNvCxnSpPr>
-          <p:nvPr/>
-        </p:nvCxnSpPr>
-        <p:spPr>
-          <a:xfrm flipV="1">
-            <a:off x="7923167" y="4254707"/>
-            <a:ext cx="0" cy="452175"/>
-          </a:xfrm>
-          <a:prstGeom prst="straightConnector1">
-            <a:avLst/>
-          </a:prstGeom>
-          <a:ln>
-            <a:tailEnd type="triangle"/>
-          </a:ln>
-        </p:spPr>
-        <p:style>
-          <a:lnRef idx="1">
-            <a:schemeClr val="accent6"/>
-          </a:lnRef>
-          <a:fillRef idx="0">
-            <a:schemeClr val="accent6"/>
-          </a:fillRef>
-          <a:effectRef idx="0">
-            <a:schemeClr val="accent6"/>
-          </a:effectRef>
-          <a:fontRef idx="minor">
-            <a:schemeClr val="tx1"/>
-          </a:fontRef>
-        </p:style>
-      </p:cxnSp>
-      <p:cxnSp>
-        <p:nvCxnSpPr>
-          <p:cNvPr id="24" name="Straight Arrow Connector 23">
-            <a:extLst>
-              <a:ext uri="{FF2B5EF4-FFF2-40B4-BE49-F238E27FC236}">
-                <a16:creationId xmlns:a16="http://schemas.microsoft.com/office/drawing/2014/main" id="{FB6E80AF-9140-7D45-BA5F-0C27B22C944A}"/>
-              </a:ext>
-            </a:extLst>
-          </p:cNvPr>
-          <p:cNvCxnSpPr>
-            <a:cxnSpLocks/>
-          </p:cNvCxnSpPr>
-          <p:nvPr/>
-        </p:nvCxnSpPr>
-        <p:spPr>
-          <a:xfrm>
-            <a:off x="8576310" y="4254706"/>
-            <a:ext cx="0" cy="452176"/>
-          </a:xfrm>
-          <a:prstGeom prst="straightConnector1">
-            <a:avLst/>
-          </a:prstGeom>
-          <a:ln>
-            <a:tailEnd type="triangle"/>
-          </a:ln>
-        </p:spPr>
-        <p:style>
-          <a:lnRef idx="1">
-            <a:schemeClr val="accent6"/>
-          </a:lnRef>
-          <a:fillRef idx="0">
-            <a:schemeClr val="accent6"/>
-          </a:fillRef>
-          <a:effectRef idx="0">
-            <a:schemeClr val="accent6"/>
-          </a:effectRef>
-          <a:fontRef idx="minor">
-            <a:schemeClr val="tx1"/>
-          </a:fontRef>
-        </p:style>
-      </p:cxnSp>
-      <p:cxnSp>
-        <p:nvCxnSpPr>
-          <p:cNvPr id="25" name="Straight Arrow Connector 24">
-            <a:extLst>
-              <a:ext uri="{FF2B5EF4-FFF2-40B4-BE49-F238E27FC236}">
-                <a16:creationId xmlns:a16="http://schemas.microsoft.com/office/drawing/2014/main" id="{406FD408-0556-9546-B3CC-BE634CCF3DCE}"/>
-              </a:ext>
-            </a:extLst>
-          </p:cNvPr>
-          <p:cNvCxnSpPr>
-            <a:cxnSpLocks/>
-          </p:cNvCxnSpPr>
-          <p:nvPr/>
-        </p:nvCxnSpPr>
-        <p:spPr>
-          <a:xfrm flipV="1">
-            <a:off x="10037717" y="4254706"/>
-            <a:ext cx="0" cy="483759"/>
-          </a:xfrm>
-          <a:prstGeom prst="straightConnector1">
-            <a:avLst/>
-          </a:prstGeom>
-          <a:ln>
-            <a:tailEnd type="triangle"/>
-          </a:ln>
-        </p:spPr>
-        <p:style>
-          <a:lnRef idx="1">
-            <a:schemeClr val="accent6"/>
-          </a:lnRef>
-          <a:fillRef idx="0">
-            <a:schemeClr val="accent6"/>
-          </a:fillRef>
-          <a:effectRef idx="0">
-            <a:schemeClr val="accent6"/>
-          </a:effectRef>
-          <a:fontRef idx="minor">
-            <a:schemeClr val="tx1"/>
-          </a:fontRef>
-        </p:style>
-      </p:cxnSp>
-      <p:cxnSp>
-        <p:nvCxnSpPr>
-          <p:cNvPr id="26" name="Straight Arrow Connector 25">
-            <a:extLst>
-              <a:ext uri="{FF2B5EF4-FFF2-40B4-BE49-F238E27FC236}">
-                <a16:creationId xmlns:a16="http://schemas.microsoft.com/office/drawing/2014/main" id="{03A934E7-C2EC-8E48-A4A1-EF9D6854FB8A}"/>
-              </a:ext>
-            </a:extLst>
-          </p:cNvPr>
-          <p:cNvCxnSpPr>
-            <a:cxnSpLocks/>
-          </p:cNvCxnSpPr>
-          <p:nvPr/>
-        </p:nvCxnSpPr>
-        <p:spPr>
-          <a:xfrm>
-            <a:off x="10690860" y="4254705"/>
-            <a:ext cx="0" cy="483761"/>
-          </a:xfrm>
-          <a:prstGeom prst="straightConnector1">
-            <a:avLst/>
-          </a:prstGeom>
-          <a:ln>
-            <a:tailEnd type="triangle"/>
-          </a:ln>
-        </p:spPr>
-        <p:style>
-          <a:lnRef idx="1">
-            <a:schemeClr val="accent6"/>
-          </a:lnRef>
-          <a:fillRef idx="0">
-            <a:schemeClr val="accent6"/>
-          </a:fillRef>
-          <a:effectRef idx="0">
-            <a:schemeClr val="accent6"/>
-          </a:effectRef>
-          <a:fontRef idx="minor">
-            <a:schemeClr val="tx1"/>
-          </a:fontRef>
-        </p:style>
-      </p:cxnSp>
     </p:spTree>
     <p:extLst>
       <p:ext uri="{BB962C8B-B14F-4D97-AF65-F5344CB8AC3E}">
-        <p14:creationId xmlns:p14="http://schemas.microsoft.com/office/powerpoint/2010/main" val="374531085"/>
+        <p14:creationId xmlns:p14="http://schemas.microsoft.com/office/powerpoint/2010/main" val="1374369101"/>
       </p:ext>
     </p:extLst>
   </p:cSld>
@@ -17214,18 +19402,18 @@
         <p:spPr>
           <a:xfrm>
             <a:off x="428172" y="1361167"/>
-            <a:ext cx="7504209" cy="5334907"/>
+            <a:ext cx="5787277" cy="5334907"/>
           </a:xfrm>
         </p:spPr>
         <p:txBody>
           <a:bodyPr>
-            <a:normAutofit lnSpcReduction="10000"/>
+            <a:normAutofit/>
           </a:bodyPr>
           <a:lstStyle/>
           <a:p>
             <a:r>
               <a:rPr lang="en-GB" dirty="0"/>
-              <a:t>Exercise 06.02 (medium)</a:t>
+              <a:t>Exercise 06.01 (easy)</a:t>
             </a:r>
           </a:p>
           <a:p>
@@ -17239,7 +19427,7 @@
             </a:r>
             <a:r>
               <a:rPr lang="en-US" dirty="0" err="1"/>
-              <a:t>login_flow</a:t>
+              <a:t>reproduce_structure</a:t>
             </a:r>
             <a:r>
               <a:rPr lang="en-US" dirty="0"/>
@@ -17255,67 +19443,6 @@
             <a:r>
               <a:rPr lang="en-US" dirty="0"/>
               <a:t>Reproduce the app navigation structure on the right using the named routing approach.</a:t>
-            </a:r>
-          </a:p>
-          <a:p>
-            <a:pPr lvl="1"/>
-            <a:endParaRPr lang="en-US" dirty="0"/>
-          </a:p>
-          <a:p>
-            <a:pPr lvl="1"/>
-            <a:r>
-              <a:rPr lang="en-US" dirty="0"/>
-              <a:t>The login page consists of a form with two textboxes (one for the username and the other for the password) and a button. Hint: you can use the widgets</a:t>
-            </a:r>
-          </a:p>
-          <a:p>
-            <a:pPr lvl="1"/>
-            <a:endParaRPr lang="en-US" dirty="0"/>
-          </a:p>
-          <a:p>
-            <a:pPr lvl="1"/>
-            <a:r>
-              <a:rPr lang="en-US" dirty="0"/>
-              <a:t>When the user types “</a:t>
-            </a:r>
-            <a:r>
-              <a:rPr lang="en-US" dirty="0" err="1"/>
-              <a:t>bug@expert.com</a:t>
-            </a:r>
-            <a:r>
-              <a:rPr lang="en-US" dirty="0"/>
-              <a:t>” in the username textbox and “5TrNgP5Wd” in the password textbox, and taps the button, the user is redirected to the Homepage. If the credentials are wrong, a </a:t>
-            </a:r>
-            <a:r>
-              <a:rPr lang="en-US" dirty="0" err="1">
-                <a:latin typeface="Courier" pitchFamily="2" charset="0"/>
-              </a:rPr>
-              <a:t>ScaffoldMessenger</a:t>
-            </a:r>
-            <a:r>
-              <a:rPr lang="en-US" dirty="0"/>
-              <a:t> is showed for 2 seconds saying “Wrong credentials”.   </a:t>
-            </a:r>
-          </a:p>
-          <a:p>
-            <a:pPr lvl="1"/>
-            <a:endParaRPr lang="en-US" dirty="0"/>
-          </a:p>
-          <a:p>
-            <a:pPr lvl="1"/>
-            <a:r>
-              <a:rPr lang="en-US" dirty="0"/>
-              <a:t>The </a:t>
-            </a:r>
-            <a:r>
-              <a:rPr lang="en-US" dirty="0" err="1">
-                <a:latin typeface="Courier" pitchFamily="2" charset="0"/>
-              </a:rPr>
-              <a:t>HomePage</a:t>
-            </a:r>
-            <a:r>
-              <a:rPr lang="en-US" dirty="0"/>
-              <a:t> must show the provided username.</a:t>
             </a:r>
           </a:p>
         </p:txBody>
@@ -17334,7 +19461,7 @@
         </p:nvSpPr>
         <p:spPr>
           <a:xfrm>
-            <a:off x="8708250" y="2009026"/>
+            <a:off x="8452757" y="1914897"/>
             <a:ext cx="1760256" cy="452175"/>
           </a:xfrm>
           <a:prstGeom prst="rect">
@@ -17384,7 +19511,7 @@
         </p:nvSpPr>
         <p:spPr>
           <a:xfrm>
-            <a:off x="8708250" y="2944961"/>
+            <a:off x="8452757" y="2850832"/>
             <a:ext cx="1760256" cy="452175"/>
           </a:xfrm>
           <a:prstGeom prst="rect">
@@ -17420,6 +19547,206 @@
           </a:p>
         </p:txBody>
       </p:sp>
+      <p:sp>
+        <p:nvSpPr>
+          <p:cNvPr id="8" name="Rectangle 7">
+            <a:extLst>
+              <a:ext uri="{FF2B5EF4-FFF2-40B4-BE49-F238E27FC236}">
+                <a16:creationId xmlns:a16="http://schemas.microsoft.com/office/drawing/2014/main" id="{E6C98D65-4CAB-B84C-8419-D74D3B3167A8}"/>
+              </a:ext>
+            </a:extLst>
+          </p:cNvPr>
+          <p:cNvSpPr/>
+          <p:nvPr/>
+        </p:nvSpPr>
+        <p:spPr>
+          <a:xfrm>
+            <a:off x="7429817" y="3802532"/>
+            <a:ext cx="1760256" cy="452175"/>
+          </a:xfrm>
+          <a:prstGeom prst="rect">
+            <a:avLst/>
+          </a:prstGeom>
+          <a:ln w="28575"/>
+        </p:spPr>
+        <p:style>
+          <a:lnRef idx="2">
+            <a:schemeClr val="accent6"/>
+          </a:lnRef>
+          <a:fillRef idx="1">
+            <a:schemeClr val="lt1"/>
+          </a:fillRef>
+          <a:effectRef idx="0">
+            <a:schemeClr val="accent6"/>
+          </a:effectRef>
+          <a:fontRef idx="minor">
+            <a:schemeClr val="dk1"/>
+          </a:fontRef>
+        </p:style>
+        <p:txBody>
+          <a:bodyPr rtlCol="0" anchor="ctr"/>
+          <a:lstStyle/>
+          <a:p>
+            <a:pPr algn="ctr"/>
+            <a:r>
+              <a:rPr lang="en-IT" dirty="0">
+                <a:latin typeface="Courier" pitchFamily="2" charset="0"/>
+              </a:rPr>
+              <a:t>ProfilePage</a:t>
+            </a:r>
+          </a:p>
+        </p:txBody>
+      </p:sp>
+      <p:sp>
+        <p:nvSpPr>
+          <p:cNvPr id="9" name="Rectangle 8">
+            <a:extLst>
+              <a:ext uri="{FF2B5EF4-FFF2-40B4-BE49-F238E27FC236}">
+                <a16:creationId xmlns:a16="http://schemas.microsoft.com/office/drawing/2014/main" id="{3EFAFEAB-15F5-A347-A171-BEDCFE4C3825}"/>
+              </a:ext>
+            </a:extLst>
+          </p:cNvPr>
+          <p:cNvSpPr/>
+          <p:nvPr/>
+        </p:nvSpPr>
+        <p:spPr>
+          <a:xfrm>
+            <a:off x="9472365" y="4738464"/>
+            <a:ext cx="2000286" cy="452175"/>
+          </a:xfrm>
+          <a:prstGeom prst="rect">
+            <a:avLst/>
+          </a:prstGeom>
+          <a:ln w="28575"/>
+        </p:spPr>
+        <p:style>
+          <a:lnRef idx="2">
+            <a:schemeClr val="accent6"/>
+          </a:lnRef>
+          <a:fillRef idx="1">
+            <a:schemeClr val="lt1"/>
+          </a:fillRef>
+          <a:effectRef idx="0">
+            <a:schemeClr val="accent6"/>
+          </a:effectRef>
+          <a:fontRef idx="minor">
+            <a:schemeClr val="dk1"/>
+          </a:fontRef>
+        </p:style>
+        <p:txBody>
+          <a:bodyPr rtlCol="0" anchor="ctr"/>
+          <a:lstStyle/>
+          <a:p>
+            <a:pPr algn="ctr"/>
+            <a:r>
+              <a:rPr lang="en-IT" dirty="0">
+                <a:latin typeface="Courier" pitchFamily="2" charset="0"/>
+              </a:rPr>
+              <a:t>EditEventPage</a:t>
+            </a:r>
+          </a:p>
+        </p:txBody>
+      </p:sp>
+      <p:sp>
+        <p:nvSpPr>
+          <p:cNvPr id="10" name="Rectangle 9">
+            <a:extLst>
+              <a:ext uri="{FF2B5EF4-FFF2-40B4-BE49-F238E27FC236}">
+                <a16:creationId xmlns:a16="http://schemas.microsoft.com/office/drawing/2014/main" id="{F5E25B9F-C10C-C647-8007-6D80A539C9A2}"/>
+              </a:ext>
+            </a:extLst>
+          </p:cNvPr>
+          <p:cNvSpPr/>
+          <p:nvPr/>
+        </p:nvSpPr>
+        <p:spPr>
+          <a:xfrm>
+            <a:off x="9472365" y="3802532"/>
+            <a:ext cx="1885155" cy="452175"/>
+          </a:xfrm>
+          <a:prstGeom prst="rect">
+            <a:avLst/>
+          </a:prstGeom>
+          <a:ln w="28575"/>
+        </p:spPr>
+        <p:style>
+          <a:lnRef idx="2">
+            <a:schemeClr val="accent6"/>
+          </a:lnRef>
+          <a:fillRef idx="1">
+            <a:schemeClr val="lt1"/>
+          </a:fillRef>
+          <a:effectRef idx="0">
+            <a:schemeClr val="accent6"/>
+          </a:effectRef>
+          <a:fontRef idx="minor">
+            <a:schemeClr val="dk1"/>
+          </a:fontRef>
+        </p:style>
+        <p:txBody>
+          <a:bodyPr rtlCol="0" anchor="ctr"/>
+          <a:lstStyle/>
+          <a:p>
+            <a:pPr algn="ctr"/>
+            <a:r>
+              <a:rPr lang="en-IT" dirty="0">
+                <a:latin typeface="Courier" pitchFamily="2" charset="0"/>
+              </a:rPr>
+              <a:t>CalendarPage</a:t>
+            </a:r>
+          </a:p>
+        </p:txBody>
+      </p:sp>
+      <p:sp>
+        <p:nvSpPr>
+          <p:cNvPr id="11" name="Rectangle 10">
+            <a:extLst>
+              <a:ext uri="{FF2B5EF4-FFF2-40B4-BE49-F238E27FC236}">
+                <a16:creationId xmlns:a16="http://schemas.microsoft.com/office/drawing/2014/main" id="{A5CC1CBB-CDD3-D940-8578-D95C7B635C8C}"/>
+              </a:ext>
+            </a:extLst>
+          </p:cNvPr>
+          <p:cNvSpPr/>
+          <p:nvPr/>
+        </p:nvSpPr>
+        <p:spPr>
+          <a:xfrm>
+            <a:off x="6824588" y="4706882"/>
+            <a:ext cx="2415812" cy="452175"/>
+          </a:xfrm>
+          <a:prstGeom prst="rect">
+            <a:avLst/>
+          </a:prstGeom>
+          <a:ln w="28575"/>
+        </p:spPr>
+        <p:style>
+          <a:lnRef idx="2">
+            <a:schemeClr val="accent6"/>
+          </a:lnRef>
+          <a:fillRef idx="1">
+            <a:schemeClr val="lt1"/>
+          </a:fillRef>
+          <a:effectRef idx="0">
+            <a:schemeClr val="accent6"/>
+          </a:effectRef>
+          <a:fontRef idx="minor">
+            <a:schemeClr val="dk1"/>
+          </a:fontRef>
+        </p:style>
+        <p:txBody>
+          <a:bodyPr rtlCol="0" anchor="ctr"/>
+          <a:lstStyle/>
+          <a:p>
+            <a:pPr algn="ctr"/>
+            <a:r>
+              <a:rPr lang="en-IT" dirty="0">
+                <a:latin typeface="Courier" pitchFamily="2" charset="0"/>
+              </a:rPr>
+              <a:t>EditProfilePage</a:t>
+            </a:r>
+          </a:p>
+        </p:txBody>
+      </p:sp>
       <p:cxnSp>
         <p:nvCxnSpPr>
           <p:cNvPr id="12" name="Straight Arrow Connector 11">
@@ -17436,7 +19763,7 @@
         </p:nvCxnSpPr>
         <p:spPr>
           <a:xfrm flipV="1">
-            <a:off x="9294990" y="2461202"/>
+            <a:off x="9039497" y="2367073"/>
             <a:ext cx="0" cy="483759"/>
           </a:xfrm>
           <a:prstGeom prst="straightConnector1">
@@ -17477,7 +19804,7 @@
         </p:nvCxnSpPr>
         <p:spPr>
           <a:xfrm>
-            <a:off x="9948133" y="2461201"/>
+            <a:off x="9692640" y="2367072"/>
             <a:ext cx="0" cy="483761"/>
           </a:xfrm>
           <a:prstGeom prst="straightConnector1">
@@ -17502,10 +19829,338 @@
           </a:fontRef>
         </p:style>
       </p:cxnSp>
+      <p:cxnSp>
+        <p:nvCxnSpPr>
+          <p:cNvPr id="17" name="Straight Arrow Connector 16">
+            <a:extLst>
+              <a:ext uri="{FF2B5EF4-FFF2-40B4-BE49-F238E27FC236}">
+                <a16:creationId xmlns:a16="http://schemas.microsoft.com/office/drawing/2014/main" id="{27949AA7-E049-F04C-B70F-BD310DA8CD21}"/>
+              </a:ext>
+            </a:extLst>
+          </p:cNvPr>
+          <p:cNvCxnSpPr>
+            <a:cxnSpLocks/>
+          </p:cNvCxnSpPr>
+          <p:nvPr/>
+        </p:nvCxnSpPr>
+        <p:spPr>
+          <a:xfrm flipV="1">
+            <a:off x="8654687" y="3318773"/>
+            <a:ext cx="0" cy="483759"/>
+          </a:xfrm>
+          <a:prstGeom prst="straightConnector1">
+            <a:avLst/>
+          </a:prstGeom>
+          <a:ln>
+            <a:tailEnd type="triangle"/>
+          </a:ln>
+        </p:spPr>
+        <p:style>
+          <a:lnRef idx="1">
+            <a:schemeClr val="accent6"/>
+          </a:lnRef>
+          <a:fillRef idx="0">
+            <a:schemeClr val="accent6"/>
+          </a:fillRef>
+          <a:effectRef idx="0">
+            <a:schemeClr val="accent6"/>
+          </a:effectRef>
+          <a:fontRef idx="minor">
+            <a:schemeClr val="tx1"/>
+          </a:fontRef>
+        </p:style>
+      </p:cxnSp>
+      <p:cxnSp>
+        <p:nvCxnSpPr>
+          <p:cNvPr id="18" name="Straight Arrow Connector 17">
+            <a:extLst>
+              <a:ext uri="{FF2B5EF4-FFF2-40B4-BE49-F238E27FC236}">
+                <a16:creationId xmlns:a16="http://schemas.microsoft.com/office/drawing/2014/main" id="{13190F5F-4C7C-DC49-972F-8A26B4AFCA49}"/>
+              </a:ext>
+            </a:extLst>
+          </p:cNvPr>
+          <p:cNvCxnSpPr>
+            <a:cxnSpLocks/>
+          </p:cNvCxnSpPr>
+          <p:nvPr/>
+        </p:nvCxnSpPr>
+        <p:spPr>
+          <a:xfrm>
+            <a:off x="8907780" y="3318772"/>
+            <a:ext cx="0" cy="483761"/>
+          </a:xfrm>
+          <a:prstGeom prst="straightConnector1">
+            <a:avLst/>
+          </a:prstGeom>
+          <a:ln>
+            <a:tailEnd type="triangle"/>
+          </a:ln>
+        </p:spPr>
+        <p:style>
+          <a:lnRef idx="1">
+            <a:schemeClr val="accent6"/>
+          </a:lnRef>
+          <a:fillRef idx="0">
+            <a:schemeClr val="accent6"/>
+          </a:fillRef>
+          <a:effectRef idx="0">
+            <a:schemeClr val="accent6"/>
+          </a:effectRef>
+          <a:fontRef idx="minor">
+            <a:schemeClr val="tx1"/>
+          </a:fontRef>
+        </p:style>
+      </p:cxnSp>
+      <p:cxnSp>
+        <p:nvCxnSpPr>
+          <p:cNvPr id="19" name="Straight Arrow Connector 18">
+            <a:extLst>
+              <a:ext uri="{FF2B5EF4-FFF2-40B4-BE49-F238E27FC236}">
+                <a16:creationId xmlns:a16="http://schemas.microsoft.com/office/drawing/2014/main" id="{E2D440F0-754C-5042-8B9C-EE0D31BEE65F}"/>
+              </a:ext>
+            </a:extLst>
+          </p:cNvPr>
+          <p:cNvCxnSpPr>
+            <a:cxnSpLocks/>
+          </p:cNvCxnSpPr>
+          <p:nvPr/>
+        </p:nvCxnSpPr>
+        <p:spPr>
+          <a:xfrm flipV="1">
+            <a:off x="9732917" y="3303008"/>
+            <a:ext cx="0" cy="483759"/>
+          </a:xfrm>
+          <a:prstGeom prst="straightConnector1">
+            <a:avLst/>
+          </a:prstGeom>
+          <a:ln>
+            <a:tailEnd type="triangle"/>
+          </a:ln>
+        </p:spPr>
+        <p:style>
+          <a:lnRef idx="1">
+            <a:schemeClr val="accent6"/>
+          </a:lnRef>
+          <a:fillRef idx="0">
+            <a:schemeClr val="accent6"/>
+          </a:fillRef>
+          <a:effectRef idx="0">
+            <a:schemeClr val="accent6"/>
+          </a:effectRef>
+          <a:fontRef idx="minor">
+            <a:schemeClr val="tx1"/>
+          </a:fontRef>
+        </p:style>
+      </p:cxnSp>
+      <p:cxnSp>
+        <p:nvCxnSpPr>
+          <p:cNvPr id="20" name="Straight Arrow Connector 19">
+            <a:extLst>
+              <a:ext uri="{FF2B5EF4-FFF2-40B4-BE49-F238E27FC236}">
+                <a16:creationId xmlns:a16="http://schemas.microsoft.com/office/drawing/2014/main" id="{E0DFE7A5-070B-5C4A-97C4-E9DF540FE663}"/>
+              </a:ext>
+            </a:extLst>
+          </p:cNvPr>
+          <p:cNvCxnSpPr>
+            <a:cxnSpLocks/>
+          </p:cNvCxnSpPr>
+          <p:nvPr/>
+        </p:nvCxnSpPr>
+        <p:spPr>
+          <a:xfrm>
+            <a:off x="9986010" y="3303007"/>
+            <a:ext cx="0" cy="483761"/>
+          </a:xfrm>
+          <a:prstGeom prst="straightConnector1">
+            <a:avLst/>
+          </a:prstGeom>
+          <a:ln>
+            <a:tailEnd type="triangle"/>
+          </a:ln>
+        </p:spPr>
+        <p:style>
+          <a:lnRef idx="1">
+            <a:schemeClr val="accent6"/>
+          </a:lnRef>
+          <a:fillRef idx="0">
+            <a:schemeClr val="accent6"/>
+          </a:fillRef>
+          <a:effectRef idx="0">
+            <a:schemeClr val="accent6"/>
+          </a:effectRef>
+          <a:fontRef idx="minor">
+            <a:schemeClr val="tx1"/>
+          </a:fontRef>
+        </p:style>
+      </p:cxnSp>
+      <p:cxnSp>
+        <p:nvCxnSpPr>
+          <p:cNvPr id="23" name="Straight Arrow Connector 22">
+            <a:extLst>
+              <a:ext uri="{FF2B5EF4-FFF2-40B4-BE49-F238E27FC236}">
+                <a16:creationId xmlns:a16="http://schemas.microsoft.com/office/drawing/2014/main" id="{2F3AD212-909A-6847-AB43-026A4A9E4345}"/>
+              </a:ext>
+            </a:extLst>
+          </p:cNvPr>
+          <p:cNvCxnSpPr>
+            <a:cxnSpLocks/>
+          </p:cNvCxnSpPr>
+          <p:nvPr/>
+        </p:nvCxnSpPr>
+        <p:spPr>
+          <a:xfrm flipV="1">
+            <a:off x="7923167" y="4254707"/>
+            <a:ext cx="0" cy="452175"/>
+          </a:xfrm>
+          <a:prstGeom prst="straightConnector1">
+            <a:avLst/>
+          </a:prstGeom>
+          <a:ln>
+            <a:tailEnd type="triangle"/>
+          </a:ln>
+        </p:spPr>
+        <p:style>
+          <a:lnRef idx="1">
+            <a:schemeClr val="accent6"/>
+          </a:lnRef>
+          <a:fillRef idx="0">
+            <a:schemeClr val="accent6"/>
+          </a:fillRef>
+          <a:effectRef idx="0">
+            <a:schemeClr val="accent6"/>
+          </a:effectRef>
+          <a:fontRef idx="minor">
+            <a:schemeClr val="tx1"/>
+          </a:fontRef>
+        </p:style>
+      </p:cxnSp>
+      <p:cxnSp>
+        <p:nvCxnSpPr>
+          <p:cNvPr id="24" name="Straight Arrow Connector 23">
+            <a:extLst>
+              <a:ext uri="{FF2B5EF4-FFF2-40B4-BE49-F238E27FC236}">
+                <a16:creationId xmlns:a16="http://schemas.microsoft.com/office/drawing/2014/main" id="{FB6E80AF-9140-7D45-BA5F-0C27B22C944A}"/>
+              </a:ext>
+            </a:extLst>
+          </p:cNvPr>
+          <p:cNvCxnSpPr>
+            <a:cxnSpLocks/>
+          </p:cNvCxnSpPr>
+          <p:nvPr/>
+        </p:nvCxnSpPr>
+        <p:spPr>
+          <a:xfrm>
+            <a:off x="8576310" y="4254706"/>
+            <a:ext cx="0" cy="452176"/>
+          </a:xfrm>
+          <a:prstGeom prst="straightConnector1">
+            <a:avLst/>
+          </a:prstGeom>
+          <a:ln>
+            <a:tailEnd type="triangle"/>
+          </a:ln>
+        </p:spPr>
+        <p:style>
+          <a:lnRef idx="1">
+            <a:schemeClr val="accent6"/>
+          </a:lnRef>
+          <a:fillRef idx="0">
+            <a:schemeClr val="accent6"/>
+          </a:fillRef>
+          <a:effectRef idx="0">
+            <a:schemeClr val="accent6"/>
+          </a:effectRef>
+          <a:fontRef idx="minor">
+            <a:schemeClr val="tx1"/>
+          </a:fontRef>
+        </p:style>
+      </p:cxnSp>
+      <p:cxnSp>
+        <p:nvCxnSpPr>
+          <p:cNvPr id="25" name="Straight Arrow Connector 24">
+            <a:extLst>
+              <a:ext uri="{FF2B5EF4-FFF2-40B4-BE49-F238E27FC236}">
+                <a16:creationId xmlns:a16="http://schemas.microsoft.com/office/drawing/2014/main" id="{406FD408-0556-9546-B3CC-BE634CCF3DCE}"/>
+              </a:ext>
+            </a:extLst>
+          </p:cNvPr>
+          <p:cNvCxnSpPr>
+            <a:cxnSpLocks/>
+          </p:cNvCxnSpPr>
+          <p:nvPr/>
+        </p:nvCxnSpPr>
+        <p:spPr>
+          <a:xfrm flipV="1">
+            <a:off x="10037717" y="4254706"/>
+            <a:ext cx="0" cy="483759"/>
+          </a:xfrm>
+          <a:prstGeom prst="straightConnector1">
+            <a:avLst/>
+          </a:prstGeom>
+          <a:ln>
+            <a:tailEnd type="triangle"/>
+          </a:ln>
+        </p:spPr>
+        <p:style>
+          <a:lnRef idx="1">
+            <a:schemeClr val="accent6"/>
+          </a:lnRef>
+          <a:fillRef idx="0">
+            <a:schemeClr val="accent6"/>
+          </a:fillRef>
+          <a:effectRef idx="0">
+            <a:schemeClr val="accent6"/>
+          </a:effectRef>
+          <a:fontRef idx="minor">
+            <a:schemeClr val="tx1"/>
+          </a:fontRef>
+        </p:style>
+      </p:cxnSp>
+      <p:cxnSp>
+        <p:nvCxnSpPr>
+          <p:cNvPr id="26" name="Straight Arrow Connector 25">
+            <a:extLst>
+              <a:ext uri="{FF2B5EF4-FFF2-40B4-BE49-F238E27FC236}">
+                <a16:creationId xmlns:a16="http://schemas.microsoft.com/office/drawing/2014/main" id="{03A934E7-C2EC-8E48-A4A1-EF9D6854FB8A}"/>
+              </a:ext>
+            </a:extLst>
+          </p:cNvPr>
+          <p:cNvCxnSpPr>
+            <a:cxnSpLocks/>
+          </p:cNvCxnSpPr>
+          <p:nvPr/>
+        </p:nvCxnSpPr>
+        <p:spPr>
+          <a:xfrm>
+            <a:off x="10690860" y="4254705"/>
+            <a:ext cx="0" cy="483761"/>
+          </a:xfrm>
+          <a:prstGeom prst="straightConnector1">
+            <a:avLst/>
+          </a:prstGeom>
+          <a:ln>
+            <a:tailEnd type="triangle"/>
+          </a:ln>
+        </p:spPr>
+        <p:style>
+          <a:lnRef idx="1">
+            <a:schemeClr val="accent6"/>
+          </a:lnRef>
+          <a:fillRef idx="0">
+            <a:schemeClr val="accent6"/>
+          </a:fillRef>
+          <a:effectRef idx="0">
+            <a:schemeClr val="accent6"/>
+          </a:effectRef>
+          <a:fontRef idx="minor">
+            <a:schemeClr val="tx1"/>
+          </a:fontRef>
+        </p:style>
+      </p:cxnSp>
     </p:spTree>
     <p:extLst>
       <p:ext uri="{BB962C8B-B14F-4D97-AF65-F5344CB8AC3E}">
-        <p14:creationId xmlns:p14="http://schemas.microsoft.com/office/powerpoint/2010/main" val="1646514777"/>
+        <p14:creationId xmlns:p14="http://schemas.microsoft.com/office/powerpoint/2010/main" val="374531085"/>
       </p:ext>
     </p:extLst>
   </p:cSld>
@@ -17578,19 +20233,19 @@
         </p:nvSpPr>
         <p:spPr>
           <a:xfrm>
-            <a:off x="428173" y="1361167"/>
-            <a:ext cx="3835217" cy="5334907"/>
+            <a:off x="428172" y="1361167"/>
+            <a:ext cx="7504209" cy="5334907"/>
           </a:xfrm>
         </p:spPr>
         <p:txBody>
           <a:bodyPr>
-            <a:normAutofit/>
+            <a:normAutofit lnSpcReduction="10000"/>
           </a:bodyPr>
           <a:lstStyle/>
           <a:p>
             <a:r>
               <a:rPr lang="en-GB" dirty="0"/>
-              <a:t>Exercise 06.03 (medium) </a:t>
+              <a:t>Exercise 06.02 (medium)</a:t>
             </a:r>
           </a:p>
           <a:p>
@@ -17600,17 +20255,15 @@
             <a:pPr lvl="1"/>
             <a:r>
               <a:rPr lang="en-US" dirty="0"/>
-              <a:t>Follow the cookbook </a:t>
-            </a:r>
-            <a:r>
-              <a:rPr lang="en-US" dirty="0">
-                <a:hlinkClick r:id="rId2"/>
-              </a:rPr>
-              <a:t>https://docs.flutter.dev/cookbook/navigation/passing-data</a:t>
+              <a:t>Create a new project ‘</a:t>
+            </a:r>
+            <a:r>
+              <a:rPr lang="en-US" dirty="0" err="1"/>
+              <a:t>login_flow</a:t>
             </a:r>
             <a:r>
               <a:rPr lang="en-US" dirty="0"/>
-              <a:t> by the Flutter team to learn how to pass data to a route directly to its constructor.</a:t>
+              <a:t>’</a:t>
             </a:r>
           </a:p>
           <a:p>
@@ -17621,93 +20274,178 @@
             <a:pPr lvl="1"/>
             <a:r>
               <a:rPr lang="en-US" dirty="0"/>
-              <a:t>(solution available from the Flutter team in the cookbook)</a:t>
+              <a:t>Reproduce the app navigation structure on the right using the named routing approach.</a:t>
             </a:r>
           </a:p>
           <a:p>
             <a:pPr lvl="1"/>
             <a:endParaRPr lang="en-US" dirty="0"/>
           </a:p>
+          <a:p>
+            <a:pPr lvl="1"/>
+            <a:r>
+              <a:rPr lang="en-US" dirty="0"/>
+              <a:t>The login page consists of a form with two textboxes (one for the username and the other for the password) and a button. Hint: you can use the widgets</a:t>
+            </a:r>
+          </a:p>
+          <a:p>
+            <a:pPr lvl="1"/>
+            <a:endParaRPr lang="en-US" dirty="0"/>
+          </a:p>
+          <a:p>
+            <a:pPr lvl="1"/>
+            <a:r>
+              <a:rPr lang="en-US" dirty="0"/>
+              <a:t>When the user types “</a:t>
+            </a:r>
+            <a:r>
+              <a:rPr lang="en-US" dirty="0" err="1"/>
+              <a:t>bug@expert.com</a:t>
+            </a:r>
+            <a:r>
+              <a:rPr lang="en-US" dirty="0"/>
+              <a:t>” in the username textbox and “5TrNgP5Wd” in the password textbox, and taps the button, the user is redirected to the Homepage. If the credentials are wrong, a </a:t>
+            </a:r>
+            <a:r>
+              <a:rPr lang="en-US" dirty="0" err="1">
+                <a:latin typeface="Courier" pitchFamily="2" charset="0"/>
+              </a:rPr>
+              <a:t>ScaffoldMessenger</a:t>
+            </a:r>
+            <a:r>
+              <a:rPr lang="en-US" dirty="0"/>
+              <a:t> is showed for 2 seconds saying “Wrong credentials”.   </a:t>
+            </a:r>
+          </a:p>
+          <a:p>
+            <a:pPr lvl="1"/>
+            <a:endParaRPr lang="en-US" dirty="0"/>
+          </a:p>
+          <a:p>
+            <a:pPr lvl="1"/>
+            <a:r>
+              <a:rPr lang="en-US" dirty="0"/>
+              <a:t>The </a:t>
+            </a:r>
+            <a:r>
+              <a:rPr lang="en-US" dirty="0" err="1">
+                <a:latin typeface="Courier" pitchFamily="2" charset="0"/>
+              </a:rPr>
+              <a:t>HomePage</a:t>
+            </a:r>
+            <a:r>
+              <a:rPr lang="en-US" dirty="0"/>
+              <a:t> must show the provided username.</a:t>
+            </a:r>
+          </a:p>
         </p:txBody>
       </p:sp>
-      <p:pic>
-        <p:nvPicPr>
-          <p:cNvPr id="9" name="Picture 8" descr="Table&#10;&#10;Description automatically generated">
-            <a:extLst>
-              <a:ext uri="{FF2B5EF4-FFF2-40B4-BE49-F238E27FC236}">
-                <a16:creationId xmlns:a16="http://schemas.microsoft.com/office/drawing/2014/main" id="{B931B8C3-031A-CC42-A8B1-D9D3EE491B13}"/>
-              </a:ext>
-            </a:extLst>
-          </p:cNvPr>
-          <p:cNvPicPr>
-            <a:picLocks noChangeAspect="1"/>
-          </p:cNvPicPr>
+      <p:sp>
+        <p:nvSpPr>
+          <p:cNvPr id="5" name="Rectangle 4">
+            <a:extLst>
+              <a:ext uri="{FF2B5EF4-FFF2-40B4-BE49-F238E27FC236}">
+                <a16:creationId xmlns:a16="http://schemas.microsoft.com/office/drawing/2014/main" id="{F43C729A-7A00-C248-89B9-49537842BCA2}"/>
+              </a:ext>
+            </a:extLst>
+          </p:cNvPr>
+          <p:cNvSpPr/>
           <p:nvPr/>
-        </p:nvPicPr>
-        <p:blipFill>
-          <a:blip r:embed="rId3">
-            <a:extLst>
-              <a:ext uri="{28A0092B-C50C-407E-A947-70E740481C1C}">
-                <a14:useLocalDpi xmlns:a14="http://schemas.microsoft.com/office/drawing/2010/main" val="0"/>
-              </a:ext>
-            </a:extLst>
-          </a:blip>
-          <a:stretch>
-            <a:fillRect/>
-          </a:stretch>
-        </p:blipFill>
+        </p:nvSpPr>
         <p:spPr>
           <a:xfrm>
-            <a:off x="5335270" y="1776460"/>
-            <a:ext cx="2735580" cy="3793539"/>
+            <a:off x="8708250" y="2009026"/>
+            <a:ext cx="1760256" cy="452175"/>
           </a:xfrm>
           <a:prstGeom prst="rect">
             <a:avLst/>
           </a:prstGeom>
+          <a:ln w="28575"/>
         </p:spPr>
-      </p:pic>
-      <p:pic>
-        <p:nvPicPr>
-          <p:cNvPr id="11" name="Picture 10" descr="Text&#10;&#10;Description automatically generated with low confidence">
-            <a:extLst>
-              <a:ext uri="{FF2B5EF4-FFF2-40B4-BE49-F238E27FC236}">
-                <a16:creationId xmlns:a16="http://schemas.microsoft.com/office/drawing/2014/main" id="{49A45043-7485-2F4D-85DD-70808F98E2E3}"/>
-              </a:ext>
-            </a:extLst>
-          </p:cNvPr>
-          <p:cNvPicPr>
-            <a:picLocks noChangeAspect="1"/>
-          </p:cNvPicPr>
+        <p:style>
+          <a:lnRef idx="2">
+            <a:schemeClr val="accent6"/>
+          </a:lnRef>
+          <a:fillRef idx="1">
+            <a:schemeClr val="lt1"/>
+          </a:fillRef>
+          <a:effectRef idx="0">
+            <a:schemeClr val="accent6"/>
+          </a:effectRef>
+          <a:fontRef idx="minor">
+            <a:schemeClr val="dk1"/>
+          </a:fontRef>
+        </p:style>
+        <p:txBody>
+          <a:bodyPr rtlCol="0" anchor="ctr"/>
+          <a:lstStyle/>
+          <a:p>
+            <a:pPr algn="ctr"/>
+            <a:r>
+              <a:rPr lang="en-IT" dirty="0">
+                <a:latin typeface="Courier" pitchFamily="2" charset="0"/>
+              </a:rPr>
+              <a:t>LoginPage</a:t>
+            </a:r>
+          </a:p>
+        </p:txBody>
+      </p:sp>
+      <p:sp>
+        <p:nvSpPr>
+          <p:cNvPr id="7" name="Rectangle 6">
+            <a:extLst>
+              <a:ext uri="{FF2B5EF4-FFF2-40B4-BE49-F238E27FC236}">
+                <a16:creationId xmlns:a16="http://schemas.microsoft.com/office/drawing/2014/main" id="{6421DB30-3370-FD48-AC07-F3F0CE007AB0}"/>
+              </a:ext>
+            </a:extLst>
+          </p:cNvPr>
+          <p:cNvSpPr/>
           <p:nvPr/>
-        </p:nvPicPr>
-        <p:blipFill>
-          <a:blip r:embed="rId4">
-            <a:extLst>
-              <a:ext uri="{28A0092B-C50C-407E-A947-70E740481C1C}">
-                <a14:useLocalDpi xmlns:a14="http://schemas.microsoft.com/office/drawing/2010/main" val="0"/>
-              </a:ext>
-            </a:extLst>
-          </a:blip>
-          <a:stretch>
-            <a:fillRect/>
-          </a:stretch>
-        </p:blipFill>
+        </p:nvSpPr>
         <p:spPr>
           <a:xfrm>
-            <a:off x="8488680" y="1776460"/>
-            <a:ext cx="2735580" cy="3744230"/>
+            <a:off x="8708250" y="2944961"/>
+            <a:ext cx="1760256" cy="452175"/>
           </a:xfrm>
           <a:prstGeom prst="rect">
             <a:avLst/>
           </a:prstGeom>
+          <a:ln w="28575"/>
         </p:spPr>
-      </p:pic>
+        <p:style>
+          <a:lnRef idx="2">
+            <a:schemeClr val="accent6"/>
+          </a:lnRef>
+          <a:fillRef idx="1">
+            <a:schemeClr val="lt1"/>
+          </a:fillRef>
+          <a:effectRef idx="0">
+            <a:schemeClr val="accent6"/>
+          </a:effectRef>
+          <a:fontRef idx="minor">
+            <a:schemeClr val="dk1"/>
+          </a:fontRef>
+        </p:style>
+        <p:txBody>
+          <a:bodyPr rtlCol="0" anchor="ctr"/>
+          <a:lstStyle/>
+          <a:p>
+            <a:pPr algn="ctr"/>
+            <a:r>
+              <a:rPr lang="en-IT" dirty="0">
+                <a:latin typeface="Courier" pitchFamily="2" charset="0"/>
+              </a:rPr>
+              <a:t>HomePage</a:t>
+            </a:r>
+          </a:p>
+        </p:txBody>
+      </p:sp>
       <p:cxnSp>
         <p:nvCxnSpPr>
-          <p:cNvPr id="15" name="Straight Arrow Connector 14">
-            <a:extLst>
-              <a:ext uri="{FF2B5EF4-FFF2-40B4-BE49-F238E27FC236}">
-                <a16:creationId xmlns:a16="http://schemas.microsoft.com/office/drawing/2014/main" id="{D30D77EA-26C0-8243-9FDF-E1F796E4D448}"/>
+          <p:cNvPr id="12" name="Straight Arrow Connector 11">
+            <a:extLst>
+              <a:ext uri="{FF2B5EF4-FFF2-40B4-BE49-F238E27FC236}">
+                <a16:creationId xmlns:a16="http://schemas.microsoft.com/office/drawing/2014/main" id="{A69F225E-8A04-A341-B114-5139B0EE971F}"/>
               </a:ext>
             </a:extLst>
           </p:cNvPr>
@@ -17718,13 +20456,13 @@
         </p:nvCxnSpPr>
         <p:spPr>
           <a:xfrm flipV="1">
-            <a:off x="7680960" y="2434590"/>
-            <a:ext cx="1600200" cy="640081"/>
+            <a:off x="9294990" y="2461202"/>
+            <a:ext cx="0" cy="483759"/>
           </a:xfrm>
           <a:prstGeom prst="straightConnector1">
             <a:avLst/>
           </a:prstGeom>
-          <a:ln w="38100">
+          <a:ln>
             <a:tailEnd type="triangle"/>
           </a:ln>
         </p:spPr>
@@ -17745,10 +20483,10 @@
       </p:cxnSp>
       <p:cxnSp>
         <p:nvCxnSpPr>
-          <p:cNvPr id="17" name="Straight Arrow Connector 16">
-            <a:extLst>
-              <a:ext uri="{FF2B5EF4-FFF2-40B4-BE49-F238E27FC236}">
-                <a16:creationId xmlns:a16="http://schemas.microsoft.com/office/drawing/2014/main" id="{19887961-70C4-9348-9977-B1D5A714FD76}"/>
+          <p:cNvPr id="14" name="Straight Arrow Connector 13">
+            <a:extLst>
+              <a:ext uri="{FF2B5EF4-FFF2-40B4-BE49-F238E27FC236}">
+                <a16:creationId xmlns:a16="http://schemas.microsoft.com/office/drawing/2014/main" id="{1516A1D1-461C-494C-A59E-87CD8EBBA963}"/>
               </a:ext>
             </a:extLst>
           </p:cNvPr>
@@ -17758,14 +20496,14 @@
           <p:nvPr/>
         </p:nvCxnSpPr>
         <p:spPr>
-          <a:xfrm flipH="1">
-            <a:off x="7338060" y="2045970"/>
-            <a:ext cx="1234440" cy="0"/>
+          <a:xfrm>
+            <a:off x="9948133" y="2461201"/>
+            <a:ext cx="0" cy="483761"/>
           </a:xfrm>
           <a:prstGeom prst="straightConnector1">
             <a:avLst/>
           </a:prstGeom>
-          <a:ln w="38100">
+          <a:ln>
             <a:tailEnd type="triangle"/>
           </a:ln>
         </p:spPr>
@@ -17787,7 +20525,7 @@
     </p:spTree>
     <p:extLst>
       <p:ext uri="{BB962C8B-B14F-4D97-AF65-F5344CB8AC3E}">
-        <p14:creationId xmlns:p14="http://schemas.microsoft.com/office/powerpoint/2010/main" val="1053411705"/>
+        <p14:creationId xmlns:p14="http://schemas.microsoft.com/office/powerpoint/2010/main" val="1646514777"/>
       </p:ext>
     </p:extLst>
   </p:cSld>
@@ -17837,7 +20575,7 @@
           <a:p>
             <a:r>
               <a:rPr lang="en-IT" dirty="0"/>
-              <a:t>Outline</a:t>
+              <a:t>Exercise</a:t>
             </a:r>
           </a:p>
         </p:txBody>
@@ -17860,8 +20598,8 @@
         </p:nvSpPr>
         <p:spPr>
           <a:xfrm>
-            <a:off x="428172" y="1361167"/>
-            <a:ext cx="11213368" cy="5334907"/>
+            <a:off x="428173" y="1361167"/>
+            <a:ext cx="3835217" cy="5334907"/>
           </a:xfrm>
         </p:spPr>
         <p:txBody>
@@ -17871,112 +20609,205 @@
           <a:lstStyle/>
           <a:p>
             <a:r>
-              <a:rPr lang="en-GB" dirty="0">
-                <a:solidFill>
-                  <a:schemeClr val="bg2">
-                    <a:lumMod val="90000"/>
-                  </a:schemeClr>
-                </a:solidFill>
-              </a:rPr>
-              <a:t>Navigator</a:t>
-            </a:r>
-          </a:p>
-          <a:p>
-            <a:r>
-              <a:rPr lang="en-GB" dirty="0">
-                <a:solidFill>
-                  <a:schemeClr val="bg2">
-                    <a:lumMod val="90000"/>
-                  </a:schemeClr>
-                </a:solidFill>
-              </a:rPr>
-              <a:t>Navigate to a new screen and back</a:t>
-            </a:r>
-          </a:p>
-          <a:p>
-            <a:r>
-              <a:rPr lang="en-GB" dirty="0">
-                <a:solidFill>
-                  <a:schemeClr val="bg2">
-                    <a:lumMod val="90000"/>
-                  </a:schemeClr>
-                </a:solidFill>
-              </a:rPr>
-              <a:t>Named routes </a:t>
-            </a:r>
-          </a:p>
-          <a:p>
-            <a:r>
-              <a:rPr lang="en-GB" dirty="0">
-                <a:solidFill>
-                  <a:schemeClr val="bg2">
-                    <a:lumMod val="90000"/>
-                  </a:schemeClr>
-                </a:solidFill>
-              </a:rPr>
-              <a:t>Passing argument to a named routes</a:t>
-            </a:r>
-          </a:p>
-          <a:p>
-            <a:r>
-              <a:rPr lang="en-GB" dirty="0">
-                <a:solidFill>
-                  <a:schemeClr val="bg2">
-                    <a:lumMod val="90000"/>
-                  </a:schemeClr>
-                </a:solidFill>
-              </a:rPr>
-              <a:t>Returning an argument from a named route</a:t>
-            </a:r>
-          </a:p>
-          <a:p>
-            <a:endParaRPr lang="en-GB" dirty="0">
-              <a:solidFill>
-                <a:schemeClr val="bg2">
-                  <a:lumMod val="90000"/>
-                </a:schemeClr>
-              </a:solidFill>
-            </a:endParaRPr>
-          </a:p>
-          <a:p>
-            <a:r>
-              <a:rPr lang="en-GB" dirty="0">
-                <a:solidFill>
-                  <a:schemeClr val="bg2">
-                    <a:lumMod val="90000"/>
-                  </a:schemeClr>
-                </a:solidFill>
-              </a:rPr>
-              <a:t>Exercise</a:t>
-            </a:r>
-          </a:p>
-          <a:p>
-            <a:r>
-              <a:rPr lang="en-GB" b="1" dirty="0"/>
-              <a:t>Homework</a:t>
-            </a:r>
-          </a:p>
-          <a:p>
-            <a:r>
-              <a:rPr lang="en-GB" dirty="0">
-                <a:solidFill>
-                  <a:schemeClr val="bg2">
-                    <a:lumMod val="90000"/>
-                  </a:schemeClr>
-                </a:solidFill>
-              </a:rPr>
-              <a:t>Resources</a:t>
+              <a:rPr lang="en-GB" dirty="0"/>
+              <a:t>Exercise 06.03 (medium) </a:t>
             </a:r>
           </a:p>
           <a:p>
             <a:endParaRPr lang="en-GB" dirty="0"/>
+          </a:p>
+          <a:p>
+            <a:pPr lvl="1"/>
+            <a:r>
+              <a:rPr lang="en-US" dirty="0"/>
+              <a:t>Follow the cookbook </a:t>
+            </a:r>
+            <a:r>
+              <a:rPr lang="en-US" dirty="0">
+                <a:hlinkClick r:id="rId2"/>
+              </a:rPr>
+              <a:t>https://docs.flutter.dev/cookbook/navigation/passing-data</a:t>
+            </a:r>
+            <a:r>
+              <a:rPr lang="en-US" dirty="0"/>
+              <a:t> by the Flutter team to learn how to pass data to a route directly to its constructor.</a:t>
+            </a:r>
+          </a:p>
+          <a:p>
+            <a:pPr lvl="1"/>
+            <a:endParaRPr lang="en-US" dirty="0"/>
+          </a:p>
+          <a:p>
+            <a:pPr lvl="1"/>
+            <a:r>
+              <a:rPr lang="en-US" dirty="0"/>
+              <a:t>(solution available from the Flutter team in the cookbook)</a:t>
+            </a:r>
+          </a:p>
+          <a:p>
+            <a:pPr lvl="1"/>
+            <a:endParaRPr lang="en-US" dirty="0"/>
           </a:p>
         </p:txBody>
       </p:sp>
+      <p:pic>
+        <p:nvPicPr>
+          <p:cNvPr id="9" name="Picture 8" descr="Table&#10;&#10;Description automatically generated">
+            <a:extLst>
+              <a:ext uri="{FF2B5EF4-FFF2-40B4-BE49-F238E27FC236}">
+                <a16:creationId xmlns:a16="http://schemas.microsoft.com/office/drawing/2014/main" id="{B931B8C3-031A-CC42-A8B1-D9D3EE491B13}"/>
+              </a:ext>
+            </a:extLst>
+          </p:cNvPr>
+          <p:cNvPicPr>
+            <a:picLocks noChangeAspect="1"/>
+          </p:cNvPicPr>
+          <p:nvPr/>
+        </p:nvPicPr>
+        <p:blipFill>
+          <a:blip r:embed="rId3">
+            <a:extLst>
+              <a:ext uri="{28A0092B-C50C-407E-A947-70E740481C1C}">
+                <a14:useLocalDpi xmlns:a14="http://schemas.microsoft.com/office/drawing/2010/main" val="0"/>
+              </a:ext>
+            </a:extLst>
+          </a:blip>
+          <a:stretch>
+            <a:fillRect/>
+          </a:stretch>
+        </p:blipFill>
+        <p:spPr>
+          <a:xfrm>
+            <a:off x="5335270" y="1776460"/>
+            <a:ext cx="2735580" cy="3793539"/>
+          </a:xfrm>
+          <a:prstGeom prst="rect">
+            <a:avLst/>
+          </a:prstGeom>
+        </p:spPr>
+      </p:pic>
+      <p:pic>
+        <p:nvPicPr>
+          <p:cNvPr id="11" name="Picture 10" descr="Text&#10;&#10;Description automatically generated with low confidence">
+            <a:extLst>
+              <a:ext uri="{FF2B5EF4-FFF2-40B4-BE49-F238E27FC236}">
+                <a16:creationId xmlns:a16="http://schemas.microsoft.com/office/drawing/2014/main" id="{49A45043-7485-2F4D-85DD-70808F98E2E3}"/>
+              </a:ext>
+            </a:extLst>
+          </p:cNvPr>
+          <p:cNvPicPr>
+            <a:picLocks noChangeAspect="1"/>
+          </p:cNvPicPr>
+          <p:nvPr/>
+        </p:nvPicPr>
+        <p:blipFill>
+          <a:blip r:embed="rId4">
+            <a:extLst>
+              <a:ext uri="{28A0092B-C50C-407E-A947-70E740481C1C}">
+                <a14:useLocalDpi xmlns:a14="http://schemas.microsoft.com/office/drawing/2010/main" val="0"/>
+              </a:ext>
+            </a:extLst>
+          </a:blip>
+          <a:stretch>
+            <a:fillRect/>
+          </a:stretch>
+        </p:blipFill>
+        <p:spPr>
+          <a:xfrm>
+            <a:off x="8488680" y="1776460"/>
+            <a:ext cx="2735580" cy="3744230"/>
+          </a:xfrm>
+          <a:prstGeom prst="rect">
+            <a:avLst/>
+          </a:prstGeom>
+        </p:spPr>
+      </p:pic>
+      <p:cxnSp>
+        <p:nvCxnSpPr>
+          <p:cNvPr id="15" name="Straight Arrow Connector 14">
+            <a:extLst>
+              <a:ext uri="{FF2B5EF4-FFF2-40B4-BE49-F238E27FC236}">
+                <a16:creationId xmlns:a16="http://schemas.microsoft.com/office/drawing/2014/main" id="{D30D77EA-26C0-8243-9FDF-E1F796E4D448}"/>
+              </a:ext>
+            </a:extLst>
+          </p:cNvPr>
+          <p:cNvCxnSpPr>
+            <a:cxnSpLocks/>
+          </p:cNvCxnSpPr>
+          <p:nvPr/>
+        </p:nvCxnSpPr>
+        <p:spPr>
+          <a:xfrm flipV="1">
+            <a:off x="7680960" y="2434590"/>
+            <a:ext cx="1600200" cy="640081"/>
+          </a:xfrm>
+          <a:prstGeom prst="straightConnector1">
+            <a:avLst/>
+          </a:prstGeom>
+          <a:ln w="38100">
+            <a:tailEnd type="triangle"/>
+          </a:ln>
+        </p:spPr>
+        <p:style>
+          <a:lnRef idx="1">
+            <a:schemeClr val="accent6"/>
+          </a:lnRef>
+          <a:fillRef idx="0">
+            <a:schemeClr val="accent6"/>
+          </a:fillRef>
+          <a:effectRef idx="0">
+            <a:schemeClr val="accent6"/>
+          </a:effectRef>
+          <a:fontRef idx="minor">
+            <a:schemeClr val="tx1"/>
+          </a:fontRef>
+        </p:style>
+      </p:cxnSp>
+      <p:cxnSp>
+        <p:nvCxnSpPr>
+          <p:cNvPr id="17" name="Straight Arrow Connector 16">
+            <a:extLst>
+              <a:ext uri="{FF2B5EF4-FFF2-40B4-BE49-F238E27FC236}">
+                <a16:creationId xmlns:a16="http://schemas.microsoft.com/office/drawing/2014/main" id="{19887961-70C4-9348-9977-B1D5A714FD76}"/>
+              </a:ext>
+            </a:extLst>
+          </p:cNvPr>
+          <p:cNvCxnSpPr>
+            <a:cxnSpLocks/>
+          </p:cNvCxnSpPr>
+          <p:nvPr/>
+        </p:nvCxnSpPr>
+        <p:spPr>
+          <a:xfrm flipH="1">
+            <a:off x="7338060" y="2045970"/>
+            <a:ext cx="1234440" cy="0"/>
+          </a:xfrm>
+          <a:prstGeom prst="straightConnector1">
+            <a:avLst/>
+          </a:prstGeom>
+          <a:ln w="38100">
+            <a:tailEnd type="triangle"/>
+          </a:ln>
+        </p:spPr>
+        <p:style>
+          <a:lnRef idx="1">
+            <a:schemeClr val="accent6"/>
+          </a:lnRef>
+          <a:fillRef idx="0">
+            <a:schemeClr val="accent6"/>
+          </a:fillRef>
+          <a:effectRef idx="0">
+            <a:schemeClr val="accent6"/>
+          </a:effectRef>
+          <a:fontRef idx="minor">
+            <a:schemeClr val="tx1"/>
+          </a:fontRef>
+        </p:style>
+      </p:cxnSp>
     </p:spTree>
     <p:extLst>
       <p:ext uri="{BB962C8B-B14F-4D97-AF65-F5344CB8AC3E}">
-        <p14:creationId xmlns:p14="http://schemas.microsoft.com/office/powerpoint/2010/main" val="1279224021"/>
+        <p14:creationId xmlns:p14="http://schemas.microsoft.com/office/powerpoint/2010/main" val="1053411705"/>
       </p:ext>
     </p:extLst>
   </p:cSld>
@@ -18026,7 +20857,7 @@
           <a:p>
             <a:r>
               <a:rPr lang="en-IT" dirty="0"/>
-              <a:t>Homework </a:t>
+              <a:t>Outline</a:t>
             </a:r>
           </a:p>
         </p:txBody>
@@ -18060,20 +20891,124 @@
           <a:lstStyle/>
           <a:p>
             <a:r>
-              <a:rPr lang="en-GB" dirty="0"/>
-              <a:t>Get familiar with Navigator</a:t>
-            </a:r>
-            <a:br>
-              <a:rPr lang="en-GB" dirty="0"/>
-            </a:br>
-            <a:endParaRPr lang="en-IT" dirty="0"/>
+              <a:rPr lang="en-GB" dirty="0">
+                <a:solidFill>
+                  <a:schemeClr val="bg2">
+                    <a:lumMod val="90000"/>
+                  </a:schemeClr>
+                </a:solidFill>
+              </a:rPr>
+              <a:t>Recap</a:t>
+            </a:r>
+          </a:p>
+          <a:p>
+            <a:r>
+              <a:rPr lang="en-GB" dirty="0">
+                <a:solidFill>
+                  <a:schemeClr val="bg2">
+                    <a:lumMod val="90000"/>
+                  </a:schemeClr>
+                </a:solidFill>
+              </a:rPr>
+              <a:t>Navigator</a:t>
+            </a:r>
+          </a:p>
+          <a:p>
+            <a:r>
+              <a:rPr lang="en-GB" dirty="0">
+                <a:solidFill>
+                  <a:schemeClr val="bg2">
+                    <a:lumMod val="90000"/>
+                  </a:schemeClr>
+                </a:solidFill>
+              </a:rPr>
+              <a:t>Navigate to a new screen and back</a:t>
+            </a:r>
+          </a:p>
+          <a:p>
+            <a:r>
+              <a:rPr lang="en-GB" dirty="0">
+                <a:solidFill>
+                  <a:schemeClr val="bg2">
+                    <a:lumMod val="90000"/>
+                  </a:schemeClr>
+                </a:solidFill>
+              </a:rPr>
+              <a:t>Named routes </a:t>
+            </a:r>
+          </a:p>
+          <a:p>
+            <a:r>
+              <a:rPr lang="en-GB" dirty="0">
+                <a:solidFill>
+                  <a:schemeClr val="bg2">
+                    <a:lumMod val="90000"/>
+                  </a:schemeClr>
+                </a:solidFill>
+              </a:rPr>
+              <a:t>Passing argument to a named routes</a:t>
+            </a:r>
+          </a:p>
+          <a:p>
+            <a:r>
+              <a:rPr lang="en-GB" dirty="0">
+                <a:solidFill>
+                  <a:schemeClr val="bg2">
+                    <a:lumMod val="90000"/>
+                  </a:schemeClr>
+                </a:solidFill>
+              </a:rPr>
+              <a:t>Returning an argument from a named route</a:t>
+            </a:r>
+          </a:p>
+          <a:p>
+            <a:endParaRPr lang="en-GB" dirty="0">
+              <a:solidFill>
+                <a:schemeClr val="bg2">
+                  <a:lumMod val="90000"/>
+                </a:schemeClr>
+              </a:solidFill>
+            </a:endParaRPr>
+          </a:p>
+          <a:p>
+            <a:r>
+              <a:rPr lang="en-GB" dirty="0">
+                <a:solidFill>
+                  <a:schemeClr val="bg2">
+                    <a:lumMod val="90000"/>
+                  </a:schemeClr>
+                </a:solidFill>
+              </a:rPr>
+              <a:t>Exercise</a:t>
+            </a:r>
+          </a:p>
+          <a:p>
+            <a:r>
+              <a:rPr lang="en-GB" b="1" dirty="0"/>
+              <a:t>Homework</a:t>
+            </a:r>
+          </a:p>
+          <a:p>
+            <a:r>
+              <a:rPr lang="en-GB" dirty="0">
+                <a:solidFill>
+                  <a:schemeClr val="bg2">
+                    <a:lumMod val="90000"/>
+                  </a:schemeClr>
+                </a:solidFill>
+              </a:rPr>
+              <a:t>Resources</a:t>
+            </a:r>
+          </a:p>
+          <a:p>
+            <a:endParaRPr lang="en-GB" dirty="0"/>
           </a:p>
         </p:txBody>
       </p:sp>
     </p:spTree>
     <p:extLst>
       <p:ext uri="{BB962C8B-B14F-4D97-AF65-F5344CB8AC3E}">
-        <p14:creationId xmlns:p14="http://schemas.microsoft.com/office/powerpoint/2010/main" val="895378464"/>
+        <p14:creationId xmlns:p14="http://schemas.microsoft.com/office/powerpoint/2010/main" val="1279224021"/>
       </p:ext>
     </p:extLst>
   </p:cSld>
@@ -18123,7 +21058,7 @@
           <a:p>
             <a:r>
               <a:rPr lang="en-IT" dirty="0"/>
-              <a:t>Outline</a:t>
+              <a:t>Homework </a:t>
             </a:r>
           </a:p>
         </p:txBody>
@@ -18157,6 +21092,115 @@
           <a:lstStyle/>
           <a:p>
             <a:r>
+              <a:rPr lang="en-GB" dirty="0"/>
+              <a:t>Get familiar with Navigator</a:t>
+            </a:r>
+            <a:br>
+              <a:rPr lang="en-GB" dirty="0"/>
+            </a:br>
+            <a:endParaRPr lang="en-IT" dirty="0"/>
+          </a:p>
+        </p:txBody>
+      </p:sp>
+    </p:spTree>
+    <p:extLst>
+      <p:ext uri="{BB962C8B-B14F-4D97-AF65-F5344CB8AC3E}">
+        <p14:creationId xmlns:p14="http://schemas.microsoft.com/office/powerpoint/2010/main" val="895378464"/>
+      </p:ext>
+    </p:extLst>
+  </p:cSld>
+  <p:clrMapOvr>
+    <a:masterClrMapping/>
+  </p:clrMapOvr>
+</p:sld>
+</file>
+
+<file path=ppt/slides/slide37.xml><?xml version="1.0" encoding="utf-8"?>
+<p:sld xmlns:a="http://schemas.openxmlformats.org/drawingml/2006/main" xmlns:r="http://schemas.openxmlformats.org/officeDocument/2006/relationships" xmlns:p="http://schemas.openxmlformats.org/presentationml/2006/main">
+  <p:cSld>
+    <p:spTree>
+      <p:nvGrpSpPr>
+        <p:cNvPr id="1" name=""/>
+        <p:cNvGrpSpPr/>
+        <p:nvPr/>
+      </p:nvGrpSpPr>
+      <p:grpSpPr>
+        <a:xfrm>
+          <a:off x="0" y="0"/>
+          <a:ext cx="0" cy="0"/>
+          <a:chOff x="0" y="0"/>
+          <a:chExt cx="0" cy="0"/>
+        </a:xfrm>
+      </p:grpSpPr>
+      <p:sp>
+        <p:nvSpPr>
+          <p:cNvPr id="2" name="Title 1">
+            <a:extLst>
+              <a:ext uri="{FF2B5EF4-FFF2-40B4-BE49-F238E27FC236}">
+                <a16:creationId xmlns:a16="http://schemas.microsoft.com/office/drawing/2014/main" id="{122C1E14-0610-FB4E-BCD3-3BA8CADF9D02}"/>
+              </a:ext>
+            </a:extLst>
+          </p:cNvPr>
+          <p:cNvSpPr>
+            <a:spLocks noGrp="1"/>
+          </p:cNvSpPr>
+          <p:nvPr>
+            <p:ph type="title"/>
+          </p:nvPr>
+        </p:nvSpPr>
+        <p:spPr/>
+        <p:txBody>
+          <a:bodyPr/>
+          <a:lstStyle/>
+          <a:p>
+            <a:r>
+              <a:rPr lang="en-IT" dirty="0"/>
+              <a:t>Outline</a:t>
+            </a:r>
+          </a:p>
+        </p:txBody>
+      </p:sp>
+      <p:sp>
+        <p:nvSpPr>
+          <p:cNvPr id="3" name="Content Placeholder 2">
+            <a:extLst>
+              <a:ext uri="{FF2B5EF4-FFF2-40B4-BE49-F238E27FC236}">
+                <a16:creationId xmlns:a16="http://schemas.microsoft.com/office/drawing/2014/main" id="{8962CCAC-9D70-C543-BBE0-822B6CB5F5CB}"/>
+              </a:ext>
+            </a:extLst>
+          </p:cNvPr>
+          <p:cNvSpPr>
+            <a:spLocks noGrp="1"/>
+          </p:cNvSpPr>
+          <p:nvPr>
+            <p:ph idx="1"/>
+          </p:nvPr>
+        </p:nvSpPr>
+        <p:spPr>
+          <a:xfrm>
+            <a:off x="428172" y="1361167"/>
+            <a:ext cx="11213368" cy="5334907"/>
+          </a:xfrm>
+        </p:spPr>
+        <p:txBody>
+          <a:bodyPr>
+            <a:normAutofit/>
+          </a:bodyPr>
+          <a:lstStyle/>
+          <a:p>
+            <a:r>
+              <a:rPr lang="en-GB" dirty="0">
+                <a:solidFill>
+                  <a:schemeClr val="bg2">
+                    <a:lumMod val="90000"/>
+                  </a:schemeClr>
+                </a:solidFill>
+              </a:rPr>
+              <a:t>Recap</a:t>
+            </a:r>
+          </a:p>
+          <a:p>
+            <a:r>
               <a:rPr lang="en-GB" dirty="0">
                 <a:solidFill>
                   <a:schemeClr val="bg2">
@@ -18272,7 +21316,7 @@
 </p:sld>
 </file>
 
-<file path=ppt/slides/slide37.xml><?xml version="1.0" encoding="utf-8"?>
+<file path=ppt/slides/slide38.xml><?xml version="1.0" encoding="utf-8"?>
 <p:sld xmlns:a="http://schemas.openxmlformats.org/drawingml/2006/main" xmlns:r="http://schemas.openxmlformats.org/officeDocument/2006/relationships" xmlns:p="http://schemas.openxmlformats.org/presentationml/2006/main">
   <p:cSld>
     <p:spTree>
@@ -18419,17 +21463,17 @@
           <a:p>
             <a:r>
               <a:rPr lang="en-IT" dirty="0"/>
-              <a:t>Navigator</a:t>
+              <a:t>Outline</a:t>
             </a:r>
           </a:p>
         </p:txBody>
       </p:sp>
       <p:sp>
         <p:nvSpPr>
-          <p:cNvPr id="6" name="Content Placeholder 5">
-            <a:extLst>
-              <a:ext uri="{FF2B5EF4-FFF2-40B4-BE49-F238E27FC236}">
-                <a16:creationId xmlns:a16="http://schemas.microsoft.com/office/drawing/2014/main" id="{1CFD16F6-AE87-6245-A265-931E7A6676CD}"/>
+          <p:cNvPr id="3" name="Content Placeholder 2">
+            <a:extLst>
+              <a:ext uri="{FF2B5EF4-FFF2-40B4-BE49-F238E27FC236}">
+                <a16:creationId xmlns:a16="http://schemas.microsoft.com/office/drawing/2014/main" id="{8962CCAC-9D70-C543-BBE0-822B6CB5F5CB}"/>
               </a:ext>
             </a:extLst>
           </p:cNvPr>
@@ -18443,7 +21487,7 @@
         <p:spPr>
           <a:xfrm>
             <a:off x="428172" y="1361167"/>
-            <a:ext cx="10168110" cy="4858203"/>
+            <a:ext cx="11213368" cy="5334907"/>
           </a:xfrm>
         </p:spPr>
         <p:txBody>
@@ -18453,65 +21497,125 @@
           <a:lstStyle/>
           <a:p>
             <a:r>
-              <a:rPr lang="en-IT" dirty="0"/>
-              <a:t>In general, apps are made of multiple screens (called </a:t>
-            </a:r>
-            <a:r>
-              <a:rPr lang="en-IT" b="1" dirty="0"/>
-              <a:t>routes</a:t>
-            </a:r>
-            <a:r>
-              <a:rPr lang="en-IT" dirty="0"/>
-              <a:t>) </a:t>
-            </a:r>
-          </a:p>
-          <a:p>
-            <a:endParaRPr lang="en-IT" dirty="0"/>
-          </a:p>
-          <a:p>
-            <a:r>
-              <a:rPr lang="en-IT" dirty="0"/>
-              <a:t>How to navigate through routes?</a:t>
-            </a:r>
-          </a:p>
-          <a:p>
-            <a:endParaRPr lang="en-IT" dirty="0"/>
-          </a:p>
-          <a:p>
-            <a:r>
-              <a:rPr lang="en-IT" dirty="0"/>
-              <a:t>How to pass things to routes and get values back from them?</a:t>
-            </a:r>
-          </a:p>
-          <a:p>
-            <a:endParaRPr lang="en-IT" dirty="0">
-              <a:latin typeface="Courier" pitchFamily="2" charset="0"/>
+              <a:rPr lang="en-GB" dirty="0">
+                <a:solidFill>
+                  <a:schemeClr val="bg2">
+                    <a:lumMod val="90000"/>
+                  </a:schemeClr>
+                </a:solidFill>
+              </a:rPr>
+              <a:t>Recap</a:t>
+            </a:r>
+            <a:endParaRPr lang="en-GB" b="1" dirty="0"/>
+          </a:p>
+          <a:p>
+            <a:r>
+              <a:rPr lang="en-GB" b="1" dirty="0"/>
+              <a:t>Navigator</a:t>
+            </a:r>
+          </a:p>
+          <a:p>
+            <a:r>
+              <a:rPr lang="en-GB" dirty="0">
+                <a:solidFill>
+                  <a:schemeClr val="bg2">
+                    <a:lumMod val="90000"/>
+                  </a:schemeClr>
+                </a:solidFill>
+              </a:rPr>
+              <a:t>Navigate to a new screen and back</a:t>
+            </a:r>
+          </a:p>
+          <a:p>
+            <a:r>
+              <a:rPr lang="en-GB" dirty="0">
+                <a:solidFill>
+                  <a:schemeClr val="bg2">
+                    <a:lumMod val="90000"/>
+                  </a:schemeClr>
+                </a:solidFill>
+              </a:rPr>
+              <a:t>Named routes </a:t>
+            </a:r>
+          </a:p>
+          <a:p>
+            <a:r>
+              <a:rPr lang="en-GB" dirty="0">
+                <a:solidFill>
+                  <a:schemeClr val="bg2">
+                    <a:lumMod val="90000"/>
+                  </a:schemeClr>
+                </a:solidFill>
+              </a:rPr>
+              <a:t>Passing argument to a named routes</a:t>
+            </a:r>
+          </a:p>
+          <a:p>
+            <a:r>
+              <a:rPr lang="en-GB" dirty="0">
+                <a:solidFill>
+                  <a:schemeClr val="bg2">
+                    <a:lumMod val="90000"/>
+                  </a:schemeClr>
+                </a:solidFill>
+              </a:rPr>
+              <a:t>Returning an argument from a named route</a:t>
+            </a:r>
+          </a:p>
+          <a:p>
+            <a:endParaRPr lang="en-GB" dirty="0">
+              <a:solidFill>
+                <a:schemeClr val="bg2">
+                  <a:lumMod val="90000"/>
+                </a:schemeClr>
+              </a:solidFill>
             </a:endParaRPr>
           </a:p>
           <a:p>
             <a:r>
-              <a:rPr lang="en-IT" dirty="0">
-                <a:latin typeface="Courier" pitchFamily="2" charset="0"/>
-              </a:rPr>
-              <a:t>Navigator</a:t>
-            </a:r>
-            <a:r>
-              <a:rPr lang="en-IT" dirty="0"/>
-              <a:t> is a special class that allows to manage all of this</a:t>
-            </a:r>
-          </a:p>
-          <a:p>
-            <a:endParaRPr lang="en-IT" dirty="0"/>
-          </a:p>
-          <a:p>
-            <a:endParaRPr lang="en-IT" dirty="0"/>
+              <a:rPr lang="en-GB" dirty="0">
+                <a:solidFill>
+                  <a:schemeClr val="bg2">
+                    <a:lumMod val="90000"/>
+                  </a:schemeClr>
+                </a:solidFill>
+              </a:rPr>
+              <a:t>Exercise</a:t>
+            </a:r>
+          </a:p>
+          <a:p>
+            <a:r>
+              <a:rPr lang="en-GB" dirty="0">
+                <a:solidFill>
+                  <a:schemeClr val="bg2">
+                    <a:lumMod val="90000"/>
+                  </a:schemeClr>
+                </a:solidFill>
+              </a:rPr>
+              <a:t>Homework</a:t>
+            </a:r>
+          </a:p>
+          <a:p>
+            <a:r>
+              <a:rPr lang="en-GB" dirty="0">
+                <a:solidFill>
+                  <a:schemeClr val="bg2">
+                    <a:lumMod val="90000"/>
+                  </a:schemeClr>
+                </a:solidFill>
+              </a:rPr>
+              <a:t>Resources</a:t>
+            </a:r>
+          </a:p>
+          <a:p>
+            <a:endParaRPr lang="en-GB" dirty="0"/>
           </a:p>
         </p:txBody>
       </p:sp>
     </p:spTree>
     <p:extLst>
       <p:ext uri="{BB962C8B-B14F-4D97-AF65-F5344CB8AC3E}">
-        <p14:creationId xmlns:p14="http://schemas.microsoft.com/office/powerpoint/2010/main" val="1009808791"/>
+        <p14:creationId xmlns:p14="http://schemas.microsoft.com/office/powerpoint/2010/main" val="3230553638"/>
       </p:ext>
     </p:extLst>
   </p:cSld>
@@ -18561,17 +21665,17 @@
           <a:p>
             <a:r>
               <a:rPr lang="en-IT" dirty="0"/>
-              <a:t>Outline</a:t>
+              <a:t>Navigator</a:t>
             </a:r>
           </a:p>
         </p:txBody>
       </p:sp>
       <p:sp>
         <p:nvSpPr>
-          <p:cNvPr id="3" name="Content Placeholder 2">
-            <a:extLst>
-              <a:ext uri="{FF2B5EF4-FFF2-40B4-BE49-F238E27FC236}">
-                <a16:creationId xmlns:a16="http://schemas.microsoft.com/office/drawing/2014/main" id="{8962CCAC-9D70-C543-BBE0-822B6CB5F5CB}"/>
+          <p:cNvPr id="6" name="Content Placeholder 5">
+            <a:extLst>
+              <a:ext uri="{FF2B5EF4-FFF2-40B4-BE49-F238E27FC236}">
+                <a16:creationId xmlns:a16="http://schemas.microsoft.com/office/drawing/2014/main" id="{1CFD16F6-AE87-6245-A265-931E7A6676CD}"/>
               </a:ext>
             </a:extLst>
           </p:cNvPr>
@@ -18585,7 +21689,7 @@
         <p:spPr>
           <a:xfrm>
             <a:off x="428172" y="1361167"/>
-            <a:ext cx="11213368" cy="5334907"/>
+            <a:ext cx="10168110" cy="4858203"/>
           </a:xfrm>
         </p:spPr>
         <p:txBody>
@@ -18595,112 +21699,65 @@
           <a:lstStyle/>
           <a:p>
             <a:r>
-              <a:rPr lang="en-GB" dirty="0">
-                <a:solidFill>
-                  <a:schemeClr val="bg2">
-                    <a:lumMod val="90000"/>
-                  </a:schemeClr>
-                </a:solidFill>
+              <a:rPr lang="en-IT" dirty="0"/>
+              <a:t>In general, apps are made of multiple screens (called </a:t>
+            </a:r>
+            <a:r>
+              <a:rPr lang="en-IT" b="1" dirty="0"/>
+              <a:t>routes</a:t>
+            </a:r>
+            <a:r>
+              <a:rPr lang="en-IT" dirty="0"/>
+              <a:t>) </a:t>
+            </a:r>
+          </a:p>
+          <a:p>
+            <a:endParaRPr lang="en-IT" dirty="0"/>
+          </a:p>
+          <a:p>
+            <a:r>
+              <a:rPr lang="en-IT" dirty="0"/>
+              <a:t>How to navigate through routes?</a:t>
+            </a:r>
+          </a:p>
+          <a:p>
+            <a:endParaRPr lang="en-IT" dirty="0"/>
+          </a:p>
+          <a:p>
+            <a:r>
+              <a:rPr lang="en-IT" dirty="0"/>
+              <a:t>How to pass things to routes and get values back from them?</a:t>
+            </a:r>
+          </a:p>
+          <a:p>
+            <a:endParaRPr lang="en-IT" dirty="0">
+              <a:latin typeface="Courier" pitchFamily="2" charset="0"/>
+            </a:endParaRPr>
+          </a:p>
+          <a:p>
+            <a:r>
+              <a:rPr lang="en-IT" dirty="0">
+                <a:latin typeface="Courier" pitchFamily="2" charset="0"/>
               </a:rPr>
               <a:t>Navigator</a:t>
             </a:r>
-          </a:p>
-          <a:p>
-            <a:r>
-              <a:rPr lang="en-GB" b="1" dirty="0"/>
-              <a:t>Navigate to a new screen and back</a:t>
-            </a:r>
-          </a:p>
-          <a:p>
-            <a:r>
-              <a:rPr lang="en-GB" dirty="0">
-                <a:solidFill>
-                  <a:schemeClr val="bg2">
-                    <a:lumMod val="90000"/>
-                  </a:schemeClr>
-                </a:solidFill>
-              </a:rPr>
-              <a:t>Named routes </a:t>
-            </a:r>
-          </a:p>
-          <a:p>
-            <a:r>
-              <a:rPr lang="en-GB" dirty="0">
-                <a:solidFill>
-                  <a:schemeClr val="bg2">
-                    <a:lumMod val="90000"/>
-                  </a:schemeClr>
-                </a:solidFill>
-              </a:rPr>
-              <a:t>Passing argument to a named routes</a:t>
-            </a:r>
-          </a:p>
-          <a:p>
-            <a:r>
-              <a:rPr lang="en-GB" dirty="0">
-                <a:solidFill>
-                  <a:schemeClr val="bg2">
-                    <a:lumMod val="90000"/>
-                  </a:schemeClr>
-                </a:solidFill>
-              </a:rPr>
-              <a:t>Returning an argument from a named route</a:t>
-            </a:r>
-          </a:p>
-          <a:p>
-            <a:endParaRPr lang="en-GB" dirty="0">
-              <a:solidFill>
-                <a:schemeClr val="bg2">
-                  <a:lumMod val="90000"/>
-                </a:schemeClr>
-              </a:solidFill>
-            </a:endParaRPr>
-          </a:p>
-          <a:p>
-            <a:r>
-              <a:rPr lang="en-GB" dirty="0">
-                <a:solidFill>
-                  <a:schemeClr val="bg2">
-                    <a:lumMod val="90000"/>
-                  </a:schemeClr>
-                </a:solidFill>
-              </a:rPr>
-              <a:t>Exercise</a:t>
-            </a:r>
-          </a:p>
-          <a:p>
-            <a:r>
-              <a:rPr lang="en-GB" dirty="0">
-                <a:solidFill>
-                  <a:schemeClr val="bg2">
-                    <a:lumMod val="90000"/>
-                  </a:schemeClr>
-                </a:solidFill>
-              </a:rPr>
-              <a:t>Homework</a:t>
-            </a:r>
-          </a:p>
-          <a:p>
-            <a:r>
-              <a:rPr lang="en-GB" dirty="0">
-                <a:solidFill>
-                  <a:schemeClr val="bg2">
-                    <a:lumMod val="90000"/>
-                  </a:schemeClr>
-                </a:solidFill>
-              </a:rPr>
-              <a:t>Resources</a:t>
-            </a:r>
-          </a:p>
-          <a:p>
-            <a:endParaRPr lang="en-GB" dirty="0"/>
+            <a:r>
+              <a:rPr lang="en-IT" dirty="0"/>
+              <a:t> is a special class that allows to manage all of this</a:t>
+            </a:r>
+          </a:p>
+          <a:p>
+            <a:endParaRPr lang="en-IT" dirty="0"/>
+          </a:p>
+          <a:p>
+            <a:endParaRPr lang="en-IT" dirty="0"/>
           </a:p>
         </p:txBody>
       </p:sp>
     </p:spTree>
     <p:extLst>
       <p:ext uri="{BB962C8B-B14F-4D97-AF65-F5344CB8AC3E}">
-        <p14:creationId xmlns:p14="http://schemas.microsoft.com/office/powerpoint/2010/main" val="2623643798"/>
+        <p14:creationId xmlns:p14="http://schemas.microsoft.com/office/powerpoint/2010/main" val="1009808791"/>
       </p:ext>
     </p:extLst>
   </p:cSld>
@@ -18750,6 +21807,207 @@
           <a:p>
             <a:r>
               <a:rPr lang="en-IT" dirty="0"/>
+              <a:t>Outline</a:t>
+            </a:r>
+          </a:p>
+        </p:txBody>
+      </p:sp>
+      <p:sp>
+        <p:nvSpPr>
+          <p:cNvPr id="3" name="Content Placeholder 2">
+            <a:extLst>
+              <a:ext uri="{FF2B5EF4-FFF2-40B4-BE49-F238E27FC236}">
+                <a16:creationId xmlns:a16="http://schemas.microsoft.com/office/drawing/2014/main" id="{8962CCAC-9D70-C543-BBE0-822B6CB5F5CB}"/>
+              </a:ext>
+            </a:extLst>
+          </p:cNvPr>
+          <p:cNvSpPr>
+            <a:spLocks noGrp="1"/>
+          </p:cNvSpPr>
+          <p:nvPr>
+            <p:ph idx="1"/>
+          </p:nvPr>
+        </p:nvSpPr>
+        <p:spPr>
+          <a:xfrm>
+            <a:off x="428172" y="1361167"/>
+            <a:ext cx="11213368" cy="5334907"/>
+          </a:xfrm>
+        </p:spPr>
+        <p:txBody>
+          <a:bodyPr>
+            <a:normAutofit/>
+          </a:bodyPr>
+          <a:lstStyle/>
+          <a:p>
+            <a:r>
+              <a:rPr lang="en-GB" dirty="0">
+                <a:solidFill>
+                  <a:schemeClr val="bg2">
+                    <a:lumMod val="90000"/>
+                  </a:schemeClr>
+                </a:solidFill>
+              </a:rPr>
+              <a:t>Recap</a:t>
+            </a:r>
+          </a:p>
+          <a:p>
+            <a:r>
+              <a:rPr lang="en-GB" dirty="0">
+                <a:solidFill>
+                  <a:schemeClr val="bg2">
+                    <a:lumMod val="90000"/>
+                  </a:schemeClr>
+                </a:solidFill>
+              </a:rPr>
+              <a:t>Navigator</a:t>
+            </a:r>
+          </a:p>
+          <a:p>
+            <a:r>
+              <a:rPr lang="en-GB" b="1" dirty="0"/>
+              <a:t>Navigate to a new screen and back</a:t>
+            </a:r>
+          </a:p>
+          <a:p>
+            <a:r>
+              <a:rPr lang="en-GB" dirty="0">
+                <a:solidFill>
+                  <a:schemeClr val="bg2">
+                    <a:lumMod val="90000"/>
+                  </a:schemeClr>
+                </a:solidFill>
+              </a:rPr>
+              <a:t>Named routes </a:t>
+            </a:r>
+          </a:p>
+          <a:p>
+            <a:r>
+              <a:rPr lang="en-GB" dirty="0">
+                <a:solidFill>
+                  <a:schemeClr val="bg2">
+                    <a:lumMod val="90000"/>
+                  </a:schemeClr>
+                </a:solidFill>
+              </a:rPr>
+              <a:t>Passing argument to a named routes</a:t>
+            </a:r>
+          </a:p>
+          <a:p>
+            <a:r>
+              <a:rPr lang="en-GB" dirty="0">
+                <a:solidFill>
+                  <a:schemeClr val="bg2">
+                    <a:lumMod val="90000"/>
+                  </a:schemeClr>
+                </a:solidFill>
+              </a:rPr>
+              <a:t>Returning an argument from a named route</a:t>
+            </a:r>
+          </a:p>
+          <a:p>
+            <a:endParaRPr lang="en-GB" dirty="0">
+              <a:solidFill>
+                <a:schemeClr val="bg2">
+                  <a:lumMod val="90000"/>
+                </a:schemeClr>
+              </a:solidFill>
+            </a:endParaRPr>
+          </a:p>
+          <a:p>
+            <a:r>
+              <a:rPr lang="en-GB" dirty="0">
+                <a:solidFill>
+                  <a:schemeClr val="bg2">
+                    <a:lumMod val="90000"/>
+                  </a:schemeClr>
+                </a:solidFill>
+              </a:rPr>
+              <a:t>Exercise</a:t>
+            </a:r>
+          </a:p>
+          <a:p>
+            <a:r>
+              <a:rPr lang="en-GB" dirty="0">
+                <a:solidFill>
+                  <a:schemeClr val="bg2">
+                    <a:lumMod val="90000"/>
+                  </a:schemeClr>
+                </a:solidFill>
+              </a:rPr>
+              <a:t>Homework</a:t>
+            </a:r>
+          </a:p>
+          <a:p>
+            <a:r>
+              <a:rPr lang="en-GB" dirty="0">
+                <a:solidFill>
+                  <a:schemeClr val="bg2">
+                    <a:lumMod val="90000"/>
+                  </a:schemeClr>
+                </a:solidFill>
+              </a:rPr>
+              <a:t>Resources</a:t>
+            </a:r>
+          </a:p>
+          <a:p>
+            <a:endParaRPr lang="en-GB" dirty="0"/>
+          </a:p>
+        </p:txBody>
+      </p:sp>
+    </p:spTree>
+    <p:extLst>
+      <p:ext uri="{BB962C8B-B14F-4D97-AF65-F5344CB8AC3E}">
+        <p14:creationId xmlns:p14="http://schemas.microsoft.com/office/powerpoint/2010/main" val="2623643798"/>
+      </p:ext>
+    </p:extLst>
+  </p:cSld>
+  <p:clrMapOvr>
+    <a:masterClrMapping/>
+  </p:clrMapOvr>
+</p:sld>
+</file>
+
+<file path=ppt/slides/slide7.xml><?xml version="1.0" encoding="utf-8"?>
+<p:sld xmlns:a="http://schemas.openxmlformats.org/drawingml/2006/main" xmlns:r="http://schemas.openxmlformats.org/officeDocument/2006/relationships" xmlns:p="http://schemas.openxmlformats.org/presentationml/2006/main">
+  <p:cSld>
+    <p:spTree>
+      <p:nvGrpSpPr>
+        <p:cNvPr id="1" name=""/>
+        <p:cNvGrpSpPr/>
+        <p:nvPr/>
+      </p:nvGrpSpPr>
+      <p:grpSpPr>
+        <a:xfrm>
+          <a:off x="0" y="0"/>
+          <a:ext cx="0" cy="0"/>
+          <a:chOff x="0" y="0"/>
+          <a:chExt cx="0" cy="0"/>
+        </a:xfrm>
+      </p:grpSpPr>
+      <p:sp>
+        <p:nvSpPr>
+          <p:cNvPr id="2" name="Title 1">
+            <a:extLst>
+              <a:ext uri="{FF2B5EF4-FFF2-40B4-BE49-F238E27FC236}">
+                <a16:creationId xmlns:a16="http://schemas.microsoft.com/office/drawing/2014/main" id="{122C1E14-0610-FB4E-BCD3-3BA8CADF9D02}"/>
+              </a:ext>
+            </a:extLst>
+          </p:cNvPr>
+          <p:cNvSpPr>
+            <a:spLocks noGrp="1"/>
+          </p:cNvSpPr>
+          <p:nvPr>
+            <p:ph type="title"/>
+          </p:nvPr>
+        </p:nvSpPr>
+        <p:spPr/>
+        <p:txBody>
+          <a:bodyPr/>
+          <a:lstStyle/>
+          <a:p>
+            <a:r>
+              <a:rPr lang="en-IT" dirty="0"/>
               <a:t>Navigator basics</a:t>
             </a:r>
           </a:p>
@@ -19019,7 +22277,7 @@
 </p:sld>
 </file>
 
-<file path=ppt/slides/slide7.xml><?xml version="1.0" encoding="utf-8"?>
+<file path=ppt/slides/slide8.xml><?xml version="1.0" encoding="utf-8"?>
 <p:sld xmlns:a="http://schemas.openxmlformats.org/drawingml/2006/main" xmlns:r="http://schemas.openxmlformats.org/officeDocument/2006/relationships" xmlns:p="http://schemas.openxmlformats.org/presentationml/2006/main">
   <p:cSld>
     <p:spTree>
@@ -19830,176 +23088,6 @@
 </p:sld>
 </file>
 
-<file path=ppt/slides/slide8.xml><?xml version="1.0" encoding="utf-8"?>
-<p:sld xmlns:a="http://schemas.openxmlformats.org/drawingml/2006/main" xmlns:r="http://schemas.openxmlformats.org/officeDocument/2006/relationships" xmlns:p="http://schemas.openxmlformats.org/presentationml/2006/main">
-  <p:cSld>
-    <p:spTree>
-      <p:nvGrpSpPr>
-        <p:cNvPr id="1" name=""/>
-        <p:cNvGrpSpPr/>
-        <p:nvPr/>
-      </p:nvGrpSpPr>
-      <p:grpSpPr>
-        <a:xfrm>
-          <a:off x="0" y="0"/>
-          <a:ext cx="0" cy="0"/>
-          <a:chOff x="0" y="0"/>
-          <a:chExt cx="0" cy="0"/>
-        </a:xfrm>
-      </p:grpSpPr>
-      <p:sp>
-        <p:nvSpPr>
-          <p:cNvPr id="2" name="Title 1">
-            <a:extLst>
-              <a:ext uri="{FF2B5EF4-FFF2-40B4-BE49-F238E27FC236}">
-                <a16:creationId xmlns:a16="http://schemas.microsoft.com/office/drawing/2014/main" id="{122C1E14-0610-FB4E-BCD3-3BA8CADF9D02}"/>
-              </a:ext>
-            </a:extLst>
-          </p:cNvPr>
-          <p:cNvSpPr>
-            <a:spLocks noGrp="1"/>
-          </p:cNvSpPr>
-          <p:nvPr>
-            <p:ph type="title"/>
-          </p:nvPr>
-        </p:nvSpPr>
-        <p:spPr/>
-        <p:txBody>
-          <a:bodyPr/>
-          <a:lstStyle/>
-          <a:p>
-            <a:r>
-              <a:rPr lang="en-IT" dirty="0"/>
-              <a:t>Navigator basics - Preparation</a:t>
-            </a:r>
-          </a:p>
-        </p:txBody>
-      </p:sp>
-      <p:sp>
-        <p:nvSpPr>
-          <p:cNvPr id="6" name="Content Placeholder 5">
-            <a:extLst>
-              <a:ext uri="{FF2B5EF4-FFF2-40B4-BE49-F238E27FC236}">
-                <a16:creationId xmlns:a16="http://schemas.microsoft.com/office/drawing/2014/main" id="{1CFD16F6-AE87-6245-A265-931E7A6676CD}"/>
-              </a:ext>
-            </a:extLst>
-          </p:cNvPr>
-          <p:cNvSpPr>
-            <a:spLocks noGrp="1"/>
-          </p:cNvSpPr>
-          <p:nvPr>
-            <p:ph idx="1"/>
-          </p:nvPr>
-        </p:nvSpPr>
-        <p:spPr/>
-        <p:txBody>
-          <a:bodyPr/>
-          <a:lstStyle/>
-          <a:p>
-            <a:r>
-              <a:rPr lang="en-IT" dirty="0"/>
-              <a:t>Create a new project called ‘there_and_back_again’</a:t>
-            </a:r>
-          </a:p>
-          <a:p>
-            <a:r>
-              <a:rPr lang="en-IT" dirty="0"/>
-              <a:t>Create the </a:t>
-            </a:r>
-            <a:r>
-              <a:rPr lang="en-IT" dirty="0">
-                <a:latin typeface="Courier" pitchFamily="2" charset="0"/>
-              </a:rPr>
-              <a:t>lib/screens/ </a:t>
-            </a:r>
-            <a:r>
-              <a:rPr lang="en-IT" dirty="0"/>
-              <a:t>folder </a:t>
-            </a:r>
-          </a:p>
-          <a:p>
-            <a:r>
-              <a:rPr lang="en-IT" dirty="0"/>
-              <a:t>Create two files in the </a:t>
-            </a:r>
-            <a:r>
-              <a:rPr lang="en-IT" dirty="0">
-                <a:latin typeface="Courier" pitchFamily="2" charset="0"/>
-              </a:rPr>
-              <a:t>lib/screens/ </a:t>
-            </a:r>
-            <a:r>
-              <a:rPr lang="en-IT" dirty="0"/>
-              <a:t>folder just created and rename them as ’homePage.dart’ and ‘profilePage.dart’</a:t>
-            </a:r>
-          </a:p>
-          <a:p>
-            <a:r>
-              <a:rPr lang="en-IT" dirty="0"/>
-              <a:t>The project </a:t>
-            </a:r>
-            <a:r>
-              <a:rPr lang="en-IT" dirty="0">
-                <a:latin typeface="Courier" pitchFamily="2" charset="0"/>
-              </a:rPr>
-              <a:t>lib</a:t>
-            </a:r>
-            <a:r>
-              <a:rPr lang="en-IT" dirty="0"/>
-              <a:t> folder should look like this: </a:t>
-            </a:r>
-          </a:p>
-        </p:txBody>
-      </p:sp>
-      <p:pic>
-        <p:nvPicPr>
-          <p:cNvPr id="27" name="Picture 26" descr="A picture containing text, device, display, meter&#10;&#10;Description automatically generated">
-            <a:extLst>
-              <a:ext uri="{FF2B5EF4-FFF2-40B4-BE49-F238E27FC236}">
-                <a16:creationId xmlns:a16="http://schemas.microsoft.com/office/drawing/2014/main" id="{A7206A60-ED30-9841-8758-9786F10F541E}"/>
-              </a:ext>
-            </a:extLst>
-          </p:cNvPr>
-          <p:cNvPicPr>
-            <a:picLocks noChangeAspect="1"/>
-          </p:cNvPicPr>
-          <p:nvPr/>
-        </p:nvPicPr>
-        <p:blipFill>
-          <a:blip r:embed="rId2">
-            <a:extLst>
-              <a:ext uri="{28A0092B-C50C-407E-A947-70E740481C1C}">
-                <a14:useLocalDpi xmlns:a14="http://schemas.microsoft.com/office/drawing/2010/main" val="0"/>
-              </a:ext>
-            </a:extLst>
-          </a:blip>
-          <a:stretch>
-            <a:fillRect/>
-          </a:stretch>
-        </p:blipFill>
-        <p:spPr>
-          <a:xfrm>
-            <a:off x="3592954" y="4014917"/>
-            <a:ext cx="5038750" cy="2204453"/>
-          </a:xfrm>
-          <a:prstGeom prst="rect">
-            <a:avLst/>
-          </a:prstGeom>
-        </p:spPr>
-      </p:pic>
-    </p:spTree>
-    <p:extLst>
-      <p:ext uri="{BB962C8B-B14F-4D97-AF65-F5344CB8AC3E}">
-        <p14:creationId xmlns:p14="http://schemas.microsoft.com/office/powerpoint/2010/main" val="210725114"/>
-      </p:ext>
-    </p:extLst>
-  </p:cSld>
-  <p:clrMapOvr>
-    <a:masterClrMapping/>
-  </p:clrMapOvr>
-</p:sld>
-</file>
-
 <file path=ppt/slides/slide9.xml><?xml version="1.0" encoding="utf-8"?>
 <p:sld xmlns:a="http://schemas.openxmlformats.org/drawingml/2006/main" xmlns:r="http://schemas.openxmlformats.org/officeDocument/2006/relationships" xmlns:p="http://schemas.openxmlformats.org/presentationml/2006/main">
   <p:cSld>
@@ -20040,7 +23128,7 @@
           <a:p>
             <a:r>
               <a:rPr lang="en-IT" dirty="0"/>
-              <a:t>Navigator basics – homePage.dart boilerplate</a:t>
+              <a:t>Navigator basics - Preparation</a:t>
             </a:r>
           </a:p>
         </p:txBody>
@@ -20061,697 +23149,106 @@
             <p:ph idx="1"/>
           </p:nvPr>
         </p:nvSpPr>
+        <p:spPr/>
+        <p:txBody>
+          <a:bodyPr/>
+          <a:lstStyle/>
+          <a:p>
+            <a:r>
+              <a:rPr lang="en-IT" dirty="0"/>
+              <a:t>Create a new project called ‘there_and_back_again’</a:t>
+            </a:r>
+          </a:p>
+          <a:p>
+            <a:r>
+              <a:rPr lang="en-IT" dirty="0"/>
+              <a:t>Create the </a:t>
+            </a:r>
+            <a:r>
+              <a:rPr lang="en-IT" dirty="0">
+                <a:latin typeface="Courier" pitchFamily="2" charset="0"/>
+              </a:rPr>
+              <a:t>lib/screens/ </a:t>
+            </a:r>
+            <a:r>
+              <a:rPr lang="en-IT" dirty="0"/>
+              <a:t>folder </a:t>
+            </a:r>
+          </a:p>
+          <a:p>
+            <a:r>
+              <a:rPr lang="en-IT" dirty="0"/>
+              <a:t>Create two files in the </a:t>
+            </a:r>
+            <a:r>
+              <a:rPr lang="en-IT" dirty="0">
+                <a:latin typeface="Courier" pitchFamily="2" charset="0"/>
+              </a:rPr>
+              <a:t>lib/screens/ </a:t>
+            </a:r>
+            <a:r>
+              <a:rPr lang="en-IT" dirty="0"/>
+              <a:t>folder just created and rename them as ’homePage.dart’ and ‘profilePage.dart’</a:t>
+            </a:r>
+          </a:p>
+          <a:p>
+            <a:r>
+              <a:rPr lang="en-IT" dirty="0"/>
+              <a:t>The project </a:t>
+            </a:r>
+            <a:r>
+              <a:rPr lang="en-IT" dirty="0">
+                <a:latin typeface="Courier" pitchFamily="2" charset="0"/>
+              </a:rPr>
+              <a:t>lib</a:t>
+            </a:r>
+            <a:r>
+              <a:rPr lang="en-IT" dirty="0"/>
+              <a:t> folder should look like this: </a:t>
+            </a:r>
+          </a:p>
+        </p:txBody>
+      </p:sp>
+      <p:pic>
+        <p:nvPicPr>
+          <p:cNvPr id="27" name="Picture 26" descr="A picture containing text, device, display, meter&#10;&#10;Description automatically generated">
+            <a:extLst>
+              <a:ext uri="{FF2B5EF4-FFF2-40B4-BE49-F238E27FC236}">
+                <a16:creationId xmlns:a16="http://schemas.microsoft.com/office/drawing/2014/main" id="{A7206A60-ED30-9841-8758-9786F10F541E}"/>
+              </a:ext>
+            </a:extLst>
+          </p:cNvPr>
+          <p:cNvPicPr>
+            <a:picLocks noChangeAspect="1"/>
+          </p:cNvPicPr>
+          <p:nvPr/>
+        </p:nvPicPr>
+        <p:blipFill>
+          <a:blip r:embed="rId2">
+            <a:extLst>
+              <a:ext uri="{28A0092B-C50C-407E-A947-70E740481C1C}">
+                <a14:useLocalDpi xmlns:a14="http://schemas.microsoft.com/office/drawing/2010/main" val="0"/>
+              </a:ext>
+            </a:extLst>
+          </a:blip>
+          <a:stretch>
+            <a:fillRect/>
+          </a:stretch>
+        </p:blipFill>
         <p:spPr>
           <a:xfrm>
-            <a:off x="428172" y="1361167"/>
-            <a:ext cx="5146281" cy="5053180"/>
-          </a:xfrm>
-        </p:spPr>
-        <p:txBody>
-          <a:bodyPr>
-            <a:normAutofit/>
-          </a:bodyPr>
-          <a:lstStyle/>
-          <a:p>
-            <a:pPr marL="0" indent="0">
-              <a:buNone/>
-            </a:pPr>
-            <a:r>
-              <a:rPr lang="en-GB" sz="1600" dirty="0">
-                <a:latin typeface="Courier" pitchFamily="2" charset="0"/>
-              </a:rPr>
-              <a:t>import '</a:t>
-            </a:r>
-            <a:r>
-              <a:rPr lang="en-GB" sz="1600" dirty="0" err="1">
-                <a:latin typeface="Courier" pitchFamily="2" charset="0"/>
-              </a:rPr>
-              <a:t>package:flutter</a:t>
-            </a:r>
-            <a:r>
-              <a:rPr lang="en-GB" sz="1600" dirty="0">
-                <a:latin typeface="Courier" pitchFamily="2" charset="0"/>
-              </a:rPr>
-              <a:t>/</a:t>
-            </a:r>
-            <a:r>
-              <a:rPr lang="en-GB" sz="1600" dirty="0" err="1">
-                <a:latin typeface="Courier" pitchFamily="2" charset="0"/>
-              </a:rPr>
-              <a:t>material.dart</a:t>
-            </a:r>
-            <a:r>
-              <a:rPr lang="en-GB" sz="1600" dirty="0">
-                <a:latin typeface="Courier" pitchFamily="2" charset="0"/>
-              </a:rPr>
-              <a:t>';</a:t>
-            </a:r>
-          </a:p>
-          <a:p>
-            <a:pPr marL="0" indent="0">
-              <a:buNone/>
-            </a:pPr>
-            <a:r>
-              <a:rPr lang="en-GB" sz="1600" dirty="0">
-                <a:latin typeface="Courier" pitchFamily="2" charset="0"/>
-              </a:rPr>
-              <a:t>class </a:t>
-            </a:r>
-            <a:r>
-              <a:rPr lang="en-GB" sz="1600" dirty="0" err="1">
-                <a:latin typeface="Courier" pitchFamily="2" charset="0"/>
-              </a:rPr>
-              <a:t>HomePage</a:t>
-            </a:r>
-            <a:r>
-              <a:rPr lang="en-GB" sz="1600" dirty="0">
-                <a:latin typeface="Courier" pitchFamily="2" charset="0"/>
-              </a:rPr>
-              <a:t> extends </a:t>
-            </a:r>
-            <a:r>
-              <a:rPr lang="en-GB" sz="1600" dirty="0" err="1">
-                <a:latin typeface="Courier" pitchFamily="2" charset="0"/>
-              </a:rPr>
-              <a:t>StatelessWidget</a:t>
-            </a:r>
-            <a:r>
-              <a:rPr lang="en-GB" sz="1600" dirty="0">
-                <a:latin typeface="Courier" pitchFamily="2" charset="0"/>
-              </a:rPr>
-              <a:t> {</a:t>
-            </a:r>
-          </a:p>
-          <a:p>
-            <a:pPr marL="0" indent="0">
-              <a:buNone/>
-            </a:pPr>
-            <a:r>
-              <a:rPr lang="en-GB" sz="1600" dirty="0">
-                <a:latin typeface="Courier" pitchFamily="2" charset="0"/>
-              </a:rPr>
-              <a:t>  </a:t>
-            </a:r>
-            <a:r>
-              <a:rPr lang="en-GB" sz="1600" dirty="0" err="1">
-                <a:latin typeface="Courier" pitchFamily="2" charset="0"/>
-              </a:rPr>
-              <a:t>const</a:t>
-            </a:r>
-            <a:r>
-              <a:rPr lang="en-GB" sz="1600" dirty="0">
-                <a:latin typeface="Courier" pitchFamily="2" charset="0"/>
-              </a:rPr>
-              <a:t> </a:t>
-            </a:r>
-            <a:r>
-              <a:rPr lang="en-GB" sz="1600" dirty="0" err="1">
-                <a:latin typeface="Courier" pitchFamily="2" charset="0"/>
-              </a:rPr>
-              <a:t>HomePage</a:t>
-            </a:r>
-            <a:r>
-              <a:rPr lang="en-GB" sz="1600" dirty="0">
-                <a:latin typeface="Courier" pitchFamily="2" charset="0"/>
-              </a:rPr>
-              <a:t>({Key? key}) : super(key: key);</a:t>
-            </a:r>
-          </a:p>
-          <a:p>
-            <a:pPr marL="0" indent="0">
-              <a:buNone/>
-            </a:pPr>
-            <a:r>
-              <a:rPr lang="en-GB" sz="1600" dirty="0">
-                <a:latin typeface="Courier" pitchFamily="2" charset="0"/>
-              </a:rPr>
-              <a:t>  static </a:t>
-            </a:r>
-            <a:r>
-              <a:rPr lang="en-GB" sz="1600" dirty="0" err="1">
-                <a:latin typeface="Courier" pitchFamily="2" charset="0"/>
-              </a:rPr>
-              <a:t>const</a:t>
-            </a:r>
-            <a:r>
-              <a:rPr lang="en-GB" sz="1600" dirty="0">
-                <a:latin typeface="Courier" pitchFamily="2" charset="0"/>
-              </a:rPr>
-              <a:t> </a:t>
-            </a:r>
-            <a:r>
-              <a:rPr lang="en-GB" sz="1600" dirty="0" err="1">
-                <a:latin typeface="Courier" pitchFamily="2" charset="0"/>
-              </a:rPr>
-              <a:t>routename</a:t>
-            </a:r>
-            <a:r>
-              <a:rPr lang="en-GB" sz="1600" dirty="0">
-                <a:latin typeface="Courier" pitchFamily="2" charset="0"/>
-              </a:rPr>
-              <a:t> = 'Homepage';</a:t>
-            </a:r>
-          </a:p>
-          <a:p>
-            <a:pPr marL="0" indent="0">
-              <a:buNone/>
-            </a:pPr>
-            <a:r>
-              <a:rPr lang="en-GB" sz="1600" dirty="0">
-                <a:latin typeface="Courier" pitchFamily="2" charset="0"/>
-              </a:rPr>
-              <a:t>  @override</a:t>
-            </a:r>
-          </a:p>
-          <a:p>
-            <a:pPr marL="0" indent="0">
-              <a:buNone/>
-            </a:pPr>
-            <a:r>
-              <a:rPr lang="en-GB" sz="1600" dirty="0">
-                <a:latin typeface="Courier" pitchFamily="2" charset="0"/>
-              </a:rPr>
-              <a:t>  Widget build(</a:t>
-            </a:r>
-            <a:r>
-              <a:rPr lang="en-GB" sz="1600" dirty="0" err="1">
-                <a:latin typeface="Courier" pitchFamily="2" charset="0"/>
-              </a:rPr>
-              <a:t>BuildContext</a:t>
-            </a:r>
-            <a:r>
-              <a:rPr lang="en-GB" sz="1600" dirty="0">
-                <a:latin typeface="Courier" pitchFamily="2" charset="0"/>
-              </a:rPr>
-              <a:t> context) {</a:t>
-            </a:r>
-          </a:p>
-          <a:p>
-            <a:pPr marL="0" indent="0">
-              <a:buNone/>
-            </a:pPr>
-            <a:r>
-              <a:rPr lang="en-GB" sz="1600" dirty="0">
-                <a:latin typeface="Courier" pitchFamily="2" charset="0"/>
-              </a:rPr>
-              <a:t>    return Scaffold(</a:t>
-            </a:r>
-          </a:p>
-          <a:p>
-            <a:pPr marL="0" indent="0">
-              <a:buNone/>
-            </a:pPr>
-            <a:r>
-              <a:rPr lang="en-GB" sz="1600" dirty="0">
-                <a:latin typeface="Courier" pitchFamily="2" charset="0"/>
-              </a:rPr>
-              <a:t>      </a:t>
-            </a:r>
-            <a:r>
-              <a:rPr lang="en-GB" sz="1600" dirty="0" err="1">
-                <a:latin typeface="Courier" pitchFamily="2" charset="0"/>
-              </a:rPr>
-              <a:t>appBar</a:t>
-            </a:r>
-            <a:r>
-              <a:rPr lang="en-GB" sz="1600" dirty="0">
-                <a:latin typeface="Courier" pitchFamily="2" charset="0"/>
-              </a:rPr>
-              <a:t>: </a:t>
-            </a:r>
-            <a:r>
-              <a:rPr lang="en-GB" sz="1600" dirty="0" err="1">
-                <a:latin typeface="Courier" pitchFamily="2" charset="0"/>
-              </a:rPr>
-              <a:t>AppBar</a:t>
-            </a:r>
-            <a:r>
-              <a:rPr lang="en-GB" sz="1600" dirty="0">
-                <a:latin typeface="Courier" pitchFamily="2" charset="0"/>
-              </a:rPr>
-              <a:t>(</a:t>
-            </a:r>
-          </a:p>
-          <a:p>
-            <a:pPr marL="0" indent="0">
-              <a:buNone/>
-            </a:pPr>
-            <a:r>
-              <a:rPr lang="en-GB" sz="1600" dirty="0">
-                <a:latin typeface="Courier" pitchFamily="2" charset="0"/>
-              </a:rPr>
-              <a:t>        title: Text(</a:t>
-            </a:r>
-            <a:r>
-              <a:rPr lang="en-GB" sz="1600" dirty="0" err="1">
-                <a:latin typeface="Courier" pitchFamily="2" charset="0"/>
-              </a:rPr>
-              <a:t>HomePage.routename</a:t>
-            </a:r>
-            <a:r>
-              <a:rPr lang="en-GB" sz="1600" dirty="0">
-                <a:latin typeface="Courier" pitchFamily="2" charset="0"/>
-              </a:rPr>
-              <a:t>),</a:t>
-            </a:r>
-          </a:p>
-          <a:p>
-            <a:pPr marL="0" indent="0">
-              <a:buNone/>
-            </a:pPr>
-            <a:r>
-              <a:rPr lang="en-GB" sz="1600" dirty="0">
-                <a:latin typeface="Courier" pitchFamily="2" charset="0"/>
-              </a:rPr>
-              <a:t>      ),</a:t>
-            </a:r>
-          </a:p>
-          <a:p>
-            <a:pPr marL="0" indent="0">
-              <a:buNone/>
-            </a:pPr>
-            <a:r>
-              <a:rPr lang="en-GB" sz="1600" dirty="0">
-                <a:latin typeface="Courier" pitchFamily="2" charset="0"/>
-              </a:rPr>
-              <a:t>      ...</a:t>
-            </a:r>
-            <a:endParaRPr lang="en-IT" sz="1600" dirty="0">
-              <a:latin typeface="Courier" pitchFamily="2" charset="0"/>
-            </a:endParaRPr>
-          </a:p>
-        </p:txBody>
-      </p:sp>
-      <p:sp>
-        <p:nvSpPr>
-          <p:cNvPr id="5" name="Content Placeholder 5">
-            <a:extLst>
-              <a:ext uri="{FF2B5EF4-FFF2-40B4-BE49-F238E27FC236}">
-                <a16:creationId xmlns:a16="http://schemas.microsoft.com/office/drawing/2014/main" id="{2CD0E24D-F407-C340-8481-9E200196E293}"/>
-              </a:ext>
-            </a:extLst>
-          </p:cNvPr>
-          <p:cNvSpPr txBox="1">
-            <a:spLocks/>
-          </p:cNvSpPr>
-          <p:nvPr/>
-        </p:nvSpPr>
-        <p:spPr>
-          <a:xfrm>
-            <a:off x="6317585" y="1892873"/>
-            <a:ext cx="5146281" cy="5053180"/>
+            <a:off x="3592954" y="4014917"/>
+            <a:ext cx="5038750" cy="2204453"/>
           </a:xfrm>
           <a:prstGeom prst="rect">
             <a:avLst/>
           </a:prstGeom>
         </p:spPr>
-        <p:txBody>
-          <a:bodyPr vert="horz" lIns="91440" tIns="45720" rIns="91440" bIns="45720" rtlCol="0">
-            <a:normAutofit/>
-          </a:bodyPr>
-          <a:lstStyle>
-            <a:lvl1pPr marL="342900" indent="-342900" algn="l" defTabSz="914400" rtl="0" eaLnBrk="1" latinLnBrk="0" hangingPunct="1">
-              <a:lnSpc>
-                <a:spcPct val="90000"/>
-              </a:lnSpc>
-              <a:spcBef>
-                <a:spcPts val="1000"/>
-              </a:spcBef>
-              <a:buClr>
-                <a:srgbClr val="00B050"/>
-              </a:buClr>
-              <a:buFont typeface="Wingdings" panose="05000000000000000000" pitchFamily="2" charset="2"/>
-              <a:buChar char="Ø"/>
-              <a:defRPr sz="2400" kern="1200">
-                <a:solidFill>
-                  <a:schemeClr val="tx1"/>
-                </a:solidFill>
-                <a:latin typeface="Palatino Linotype" panose="02040502050505030304" pitchFamily="18" charset="0"/>
-                <a:ea typeface="+mn-ea"/>
-                <a:cs typeface="+mn-cs"/>
-              </a:defRPr>
-            </a:lvl1pPr>
-            <a:lvl2pPr marL="685800" indent="-228600" algn="l" defTabSz="914400" rtl="0" eaLnBrk="1" latinLnBrk="0" hangingPunct="1">
-              <a:lnSpc>
-                <a:spcPct val="90000"/>
-              </a:lnSpc>
-              <a:spcBef>
-                <a:spcPts val="500"/>
-              </a:spcBef>
-              <a:buClr>
-                <a:srgbClr val="00B050"/>
-              </a:buClr>
-              <a:buFont typeface="Wingdings" panose="05000000000000000000" pitchFamily="2" charset="2"/>
-              <a:buChar char="§"/>
-              <a:defRPr sz="2000" kern="1200">
-                <a:solidFill>
-                  <a:schemeClr val="tx1"/>
-                </a:solidFill>
-                <a:latin typeface="Palatino Linotype" panose="02040502050505030304" pitchFamily="18" charset="0"/>
-                <a:ea typeface="+mn-ea"/>
-                <a:cs typeface="+mn-cs"/>
-              </a:defRPr>
-            </a:lvl2pPr>
-            <a:lvl3pPr marL="1143000" indent="-228600" algn="l" defTabSz="914400" rtl="0" eaLnBrk="1" latinLnBrk="0" hangingPunct="1">
-              <a:lnSpc>
-                <a:spcPct val="90000"/>
-              </a:lnSpc>
-              <a:spcBef>
-                <a:spcPts val="500"/>
-              </a:spcBef>
-              <a:buClr>
-                <a:srgbClr val="00B050"/>
-              </a:buClr>
-              <a:buFont typeface="Arial" panose="020B0604020202020204" pitchFamily="34" charset="0"/>
-              <a:buChar char="•"/>
-              <a:defRPr sz="1800" kern="1200">
-                <a:solidFill>
-                  <a:schemeClr val="tx1"/>
-                </a:solidFill>
-                <a:latin typeface="Palatino Linotype" panose="02040502050505030304" pitchFamily="18" charset="0"/>
-                <a:ea typeface="+mn-ea"/>
-                <a:cs typeface="+mn-cs"/>
-              </a:defRPr>
-            </a:lvl3pPr>
-            <a:lvl4pPr marL="1600200" indent="-228600" algn="l" defTabSz="914400" rtl="0" eaLnBrk="1" latinLnBrk="0" hangingPunct="1">
-              <a:lnSpc>
-                <a:spcPct val="90000"/>
-              </a:lnSpc>
-              <a:spcBef>
-                <a:spcPts val="500"/>
-              </a:spcBef>
-              <a:buClr>
-                <a:srgbClr val="00B050"/>
-              </a:buClr>
-              <a:buFont typeface="Courier New" panose="02070309020205020404" pitchFamily="49" charset="0"/>
-              <a:buChar char="o"/>
-              <a:defRPr sz="1600" kern="1200">
-                <a:solidFill>
-                  <a:schemeClr val="tx1"/>
-                </a:solidFill>
-                <a:latin typeface="Palatino Linotype" panose="02040502050505030304" pitchFamily="18" charset="0"/>
-                <a:ea typeface="+mn-ea"/>
-                <a:cs typeface="+mn-cs"/>
-              </a:defRPr>
-            </a:lvl4pPr>
-            <a:lvl5pPr marL="2057400" indent="-228600" algn="l" defTabSz="914400" rtl="0" eaLnBrk="1" latinLnBrk="0" hangingPunct="1">
-              <a:lnSpc>
-                <a:spcPct val="90000"/>
-              </a:lnSpc>
-              <a:spcBef>
-                <a:spcPts val="500"/>
-              </a:spcBef>
-              <a:buClr>
-                <a:srgbClr val="00B050"/>
-              </a:buClr>
-              <a:buFont typeface="Times New Roman" panose="02020603050405020304" pitchFamily="18" charset="0"/>
-              <a:buChar char="̶"/>
-              <a:defRPr sz="1600" kern="1200">
-                <a:solidFill>
-                  <a:schemeClr val="tx1"/>
-                </a:solidFill>
-                <a:latin typeface="Palatino Linotype" panose="02040502050505030304" pitchFamily="18" charset="0"/>
-                <a:ea typeface="+mn-ea"/>
-                <a:cs typeface="+mn-cs"/>
-              </a:defRPr>
-            </a:lvl5pPr>
-            <a:lvl6pPr marL="2514600" indent="-228600" algn="l" defTabSz="914400" rtl="0" eaLnBrk="1" latinLnBrk="0" hangingPunct="1">
-              <a:lnSpc>
-                <a:spcPct val="90000"/>
-              </a:lnSpc>
-              <a:spcBef>
-                <a:spcPts val="500"/>
-              </a:spcBef>
-              <a:buFont typeface="Arial" panose="020B0604020202020204" pitchFamily="34" charset="0"/>
-              <a:buChar char="•"/>
-              <a:defRPr sz="1800" kern="1200">
-                <a:solidFill>
-                  <a:schemeClr val="tx1"/>
-                </a:solidFill>
-                <a:latin typeface="+mn-lt"/>
-                <a:ea typeface="+mn-ea"/>
-                <a:cs typeface="+mn-cs"/>
-              </a:defRPr>
-            </a:lvl6pPr>
-            <a:lvl7pPr marL="2971800" indent="-228600" algn="l" defTabSz="914400" rtl="0" eaLnBrk="1" latinLnBrk="0" hangingPunct="1">
-              <a:lnSpc>
-                <a:spcPct val="90000"/>
-              </a:lnSpc>
-              <a:spcBef>
-                <a:spcPts val="500"/>
-              </a:spcBef>
-              <a:buFont typeface="Arial" panose="020B0604020202020204" pitchFamily="34" charset="0"/>
-              <a:buChar char="•"/>
-              <a:defRPr sz="1800" kern="1200">
-                <a:solidFill>
-                  <a:schemeClr val="tx1"/>
-                </a:solidFill>
-                <a:latin typeface="+mn-lt"/>
-                <a:ea typeface="+mn-ea"/>
-                <a:cs typeface="+mn-cs"/>
-              </a:defRPr>
-            </a:lvl7pPr>
-            <a:lvl8pPr marL="3429000" indent="-228600" algn="l" defTabSz="914400" rtl="0" eaLnBrk="1" latinLnBrk="0" hangingPunct="1">
-              <a:lnSpc>
-                <a:spcPct val="90000"/>
-              </a:lnSpc>
-              <a:spcBef>
-                <a:spcPts val="500"/>
-              </a:spcBef>
-              <a:buFont typeface="Arial" panose="020B0604020202020204" pitchFamily="34" charset="0"/>
-              <a:buChar char="•"/>
-              <a:defRPr sz="1800" kern="1200">
-                <a:solidFill>
-                  <a:schemeClr val="tx1"/>
-                </a:solidFill>
-                <a:latin typeface="+mn-lt"/>
-                <a:ea typeface="+mn-ea"/>
-                <a:cs typeface="+mn-cs"/>
-              </a:defRPr>
-            </a:lvl8pPr>
-            <a:lvl9pPr marL="3886200" indent="-228600" algn="l" defTabSz="914400" rtl="0" eaLnBrk="1" latinLnBrk="0" hangingPunct="1">
-              <a:lnSpc>
-                <a:spcPct val="90000"/>
-              </a:lnSpc>
-              <a:spcBef>
-                <a:spcPts val="500"/>
-              </a:spcBef>
-              <a:buFont typeface="Arial" panose="020B0604020202020204" pitchFamily="34" charset="0"/>
-              <a:buChar char="•"/>
-              <a:defRPr sz="1800" kern="1200">
-                <a:solidFill>
-                  <a:schemeClr val="tx1"/>
-                </a:solidFill>
-                <a:latin typeface="+mn-lt"/>
-                <a:ea typeface="+mn-ea"/>
-                <a:cs typeface="+mn-cs"/>
-              </a:defRPr>
-            </a:lvl9pPr>
-          </a:lstStyle>
-          <a:p>
-            <a:pPr marL="0" indent="0">
-              <a:buFont typeface="Wingdings" panose="05000000000000000000" pitchFamily="2" charset="2"/>
-              <a:buNone/>
-            </a:pPr>
-            <a:r>
-              <a:rPr lang="en-GB" sz="1600" dirty="0">
-                <a:latin typeface="Courier" pitchFamily="2" charset="0"/>
-              </a:rPr>
-              <a:t>...</a:t>
-            </a:r>
-          </a:p>
-          <a:p>
-            <a:pPr marL="0" indent="0">
-              <a:buFont typeface="Wingdings" panose="05000000000000000000" pitchFamily="2" charset="2"/>
-              <a:buNone/>
-            </a:pPr>
-            <a:r>
-              <a:rPr lang="en-GB" sz="1600" dirty="0">
-                <a:latin typeface="Courier" pitchFamily="2" charset="0"/>
-              </a:rPr>
-              <a:t>body: </a:t>
-            </a:r>
-            <a:r>
-              <a:rPr lang="en-GB" sz="1600" dirty="0" err="1">
-                <a:latin typeface="Courier" pitchFamily="2" charset="0"/>
-              </a:rPr>
-              <a:t>Center</a:t>
-            </a:r>
-            <a:r>
-              <a:rPr lang="en-GB" sz="1600" dirty="0">
-                <a:latin typeface="Courier" pitchFamily="2" charset="0"/>
-              </a:rPr>
-              <a:t>(</a:t>
-            </a:r>
-          </a:p>
-          <a:p>
-            <a:pPr marL="0" indent="0">
-              <a:buFont typeface="Wingdings" panose="05000000000000000000" pitchFamily="2" charset="2"/>
-              <a:buNone/>
-            </a:pPr>
-            <a:r>
-              <a:rPr lang="en-GB" sz="1600" dirty="0">
-                <a:latin typeface="Courier" pitchFamily="2" charset="0"/>
-              </a:rPr>
-              <a:t>        child: </a:t>
-            </a:r>
-            <a:r>
-              <a:rPr lang="en-GB" sz="1600" dirty="0" err="1">
-                <a:latin typeface="Courier" pitchFamily="2" charset="0"/>
-              </a:rPr>
-              <a:t>ElevatedButton</a:t>
-            </a:r>
-            <a:r>
-              <a:rPr lang="en-GB" sz="1600" dirty="0">
-                <a:latin typeface="Courier" pitchFamily="2" charset="0"/>
-              </a:rPr>
-              <a:t>(</a:t>
-            </a:r>
-          </a:p>
-          <a:p>
-            <a:pPr marL="0" indent="0">
-              <a:buFont typeface="Wingdings" panose="05000000000000000000" pitchFamily="2" charset="2"/>
-              <a:buNone/>
-            </a:pPr>
-            <a:r>
-              <a:rPr lang="en-GB" sz="1600" dirty="0">
-                <a:latin typeface="Courier" pitchFamily="2" charset="0"/>
-              </a:rPr>
-              <a:t>          child: Text('To the profile'),</a:t>
-            </a:r>
-          </a:p>
-          <a:p>
-            <a:pPr marL="0" indent="0">
-              <a:buFont typeface="Wingdings" panose="05000000000000000000" pitchFamily="2" charset="2"/>
-              <a:buNone/>
-            </a:pPr>
-            <a:r>
-              <a:rPr lang="en-GB" sz="1600" dirty="0">
-                <a:latin typeface="Courier" pitchFamily="2" charset="0"/>
-              </a:rPr>
-              <a:t>          </a:t>
-            </a:r>
-            <a:r>
-              <a:rPr lang="en-GB" sz="1600" dirty="0" err="1">
-                <a:latin typeface="Courier" pitchFamily="2" charset="0"/>
-              </a:rPr>
-              <a:t>onPressed</a:t>
-            </a:r>
-            <a:r>
-              <a:rPr lang="en-GB" sz="1600" dirty="0">
-                <a:latin typeface="Courier" pitchFamily="2" charset="0"/>
-              </a:rPr>
-              <a:t>: () {</a:t>
-            </a:r>
-          </a:p>
-          <a:p>
-            <a:pPr marL="0" indent="0">
-              <a:buFont typeface="Wingdings" panose="05000000000000000000" pitchFamily="2" charset="2"/>
-              <a:buNone/>
-            </a:pPr>
-            <a:r>
-              <a:rPr lang="en-GB" sz="1600" dirty="0">
-                <a:latin typeface="Courier" pitchFamily="2" charset="0"/>
-              </a:rPr>
-              <a:t>            </a:t>
-            </a:r>
-            <a:r>
-              <a:rPr lang="en-GB" sz="1600" b="1" dirty="0">
-                <a:highlight>
-                  <a:srgbClr val="FFFF00"/>
-                </a:highlight>
-                <a:latin typeface="Courier" pitchFamily="2" charset="0"/>
-              </a:rPr>
-              <a:t>//TODO: implement the navigation</a:t>
-            </a:r>
-          </a:p>
-          <a:p>
-            <a:pPr marL="0" indent="0">
-              <a:buFont typeface="Wingdings" panose="05000000000000000000" pitchFamily="2" charset="2"/>
-              <a:buNone/>
-            </a:pPr>
-            <a:r>
-              <a:rPr lang="en-GB" sz="1600" dirty="0">
-                <a:latin typeface="Courier" pitchFamily="2" charset="0"/>
-              </a:rPr>
-              <a:t>          },</a:t>
-            </a:r>
-          </a:p>
-          <a:p>
-            <a:pPr marL="0" indent="0">
-              <a:buFont typeface="Wingdings" panose="05000000000000000000" pitchFamily="2" charset="2"/>
-              <a:buNone/>
-            </a:pPr>
-            <a:r>
-              <a:rPr lang="en-GB" sz="1600" dirty="0">
-                <a:latin typeface="Courier" pitchFamily="2" charset="0"/>
-              </a:rPr>
-              <a:t>        ),</a:t>
-            </a:r>
-          </a:p>
-          <a:p>
-            <a:pPr marL="0" indent="0">
-              <a:buFont typeface="Wingdings" panose="05000000000000000000" pitchFamily="2" charset="2"/>
-              <a:buNone/>
-            </a:pPr>
-            <a:r>
-              <a:rPr lang="en-GB" sz="1600" dirty="0">
-                <a:latin typeface="Courier" pitchFamily="2" charset="0"/>
-              </a:rPr>
-              <a:t>      ),</a:t>
-            </a:r>
-          </a:p>
-          <a:p>
-            <a:pPr marL="0" indent="0">
-              <a:buFont typeface="Wingdings" panose="05000000000000000000" pitchFamily="2" charset="2"/>
-              <a:buNone/>
-            </a:pPr>
-            <a:r>
-              <a:rPr lang="en-GB" sz="1600" dirty="0">
-                <a:latin typeface="Courier" pitchFamily="2" charset="0"/>
-              </a:rPr>
-              <a:t>    );</a:t>
-            </a:r>
-          </a:p>
-          <a:p>
-            <a:pPr marL="0" indent="0">
-              <a:buFont typeface="Wingdings" panose="05000000000000000000" pitchFamily="2" charset="2"/>
-              <a:buNone/>
-            </a:pPr>
-            <a:r>
-              <a:rPr lang="en-GB" sz="1600" dirty="0">
-                <a:latin typeface="Courier" pitchFamily="2" charset="0"/>
-              </a:rPr>
-              <a:t>  } //build</a:t>
-            </a:r>
-          </a:p>
-          <a:p>
-            <a:pPr marL="0" indent="0">
-              <a:buFont typeface="Wingdings" panose="05000000000000000000" pitchFamily="2" charset="2"/>
-              <a:buNone/>
-            </a:pPr>
-            <a:r>
-              <a:rPr lang="en-GB" sz="1600" dirty="0">
-                <a:latin typeface="Courier" pitchFamily="2" charset="0"/>
-              </a:rPr>
-              <a:t>} //</a:t>
-            </a:r>
-            <a:r>
-              <a:rPr lang="en-GB" sz="1600" dirty="0" err="1">
-                <a:latin typeface="Courier" pitchFamily="2" charset="0"/>
-              </a:rPr>
-              <a:t>HomePage</a:t>
-            </a:r>
-            <a:endParaRPr lang="en-IT" sz="1600" dirty="0">
-              <a:latin typeface="Courier" pitchFamily="2" charset="0"/>
-            </a:endParaRPr>
-          </a:p>
-        </p:txBody>
-      </p:sp>
+      </p:pic>
     </p:spTree>
     <p:extLst>
       <p:ext uri="{BB962C8B-B14F-4D97-AF65-F5344CB8AC3E}">
-        <p14:creationId xmlns:p14="http://schemas.microsoft.com/office/powerpoint/2010/main" val="981630110"/>
+        <p14:creationId xmlns:p14="http://schemas.microsoft.com/office/powerpoint/2010/main" val="210725114"/>
       </p:ext>
     </p:extLst>
   </p:cSld>

--- a/lab_06-navigation/lab_06-navigation.pptx
+++ b/lab_06-navigation/lab_06-navigation.pptx
@@ -234,7 +234,7 @@
           <a:p>
             <a:fld id="{81C4B3FE-0320-8142-8396-5C3025C019EC}" type="datetimeFigureOut">
               <a:rPr lang="en-IT" smtClean="0"/>
-              <a:t>24/02/22</a:t>
+              <a:t>05/04/22</a:t>
             </a:fld>
             <a:endParaRPr lang="en-IT"/>
           </a:p>
@@ -2632,6 +2632,7 @@
     <p:sldLayoutId id="2147483649" r:id="rId3"/>
     <p:sldLayoutId id="2147483654" r:id="rId4"/>
   </p:sldLayoutIdLst>
+  <p:hf hdr="0" ftr="0" dt="0"/>
   <p:txStyles>
     <p:titleStyle>
       <a:lvl1pPr algn="ctr" defTabSz="914400" rtl="0" eaLnBrk="1" latinLnBrk="0" hangingPunct="1">
@@ -3765,6 +3766,35 @@
           </a:p>
         </p:txBody>
       </p:sp>
+      <p:sp>
+        <p:nvSpPr>
+          <p:cNvPr id="3" name="Slide Number Placeholder 2">
+            <a:extLst>
+              <a:ext uri="{FF2B5EF4-FFF2-40B4-BE49-F238E27FC236}">
+                <a16:creationId xmlns:a16="http://schemas.microsoft.com/office/drawing/2014/main" id="{E0B2C557-26F1-654F-B142-2DD059D7B5A9}"/>
+              </a:ext>
+            </a:extLst>
+          </p:cNvPr>
+          <p:cNvSpPr>
+            <a:spLocks noGrp="1"/>
+          </p:cNvSpPr>
+          <p:nvPr>
+            <p:ph type="sldNum" sz="quarter" idx="12"/>
+          </p:nvPr>
+        </p:nvSpPr>
+        <p:spPr/>
+        <p:txBody>
+          <a:bodyPr/>
+          <a:lstStyle/>
+          <a:p>
+            <a:fld id="{31DE2C5B-556E-47B8-A792-024C2FCA4ACC}" type="slidenum">
+              <a:rPr lang="en-GB" smtClean="0"/>
+              <a:t>10</a:t>
+            </a:fld>
+            <a:endParaRPr lang="en-GB"/>
+          </a:p>
+        </p:txBody>
+      </p:sp>
     </p:spTree>
     <p:extLst>
       <p:ext uri="{BB962C8B-B14F-4D97-AF65-F5344CB8AC3E}">
@@ -4538,6 +4568,35 @@
           </a:p>
         </p:txBody>
       </p:sp>
+      <p:sp>
+        <p:nvSpPr>
+          <p:cNvPr id="3" name="Slide Number Placeholder 2">
+            <a:extLst>
+              <a:ext uri="{FF2B5EF4-FFF2-40B4-BE49-F238E27FC236}">
+                <a16:creationId xmlns:a16="http://schemas.microsoft.com/office/drawing/2014/main" id="{C164796E-1C23-914E-8970-BF747B14764F}"/>
+              </a:ext>
+            </a:extLst>
+          </p:cNvPr>
+          <p:cNvSpPr>
+            <a:spLocks noGrp="1"/>
+          </p:cNvSpPr>
+          <p:nvPr>
+            <p:ph type="sldNum" sz="quarter" idx="12"/>
+          </p:nvPr>
+        </p:nvSpPr>
+        <p:spPr/>
+        <p:txBody>
+          <a:bodyPr/>
+          <a:lstStyle/>
+          <a:p>
+            <a:fld id="{31DE2C5B-556E-47B8-A792-024C2FCA4ACC}" type="slidenum">
+              <a:rPr lang="en-GB" smtClean="0"/>
+              <a:t>11</a:t>
+            </a:fld>
+            <a:endParaRPr lang="en-GB"/>
+          </a:p>
+        </p:txBody>
+      </p:sp>
     </p:spTree>
     <p:extLst>
       <p:ext uri="{BB962C8B-B14F-4D97-AF65-F5344CB8AC3E}">
@@ -4984,6 +5043,35 @@
           </a:p>
         </p:txBody>
       </p:sp>
+      <p:sp>
+        <p:nvSpPr>
+          <p:cNvPr id="3" name="Slide Number Placeholder 2">
+            <a:extLst>
+              <a:ext uri="{FF2B5EF4-FFF2-40B4-BE49-F238E27FC236}">
+                <a16:creationId xmlns:a16="http://schemas.microsoft.com/office/drawing/2014/main" id="{E5AE08FD-DFA2-404D-B75D-D2BD33598355}"/>
+              </a:ext>
+            </a:extLst>
+          </p:cNvPr>
+          <p:cNvSpPr>
+            <a:spLocks noGrp="1"/>
+          </p:cNvSpPr>
+          <p:nvPr>
+            <p:ph type="sldNum" sz="quarter" idx="12"/>
+          </p:nvPr>
+        </p:nvSpPr>
+        <p:spPr/>
+        <p:txBody>
+          <a:bodyPr/>
+          <a:lstStyle/>
+          <a:p>
+            <a:fld id="{31DE2C5B-556E-47B8-A792-024C2FCA4ACC}" type="slidenum">
+              <a:rPr lang="en-GB" smtClean="0"/>
+              <a:t>12</a:t>
+            </a:fld>
+            <a:endParaRPr lang="en-GB"/>
+          </a:p>
+        </p:txBody>
+      </p:sp>
     </p:spTree>
     <p:extLst>
       <p:ext uri="{BB962C8B-B14F-4D97-AF65-F5344CB8AC3E}">
@@ -6040,18 +6128,6 @@
               <a:rPr lang="en-GB" sz="1600" b="1" dirty="0" err="1">
                 <a:latin typeface="Courier" pitchFamily="2" charset="0"/>
               </a:rPr>
-              <a:t>const</a:t>
-            </a:r>
-            <a:r>
-              <a:rPr lang="en-GB" sz="1600" b="1" dirty="0">
-                <a:latin typeface="Courier" pitchFamily="2" charset="0"/>
-              </a:rPr>
-              <a:t> </a:t>
-            </a:r>
-            <a:r>
-              <a:rPr lang="en-GB" sz="1600" b="1" dirty="0" err="1">
-                <a:latin typeface="Courier" pitchFamily="2" charset="0"/>
-              </a:rPr>
               <a:t>ProfilePage</a:t>
             </a:r>
             <a:r>
@@ -6594,6 +6670,35 @@
               <a:t>Navigator.push()</a:t>
             </a:r>
             <a:endParaRPr lang="en-IT" sz="1100" dirty="0"/>
+          </a:p>
+        </p:txBody>
+      </p:sp>
+      <p:sp>
+        <p:nvSpPr>
+          <p:cNvPr id="3" name="Slide Number Placeholder 2">
+            <a:extLst>
+              <a:ext uri="{FF2B5EF4-FFF2-40B4-BE49-F238E27FC236}">
+                <a16:creationId xmlns:a16="http://schemas.microsoft.com/office/drawing/2014/main" id="{CBDFD127-88C2-C642-9D87-5BF9F2019D02}"/>
+              </a:ext>
+            </a:extLst>
+          </p:cNvPr>
+          <p:cNvSpPr>
+            <a:spLocks noGrp="1"/>
+          </p:cNvSpPr>
+          <p:nvPr>
+            <p:ph type="sldNum" sz="quarter" idx="12"/>
+          </p:nvPr>
+        </p:nvSpPr>
+        <p:spPr/>
+        <p:txBody>
+          <a:bodyPr/>
+          <a:lstStyle/>
+          <a:p>
+            <a:fld id="{31DE2C5B-556E-47B8-A792-024C2FCA4ACC}" type="slidenum">
+              <a:rPr lang="en-GB" smtClean="0"/>
+              <a:t>13</a:t>
+            </a:fld>
+            <a:endParaRPr lang="en-GB"/>
           </a:p>
         </p:txBody>
       </p:sp>
@@ -7361,6 +7466,35 @@
           </a:p>
         </p:txBody>
       </p:sp>
+      <p:sp>
+        <p:nvSpPr>
+          <p:cNvPr id="3" name="Slide Number Placeholder 2">
+            <a:extLst>
+              <a:ext uri="{FF2B5EF4-FFF2-40B4-BE49-F238E27FC236}">
+                <a16:creationId xmlns:a16="http://schemas.microsoft.com/office/drawing/2014/main" id="{879E1271-A494-ED44-AB27-D181BD3A1608}"/>
+              </a:ext>
+            </a:extLst>
+          </p:cNvPr>
+          <p:cNvSpPr>
+            <a:spLocks noGrp="1"/>
+          </p:cNvSpPr>
+          <p:nvPr>
+            <p:ph type="sldNum" sz="quarter" idx="12"/>
+          </p:nvPr>
+        </p:nvSpPr>
+        <p:spPr/>
+        <p:txBody>
+          <a:bodyPr/>
+          <a:lstStyle/>
+          <a:p>
+            <a:fld id="{31DE2C5B-556E-47B8-A792-024C2FCA4ACC}" type="slidenum">
+              <a:rPr lang="en-GB" smtClean="0"/>
+              <a:t>14</a:t>
+            </a:fld>
+            <a:endParaRPr lang="en-GB"/>
+          </a:p>
+        </p:txBody>
+      </p:sp>
     </p:spTree>
     <p:extLst>
       <p:ext uri="{BB962C8B-B14F-4D97-AF65-F5344CB8AC3E}">
@@ -7562,6 +7696,35 @@
           </a:p>
         </p:txBody>
       </p:sp>
+      <p:sp>
+        <p:nvSpPr>
+          <p:cNvPr id="4" name="Slide Number Placeholder 3">
+            <a:extLst>
+              <a:ext uri="{FF2B5EF4-FFF2-40B4-BE49-F238E27FC236}">
+                <a16:creationId xmlns:a16="http://schemas.microsoft.com/office/drawing/2014/main" id="{7EE42D93-64B8-AA4E-9B71-607EA3D58073}"/>
+              </a:ext>
+            </a:extLst>
+          </p:cNvPr>
+          <p:cNvSpPr>
+            <a:spLocks noGrp="1"/>
+          </p:cNvSpPr>
+          <p:nvPr>
+            <p:ph type="sldNum" sz="quarter" idx="12"/>
+          </p:nvPr>
+        </p:nvSpPr>
+        <p:spPr/>
+        <p:txBody>
+          <a:bodyPr/>
+          <a:lstStyle/>
+          <a:p>
+            <a:fld id="{31DE2C5B-556E-47B8-A792-024C2FCA4ACC}" type="slidenum">
+              <a:rPr lang="en-GB" smtClean="0"/>
+              <a:t>15</a:t>
+            </a:fld>
+            <a:endParaRPr lang="en-GB"/>
+          </a:p>
+        </p:txBody>
+      </p:sp>
     </p:spTree>
     <p:extLst>
       <p:ext uri="{BB962C8B-B14F-4D97-AF65-F5344CB8AC3E}">
@@ -7737,6 +7900,35 @@
           </a:p>
         </p:txBody>
       </p:sp>
+      <p:sp>
+        <p:nvSpPr>
+          <p:cNvPr id="4" name="Slide Number Placeholder 3">
+            <a:extLst>
+              <a:ext uri="{FF2B5EF4-FFF2-40B4-BE49-F238E27FC236}">
+                <a16:creationId xmlns:a16="http://schemas.microsoft.com/office/drawing/2014/main" id="{322FC86B-EC6C-4344-AA70-A15054DA4CC4}"/>
+              </a:ext>
+            </a:extLst>
+          </p:cNvPr>
+          <p:cNvSpPr>
+            <a:spLocks noGrp="1"/>
+          </p:cNvSpPr>
+          <p:nvPr>
+            <p:ph type="sldNum" sz="quarter" idx="12"/>
+          </p:nvPr>
+        </p:nvSpPr>
+        <p:spPr/>
+        <p:txBody>
+          <a:bodyPr/>
+          <a:lstStyle/>
+          <a:p>
+            <a:fld id="{31DE2C5B-556E-47B8-A792-024C2FCA4ACC}" type="slidenum">
+              <a:rPr lang="en-GB" smtClean="0"/>
+              <a:t>16</a:t>
+            </a:fld>
+            <a:endParaRPr lang="en-GB"/>
+          </a:p>
+        </p:txBody>
+      </p:sp>
     </p:spTree>
     <p:extLst>
       <p:ext uri="{BB962C8B-B14F-4D97-AF65-F5344CB8AC3E}">
@@ -8161,6 +8353,35 @@
           </a:fontRef>
         </p:style>
       </p:cxnSp>
+      <p:sp>
+        <p:nvSpPr>
+          <p:cNvPr id="7" name="Slide Number Placeholder 6">
+            <a:extLst>
+              <a:ext uri="{FF2B5EF4-FFF2-40B4-BE49-F238E27FC236}">
+                <a16:creationId xmlns:a16="http://schemas.microsoft.com/office/drawing/2014/main" id="{E0CBED1D-48FE-0A4C-9B90-AAF72EB51143}"/>
+              </a:ext>
+            </a:extLst>
+          </p:cNvPr>
+          <p:cNvSpPr>
+            <a:spLocks noGrp="1"/>
+          </p:cNvSpPr>
+          <p:nvPr>
+            <p:ph type="sldNum" sz="quarter" idx="12"/>
+          </p:nvPr>
+        </p:nvSpPr>
+        <p:spPr/>
+        <p:txBody>
+          <a:bodyPr/>
+          <a:lstStyle/>
+          <a:p>
+            <a:fld id="{31DE2C5B-556E-47B8-A792-024C2FCA4ACC}" type="slidenum">
+              <a:rPr lang="en-GB" smtClean="0"/>
+              <a:t>17</a:t>
+            </a:fld>
+            <a:endParaRPr lang="en-GB"/>
+          </a:p>
+        </p:txBody>
+      </p:sp>
     </p:spTree>
     <p:extLst>
       <p:ext uri="{BB962C8B-B14F-4D97-AF65-F5344CB8AC3E}">
@@ -9749,6 +9970,35 @@
           </a:p>
         </p:txBody>
       </p:sp>
+      <p:sp>
+        <p:nvSpPr>
+          <p:cNvPr id="3" name="Slide Number Placeholder 2">
+            <a:extLst>
+              <a:ext uri="{FF2B5EF4-FFF2-40B4-BE49-F238E27FC236}">
+                <a16:creationId xmlns:a16="http://schemas.microsoft.com/office/drawing/2014/main" id="{B7D1818D-4C05-5242-900B-869A1A18CC53}"/>
+              </a:ext>
+            </a:extLst>
+          </p:cNvPr>
+          <p:cNvSpPr>
+            <a:spLocks noGrp="1"/>
+          </p:cNvSpPr>
+          <p:nvPr>
+            <p:ph type="sldNum" sz="quarter" idx="12"/>
+          </p:nvPr>
+        </p:nvSpPr>
+        <p:spPr/>
+        <p:txBody>
+          <a:bodyPr/>
+          <a:lstStyle/>
+          <a:p>
+            <a:fld id="{31DE2C5B-556E-47B8-A792-024C2FCA4ACC}" type="slidenum">
+              <a:rPr lang="en-GB" smtClean="0"/>
+              <a:t>18</a:t>
+            </a:fld>
+            <a:endParaRPr lang="en-GB"/>
+          </a:p>
+        </p:txBody>
+      </p:sp>
     </p:spTree>
     <p:extLst>
       <p:ext uri="{BB962C8B-B14F-4D97-AF65-F5344CB8AC3E}">
@@ -9950,6 +10200,35 @@
           </a:p>
         </p:txBody>
       </p:sp>
+      <p:sp>
+        <p:nvSpPr>
+          <p:cNvPr id="4" name="Slide Number Placeholder 3">
+            <a:extLst>
+              <a:ext uri="{FF2B5EF4-FFF2-40B4-BE49-F238E27FC236}">
+                <a16:creationId xmlns:a16="http://schemas.microsoft.com/office/drawing/2014/main" id="{84BFC48C-46D7-164D-B8A5-DF6FF27A4441}"/>
+              </a:ext>
+            </a:extLst>
+          </p:cNvPr>
+          <p:cNvSpPr>
+            <a:spLocks noGrp="1"/>
+          </p:cNvSpPr>
+          <p:nvPr>
+            <p:ph type="sldNum" sz="quarter" idx="12"/>
+          </p:nvPr>
+        </p:nvSpPr>
+        <p:spPr/>
+        <p:txBody>
+          <a:bodyPr/>
+          <a:lstStyle/>
+          <a:p>
+            <a:fld id="{31DE2C5B-556E-47B8-A792-024C2FCA4ACC}" type="slidenum">
+              <a:rPr lang="en-GB" smtClean="0"/>
+              <a:t>19</a:t>
+            </a:fld>
+            <a:endParaRPr lang="en-GB"/>
+          </a:p>
+        </p:txBody>
+      </p:sp>
     </p:spTree>
     <p:extLst>
       <p:ext uri="{BB962C8B-B14F-4D97-AF65-F5344CB8AC3E}">
@@ -10148,6 +10427,35 @@
           </a:p>
           <a:p>
             <a:endParaRPr lang="en-GB" dirty="0"/>
+          </a:p>
+        </p:txBody>
+      </p:sp>
+      <p:sp>
+        <p:nvSpPr>
+          <p:cNvPr id="4" name="Slide Number Placeholder 3">
+            <a:extLst>
+              <a:ext uri="{FF2B5EF4-FFF2-40B4-BE49-F238E27FC236}">
+                <a16:creationId xmlns:a16="http://schemas.microsoft.com/office/drawing/2014/main" id="{B0275233-B923-8E48-A452-294188744343}"/>
+              </a:ext>
+            </a:extLst>
+          </p:cNvPr>
+          <p:cNvSpPr>
+            <a:spLocks noGrp="1"/>
+          </p:cNvSpPr>
+          <p:nvPr>
+            <p:ph type="sldNum" sz="quarter" idx="12"/>
+          </p:nvPr>
+        </p:nvSpPr>
+        <p:spPr/>
+        <p:txBody>
+          <a:bodyPr/>
+          <a:lstStyle/>
+          <a:p>
+            <a:fld id="{31DE2C5B-556E-47B8-A792-024C2FCA4ACC}" type="slidenum">
+              <a:rPr lang="en-GB" smtClean="0"/>
+              <a:t>2</a:t>
+            </a:fld>
+            <a:endParaRPr lang="en-GB"/>
           </a:p>
         </p:txBody>
       </p:sp>
@@ -10468,6 +10776,35 @@
           </a:fontRef>
         </p:style>
       </p:cxnSp>
+      <p:sp>
+        <p:nvSpPr>
+          <p:cNvPr id="3" name="Slide Number Placeholder 2">
+            <a:extLst>
+              <a:ext uri="{FF2B5EF4-FFF2-40B4-BE49-F238E27FC236}">
+                <a16:creationId xmlns:a16="http://schemas.microsoft.com/office/drawing/2014/main" id="{89F0D3FF-3086-0A41-BE91-8A14CECCE9E0}"/>
+              </a:ext>
+            </a:extLst>
+          </p:cNvPr>
+          <p:cNvSpPr>
+            <a:spLocks noGrp="1"/>
+          </p:cNvSpPr>
+          <p:nvPr>
+            <p:ph type="sldNum" sz="quarter" idx="12"/>
+          </p:nvPr>
+        </p:nvSpPr>
+        <p:spPr/>
+        <p:txBody>
+          <a:bodyPr/>
+          <a:lstStyle/>
+          <a:p>
+            <a:fld id="{31DE2C5B-556E-47B8-A792-024C2FCA4ACC}" type="slidenum">
+              <a:rPr lang="en-GB" smtClean="0"/>
+              <a:t>20</a:t>
+            </a:fld>
+            <a:endParaRPr lang="en-GB"/>
+          </a:p>
+        </p:txBody>
+      </p:sp>
     </p:spTree>
     <p:extLst>
       <p:ext uri="{BB962C8B-B14F-4D97-AF65-F5344CB8AC3E}">
@@ -11369,6 +11706,35 @@
           </a:p>
         </p:txBody>
       </p:sp>
+      <p:sp>
+        <p:nvSpPr>
+          <p:cNvPr id="3" name="Slide Number Placeholder 2">
+            <a:extLst>
+              <a:ext uri="{FF2B5EF4-FFF2-40B4-BE49-F238E27FC236}">
+                <a16:creationId xmlns:a16="http://schemas.microsoft.com/office/drawing/2014/main" id="{5E9FB28B-B6BD-794F-BB0D-C712EDE4D5EF}"/>
+              </a:ext>
+            </a:extLst>
+          </p:cNvPr>
+          <p:cNvSpPr>
+            <a:spLocks noGrp="1"/>
+          </p:cNvSpPr>
+          <p:nvPr>
+            <p:ph type="sldNum" sz="quarter" idx="12"/>
+          </p:nvPr>
+        </p:nvSpPr>
+        <p:spPr/>
+        <p:txBody>
+          <a:bodyPr/>
+          <a:lstStyle/>
+          <a:p>
+            <a:fld id="{31DE2C5B-556E-47B8-A792-024C2FCA4ACC}" type="slidenum">
+              <a:rPr lang="en-GB" smtClean="0"/>
+              <a:t>21</a:t>
+            </a:fld>
+            <a:endParaRPr lang="en-GB"/>
+          </a:p>
+        </p:txBody>
+      </p:sp>
     </p:spTree>
     <p:extLst>
       <p:ext uri="{BB962C8B-B14F-4D97-AF65-F5344CB8AC3E}">
@@ -11635,6 +12001,35 @@
           </a:p>
         </p:txBody>
       </p:sp>
+      <p:sp>
+        <p:nvSpPr>
+          <p:cNvPr id="4" name="Slide Number Placeholder 3">
+            <a:extLst>
+              <a:ext uri="{FF2B5EF4-FFF2-40B4-BE49-F238E27FC236}">
+                <a16:creationId xmlns:a16="http://schemas.microsoft.com/office/drawing/2014/main" id="{D32756C3-B67B-6144-81A9-ACE6CC97099D}"/>
+              </a:ext>
+            </a:extLst>
+          </p:cNvPr>
+          <p:cNvSpPr>
+            <a:spLocks noGrp="1"/>
+          </p:cNvSpPr>
+          <p:nvPr>
+            <p:ph type="sldNum" sz="quarter" idx="12"/>
+          </p:nvPr>
+        </p:nvSpPr>
+        <p:spPr/>
+        <p:txBody>
+          <a:bodyPr/>
+          <a:lstStyle/>
+          <a:p>
+            <a:fld id="{31DE2C5B-556E-47B8-A792-024C2FCA4ACC}" type="slidenum">
+              <a:rPr lang="en-GB" smtClean="0"/>
+              <a:t>22</a:t>
+            </a:fld>
+            <a:endParaRPr lang="en-GB"/>
+          </a:p>
+        </p:txBody>
+      </p:sp>
     </p:spTree>
     <p:extLst>
       <p:ext uri="{BB962C8B-B14F-4D97-AF65-F5344CB8AC3E}">
@@ -12495,6 +12890,35 @@
           </a:p>
         </p:txBody>
       </p:sp>
+      <p:sp>
+        <p:nvSpPr>
+          <p:cNvPr id="3" name="Slide Number Placeholder 2">
+            <a:extLst>
+              <a:ext uri="{FF2B5EF4-FFF2-40B4-BE49-F238E27FC236}">
+                <a16:creationId xmlns:a16="http://schemas.microsoft.com/office/drawing/2014/main" id="{6E73C37A-26D0-E144-8144-A6E0A8E131A4}"/>
+              </a:ext>
+            </a:extLst>
+          </p:cNvPr>
+          <p:cNvSpPr>
+            <a:spLocks noGrp="1"/>
+          </p:cNvSpPr>
+          <p:nvPr>
+            <p:ph type="sldNum" sz="quarter" idx="12"/>
+          </p:nvPr>
+        </p:nvSpPr>
+        <p:spPr/>
+        <p:txBody>
+          <a:bodyPr/>
+          <a:lstStyle/>
+          <a:p>
+            <a:fld id="{31DE2C5B-556E-47B8-A792-024C2FCA4ACC}" type="slidenum">
+              <a:rPr lang="en-GB" smtClean="0"/>
+              <a:t>23</a:t>
+            </a:fld>
+            <a:endParaRPr lang="en-GB"/>
+          </a:p>
+        </p:txBody>
+      </p:sp>
     </p:spTree>
     <p:extLst>
       <p:ext uri="{BB962C8B-B14F-4D97-AF65-F5344CB8AC3E}">
@@ -12680,7 +13104,7 @@
               <a:rPr lang="en-IT" dirty="0">
                 <a:latin typeface="Palatino Linotype" panose="02040502050505030304" pitchFamily="18" charset="0"/>
               </a:rPr>
-              <a:t>To figure out what this is, you can imagine that as a utility that stands between the prevoius route (here </a:t>
+              <a:t>To figure out what this is, you can imagine that as a utility that stands between the previous route (here </a:t>
             </a:r>
             <a:r>
               <a:rPr lang="en-IT" dirty="0">
@@ -13702,6 +14126,35 @@
               </a:rPr>
               <a:t>...</a:t>
             </a:r>
+          </a:p>
+        </p:txBody>
+      </p:sp>
+      <p:sp>
+        <p:nvSpPr>
+          <p:cNvPr id="3" name="Slide Number Placeholder 2">
+            <a:extLst>
+              <a:ext uri="{FF2B5EF4-FFF2-40B4-BE49-F238E27FC236}">
+                <a16:creationId xmlns:a16="http://schemas.microsoft.com/office/drawing/2014/main" id="{0EE000C3-1DCC-E346-B598-ED28CA9CAAAC}"/>
+              </a:ext>
+            </a:extLst>
+          </p:cNvPr>
+          <p:cNvSpPr>
+            <a:spLocks noGrp="1"/>
+          </p:cNvSpPr>
+          <p:nvPr>
+            <p:ph type="sldNum" sz="quarter" idx="12"/>
+          </p:nvPr>
+        </p:nvSpPr>
+        <p:spPr/>
+        <p:txBody>
+          <a:bodyPr/>
+          <a:lstStyle/>
+          <a:p>
+            <a:fld id="{31DE2C5B-556E-47B8-A792-024C2FCA4ACC}" type="slidenum">
+              <a:rPr lang="en-GB" smtClean="0"/>
+              <a:t>24</a:t>
+            </a:fld>
+            <a:endParaRPr lang="en-GB"/>
           </a:p>
         </p:txBody>
       </p:sp>
@@ -13903,6 +14356,35 @@
           </a:p>
           <a:p>
             <a:endParaRPr lang="en-GB" dirty="0"/>
+          </a:p>
+        </p:txBody>
+      </p:sp>
+      <p:sp>
+        <p:nvSpPr>
+          <p:cNvPr id="4" name="Slide Number Placeholder 3">
+            <a:extLst>
+              <a:ext uri="{FF2B5EF4-FFF2-40B4-BE49-F238E27FC236}">
+                <a16:creationId xmlns:a16="http://schemas.microsoft.com/office/drawing/2014/main" id="{682FE927-2862-6948-8C70-BE9C6A34FB94}"/>
+              </a:ext>
+            </a:extLst>
+          </p:cNvPr>
+          <p:cNvSpPr>
+            <a:spLocks noGrp="1"/>
+          </p:cNvSpPr>
+          <p:nvPr>
+            <p:ph type="sldNum" sz="quarter" idx="12"/>
+          </p:nvPr>
+        </p:nvSpPr>
+        <p:spPr/>
+        <p:txBody>
+          <a:bodyPr/>
+          <a:lstStyle/>
+          <a:p>
+            <a:fld id="{31DE2C5B-556E-47B8-A792-024C2FCA4ACC}" type="slidenum">
+              <a:rPr lang="en-GB" smtClean="0"/>
+              <a:t>25</a:t>
+            </a:fld>
+            <a:endParaRPr lang="en-GB"/>
           </a:p>
         </p:txBody>
       </p:sp>
@@ -14233,6 +14715,35 @@
           </a:fontRef>
         </p:style>
       </p:cxnSp>
+      <p:sp>
+        <p:nvSpPr>
+          <p:cNvPr id="3" name="Slide Number Placeholder 2">
+            <a:extLst>
+              <a:ext uri="{FF2B5EF4-FFF2-40B4-BE49-F238E27FC236}">
+                <a16:creationId xmlns:a16="http://schemas.microsoft.com/office/drawing/2014/main" id="{91BB0005-6D8A-4A4F-8EDA-C60CE722588B}"/>
+              </a:ext>
+            </a:extLst>
+          </p:cNvPr>
+          <p:cNvSpPr>
+            <a:spLocks noGrp="1"/>
+          </p:cNvSpPr>
+          <p:nvPr>
+            <p:ph type="sldNum" sz="quarter" idx="12"/>
+          </p:nvPr>
+        </p:nvSpPr>
+        <p:spPr/>
+        <p:txBody>
+          <a:bodyPr/>
+          <a:lstStyle/>
+          <a:p>
+            <a:fld id="{31DE2C5B-556E-47B8-A792-024C2FCA4ACC}" type="slidenum">
+              <a:rPr lang="en-GB" smtClean="0"/>
+              <a:t>26</a:t>
+            </a:fld>
+            <a:endParaRPr lang="en-GB"/>
+          </a:p>
+        </p:txBody>
+      </p:sp>
     </p:spTree>
     <p:extLst>
       <p:ext uri="{BB962C8B-B14F-4D97-AF65-F5344CB8AC3E}">
@@ -15005,6 +15516,35 @@
           </a:p>
         </p:txBody>
       </p:sp>
+      <p:sp>
+        <p:nvSpPr>
+          <p:cNvPr id="3" name="Slide Number Placeholder 2">
+            <a:extLst>
+              <a:ext uri="{FF2B5EF4-FFF2-40B4-BE49-F238E27FC236}">
+                <a16:creationId xmlns:a16="http://schemas.microsoft.com/office/drawing/2014/main" id="{6FABA87C-B8B5-3C46-B596-05058C085709}"/>
+              </a:ext>
+            </a:extLst>
+          </p:cNvPr>
+          <p:cNvSpPr>
+            <a:spLocks noGrp="1"/>
+          </p:cNvSpPr>
+          <p:nvPr>
+            <p:ph type="sldNum" sz="quarter" idx="12"/>
+          </p:nvPr>
+        </p:nvSpPr>
+        <p:spPr/>
+        <p:txBody>
+          <a:bodyPr/>
+          <a:lstStyle/>
+          <a:p>
+            <a:fld id="{31DE2C5B-556E-47B8-A792-024C2FCA4ACC}" type="slidenum">
+              <a:rPr lang="en-GB" smtClean="0"/>
+              <a:t>27</a:t>
+            </a:fld>
+            <a:endParaRPr lang="en-GB"/>
+          </a:p>
+        </p:txBody>
+      </p:sp>
     </p:spTree>
     <p:extLst>
       <p:ext uri="{BB962C8B-B14F-4D97-AF65-F5344CB8AC3E}">
@@ -15284,6 +15824,35 @@
           </a:p>
         </p:txBody>
       </p:sp>
+      <p:sp>
+        <p:nvSpPr>
+          <p:cNvPr id="4" name="Slide Number Placeholder 3">
+            <a:extLst>
+              <a:ext uri="{FF2B5EF4-FFF2-40B4-BE49-F238E27FC236}">
+                <a16:creationId xmlns:a16="http://schemas.microsoft.com/office/drawing/2014/main" id="{21B81ACF-E8FA-3344-903F-A06FD30D5359}"/>
+              </a:ext>
+            </a:extLst>
+          </p:cNvPr>
+          <p:cNvSpPr>
+            <a:spLocks noGrp="1"/>
+          </p:cNvSpPr>
+          <p:nvPr>
+            <p:ph type="sldNum" sz="quarter" idx="12"/>
+          </p:nvPr>
+        </p:nvSpPr>
+        <p:spPr/>
+        <p:txBody>
+          <a:bodyPr/>
+          <a:lstStyle/>
+          <a:p>
+            <a:fld id="{31DE2C5B-556E-47B8-A792-024C2FCA4ACC}" type="slidenum">
+              <a:rPr lang="en-GB" smtClean="0"/>
+              <a:t>28</a:t>
+            </a:fld>
+            <a:endParaRPr lang="en-GB"/>
+          </a:p>
+        </p:txBody>
+      </p:sp>
     </p:spTree>
     <p:extLst>
       <p:ext uri="{BB962C8B-B14F-4D97-AF65-F5344CB8AC3E}">
@@ -16004,6 +16573,35 @@
           </a:p>
         </p:txBody>
       </p:sp>
+      <p:sp>
+        <p:nvSpPr>
+          <p:cNvPr id="3" name="Slide Number Placeholder 2">
+            <a:extLst>
+              <a:ext uri="{FF2B5EF4-FFF2-40B4-BE49-F238E27FC236}">
+                <a16:creationId xmlns:a16="http://schemas.microsoft.com/office/drawing/2014/main" id="{A4636188-5303-C44D-84F6-5A6F32855E06}"/>
+              </a:ext>
+            </a:extLst>
+          </p:cNvPr>
+          <p:cNvSpPr>
+            <a:spLocks noGrp="1"/>
+          </p:cNvSpPr>
+          <p:nvPr>
+            <p:ph type="sldNum" sz="quarter" idx="12"/>
+          </p:nvPr>
+        </p:nvSpPr>
+        <p:spPr/>
+        <p:txBody>
+          <a:bodyPr/>
+          <a:lstStyle/>
+          <a:p>
+            <a:fld id="{31DE2C5B-556E-47B8-A792-024C2FCA4ACC}" type="slidenum">
+              <a:rPr lang="en-GB" smtClean="0"/>
+              <a:t>29</a:t>
+            </a:fld>
+            <a:endParaRPr lang="en-GB"/>
+          </a:p>
+        </p:txBody>
+      </p:sp>
     </p:spTree>
     <p:extLst>
       <p:ext uri="{BB962C8B-B14F-4D97-AF65-F5344CB8AC3E}">
@@ -18259,6 +18857,35 @@
           </a:prstGeom>
         </p:spPr>
       </p:pic>
+      <p:sp>
+        <p:nvSpPr>
+          <p:cNvPr id="3" name="Slide Number Placeholder 2">
+            <a:extLst>
+              <a:ext uri="{FF2B5EF4-FFF2-40B4-BE49-F238E27FC236}">
+                <a16:creationId xmlns:a16="http://schemas.microsoft.com/office/drawing/2014/main" id="{0EB565B9-2E97-3545-9BC0-3C5C94BE366C}"/>
+              </a:ext>
+            </a:extLst>
+          </p:cNvPr>
+          <p:cNvSpPr>
+            <a:spLocks noGrp="1"/>
+          </p:cNvSpPr>
+          <p:nvPr>
+            <p:ph type="sldNum" sz="quarter" idx="12"/>
+          </p:nvPr>
+        </p:nvSpPr>
+        <p:spPr/>
+        <p:txBody>
+          <a:bodyPr/>
+          <a:lstStyle/>
+          <a:p>
+            <a:fld id="{31DE2C5B-556E-47B8-A792-024C2FCA4ACC}" type="slidenum">
+              <a:rPr lang="en-GB" smtClean="0"/>
+              <a:t>3</a:t>
+            </a:fld>
+            <a:endParaRPr lang="en-GB"/>
+          </a:p>
+        </p:txBody>
+      </p:sp>
     </p:spTree>
     <p:extLst>
       <p:ext uri="{BB962C8B-B14F-4D97-AF65-F5344CB8AC3E}">
@@ -19124,6 +19751,35 @@
           </a:p>
         </p:txBody>
       </p:sp>
+      <p:sp>
+        <p:nvSpPr>
+          <p:cNvPr id="3" name="Slide Number Placeholder 2">
+            <a:extLst>
+              <a:ext uri="{FF2B5EF4-FFF2-40B4-BE49-F238E27FC236}">
+                <a16:creationId xmlns:a16="http://schemas.microsoft.com/office/drawing/2014/main" id="{3A5E451F-5C66-C44E-BE18-C94ECA552BEA}"/>
+              </a:ext>
+            </a:extLst>
+          </p:cNvPr>
+          <p:cNvSpPr>
+            <a:spLocks noGrp="1"/>
+          </p:cNvSpPr>
+          <p:nvPr>
+            <p:ph type="sldNum" sz="quarter" idx="12"/>
+          </p:nvPr>
+        </p:nvSpPr>
+        <p:spPr/>
+        <p:txBody>
+          <a:bodyPr/>
+          <a:lstStyle/>
+          <a:p>
+            <a:fld id="{31DE2C5B-556E-47B8-A792-024C2FCA4ACC}" type="slidenum">
+              <a:rPr lang="en-GB" smtClean="0"/>
+              <a:t>30</a:t>
+            </a:fld>
+            <a:endParaRPr lang="en-GB"/>
+          </a:p>
+        </p:txBody>
+      </p:sp>
     </p:spTree>
     <p:extLst>
       <p:ext uri="{BB962C8B-B14F-4D97-AF65-F5344CB8AC3E}">
@@ -19325,6 +19981,35 @@
           </a:p>
         </p:txBody>
       </p:sp>
+      <p:sp>
+        <p:nvSpPr>
+          <p:cNvPr id="4" name="Slide Number Placeholder 3">
+            <a:extLst>
+              <a:ext uri="{FF2B5EF4-FFF2-40B4-BE49-F238E27FC236}">
+                <a16:creationId xmlns:a16="http://schemas.microsoft.com/office/drawing/2014/main" id="{7B92D939-F8DA-2243-8E3D-55072F9F7FE4}"/>
+              </a:ext>
+            </a:extLst>
+          </p:cNvPr>
+          <p:cNvSpPr>
+            <a:spLocks noGrp="1"/>
+          </p:cNvSpPr>
+          <p:nvPr>
+            <p:ph type="sldNum" sz="quarter" idx="12"/>
+          </p:nvPr>
+        </p:nvSpPr>
+        <p:spPr/>
+        <p:txBody>
+          <a:bodyPr/>
+          <a:lstStyle/>
+          <a:p>
+            <a:fld id="{31DE2C5B-556E-47B8-A792-024C2FCA4ACC}" type="slidenum">
+              <a:rPr lang="en-GB" smtClean="0"/>
+              <a:t>31</a:t>
+            </a:fld>
+            <a:endParaRPr lang="en-GB"/>
+          </a:p>
+        </p:txBody>
+      </p:sp>
     </p:spTree>
     <p:extLst>
       <p:ext uri="{BB962C8B-B14F-4D97-AF65-F5344CB8AC3E}">
@@ -19442,7 +20127,15 @@
             <a:pPr lvl="1"/>
             <a:r>
               <a:rPr lang="en-US" dirty="0"/>
-              <a:t>Reproduce the app navigation structure on the right using the named routing approach.</a:t>
+              <a:t>Reproduce the app navigation structure on the right using the </a:t>
+            </a:r>
+            <a:r>
+              <a:rPr lang="en-US" b="1" dirty="0"/>
+              <a:t>named routing approach</a:t>
+            </a:r>
+            <a:r>
+              <a:rPr lang="en-US" dirty="0"/>
+              <a:t>.</a:t>
             </a:r>
           </a:p>
         </p:txBody>
@@ -20157,6 +20850,35 @@
           </a:fontRef>
         </p:style>
       </p:cxnSp>
+      <p:sp>
+        <p:nvSpPr>
+          <p:cNvPr id="4" name="Slide Number Placeholder 3">
+            <a:extLst>
+              <a:ext uri="{FF2B5EF4-FFF2-40B4-BE49-F238E27FC236}">
+                <a16:creationId xmlns:a16="http://schemas.microsoft.com/office/drawing/2014/main" id="{34A536EB-A6E3-4947-B493-DEACE36B885E}"/>
+              </a:ext>
+            </a:extLst>
+          </p:cNvPr>
+          <p:cNvSpPr>
+            <a:spLocks noGrp="1"/>
+          </p:cNvSpPr>
+          <p:nvPr>
+            <p:ph type="sldNum" sz="quarter" idx="12"/>
+          </p:nvPr>
+        </p:nvSpPr>
+        <p:spPr/>
+        <p:txBody>
+          <a:bodyPr/>
+          <a:lstStyle/>
+          <a:p>
+            <a:fld id="{31DE2C5B-556E-47B8-A792-024C2FCA4ACC}" type="slidenum">
+              <a:rPr lang="en-GB" smtClean="0"/>
+              <a:t>32</a:t>
+            </a:fld>
+            <a:endParaRPr lang="en-GB"/>
+          </a:p>
+        </p:txBody>
+      </p:sp>
     </p:spTree>
     <p:extLst>
       <p:ext uri="{BB962C8B-B14F-4D97-AF65-F5344CB8AC3E}">
@@ -20522,6 +21244,35 @@
           </a:fontRef>
         </p:style>
       </p:cxnSp>
+      <p:sp>
+        <p:nvSpPr>
+          <p:cNvPr id="4" name="Slide Number Placeholder 3">
+            <a:extLst>
+              <a:ext uri="{FF2B5EF4-FFF2-40B4-BE49-F238E27FC236}">
+                <a16:creationId xmlns:a16="http://schemas.microsoft.com/office/drawing/2014/main" id="{09C53CEF-F50A-E24A-A446-2E46FF5C8895}"/>
+              </a:ext>
+            </a:extLst>
+          </p:cNvPr>
+          <p:cNvSpPr>
+            <a:spLocks noGrp="1"/>
+          </p:cNvSpPr>
+          <p:nvPr>
+            <p:ph type="sldNum" sz="quarter" idx="12"/>
+          </p:nvPr>
+        </p:nvSpPr>
+        <p:spPr/>
+        <p:txBody>
+          <a:bodyPr/>
+          <a:lstStyle/>
+          <a:p>
+            <a:fld id="{31DE2C5B-556E-47B8-A792-024C2FCA4ACC}" type="slidenum">
+              <a:rPr lang="en-GB" smtClean="0"/>
+              <a:t>33</a:t>
+            </a:fld>
+            <a:endParaRPr lang="en-GB"/>
+          </a:p>
+        </p:txBody>
+      </p:sp>
     </p:spTree>
     <p:extLst>
       <p:ext uri="{BB962C8B-B14F-4D97-AF65-F5344CB8AC3E}">
@@ -20804,6 +21555,35 @@
           </a:fontRef>
         </p:style>
       </p:cxnSp>
+      <p:sp>
+        <p:nvSpPr>
+          <p:cNvPr id="4" name="Slide Number Placeholder 3">
+            <a:extLst>
+              <a:ext uri="{FF2B5EF4-FFF2-40B4-BE49-F238E27FC236}">
+                <a16:creationId xmlns:a16="http://schemas.microsoft.com/office/drawing/2014/main" id="{CED2DBDB-79EE-304F-8820-6D678EA9BB74}"/>
+              </a:ext>
+            </a:extLst>
+          </p:cNvPr>
+          <p:cNvSpPr>
+            <a:spLocks noGrp="1"/>
+          </p:cNvSpPr>
+          <p:nvPr>
+            <p:ph type="sldNum" sz="quarter" idx="12"/>
+          </p:nvPr>
+        </p:nvSpPr>
+        <p:spPr/>
+        <p:txBody>
+          <a:bodyPr/>
+          <a:lstStyle/>
+          <a:p>
+            <a:fld id="{31DE2C5B-556E-47B8-A792-024C2FCA4ACC}" type="slidenum">
+              <a:rPr lang="en-GB" smtClean="0"/>
+              <a:t>34</a:t>
+            </a:fld>
+            <a:endParaRPr lang="en-GB"/>
+          </a:p>
+        </p:txBody>
+      </p:sp>
     </p:spTree>
     <p:extLst>
       <p:ext uri="{BB962C8B-B14F-4D97-AF65-F5344CB8AC3E}">
@@ -21005,6 +21785,35 @@
           </a:p>
         </p:txBody>
       </p:sp>
+      <p:sp>
+        <p:nvSpPr>
+          <p:cNvPr id="4" name="Slide Number Placeholder 3">
+            <a:extLst>
+              <a:ext uri="{FF2B5EF4-FFF2-40B4-BE49-F238E27FC236}">
+                <a16:creationId xmlns:a16="http://schemas.microsoft.com/office/drawing/2014/main" id="{A685D3AB-7ADF-DE4E-B760-7D6C21C93E9A}"/>
+              </a:ext>
+            </a:extLst>
+          </p:cNvPr>
+          <p:cNvSpPr>
+            <a:spLocks noGrp="1"/>
+          </p:cNvSpPr>
+          <p:nvPr>
+            <p:ph type="sldNum" sz="quarter" idx="12"/>
+          </p:nvPr>
+        </p:nvSpPr>
+        <p:spPr/>
+        <p:txBody>
+          <a:bodyPr/>
+          <a:lstStyle/>
+          <a:p>
+            <a:fld id="{31DE2C5B-556E-47B8-A792-024C2FCA4ACC}" type="slidenum">
+              <a:rPr lang="en-GB" smtClean="0"/>
+              <a:t>35</a:t>
+            </a:fld>
+            <a:endParaRPr lang="en-GB"/>
+          </a:p>
+        </p:txBody>
+      </p:sp>
     </p:spTree>
     <p:extLst>
       <p:ext uri="{BB962C8B-B14F-4D97-AF65-F5344CB8AC3E}">
@@ -21102,6 +21911,35 @@
           </a:p>
         </p:txBody>
       </p:sp>
+      <p:sp>
+        <p:nvSpPr>
+          <p:cNvPr id="4" name="Slide Number Placeholder 3">
+            <a:extLst>
+              <a:ext uri="{FF2B5EF4-FFF2-40B4-BE49-F238E27FC236}">
+                <a16:creationId xmlns:a16="http://schemas.microsoft.com/office/drawing/2014/main" id="{DA9F2601-12EC-1B4E-8F13-1A6587DF4C6A}"/>
+              </a:ext>
+            </a:extLst>
+          </p:cNvPr>
+          <p:cNvSpPr>
+            <a:spLocks noGrp="1"/>
+          </p:cNvSpPr>
+          <p:nvPr>
+            <p:ph type="sldNum" sz="quarter" idx="12"/>
+          </p:nvPr>
+        </p:nvSpPr>
+        <p:spPr/>
+        <p:txBody>
+          <a:bodyPr/>
+          <a:lstStyle/>
+          <a:p>
+            <a:fld id="{31DE2C5B-556E-47B8-A792-024C2FCA4ACC}" type="slidenum">
+              <a:rPr lang="en-GB" smtClean="0"/>
+              <a:t>36</a:t>
+            </a:fld>
+            <a:endParaRPr lang="en-GB"/>
+          </a:p>
+        </p:txBody>
+      </p:sp>
     </p:spTree>
     <p:extLst>
       <p:ext uri="{BB962C8B-B14F-4D97-AF65-F5344CB8AC3E}">
@@ -21303,6 +22141,35 @@
           </a:p>
         </p:txBody>
       </p:sp>
+      <p:sp>
+        <p:nvSpPr>
+          <p:cNvPr id="4" name="Slide Number Placeholder 3">
+            <a:extLst>
+              <a:ext uri="{FF2B5EF4-FFF2-40B4-BE49-F238E27FC236}">
+                <a16:creationId xmlns:a16="http://schemas.microsoft.com/office/drawing/2014/main" id="{452EC4BD-0471-3748-9E2B-909E0D4B10DB}"/>
+              </a:ext>
+            </a:extLst>
+          </p:cNvPr>
+          <p:cNvSpPr>
+            <a:spLocks noGrp="1"/>
+          </p:cNvSpPr>
+          <p:nvPr>
+            <p:ph type="sldNum" sz="quarter" idx="12"/>
+          </p:nvPr>
+        </p:nvSpPr>
+        <p:spPr/>
+        <p:txBody>
+          <a:bodyPr/>
+          <a:lstStyle/>
+          <a:p>
+            <a:fld id="{31DE2C5B-556E-47B8-A792-024C2FCA4ACC}" type="slidenum">
+              <a:rPr lang="en-GB" smtClean="0"/>
+              <a:t>37</a:t>
+            </a:fld>
+            <a:endParaRPr lang="en-GB"/>
+          </a:p>
+        </p:txBody>
+      </p:sp>
     </p:spTree>
     <p:extLst>
       <p:ext uri="{BB962C8B-B14F-4D97-AF65-F5344CB8AC3E}">
@@ -21410,6 +22277,35 @@
           </a:p>
         </p:txBody>
       </p:sp>
+      <p:sp>
+        <p:nvSpPr>
+          <p:cNvPr id="4" name="Slide Number Placeholder 3">
+            <a:extLst>
+              <a:ext uri="{FF2B5EF4-FFF2-40B4-BE49-F238E27FC236}">
+                <a16:creationId xmlns:a16="http://schemas.microsoft.com/office/drawing/2014/main" id="{A5DAD94D-1F09-934E-96DC-60957E97A22E}"/>
+              </a:ext>
+            </a:extLst>
+          </p:cNvPr>
+          <p:cNvSpPr>
+            <a:spLocks noGrp="1"/>
+          </p:cNvSpPr>
+          <p:nvPr>
+            <p:ph type="sldNum" sz="quarter" idx="12"/>
+          </p:nvPr>
+        </p:nvSpPr>
+        <p:spPr/>
+        <p:txBody>
+          <a:bodyPr/>
+          <a:lstStyle/>
+          <a:p>
+            <a:fld id="{31DE2C5B-556E-47B8-A792-024C2FCA4ACC}" type="slidenum">
+              <a:rPr lang="en-GB" smtClean="0"/>
+              <a:t>38</a:t>
+            </a:fld>
+            <a:endParaRPr lang="en-GB"/>
+          </a:p>
+        </p:txBody>
+      </p:sp>
     </p:spTree>
     <p:extLst>
       <p:ext uri="{BB962C8B-B14F-4D97-AF65-F5344CB8AC3E}">
@@ -21612,6 +22508,35 @@
           </a:p>
         </p:txBody>
       </p:sp>
+      <p:sp>
+        <p:nvSpPr>
+          <p:cNvPr id="4" name="Slide Number Placeholder 3">
+            <a:extLst>
+              <a:ext uri="{FF2B5EF4-FFF2-40B4-BE49-F238E27FC236}">
+                <a16:creationId xmlns:a16="http://schemas.microsoft.com/office/drawing/2014/main" id="{EAA9E2B7-20F7-1C47-8496-8F860DC27102}"/>
+              </a:ext>
+            </a:extLst>
+          </p:cNvPr>
+          <p:cNvSpPr>
+            <a:spLocks noGrp="1"/>
+          </p:cNvSpPr>
+          <p:nvPr>
+            <p:ph type="sldNum" sz="quarter" idx="12"/>
+          </p:nvPr>
+        </p:nvSpPr>
+        <p:spPr/>
+        <p:txBody>
+          <a:bodyPr/>
+          <a:lstStyle/>
+          <a:p>
+            <a:fld id="{31DE2C5B-556E-47B8-A792-024C2FCA4ACC}" type="slidenum">
+              <a:rPr lang="en-GB" smtClean="0"/>
+              <a:t>4</a:t>
+            </a:fld>
+            <a:endParaRPr lang="en-GB"/>
+          </a:p>
+        </p:txBody>
+      </p:sp>
     </p:spTree>
     <p:extLst>
       <p:ext uri="{BB962C8B-B14F-4D97-AF65-F5344CB8AC3E}">
@@ -21754,6 +22679,35 @@
           </a:p>
         </p:txBody>
       </p:sp>
+      <p:sp>
+        <p:nvSpPr>
+          <p:cNvPr id="3" name="Slide Number Placeholder 2">
+            <a:extLst>
+              <a:ext uri="{FF2B5EF4-FFF2-40B4-BE49-F238E27FC236}">
+                <a16:creationId xmlns:a16="http://schemas.microsoft.com/office/drawing/2014/main" id="{5CB49552-EC7B-3445-8FB3-7A2FA4203D37}"/>
+              </a:ext>
+            </a:extLst>
+          </p:cNvPr>
+          <p:cNvSpPr>
+            <a:spLocks noGrp="1"/>
+          </p:cNvSpPr>
+          <p:nvPr>
+            <p:ph type="sldNum" sz="quarter" idx="12"/>
+          </p:nvPr>
+        </p:nvSpPr>
+        <p:spPr/>
+        <p:txBody>
+          <a:bodyPr/>
+          <a:lstStyle/>
+          <a:p>
+            <a:fld id="{31DE2C5B-556E-47B8-A792-024C2FCA4ACC}" type="slidenum">
+              <a:rPr lang="en-GB" smtClean="0"/>
+              <a:t>5</a:t>
+            </a:fld>
+            <a:endParaRPr lang="en-GB"/>
+          </a:p>
+        </p:txBody>
+      </p:sp>
     </p:spTree>
     <p:extLst>
       <p:ext uri="{BB962C8B-B14F-4D97-AF65-F5344CB8AC3E}">
@@ -21955,6 +22909,35 @@
           </a:p>
         </p:txBody>
       </p:sp>
+      <p:sp>
+        <p:nvSpPr>
+          <p:cNvPr id="4" name="Slide Number Placeholder 3">
+            <a:extLst>
+              <a:ext uri="{FF2B5EF4-FFF2-40B4-BE49-F238E27FC236}">
+                <a16:creationId xmlns:a16="http://schemas.microsoft.com/office/drawing/2014/main" id="{15BEBEA5-13FB-0E44-99BF-9F9DA5749E96}"/>
+              </a:ext>
+            </a:extLst>
+          </p:cNvPr>
+          <p:cNvSpPr>
+            <a:spLocks noGrp="1"/>
+          </p:cNvSpPr>
+          <p:nvPr>
+            <p:ph type="sldNum" sz="quarter" idx="12"/>
+          </p:nvPr>
+        </p:nvSpPr>
+        <p:spPr/>
+        <p:txBody>
+          <a:bodyPr/>
+          <a:lstStyle/>
+          <a:p>
+            <a:fld id="{31DE2C5B-556E-47B8-A792-024C2FCA4ACC}" type="slidenum">
+              <a:rPr lang="en-GB" smtClean="0"/>
+              <a:t>6</a:t>
+            </a:fld>
+            <a:endParaRPr lang="en-GB"/>
+          </a:p>
+        </p:txBody>
+      </p:sp>
     </p:spTree>
     <p:extLst>
       <p:ext uri="{BB962C8B-B14F-4D97-AF65-F5344CB8AC3E}">
@@ -22264,6 +23247,35 @@
           </a:fontRef>
         </p:style>
       </p:cxnSp>
+      <p:sp>
+        <p:nvSpPr>
+          <p:cNvPr id="3" name="Slide Number Placeholder 2">
+            <a:extLst>
+              <a:ext uri="{FF2B5EF4-FFF2-40B4-BE49-F238E27FC236}">
+                <a16:creationId xmlns:a16="http://schemas.microsoft.com/office/drawing/2014/main" id="{A461D35E-C19B-1D4B-A56A-A9D111C26A25}"/>
+              </a:ext>
+            </a:extLst>
+          </p:cNvPr>
+          <p:cNvSpPr>
+            <a:spLocks noGrp="1"/>
+          </p:cNvSpPr>
+          <p:nvPr>
+            <p:ph type="sldNum" sz="quarter" idx="12"/>
+          </p:nvPr>
+        </p:nvSpPr>
+        <p:spPr/>
+        <p:txBody>
+          <a:bodyPr/>
+          <a:lstStyle/>
+          <a:p>
+            <a:fld id="{31DE2C5B-556E-47B8-A792-024C2FCA4ACC}" type="slidenum">
+              <a:rPr lang="en-GB" smtClean="0"/>
+              <a:t>7</a:t>
+            </a:fld>
+            <a:endParaRPr lang="en-GB"/>
+          </a:p>
+        </p:txBody>
+      </p:sp>
     </p:spTree>
     <p:extLst>
       <p:ext uri="{BB962C8B-B14F-4D97-AF65-F5344CB8AC3E}">
@@ -23075,6 +24087,35 @@
           </a:p>
         </p:txBody>
       </p:sp>
+      <p:sp>
+        <p:nvSpPr>
+          <p:cNvPr id="4" name="Slide Number Placeholder 3">
+            <a:extLst>
+              <a:ext uri="{FF2B5EF4-FFF2-40B4-BE49-F238E27FC236}">
+                <a16:creationId xmlns:a16="http://schemas.microsoft.com/office/drawing/2014/main" id="{F0882511-6934-BA46-B95A-F13217D7B168}"/>
+              </a:ext>
+            </a:extLst>
+          </p:cNvPr>
+          <p:cNvSpPr>
+            <a:spLocks noGrp="1"/>
+          </p:cNvSpPr>
+          <p:nvPr>
+            <p:ph type="sldNum" sz="quarter" idx="12"/>
+          </p:nvPr>
+        </p:nvSpPr>
+        <p:spPr/>
+        <p:txBody>
+          <a:bodyPr/>
+          <a:lstStyle/>
+          <a:p>
+            <a:fld id="{31DE2C5B-556E-47B8-A792-024C2FCA4ACC}" type="slidenum">
+              <a:rPr lang="en-GB" smtClean="0"/>
+              <a:t>8</a:t>
+            </a:fld>
+            <a:endParaRPr lang="en-GB"/>
+          </a:p>
+        </p:txBody>
+      </p:sp>
     </p:spTree>
     <p:extLst>
       <p:ext uri="{BB962C8B-B14F-4D97-AF65-F5344CB8AC3E}">
@@ -23245,6 +24286,35 @@
           </a:prstGeom>
         </p:spPr>
       </p:pic>
+      <p:sp>
+        <p:nvSpPr>
+          <p:cNvPr id="3" name="Slide Number Placeholder 2">
+            <a:extLst>
+              <a:ext uri="{FF2B5EF4-FFF2-40B4-BE49-F238E27FC236}">
+                <a16:creationId xmlns:a16="http://schemas.microsoft.com/office/drawing/2014/main" id="{79FC22BB-2C97-F449-A673-81511DFCDD2C}"/>
+              </a:ext>
+            </a:extLst>
+          </p:cNvPr>
+          <p:cNvSpPr>
+            <a:spLocks noGrp="1"/>
+          </p:cNvSpPr>
+          <p:nvPr>
+            <p:ph type="sldNum" sz="quarter" idx="12"/>
+          </p:nvPr>
+        </p:nvSpPr>
+        <p:spPr/>
+        <p:txBody>
+          <a:bodyPr/>
+          <a:lstStyle/>
+          <a:p>
+            <a:fld id="{31DE2C5B-556E-47B8-A792-024C2FCA4ACC}" type="slidenum">
+              <a:rPr lang="en-GB" smtClean="0"/>
+              <a:t>9</a:t>
+            </a:fld>
+            <a:endParaRPr lang="en-GB"/>
+          </a:p>
+        </p:txBody>
+      </p:sp>
     </p:spTree>
     <p:extLst>
       <p:ext uri="{BB962C8B-B14F-4D97-AF65-F5344CB8AC3E}">

--- a/lab_06-navigation/lab_06-navigation.pptx
+++ b/lab_06-navigation/lab_06-navigation.pptx
@@ -5,7 +5,7 @@
     <p:sldMasterId id="2147483648" r:id="rId1"/>
   </p:sldMasterIdLst>
   <p:notesMasterIdLst>
-    <p:notesMasterId r:id="rId48"/>
+    <p:notesMasterId r:id="rId46"/>
   </p:notesMasterIdLst>
   <p:sldIdLst>
     <p:sldId id="259" r:id="rId2"/>
@@ -36,24 +36,22 @@
     <p:sldId id="381" r:id="rId27"/>
     <p:sldId id="366" r:id="rId28"/>
     <p:sldId id="367" r:id="rId29"/>
-    <p:sldId id="368" r:id="rId30"/>
-    <p:sldId id="369" r:id="rId31"/>
-    <p:sldId id="370" r:id="rId32"/>
-    <p:sldId id="382" r:id="rId33"/>
-    <p:sldId id="371" r:id="rId34"/>
-    <p:sldId id="375" r:id="rId35"/>
-    <p:sldId id="373" r:id="rId36"/>
-    <p:sldId id="374" r:id="rId37"/>
-    <p:sldId id="376" r:id="rId38"/>
-    <p:sldId id="383" r:id="rId39"/>
-    <p:sldId id="400" r:id="rId40"/>
-    <p:sldId id="349" r:id="rId41"/>
-    <p:sldId id="361" r:id="rId42"/>
-    <p:sldId id="377" r:id="rId43"/>
-    <p:sldId id="385" r:id="rId44"/>
-    <p:sldId id="303" r:id="rId45"/>
-    <p:sldId id="386" r:id="rId46"/>
-    <p:sldId id="309" r:id="rId47"/>
+    <p:sldId id="369" r:id="rId30"/>
+    <p:sldId id="382" r:id="rId31"/>
+    <p:sldId id="371" r:id="rId32"/>
+    <p:sldId id="375" r:id="rId33"/>
+    <p:sldId id="374" r:id="rId34"/>
+    <p:sldId id="376" r:id="rId35"/>
+    <p:sldId id="401" r:id="rId36"/>
+    <p:sldId id="383" r:id="rId37"/>
+    <p:sldId id="400" r:id="rId38"/>
+    <p:sldId id="349" r:id="rId39"/>
+    <p:sldId id="361" r:id="rId40"/>
+    <p:sldId id="377" r:id="rId41"/>
+    <p:sldId id="385" r:id="rId42"/>
+    <p:sldId id="303" r:id="rId43"/>
+    <p:sldId id="386" r:id="rId44"/>
+    <p:sldId id="309" r:id="rId45"/>
   </p:sldIdLst>
   <p:sldSz cx="12192000" cy="6858000"/>
   <p:notesSz cx="6858000" cy="9144000"/>
@@ -242,7 +240,7 @@
           <a:p>
             <a:fld id="{81C4B3FE-0320-8142-8396-5C3025C019EC}" type="datetimeFigureOut">
               <a:rPr lang="en-IT" smtClean="0"/>
-              <a:t>03/04/23</a:t>
+              <a:t>04/04/23</a:t>
             </a:fld>
             <a:endParaRPr lang="en-IT"/>
           </a:p>
@@ -827,7 +825,7 @@
           <a:p>
             <a:fld id="{CC0F43FB-3F33-3F4B-9768-2FBED988F992}" type="slidenum">
               <a:rPr lang="en-IT" smtClean="0"/>
-              <a:t>29</a:t>
+              <a:t>35</a:t>
             </a:fld>
             <a:endParaRPr lang="en-IT"/>
           </a:p>
@@ -836,91 +834,7 @@
     </p:spTree>
     <p:extLst>
       <p:ext uri="{BB962C8B-B14F-4D97-AF65-F5344CB8AC3E}">
-        <p14:creationId xmlns:p14="http://schemas.microsoft.com/office/powerpoint/2010/main" val="1549253498"/>
-      </p:ext>
-    </p:extLst>
-  </p:cSld>
-  <p:clrMapOvr>
-    <a:masterClrMapping/>
-  </p:clrMapOvr>
-</p:notes>
-</file>
-
-<file path=ppt/notesSlides/notesSlide13.xml><?xml version="1.0" encoding="utf-8"?>
-<p:notes xmlns:a="http://schemas.openxmlformats.org/drawingml/2006/main" xmlns:r="http://schemas.openxmlformats.org/officeDocument/2006/relationships" xmlns:p="http://schemas.openxmlformats.org/presentationml/2006/main">
-  <p:cSld>
-    <p:spTree>
-      <p:nvGrpSpPr>
-        <p:cNvPr id="1" name=""/>
-        <p:cNvGrpSpPr/>
-        <p:nvPr/>
-      </p:nvGrpSpPr>
-      <p:grpSpPr>
-        <a:xfrm>
-          <a:off x="0" y="0"/>
-          <a:ext cx="0" cy="0"/>
-          <a:chOff x="0" y="0"/>
-          <a:chExt cx="0" cy="0"/>
-        </a:xfrm>
-      </p:grpSpPr>
-      <p:sp>
-        <p:nvSpPr>
-          <p:cNvPr id="2" name="Slide Image Placeholder 1"/>
-          <p:cNvSpPr>
-            <a:spLocks noGrp="1" noRot="1" noChangeAspect="1"/>
-          </p:cNvSpPr>
-          <p:nvPr>
-            <p:ph type="sldImg"/>
-          </p:nvPr>
-        </p:nvSpPr>
-        <p:spPr/>
-      </p:sp>
-      <p:sp>
-        <p:nvSpPr>
-          <p:cNvPr id="3" name="Notes Placeholder 2"/>
-          <p:cNvSpPr>
-            <a:spLocks noGrp="1"/>
-          </p:cNvSpPr>
-          <p:nvPr>
-            <p:ph type="body" idx="1"/>
-          </p:nvPr>
-        </p:nvSpPr>
-        <p:spPr/>
-        <p:txBody>
-          <a:bodyPr/>
-          <a:lstStyle/>
-          <a:p>
-            <a:endParaRPr lang="en-IT" dirty="0"/>
-          </a:p>
-        </p:txBody>
-      </p:sp>
-      <p:sp>
-        <p:nvSpPr>
-          <p:cNvPr id="4" name="Slide Number Placeholder 3"/>
-          <p:cNvSpPr>
-            <a:spLocks noGrp="1"/>
-          </p:cNvSpPr>
-          <p:nvPr>
-            <p:ph type="sldNum" sz="quarter" idx="5"/>
-          </p:nvPr>
-        </p:nvSpPr>
-        <p:spPr/>
-        <p:txBody>
-          <a:bodyPr/>
-          <a:lstStyle/>
-          <a:p>
-            <a:fld id="{CC0F43FB-3F33-3F4B-9768-2FBED988F992}" type="slidenum">
-              <a:rPr lang="en-IT" smtClean="0"/>
-              <a:t>35</a:t>
-            </a:fld>
-            <a:endParaRPr lang="en-IT"/>
-          </a:p>
-        </p:txBody>
-      </p:sp>
-    </p:spTree>
-    <p:extLst>
-      <p:ext uri="{BB962C8B-B14F-4D97-AF65-F5344CB8AC3E}">
-        <p14:creationId xmlns:p14="http://schemas.microsoft.com/office/powerpoint/2010/main" val="572855230"/>
+        <p14:creationId xmlns:p14="http://schemas.microsoft.com/office/powerpoint/2010/main" val="453310250"/>
       </p:ext>
     </p:extLst>
   </p:cSld>
@@ -4391,7 +4305,7 @@
                   </a:schemeClr>
                 </a:solidFill>
               </a:rPr>
-              <a:t>Passing argument to a named routes</a:t>
+              <a:t>Passing argument to a route</a:t>
             </a:r>
           </a:p>
           <a:p>
@@ -4403,7 +4317,7 @@
                   </a:schemeClr>
                 </a:solidFill>
               </a:rPr>
-              <a:t>Returning an argument from a named route</a:t>
+              <a:t>Returning an argument from a route</a:t>
             </a:r>
           </a:p>
           <a:p>
@@ -8466,7 +8380,7 @@
                   </a:schemeClr>
                 </a:solidFill>
               </a:rPr>
-              <a:t>Passing argument to a named routes</a:t>
+              <a:t>Passing argument to a route</a:t>
             </a:r>
           </a:p>
           <a:p>
@@ -8478,7 +8392,7 @@
                   </a:schemeClr>
                 </a:solidFill>
               </a:rPr>
-              <a:t>Returning an argument from a named route</a:t>
+              <a:t>Returning an argument from a route</a:t>
             </a:r>
           </a:p>
           <a:p>
@@ -11119,7 +11033,7 @@
                   </a:schemeClr>
                 </a:solidFill>
               </a:rPr>
-              <a:t>Passing argument to a named routes</a:t>
+              <a:t>Passing argument to a route</a:t>
             </a:r>
           </a:p>
           <a:p>
@@ -11131,7 +11045,7 @@
                   </a:schemeClr>
                 </a:solidFill>
               </a:rPr>
-              <a:t>Returning an argument from a named route</a:t>
+              <a:t>Returning an argument from a route</a:t>
             </a:r>
           </a:p>
           <a:p>
@@ -11358,32 +11272,7 @@
           <a:p>
             <a:r>
               <a:rPr lang="en-GB" dirty="0"/>
-              <a:t>My personal opinion: this is a </a:t>
-            </a:r>
-            <a:r>
-              <a:rPr lang="en-GB" b="1" dirty="0"/>
-              <a:t>cleaner</a:t>
-            </a:r>
-            <a:r>
-              <a:rPr lang="en-GB" dirty="0"/>
-              <a:t> </a:t>
-            </a:r>
-            <a:r>
-              <a:rPr lang="en-GB" b="1" dirty="0"/>
-              <a:t>approach</a:t>
-            </a:r>
-            <a:r>
-              <a:rPr lang="en-GB" dirty="0"/>
-              <a:t> that leads to better, more readable code</a:t>
-            </a:r>
-          </a:p>
-          <a:p>
-            <a:endParaRPr lang="en-GB" dirty="0"/>
-          </a:p>
-          <a:p>
-            <a:r>
-              <a:rPr lang="en-GB" dirty="0"/>
-              <a:t>Let’s see how to go for this approach</a:t>
+              <a:t>Let’s see how to convert the previous example using this approach</a:t>
             </a:r>
           </a:p>
         </p:txBody>
@@ -11414,6 +11303,60 @@
               <a:t>23</a:t>
             </a:fld>
             <a:endParaRPr lang="en-GB"/>
+          </a:p>
+        </p:txBody>
+      </p:sp>
+      <p:sp>
+        <p:nvSpPr>
+          <p:cNvPr id="5" name="TextBox 4">
+            <a:extLst>
+              <a:ext uri="{FF2B5EF4-FFF2-40B4-BE49-F238E27FC236}">
+                <a16:creationId xmlns:a16="http://schemas.microsoft.com/office/drawing/2014/main" id="{C257E6DC-34C5-B2FE-E557-83E00BCD9190}"/>
+              </a:ext>
+            </a:extLst>
+          </p:cNvPr>
+          <p:cNvSpPr txBox="1"/>
+          <p:nvPr/>
+        </p:nvSpPr>
+        <p:spPr>
+          <a:xfrm>
+            <a:off x="10381670" y="407381"/>
+            <a:ext cx="1265382" cy="369332"/>
+          </a:xfrm>
+          <a:prstGeom prst="rect">
+            <a:avLst/>
+          </a:prstGeom>
+        </p:spPr>
+        <p:style>
+          <a:lnRef idx="2">
+            <a:schemeClr val="accent6">
+              <a:shade val="50000"/>
+            </a:schemeClr>
+          </a:lnRef>
+          <a:fillRef idx="1">
+            <a:schemeClr val="accent6"/>
+          </a:fillRef>
+          <a:effectRef idx="0">
+            <a:schemeClr val="accent6"/>
+          </a:effectRef>
+          <a:fontRef idx="minor">
+            <a:schemeClr val="lt1"/>
+          </a:fontRef>
+        </p:style>
+        <p:txBody>
+          <a:bodyPr wrap="square" rtlCol="0" anchor="ctr">
+            <a:spAutoFit/>
+          </a:bodyPr>
+          <a:lstStyle/>
+          <a:p>
+            <a:pPr algn="ctr"/>
+            <a:r>
+              <a:rPr lang="en-IT" dirty="0">
+                <a:latin typeface="Palatino Linotype" panose="02040502050505030304" pitchFamily="18" charset="0"/>
+                <a:ea typeface="Palatino" pitchFamily="2" charset="77"/>
+              </a:rPr>
+              <a:t>BONUS</a:t>
+            </a:r>
           </a:p>
         </p:txBody>
       </p:sp>
@@ -11867,6 +11810,60 @@
               <a:t>24</a:t>
             </a:fld>
             <a:endParaRPr lang="en-GB"/>
+          </a:p>
+        </p:txBody>
+      </p:sp>
+      <p:sp>
+        <p:nvSpPr>
+          <p:cNvPr id="8" name="TextBox 7">
+            <a:extLst>
+              <a:ext uri="{FF2B5EF4-FFF2-40B4-BE49-F238E27FC236}">
+                <a16:creationId xmlns:a16="http://schemas.microsoft.com/office/drawing/2014/main" id="{C8B6B573-EEED-C992-1993-867923D78AA2}"/>
+              </a:ext>
+            </a:extLst>
+          </p:cNvPr>
+          <p:cNvSpPr txBox="1"/>
+          <p:nvPr/>
+        </p:nvSpPr>
+        <p:spPr>
+          <a:xfrm>
+            <a:off x="10381670" y="407381"/>
+            <a:ext cx="1265382" cy="369332"/>
+          </a:xfrm>
+          <a:prstGeom prst="rect">
+            <a:avLst/>
+          </a:prstGeom>
+        </p:spPr>
+        <p:style>
+          <a:lnRef idx="2">
+            <a:schemeClr val="accent6">
+              <a:shade val="50000"/>
+            </a:schemeClr>
+          </a:lnRef>
+          <a:fillRef idx="1">
+            <a:schemeClr val="accent6"/>
+          </a:fillRef>
+          <a:effectRef idx="0">
+            <a:schemeClr val="accent6"/>
+          </a:effectRef>
+          <a:fontRef idx="minor">
+            <a:schemeClr val="lt1"/>
+          </a:fontRef>
+        </p:style>
+        <p:txBody>
+          <a:bodyPr wrap="square" rtlCol="0" anchor="ctr">
+            <a:spAutoFit/>
+          </a:bodyPr>
+          <a:lstStyle/>
+          <a:p>
+            <a:pPr algn="ctr"/>
+            <a:r>
+              <a:rPr lang="en-IT" dirty="0">
+                <a:latin typeface="Palatino Linotype" panose="02040502050505030304" pitchFamily="18" charset="0"/>
+                <a:ea typeface="Palatino" pitchFamily="2" charset="77"/>
+              </a:rPr>
+              <a:t>BONUS</a:t>
+            </a:r>
           </a:p>
         </p:txBody>
       </p:sp>
@@ -13487,6 +13484,60 @@
           </a:p>
         </p:txBody>
       </p:sp>
+      <p:sp>
+        <p:nvSpPr>
+          <p:cNvPr id="6" name="TextBox 5">
+            <a:extLst>
+              <a:ext uri="{FF2B5EF4-FFF2-40B4-BE49-F238E27FC236}">
+                <a16:creationId xmlns:a16="http://schemas.microsoft.com/office/drawing/2014/main" id="{8417FB71-C47E-CF79-2EB6-388F16B3CDA7}"/>
+              </a:ext>
+            </a:extLst>
+          </p:cNvPr>
+          <p:cNvSpPr txBox="1"/>
+          <p:nvPr/>
+        </p:nvSpPr>
+        <p:spPr>
+          <a:xfrm>
+            <a:off x="10381670" y="407381"/>
+            <a:ext cx="1265382" cy="369332"/>
+          </a:xfrm>
+          <a:prstGeom prst="rect">
+            <a:avLst/>
+          </a:prstGeom>
+        </p:spPr>
+        <p:style>
+          <a:lnRef idx="2">
+            <a:schemeClr val="accent6">
+              <a:shade val="50000"/>
+            </a:schemeClr>
+          </a:lnRef>
+          <a:fillRef idx="1">
+            <a:schemeClr val="accent6"/>
+          </a:fillRef>
+          <a:effectRef idx="0">
+            <a:schemeClr val="accent6"/>
+          </a:effectRef>
+          <a:fontRef idx="minor">
+            <a:schemeClr val="lt1"/>
+          </a:fontRef>
+        </p:style>
+        <p:txBody>
+          <a:bodyPr wrap="square" rtlCol="0" anchor="ctr">
+            <a:spAutoFit/>
+          </a:bodyPr>
+          <a:lstStyle/>
+          <a:p>
+            <a:pPr algn="ctr"/>
+            <a:r>
+              <a:rPr lang="en-IT" dirty="0">
+                <a:latin typeface="Palatino Linotype" panose="02040502050505030304" pitchFamily="18" charset="0"/>
+                <a:ea typeface="Palatino" pitchFamily="2" charset="77"/>
+              </a:rPr>
+              <a:t>BONUS</a:t>
+            </a:r>
+          </a:p>
+        </p:txBody>
+      </p:sp>
     </p:spTree>
     <p:extLst>
       <p:ext uri="{BB962C8B-B14F-4D97-AF65-F5344CB8AC3E}">
@@ -13623,7 +13674,7 @@
           <a:p>
             <a:r>
               <a:rPr lang="en-GB" b="1" dirty="0"/>
-              <a:t>Passing argument to a named routes</a:t>
+              <a:t>Passing argument to a route</a:t>
             </a:r>
           </a:p>
           <a:p>
@@ -13635,7 +13686,7 @@
                   </a:schemeClr>
                 </a:solidFill>
               </a:rPr>
-              <a:t>Returning an argument from a named route</a:t>
+              <a:t>Returning an argument from a route</a:t>
             </a:r>
           </a:p>
           <a:p>
@@ -14226,19 +14277,7 @@
               <a:rPr lang="en-GB" sz="1600" dirty="0">
                 <a:latin typeface="Courier" pitchFamily="2" charset="0"/>
               </a:rPr>
-              <a:t>  </a:t>
-            </a:r>
-            <a:r>
-              <a:rPr lang="en-GB" sz="1600" dirty="0" err="1">
-                <a:latin typeface="Courier" pitchFamily="2" charset="0"/>
-              </a:rPr>
-              <a:t>const</a:t>
-            </a:r>
-            <a:r>
-              <a:rPr lang="en-GB" sz="1600" dirty="0">
-                <a:latin typeface="Courier" pitchFamily="2" charset="0"/>
-              </a:rPr>
-              <a:t> </a:t>
+              <a:t>   </a:t>
             </a:r>
             <a:r>
               <a:rPr lang="en-GB" sz="1600" dirty="0" err="1">
@@ -15046,17 +15085,17 @@
           <a:p>
             <a:r>
               <a:rPr lang="en-IT" dirty="0"/>
-              <a:t>Passing arguments – Add the new route and UI</a:t>
-            </a:r>
-          </a:p>
-        </p:txBody>
-      </p:sp>
-      <p:sp>
-        <p:nvSpPr>
-          <p:cNvPr id="3" name="Content Placeholder 2">
-            <a:extLst>
-              <a:ext uri="{FF2B5EF4-FFF2-40B4-BE49-F238E27FC236}">
-                <a16:creationId xmlns:a16="http://schemas.microsoft.com/office/drawing/2014/main" id="{8962CCAC-9D70-C543-BBE0-822B6CB5F5CB}"/>
+              <a:t>Passing arguments</a:t>
+            </a:r>
+          </a:p>
+        </p:txBody>
+      </p:sp>
+      <p:sp>
+        <p:nvSpPr>
+          <p:cNvPr id="4" name="Content Placeholder 3">
+            <a:extLst>
+              <a:ext uri="{FF2B5EF4-FFF2-40B4-BE49-F238E27FC236}">
+                <a16:creationId xmlns:a16="http://schemas.microsoft.com/office/drawing/2014/main" id="{165E04DA-B0B0-E54E-9960-4AE739BD5CDF}"/>
               </a:ext>
             </a:extLst>
           </p:cNvPr>
@@ -15069,202 +15108,579 @@
         </p:nvSpPr>
         <p:spPr>
           <a:xfrm>
-            <a:off x="428171" y="1361167"/>
-            <a:ext cx="10336811" cy="5334907"/>
+            <a:off x="428172" y="1361168"/>
+            <a:ext cx="11282921" cy="603099"/>
           </a:xfrm>
         </p:spPr>
         <p:txBody>
           <a:bodyPr>
-            <a:normAutofit lnSpcReduction="10000"/>
+            <a:normAutofit fontScale="92500" lnSpcReduction="20000"/>
           </a:bodyPr>
           <a:lstStyle/>
           <a:p>
             <a:r>
-              <a:rPr lang="en-GB" dirty="0"/>
-              <a:t>New route? Let’s add it to the list:</a:t>
-            </a:r>
-          </a:p>
-          <a:p>
-            <a:endParaRPr lang="en-GB" dirty="0"/>
+              <a:rPr lang="en-IT" dirty="0"/>
+              <a:t>To pass an argument to the </a:t>
+            </a:r>
+            <a:r>
+              <a:rPr lang="en-IT" dirty="0">
+                <a:latin typeface="Courier" pitchFamily="2" charset="0"/>
+              </a:rPr>
+              <a:t>MessagePage</a:t>
+            </a:r>
+            <a:r>
+              <a:rPr lang="en-IT" dirty="0"/>
+              <a:t> route, now you can invoke </a:t>
+            </a:r>
+            <a:r>
+              <a:rPr lang="en-IT" dirty="0">
+                <a:latin typeface="Courier" pitchFamily="2" charset="0"/>
+              </a:rPr>
+              <a:t>Navigator.pushNamed()</a:t>
+            </a:r>
+            <a:r>
+              <a:rPr lang="en-IT" dirty="0"/>
+              <a:t> as:</a:t>
+            </a:r>
+          </a:p>
+        </p:txBody>
+      </p:sp>
+      <p:sp>
+        <p:nvSpPr>
+          <p:cNvPr id="14" name="Content Placeholder 3">
+            <a:extLst>
+              <a:ext uri="{FF2B5EF4-FFF2-40B4-BE49-F238E27FC236}">
+                <a16:creationId xmlns:a16="http://schemas.microsoft.com/office/drawing/2014/main" id="{49DA7251-B1A7-1940-8B79-1AA4A69B43DA}"/>
+              </a:ext>
+            </a:extLst>
+          </p:cNvPr>
+          <p:cNvSpPr txBox="1">
+            <a:spLocks/>
+          </p:cNvSpPr>
+          <p:nvPr/>
+        </p:nvSpPr>
+        <p:spPr>
+          <a:xfrm>
+            <a:off x="407853" y="3743152"/>
+            <a:ext cx="11282921" cy="603099"/>
+          </a:xfrm>
+          <a:prstGeom prst="rect">
+            <a:avLst/>
+          </a:prstGeom>
+        </p:spPr>
+        <p:txBody>
+          <a:bodyPr vert="horz" lIns="91440" tIns="45720" rIns="91440" bIns="45720" rtlCol="0">
+            <a:normAutofit/>
+          </a:bodyPr>
+          <a:lstStyle>
+            <a:lvl1pPr marL="342900" indent="-342900" algn="l" defTabSz="914400" rtl="0" eaLnBrk="1" latinLnBrk="0" hangingPunct="1">
+              <a:lnSpc>
+                <a:spcPct val="90000"/>
+              </a:lnSpc>
+              <a:spcBef>
+                <a:spcPts val="1000"/>
+              </a:spcBef>
+              <a:buClr>
+                <a:srgbClr val="00B050"/>
+              </a:buClr>
+              <a:buFont typeface="Wingdings" panose="05000000000000000000" pitchFamily="2" charset="2"/>
+              <a:buChar char="Ø"/>
+              <a:defRPr sz="2400" kern="1200">
+                <a:solidFill>
+                  <a:schemeClr val="tx1"/>
+                </a:solidFill>
+                <a:latin typeface="Palatino Linotype" panose="02040502050505030304" pitchFamily="18" charset="0"/>
+                <a:ea typeface="+mn-ea"/>
+                <a:cs typeface="+mn-cs"/>
+              </a:defRPr>
+            </a:lvl1pPr>
+            <a:lvl2pPr marL="685800" indent="-228600" algn="l" defTabSz="914400" rtl="0" eaLnBrk="1" latinLnBrk="0" hangingPunct="1">
+              <a:lnSpc>
+                <a:spcPct val="90000"/>
+              </a:lnSpc>
+              <a:spcBef>
+                <a:spcPts val="500"/>
+              </a:spcBef>
+              <a:buClr>
+                <a:srgbClr val="00B050"/>
+              </a:buClr>
+              <a:buFont typeface="Wingdings" panose="05000000000000000000" pitchFamily="2" charset="2"/>
+              <a:buChar char="§"/>
+              <a:defRPr sz="2000" kern="1200">
+                <a:solidFill>
+                  <a:schemeClr val="tx1"/>
+                </a:solidFill>
+                <a:latin typeface="Palatino Linotype" panose="02040502050505030304" pitchFamily="18" charset="0"/>
+                <a:ea typeface="+mn-ea"/>
+                <a:cs typeface="+mn-cs"/>
+              </a:defRPr>
+            </a:lvl2pPr>
+            <a:lvl3pPr marL="1143000" indent="-228600" algn="l" defTabSz="914400" rtl="0" eaLnBrk="1" latinLnBrk="0" hangingPunct="1">
+              <a:lnSpc>
+                <a:spcPct val="90000"/>
+              </a:lnSpc>
+              <a:spcBef>
+                <a:spcPts val="500"/>
+              </a:spcBef>
+              <a:buClr>
+                <a:srgbClr val="00B050"/>
+              </a:buClr>
+              <a:buFont typeface="Arial" panose="020B0604020202020204" pitchFamily="34" charset="0"/>
+              <a:buChar char="•"/>
+              <a:defRPr sz="1800" kern="1200">
+                <a:solidFill>
+                  <a:schemeClr val="tx1"/>
+                </a:solidFill>
+                <a:latin typeface="Palatino Linotype" panose="02040502050505030304" pitchFamily="18" charset="0"/>
+                <a:ea typeface="+mn-ea"/>
+                <a:cs typeface="+mn-cs"/>
+              </a:defRPr>
+            </a:lvl3pPr>
+            <a:lvl4pPr marL="1600200" indent="-228600" algn="l" defTabSz="914400" rtl="0" eaLnBrk="1" latinLnBrk="0" hangingPunct="1">
+              <a:lnSpc>
+                <a:spcPct val="90000"/>
+              </a:lnSpc>
+              <a:spcBef>
+                <a:spcPts val="500"/>
+              </a:spcBef>
+              <a:buClr>
+                <a:srgbClr val="00B050"/>
+              </a:buClr>
+              <a:buFont typeface="Courier New" panose="02070309020205020404" pitchFamily="49" charset="0"/>
+              <a:buChar char="o"/>
+              <a:defRPr sz="1600" kern="1200">
+                <a:solidFill>
+                  <a:schemeClr val="tx1"/>
+                </a:solidFill>
+                <a:latin typeface="Palatino Linotype" panose="02040502050505030304" pitchFamily="18" charset="0"/>
+                <a:ea typeface="+mn-ea"/>
+                <a:cs typeface="+mn-cs"/>
+              </a:defRPr>
+            </a:lvl4pPr>
+            <a:lvl5pPr marL="2057400" indent="-228600" algn="l" defTabSz="914400" rtl="0" eaLnBrk="1" latinLnBrk="0" hangingPunct="1">
+              <a:lnSpc>
+                <a:spcPct val="90000"/>
+              </a:lnSpc>
+              <a:spcBef>
+                <a:spcPts val="500"/>
+              </a:spcBef>
+              <a:buClr>
+                <a:srgbClr val="00B050"/>
+              </a:buClr>
+              <a:buFont typeface="Times New Roman" panose="02020603050405020304" pitchFamily="18" charset="0"/>
+              <a:buChar char="̶"/>
+              <a:defRPr sz="1600" kern="1200">
+                <a:solidFill>
+                  <a:schemeClr val="tx1"/>
+                </a:solidFill>
+                <a:latin typeface="Palatino Linotype" panose="02040502050505030304" pitchFamily="18" charset="0"/>
+                <a:ea typeface="+mn-ea"/>
+                <a:cs typeface="+mn-cs"/>
+              </a:defRPr>
+            </a:lvl5pPr>
+            <a:lvl6pPr marL="2514600" indent="-228600" algn="l" defTabSz="914400" rtl="0" eaLnBrk="1" latinLnBrk="0" hangingPunct="1">
+              <a:lnSpc>
+                <a:spcPct val="90000"/>
+              </a:lnSpc>
+              <a:spcBef>
+                <a:spcPts val="500"/>
+              </a:spcBef>
+              <a:buFont typeface="Arial" panose="020B0604020202020204" pitchFamily="34" charset="0"/>
+              <a:buChar char="•"/>
+              <a:defRPr sz="1800" kern="1200">
+                <a:solidFill>
+                  <a:schemeClr val="tx1"/>
+                </a:solidFill>
+                <a:latin typeface="+mn-lt"/>
+                <a:ea typeface="+mn-ea"/>
+                <a:cs typeface="+mn-cs"/>
+              </a:defRPr>
+            </a:lvl6pPr>
+            <a:lvl7pPr marL="2971800" indent="-228600" algn="l" defTabSz="914400" rtl="0" eaLnBrk="1" latinLnBrk="0" hangingPunct="1">
+              <a:lnSpc>
+                <a:spcPct val="90000"/>
+              </a:lnSpc>
+              <a:spcBef>
+                <a:spcPts val="500"/>
+              </a:spcBef>
+              <a:buFont typeface="Arial" panose="020B0604020202020204" pitchFamily="34" charset="0"/>
+              <a:buChar char="•"/>
+              <a:defRPr sz="1800" kern="1200">
+                <a:solidFill>
+                  <a:schemeClr val="tx1"/>
+                </a:solidFill>
+                <a:latin typeface="+mn-lt"/>
+                <a:ea typeface="+mn-ea"/>
+                <a:cs typeface="+mn-cs"/>
+              </a:defRPr>
+            </a:lvl7pPr>
+            <a:lvl8pPr marL="3429000" indent="-228600" algn="l" defTabSz="914400" rtl="0" eaLnBrk="1" latinLnBrk="0" hangingPunct="1">
+              <a:lnSpc>
+                <a:spcPct val="90000"/>
+              </a:lnSpc>
+              <a:spcBef>
+                <a:spcPts val="500"/>
+              </a:spcBef>
+              <a:buFont typeface="Arial" panose="020B0604020202020204" pitchFamily="34" charset="0"/>
+              <a:buChar char="•"/>
+              <a:defRPr sz="1800" kern="1200">
+                <a:solidFill>
+                  <a:schemeClr val="tx1"/>
+                </a:solidFill>
+                <a:latin typeface="+mn-lt"/>
+                <a:ea typeface="+mn-ea"/>
+                <a:cs typeface="+mn-cs"/>
+              </a:defRPr>
+            </a:lvl8pPr>
+            <a:lvl9pPr marL="3886200" indent="-228600" algn="l" defTabSz="914400" rtl="0" eaLnBrk="1" latinLnBrk="0" hangingPunct="1">
+              <a:lnSpc>
+                <a:spcPct val="90000"/>
+              </a:lnSpc>
+              <a:spcBef>
+                <a:spcPts val="500"/>
+              </a:spcBef>
+              <a:buFont typeface="Arial" panose="020B0604020202020204" pitchFamily="34" charset="0"/>
+              <a:buChar char="•"/>
+              <a:defRPr sz="1800" kern="1200">
+                <a:solidFill>
+                  <a:schemeClr val="tx1"/>
+                </a:solidFill>
+                <a:latin typeface="+mn-lt"/>
+                <a:ea typeface="+mn-ea"/>
+                <a:cs typeface="+mn-cs"/>
+              </a:defRPr>
+            </a:lvl9pPr>
+          </a:lstStyle>
+          <a:p>
+            <a:r>
+              <a:rPr lang="en-IT" sz="2200" dirty="0"/>
+              <a:t>Note: to make this work we need to modify the constructor of </a:t>
+            </a:r>
+            <a:r>
+              <a:rPr lang="en-IT" sz="2000" dirty="0">
+                <a:latin typeface="Courier" pitchFamily="2" charset="0"/>
+              </a:rPr>
+              <a:t>MessagePage:</a:t>
+            </a:r>
+            <a:endParaRPr lang="en-IT" sz="2200" dirty="0"/>
+          </a:p>
+        </p:txBody>
+      </p:sp>
+      <p:sp>
+        <p:nvSpPr>
+          <p:cNvPr id="15" name="Content Placeholder 5">
+            <a:extLst>
+              <a:ext uri="{FF2B5EF4-FFF2-40B4-BE49-F238E27FC236}">
+                <a16:creationId xmlns:a16="http://schemas.microsoft.com/office/drawing/2014/main" id="{DF5792CB-C0EA-8D4F-A147-F612F2DC4997}"/>
+              </a:ext>
+            </a:extLst>
+          </p:cNvPr>
+          <p:cNvSpPr txBox="1">
+            <a:spLocks/>
+          </p:cNvSpPr>
+          <p:nvPr/>
+        </p:nvSpPr>
+        <p:spPr>
+          <a:xfrm>
+            <a:off x="653626" y="1894421"/>
+            <a:ext cx="11110202" cy="1726007"/>
+          </a:xfrm>
+          <a:prstGeom prst="rect">
+            <a:avLst/>
+          </a:prstGeom>
+        </p:spPr>
+        <p:txBody>
+          <a:bodyPr vert="horz" lIns="91440" tIns="45720" rIns="91440" bIns="45720" rtlCol="0">
+            <a:normAutofit fontScale="92500" lnSpcReduction="10000"/>
+          </a:bodyPr>
+          <a:lstStyle>
+            <a:lvl1pPr marL="342900" indent="-342900" algn="l" defTabSz="914400" rtl="0" eaLnBrk="1" latinLnBrk="0" hangingPunct="1">
+              <a:lnSpc>
+                <a:spcPct val="90000"/>
+              </a:lnSpc>
+              <a:spcBef>
+                <a:spcPts val="1000"/>
+              </a:spcBef>
+              <a:buClr>
+                <a:srgbClr val="00B050"/>
+              </a:buClr>
+              <a:buFont typeface="Wingdings" panose="05000000000000000000" pitchFamily="2" charset="2"/>
+              <a:buChar char="Ø"/>
+              <a:defRPr sz="2400" kern="1200">
+                <a:solidFill>
+                  <a:schemeClr val="tx1"/>
+                </a:solidFill>
+                <a:latin typeface="Palatino Linotype" panose="02040502050505030304" pitchFamily="18" charset="0"/>
+                <a:ea typeface="+mn-ea"/>
+                <a:cs typeface="+mn-cs"/>
+              </a:defRPr>
+            </a:lvl1pPr>
+            <a:lvl2pPr marL="685800" indent="-228600" algn="l" defTabSz="914400" rtl="0" eaLnBrk="1" latinLnBrk="0" hangingPunct="1">
+              <a:lnSpc>
+                <a:spcPct val="90000"/>
+              </a:lnSpc>
+              <a:spcBef>
+                <a:spcPts val="500"/>
+              </a:spcBef>
+              <a:buClr>
+                <a:srgbClr val="00B050"/>
+              </a:buClr>
+              <a:buFont typeface="Wingdings" panose="05000000000000000000" pitchFamily="2" charset="2"/>
+              <a:buChar char="§"/>
+              <a:defRPr sz="2000" kern="1200">
+                <a:solidFill>
+                  <a:schemeClr val="tx1"/>
+                </a:solidFill>
+                <a:latin typeface="Palatino Linotype" panose="02040502050505030304" pitchFamily="18" charset="0"/>
+                <a:ea typeface="+mn-ea"/>
+                <a:cs typeface="+mn-cs"/>
+              </a:defRPr>
+            </a:lvl2pPr>
+            <a:lvl3pPr marL="1143000" indent="-228600" algn="l" defTabSz="914400" rtl="0" eaLnBrk="1" latinLnBrk="0" hangingPunct="1">
+              <a:lnSpc>
+                <a:spcPct val="90000"/>
+              </a:lnSpc>
+              <a:spcBef>
+                <a:spcPts val="500"/>
+              </a:spcBef>
+              <a:buClr>
+                <a:srgbClr val="00B050"/>
+              </a:buClr>
+              <a:buFont typeface="Arial" panose="020B0604020202020204" pitchFamily="34" charset="0"/>
+              <a:buChar char="•"/>
+              <a:defRPr sz="1800" kern="1200">
+                <a:solidFill>
+                  <a:schemeClr val="tx1"/>
+                </a:solidFill>
+                <a:latin typeface="Palatino Linotype" panose="02040502050505030304" pitchFamily="18" charset="0"/>
+                <a:ea typeface="+mn-ea"/>
+                <a:cs typeface="+mn-cs"/>
+              </a:defRPr>
+            </a:lvl3pPr>
+            <a:lvl4pPr marL="1600200" indent="-228600" algn="l" defTabSz="914400" rtl="0" eaLnBrk="1" latinLnBrk="0" hangingPunct="1">
+              <a:lnSpc>
+                <a:spcPct val="90000"/>
+              </a:lnSpc>
+              <a:spcBef>
+                <a:spcPts val="500"/>
+              </a:spcBef>
+              <a:buClr>
+                <a:srgbClr val="00B050"/>
+              </a:buClr>
+              <a:buFont typeface="Courier New" panose="02070309020205020404" pitchFamily="49" charset="0"/>
+              <a:buChar char="o"/>
+              <a:defRPr sz="1600" kern="1200">
+                <a:solidFill>
+                  <a:schemeClr val="tx1"/>
+                </a:solidFill>
+                <a:latin typeface="Palatino Linotype" panose="02040502050505030304" pitchFamily="18" charset="0"/>
+                <a:ea typeface="+mn-ea"/>
+                <a:cs typeface="+mn-cs"/>
+              </a:defRPr>
+            </a:lvl4pPr>
+            <a:lvl5pPr marL="2057400" indent="-228600" algn="l" defTabSz="914400" rtl="0" eaLnBrk="1" latinLnBrk="0" hangingPunct="1">
+              <a:lnSpc>
+                <a:spcPct val="90000"/>
+              </a:lnSpc>
+              <a:spcBef>
+                <a:spcPts val="500"/>
+              </a:spcBef>
+              <a:buClr>
+                <a:srgbClr val="00B050"/>
+              </a:buClr>
+              <a:buFont typeface="Times New Roman" panose="02020603050405020304" pitchFamily="18" charset="0"/>
+              <a:buChar char="̶"/>
+              <a:defRPr sz="1600" kern="1200">
+                <a:solidFill>
+                  <a:schemeClr val="tx1"/>
+                </a:solidFill>
+                <a:latin typeface="Palatino Linotype" panose="02040502050505030304" pitchFamily="18" charset="0"/>
+                <a:ea typeface="+mn-ea"/>
+                <a:cs typeface="+mn-cs"/>
+              </a:defRPr>
+            </a:lvl5pPr>
+            <a:lvl6pPr marL="2514600" indent="-228600" algn="l" defTabSz="914400" rtl="0" eaLnBrk="1" latinLnBrk="0" hangingPunct="1">
+              <a:lnSpc>
+                <a:spcPct val="90000"/>
+              </a:lnSpc>
+              <a:spcBef>
+                <a:spcPts val="500"/>
+              </a:spcBef>
+              <a:buFont typeface="Arial" panose="020B0604020202020204" pitchFamily="34" charset="0"/>
+              <a:buChar char="•"/>
+              <a:defRPr sz="1800" kern="1200">
+                <a:solidFill>
+                  <a:schemeClr val="tx1"/>
+                </a:solidFill>
+                <a:latin typeface="+mn-lt"/>
+                <a:ea typeface="+mn-ea"/>
+                <a:cs typeface="+mn-cs"/>
+              </a:defRPr>
+            </a:lvl6pPr>
+            <a:lvl7pPr marL="2971800" indent="-228600" algn="l" defTabSz="914400" rtl="0" eaLnBrk="1" latinLnBrk="0" hangingPunct="1">
+              <a:lnSpc>
+                <a:spcPct val="90000"/>
+              </a:lnSpc>
+              <a:spcBef>
+                <a:spcPts val="500"/>
+              </a:spcBef>
+              <a:buFont typeface="Arial" panose="020B0604020202020204" pitchFamily="34" charset="0"/>
+              <a:buChar char="•"/>
+              <a:defRPr sz="1800" kern="1200">
+                <a:solidFill>
+                  <a:schemeClr val="tx1"/>
+                </a:solidFill>
+                <a:latin typeface="+mn-lt"/>
+                <a:ea typeface="+mn-ea"/>
+                <a:cs typeface="+mn-cs"/>
+              </a:defRPr>
+            </a:lvl7pPr>
+            <a:lvl8pPr marL="3429000" indent="-228600" algn="l" defTabSz="914400" rtl="0" eaLnBrk="1" latinLnBrk="0" hangingPunct="1">
+              <a:lnSpc>
+                <a:spcPct val="90000"/>
+              </a:lnSpc>
+              <a:spcBef>
+                <a:spcPts val="500"/>
+              </a:spcBef>
+              <a:buFont typeface="Arial" panose="020B0604020202020204" pitchFamily="34" charset="0"/>
+              <a:buChar char="•"/>
+              <a:defRPr sz="1800" kern="1200">
+                <a:solidFill>
+                  <a:schemeClr val="tx1"/>
+                </a:solidFill>
+                <a:latin typeface="+mn-lt"/>
+                <a:ea typeface="+mn-ea"/>
+                <a:cs typeface="+mn-cs"/>
+              </a:defRPr>
+            </a:lvl8pPr>
+            <a:lvl9pPr marL="3886200" indent="-228600" algn="l" defTabSz="914400" rtl="0" eaLnBrk="1" latinLnBrk="0" hangingPunct="1">
+              <a:lnSpc>
+                <a:spcPct val="90000"/>
+              </a:lnSpc>
+              <a:spcBef>
+                <a:spcPts val="500"/>
+              </a:spcBef>
+              <a:buFont typeface="Arial" panose="020B0604020202020204" pitchFamily="34" charset="0"/>
+              <a:buChar char="•"/>
+              <a:defRPr sz="1800" kern="1200">
+                <a:solidFill>
+                  <a:schemeClr val="tx1"/>
+                </a:solidFill>
+                <a:latin typeface="+mn-lt"/>
+                <a:ea typeface="+mn-ea"/>
+                <a:cs typeface="+mn-cs"/>
+              </a:defRPr>
+            </a:lvl9pPr>
+          </a:lstStyle>
+          <a:p>
+            <a:pPr marL="0" indent="0">
+              <a:buFont typeface="Wingdings" panose="05000000000000000000" pitchFamily="2" charset="2"/>
+              <a:buNone/>
+            </a:pPr>
+            <a:r>
+              <a:rPr lang="en-GB" sz="1600" dirty="0">
+                <a:latin typeface="Courier" pitchFamily="2" charset="0"/>
+              </a:rPr>
+              <a:t>...</a:t>
+            </a:r>
+          </a:p>
+          <a:p>
+            <a:pPr marL="0" indent="0">
+              <a:buFont typeface="Wingdings" panose="05000000000000000000" pitchFamily="2" charset="2"/>
+              <a:buNone/>
+            </a:pPr>
+            <a:r>
+              <a:rPr lang="en-GB" sz="1600" dirty="0" err="1">
+                <a:latin typeface="Courier" pitchFamily="2" charset="0"/>
+              </a:rPr>
+              <a:t>onPressed</a:t>
+            </a:r>
+            <a:r>
+              <a:rPr lang="en-GB" sz="1600" dirty="0">
+                <a:latin typeface="Courier" pitchFamily="2" charset="0"/>
+              </a:rPr>
+              <a:t>: () {</a:t>
+            </a:r>
           </a:p>
           <a:p>
             <a:pPr marL="0" indent="0">
               <a:buNone/>
             </a:pPr>
             <a:r>
-              <a:rPr lang="en-GB" dirty="0" err="1">
-                <a:latin typeface="Courier" pitchFamily="2" charset="0"/>
-              </a:rPr>
-              <a:t>MaterialApp</a:t>
-            </a:r>
-            <a:r>
-              <a:rPr lang="en-GB" dirty="0">
-                <a:latin typeface="Courier" pitchFamily="2" charset="0"/>
-              </a:rPr>
-              <a:t>(</a:t>
+              <a:rPr lang="en-GB" sz="1600" b="1" dirty="0">
+                <a:latin typeface="Courier" pitchFamily="2" charset="0"/>
+              </a:rPr>
+              <a:t>  </a:t>
+            </a:r>
+            <a:r>
+              <a:rPr lang="en-GB" sz="1600" b="1" dirty="0" err="1">
+                <a:latin typeface="Courier" pitchFamily="2" charset="0"/>
+              </a:rPr>
+              <a:t>Navigator.push</a:t>
+            </a:r>
+            <a:r>
+              <a:rPr lang="en-GB" sz="1600" b="1" dirty="0">
+                <a:latin typeface="Courier" pitchFamily="2" charset="0"/>
+              </a:rPr>
+              <a:t>(context, </a:t>
+            </a:r>
+            <a:r>
+              <a:rPr lang="en-GB" sz="1600" b="1" dirty="0" err="1">
+                <a:latin typeface="Courier" pitchFamily="2" charset="0"/>
+              </a:rPr>
+              <a:t>MaterialPageRoute</a:t>
+            </a:r>
+            <a:r>
+              <a:rPr lang="en-GB" sz="1600" b="1" dirty="0">
+                <a:latin typeface="Courier" pitchFamily="2" charset="0"/>
+              </a:rPr>
+              <a:t>(builder: (context) =&gt; </a:t>
+            </a:r>
+            <a:r>
+              <a:rPr lang="en-GB" sz="1600" b="1" dirty="0" err="1">
+                <a:latin typeface="Courier" pitchFamily="2" charset="0"/>
+              </a:rPr>
+              <a:t>MessagePage</a:t>
+            </a:r>
+            <a:r>
+              <a:rPr lang="en-GB" sz="1600" b="1" dirty="0">
+                <a:latin typeface="Courier" pitchFamily="2" charset="0"/>
+              </a:rPr>
+              <a:t>(message: 'Hello!',)));</a:t>
             </a:r>
           </a:p>
           <a:p>
             <a:pPr marL="0" indent="0">
+              <a:buFont typeface="Wingdings" panose="05000000000000000000" pitchFamily="2" charset="2"/>
               <a:buNone/>
             </a:pPr>
             <a:r>
-              <a:rPr lang="en-GB" b="1" dirty="0">
-                <a:latin typeface="Courier" pitchFamily="2" charset="0"/>
-              </a:rPr>
-              <a:t>  </a:t>
-            </a:r>
-            <a:r>
-              <a:rPr lang="en-GB" dirty="0" err="1">
-                <a:latin typeface="Courier" pitchFamily="2" charset="0"/>
-              </a:rPr>
-              <a:t>initialRoute</a:t>
-            </a:r>
-            <a:r>
-              <a:rPr lang="en-GB" dirty="0">
-                <a:latin typeface="Courier" pitchFamily="2" charset="0"/>
-              </a:rPr>
-              <a:t>: '/’,</a:t>
+              <a:rPr lang="en-GB" sz="1600" dirty="0">
+                <a:latin typeface="Courier" pitchFamily="2" charset="0"/>
+              </a:rPr>
+              <a:t>},</a:t>
             </a:r>
           </a:p>
           <a:p>
             <a:pPr marL="0" indent="0">
+              <a:buFont typeface="Wingdings" panose="05000000000000000000" pitchFamily="2" charset="2"/>
               <a:buNone/>
             </a:pPr>
             <a:r>
-              <a:rPr lang="en-GB" dirty="0">
-                <a:latin typeface="Courier" pitchFamily="2" charset="0"/>
-              </a:rPr>
-              <a:t>  routes: {</a:t>
-            </a:r>
-          </a:p>
-          <a:p>
-            <a:pPr marL="0" indent="0">
-              <a:buNone/>
-            </a:pPr>
-            <a:r>
-              <a:rPr lang="en-GB" dirty="0">
-                <a:latin typeface="Courier" pitchFamily="2" charset="0"/>
-              </a:rPr>
-              <a:t>    '/' : (context) =&gt; </a:t>
-            </a:r>
-            <a:r>
-              <a:rPr lang="en-GB" dirty="0" err="1">
-                <a:latin typeface="Courier" pitchFamily="2" charset="0"/>
-              </a:rPr>
-              <a:t>HomePage</a:t>
-            </a:r>
-            <a:r>
-              <a:rPr lang="en-GB" dirty="0">
-                <a:latin typeface="Courier" pitchFamily="2" charset="0"/>
-              </a:rPr>
-              <a:t>(),</a:t>
-            </a:r>
-          </a:p>
-          <a:p>
-            <a:pPr marL="0" indent="0">
-              <a:buNone/>
-            </a:pPr>
-            <a:r>
-              <a:rPr lang="en-GB" dirty="0">
-                <a:latin typeface="Courier" pitchFamily="2" charset="0"/>
-              </a:rPr>
-              <a:t>    '/profile/': (context) =&gt; </a:t>
-            </a:r>
-            <a:r>
-              <a:rPr lang="en-GB" dirty="0" err="1">
-                <a:latin typeface="Courier" pitchFamily="2" charset="0"/>
-              </a:rPr>
-              <a:t>ProfilePage</a:t>
-            </a:r>
-            <a:r>
-              <a:rPr lang="en-GB" dirty="0">
-                <a:latin typeface="Courier" pitchFamily="2" charset="0"/>
-              </a:rPr>
-              <a:t>(),</a:t>
-            </a:r>
-          </a:p>
-          <a:p>
-            <a:pPr marL="0" indent="0">
-              <a:buNone/>
-            </a:pPr>
-            <a:r>
-              <a:rPr lang="en-GB" b="1" dirty="0">
-                <a:latin typeface="Courier" pitchFamily="2" charset="0"/>
-              </a:rPr>
-              <a:t>    ‘/message/': (context) =&gt; </a:t>
-            </a:r>
-            <a:r>
-              <a:rPr lang="en-GB" b="1" dirty="0" err="1">
-                <a:latin typeface="Courier" pitchFamily="2" charset="0"/>
-              </a:rPr>
-              <a:t>MessagePage</a:t>
-            </a:r>
-            <a:r>
-              <a:rPr lang="en-GB" b="1" dirty="0">
-                <a:latin typeface="Courier" pitchFamily="2" charset="0"/>
-              </a:rPr>
-              <a:t>(), </a:t>
-            </a:r>
-          </a:p>
-          <a:p>
-            <a:pPr marL="0" indent="0">
-              <a:buNone/>
-            </a:pPr>
-            <a:r>
-              <a:rPr lang="en-GB" dirty="0">
-                <a:latin typeface="Courier" pitchFamily="2" charset="0"/>
-              </a:rPr>
-              <a:t>  },</a:t>
-            </a:r>
-          </a:p>
-          <a:p>
-            <a:pPr marL="0" indent="0">
-              <a:buNone/>
-            </a:pPr>
-            <a:r>
-              <a:rPr lang="en-GB" dirty="0">
-                <a:latin typeface="Courier" pitchFamily="2" charset="0"/>
-              </a:rPr>
-              <a:t>);</a:t>
-            </a:r>
-          </a:p>
-          <a:p>
-            <a:endParaRPr lang="en-GB" dirty="0"/>
-          </a:p>
-          <a:p>
-            <a:r>
-              <a:rPr lang="en-GB" dirty="0"/>
-              <a:t>To do: add a button in the </a:t>
-            </a:r>
-            <a:r>
-              <a:rPr lang="en-GB" dirty="0" err="1">
-                <a:latin typeface="Courier" pitchFamily="2" charset="0"/>
-              </a:rPr>
-              <a:t>HomePage</a:t>
-            </a:r>
-            <a:r>
-              <a:rPr lang="en-GB" dirty="0"/>
-              <a:t> to navigate to </a:t>
-            </a:r>
-            <a:r>
-              <a:rPr lang="en-GB" dirty="0" err="1">
-                <a:latin typeface="Courier" pitchFamily="2" charset="0"/>
-              </a:rPr>
-              <a:t>MessagePage</a:t>
-            </a:r>
-            <a:endParaRPr lang="en-GB" dirty="0">
-              <a:latin typeface="Courier" pitchFamily="2" charset="0"/>
-            </a:endParaRPr>
-          </a:p>
-        </p:txBody>
-      </p:sp>
-      <p:sp>
-        <p:nvSpPr>
-          <p:cNvPr id="4" name="Slide Number Placeholder 3">
-            <a:extLst>
-              <a:ext uri="{FF2B5EF4-FFF2-40B4-BE49-F238E27FC236}">
-                <a16:creationId xmlns:a16="http://schemas.microsoft.com/office/drawing/2014/main" id="{D32756C3-B67B-6144-81A9-ACE6CC97099D}"/>
+              <a:rPr lang="en-GB" sz="1600" dirty="0">
+                <a:latin typeface="Courier" pitchFamily="2" charset="0"/>
+              </a:rPr>
+              <a:t>...</a:t>
+            </a:r>
+          </a:p>
+        </p:txBody>
+      </p:sp>
+      <p:sp>
+        <p:nvSpPr>
+          <p:cNvPr id="3" name="Slide Number Placeholder 2">
+            <a:extLst>
+              <a:ext uri="{FF2B5EF4-FFF2-40B4-BE49-F238E27FC236}">
+                <a16:creationId xmlns:a16="http://schemas.microsoft.com/office/drawing/2014/main" id="{6E73C37A-26D0-E144-8144-A6E0A8E131A4}"/>
               </a:ext>
             </a:extLst>
           </p:cNvPr>
@@ -15288,10 +15704,748 @@
           </a:p>
         </p:txBody>
       </p:sp>
+      <p:sp>
+        <p:nvSpPr>
+          <p:cNvPr id="16" name="Content Placeholder 5">
+            <a:extLst>
+              <a:ext uri="{FF2B5EF4-FFF2-40B4-BE49-F238E27FC236}">
+                <a16:creationId xmlns:a16="http://schemas.microsoft.com/office/drawing/2014/main" id="{9DEA2C91-2D1C-3C3D-3720-976920A57FA0}"/>
+              </a:ext>
+            </a:extLst>
+          </p:cNvPr>
+          <p:cNvSpPr txBox="1">
+            <a:spLocks/>
+          </p:cNvSpPr>
+          <p:nvPr/>
+        </p:nvSpPr>
+        <p:spPr>
+          <a:xfrm>
+            <a:off x="600891" y="4193767"/>
+            <a:ext cx="11110202" cy="1726007"/>
+          </a:xfrm>
+          <a:prstGeom prst="rect">
+            <a:avLst/>
+          </a:prstGeom>
+        </p:spPr>
+        <p:txBody>
+          <a:bodyPr vert="horz" lIns="91440" tIns="45720" rIns="91440" bIns="45720" rtlCol="0">
+            <a:normAutofit/>
+          </a:bodyPr>
+          <a:lstStyle>
+            <a:lvl1pPr marL="342900" indent="-342900" algn="l" defTabSz="914400" rtl="0" eaLnBrk="1" latinLnBrk="0" hangingPunct="1">
+              <a:lnSpc>
+                <a:spcPct val="90000"/>
+              </a:lnSpc>
+              <a:spcBef>
+                <a:spcPts val="1000"/>
+              </a:spcBef>
+              <a:buClr>
+                <a:srgbClr val="00B050"/>
+              </a:buClr>
+              <a:buFont typeface="Wingdings" panose="05000000000000000000" pitchFamily="2" charset="2"/>
+              <a:buChar char="Ø"/>
+              <a:defRPr sz="2400" kern="1200">
+                <a:solidFill>
+                  <a:schemeClr val="tx1"/>
+                </a:solidFill>
+                <a:latin typeface="Palatino Linotype" panose="02040502050505030304" pitchFamily="18" charset="0"/>
+                <a:ea typeface="+mn-ea"/>
+                <a:cs typeface="+mn-cs"/>
+              </a:defRPr>
+            </a:lvl1pPr>
+            <a:lvl2pPr marL="685800" indent="-228600" algn="l" defTabSz="914400" rtl="0" eaLnBrk="1" latinLnBrk="0" hangingPunct="1">
+              <a:lnSpc>
+                <a:spcPct val="90000"/>
+              </a:lnSpc>
+              <a:spcBef>
+                <a:spcPts val="500"/>
+              </a:spcBef>
+              <a:buClr>
+                <a:srgbClr val="00B050"/>
+              </a:buClr>
+              <a:buFont typeface="Wingdings" panose="05000000000000000000" pitchFamily="2" charset="2"/>
+              <a:buChar char="§"/>
+              <a:defRPr sz="2000" kern="1200">
+                <a:solidFill>
+                  <a:schemeClr val="tx1"/>
+                </a:solidFill>
+                <a:latin typeface="Palatino Linotype" panose="02040502050505030304" pitchFamily="18" charset="0"/>
+                <a:ea typeface="+mn-ea"/>
+                <a:cs typeface="+mn-cs"/>
+              </a:defRPr>
+            </a:lvl2pPr>
+            <a:lvl3pPr marL="1143000" indent="-228600" algn="l" defTabSz="914400" rtl="0" eaLnBrk="1" latinLnBrk="0" hangingPunct="1">
+              <a:lnSpc>
+                <a:spcPct val="90000"/>
+              </a:lnSpc>
+              <a:spcBef>
+                <a:spcPts val="500"/>
+              </a:spcBef>
+              <a:buClr>
+                <a:srgbClr val="00B050"/>
+              </a:buClr>
+              <a:buFont typeface="Arial" panose="020B0604020202020204" pitchFamily="34" charset="0"/>
+              <a:buChar char="•"/>
+              <a:defRPr sz="1800" kern="1200">
+                <a:solidFill>
+                  <a:schemeClr val="tx1"/>
+                </a:solidFill>
+                <a:latin typeface="Palatino Linotype" panose="02040502050505030304" pitchFamily="18" charset="0"/>
+                <a:ea typeface="+mn-ea"/>
+                <a:cs typeface="+mn-cs"/>
+              </a:defRPr>
+            </a:lvl3pPr>
+            <a:lvl4pPr marL="1600200" indent="-228600" algn="l" defTabSz="914400" rtl="0" eaLnBrk="1" latinLnBrk="0" hangingPunct="1">
+              <a:lnSpc>
+                <a:spcPct val="90000"/>
+              </a:lnSpc>
+              <a:spcBef>
+                <a:spcPts val="500"/>
+              </a:spcBef>
+              <a:buClr>
+                <a:srgbClr val="00B050"/>
+              </a:buClr>
+              <a:buFont typeface="Courier New" panose="02070309020205020404" pitchFamily="49" charset="0"/>
+              <a:buChar char="o"/>
+              <a:defRPr sz="1600" kern="1200">
+                <a:solidFill>
+                  <a:schemeClr val="tx1"/>
+                </a:solidFill>
+                <a:latin typeface="Palatino Linotype" panose="02040502050505030304" pitchFamily="18" charset="0"/>
+                <a:ea typeface="+mn-ea"/>
+                <a:cs typeface="+mn-cs"/>
+              </a:defRPr>
+            </a:lvl4pPr>
+            <a:lvl5pPr marL="2057400" indent="-228600" algn="l" defTabSz="914400" rtl="0" eaLnBrk="1" latinLnBrk="0" hangingPunct="1">
+              <a:lnSpc>
+                <a:spcPct val="90000"/>
+              </a:lnSpc>
+              <a:spcBef>
+                <a:spcPts val="500"/>
+              </a:spcBef>
+              <a:buClr>
+                <a:srgbClr val="00B050"/>
+              </a:buClr>
+              <a:buFont typeface="Times New Roman" panose="02020603050405020304" pitchFamily="18" charset="0"/>
+              <a:buChar char="̶"/>
+              <a:defRPr sz="1600" kern="1200">
+                <a:solidFill>
+                  <a:schemeClr val="tx1"/>
+                </a:solidFill>
+                <a:latin typeface="Palatino Linotype" panose="02040502050505030304" pitchFamily="18" charset="0"/>
+                <a:ea typeface="+mn-ea"/>
+                <a:cs typeface="+mn-cs"/>
+              </a:defRPr>
+            </a:lvl5pPr>
+            <a:lvl6pPr marL="2514600" indent="-228600" algn="l" defTabSz="914400" rtl="0" eaLnBrk="1" latinLnBrk="0" hangingPunct="1">
+              <a:lnSpc>
+                <a:spcPct val="90000"/>
+              </a:lnSpc>
+              <a:spcBef>
+                <a:spcPts val="500"/>
+              </a:spcBef>
+              <a:buFont typeface="Arial" panose="020B0604020202020204" pitchFamily="34" charset="0"/>
+              <a:buChar char="•"/>
+              <a:defRPr sz="1800" kern="1200">
+                <a:solidFill>
+                  <a:schemeClr val="tx1"/>
+                </a:solidFill>
+                <a:latin typeface="+mn-lt"/>
+                <a:ea typeface="+mn-ea"/>
+                <a:cs typeface="+mn-cs"/>
+              </a:defRPr>
+            </a:lvl6pPr>
+            <a:lvl7pPr marL="2971800" indent="-228600" algn="l" defTabSz="914400" rtl="0" eaLnBrk="1" latinLnBrk="0" hangingPunct="1">
+              <a:lnSpc>
+                <a:spcPct val="90000"/>
+              </a:lnSpc>
+              <a:spcBef>
+                <a:spcPts val="500"/>
+              </a:spcBef>
+              <a:buFont typeface="Arial" panose="020B0604020202020204" pitchFamily="34" charset="0"/>
+              <a:buChar char="•"/>
+              <a:defRPr sz="1800" kern="1200">
+                <a:solidFill>
+                  <a:schemeClr val="tx1"/>
+                </a:solidFill>
+                <a:latin typeface="+mn-lt"/>
+                <a:ea typeface="+mn-ea"/>
+                <a:cs typeface="+mn-cs"/>
+              </a:defRPr>
+            </a:lvl7pPr>
+            <a:lvl8pPr marL="3429000" indent="-228600" algn="l" defTabSz="914400" rtl="0" eaLnBrk="1" latinLnBrk="0" hangingPunct="1">
+              <a:lnSpc>
+                <a:spcPct val="90000"/>
+              </a:lnSpc>
+              <a:spcBef>
+                <a:spcPts val="500"/>
+              </a:spcBef>
+              <a:buFont typeface="Arial" panose="020B0604020202020204" pitchFamily="34" charset="0"/>
+              <a:buChar char="•"/>
+              <a:defRPr sz="1800" kern="1200">
+                <a:solidFill>
+                  <a:schemeClr val="tx1"/>
+                </a:solidFill>
+                <a:latin typeface="+mn-lt"/>
+                <a:ea typeface="+mn-ea"/>
+                <a:cs typeface="+mn-cs"/>
+              </a:defRPr>
+            </a:lvl8pPr>
+            <a:lvl9pPr marL="3886200" indent="-228600" algn="l" defTabSz="914400" rtl="0" eaLnBrk="1" latinLnBrk="0" hangingPunct="1">
+              <a:lnSpc>
+                <a:spcPct val="90000"/>
+              </a:lnSpc>
+              <a:spcBef>
+                <a:spcPts val="500"/>
+              </a:spcBef>
+              <a:buFont typeface="Arial" panose="020B0604020202020204" pitchFamily="34" charset="0"/>
+              <a:buChar char="•"/>
+              <a:defRPr sz="1800" kern="1200">
+                <a:solidFill>
+                  <a:schemeClr val="tx1"/>
+                </a:solidFill>
+                <a:latin typeface="+mn-lt"/>
+                <a:ea typeface="+mn-ea"/>
+                <a:cs typeface="+mn-cs"/>
+              </a:defRPr>
+            </a:lvl9pPr>
+          </a:lstStyle>
+          <a:p>
+            <a:pPr marL="0" indent="0">
+              <a:buFont typeface="Wingdings" panose="05000000000000000000" pitchFamily="2" charset="2"/>
+              <a:buNone/>
+            </a:pPr>
+            <a:r>
+              <a:rPr lang="en-GB" sz="1600" dirty="0">
+                <a:latin typeface="Courier" pitchFamily="2" charset="0"/>
+              </a:rPr>
+              <a:t>...</a:t>
+            </a:r>
+          </a:p>
+          <a:p>
+            <a:pPr marL="0" indent="0">
+              <a:buFont typeface="Wingdings" panose="05000000000000000000" pitchFamily="2" charset="2"/>
+              <a:buNone/>
+            </a:pPr>
+            <a:r>
+              <a:rPr lang="en-GB" sz="1600" dirty="0" err="1">
+                <a:latin typeface="Courier" pitchFamily="2" charset="0"/>
+              </a:rPr>
+              <a:t>MessagePage</a:t>
+            </a:r>
+            <a:r>
+              <a:rPr lang="en-GB" sz="1600" dirty="0">
+                <a:latin typeface="Courier" pitchFamily="2" charset="0"/>
+              </a:rPr>
+              <a:t>({Key? key, </a:t>
+            </a:r>
+            <a:r>
+              <a:rPr lang="en-GB" sz="1600" b="1" dirty="0">
+                <a:latin typeface="Courier" pitchFamily="2" charset="0"/>
+              </a:rPr>
+              <a:t>required </a:t>
+            </a:r>
+            <a:r>
+              <a:rPr lang="en-GB" sz="1600" b="1" dirty="0" err="1">
+                <a:latin typeface="Courier" pitchFamily="2" charset="0"/>
+              </a:rPr>
+              <a:t>this.message</a:t>
+            </a:r>
+            <a:r>
+              <a:rPr lang="en-GB" sz="1600" dirty="0">
+                <a:latin typeface="Courier" pitchFamily="2" charset="0"/>
+              </a:rPr>
+              <a:t>}) : super(key: key);</a:t>
+            </a:r>
+          </a:p>
+          <a:p>
+            <a:pPr marL="0" indent="0">
+              <a:buFont typeface="Wingdings" panose="05000000000000000000" pitchFamily="2" charset="2"/>
+              <a:buNone/>
+            </a:pPr>
+            <a:r>
+              <a:rPr lang="en-GB" sz="1600" b="1" dirty="0">
+                <a:latin typeface="Courier" pitchFamily="2" charset="0"/>
+              </a:rPr>
+              <a:t>final String message;</a:t>
+            </a:r>
+          </a:p>
+          <a:p>
+            <a:pPr marL="0" indent="0">
+              <a:buFont typeface="Wingdings" panose="05000000000000000000" pitchFamily="2" charset="2"/>
+              <a:buNone/>
+            </a:pPr>
+            <a:r>
+              <a:rPr lang="en-GB" sz="1600" dirty="0">
+                <a:latin typeface="Courier" pitchFamily="2" charset="0"/>
+              </a:rPr>
+              <a:t>...</a:t>
+            </a:r>
+          </a:p>
+        </p:txBody>
+      </p:sp>
+      <p:sp>
+        <p:nvSpPr>
+          <p:cNvPr id="19" name="Content Placeholder 3">
+            <a:extLst>
+              <a:ext uri="{FF2B5EF4-FFF2-40B4-BE49-F238E27FC236}">
+                <a16:creationId xmlns:a16="http://schemas.microsoft.com/office/drawing/2014/main" id="{918D4AA0-3830-7961-BE2B-F187B194A7A2}"/>
+              </a:ext>
+            </a:extLst>
+          </p:cNvPr>
+          <p:cNvSpPr txBox="1">
+            <a:spLocks/>
+          </p:cNvSpPr>
+          <p:nvPr/>
+        </p:nvSpPr>
+        <p:spPr>
+          <a:xfrm>
+            <a:off x="308188" y="5492929"/>
+            <a:ext cx="11282921" cy="603099"/>
+          </a:xfrm>
+          <a:prstGeom prst="rect">
+            <a:avLst/>
+          </a:prstGeom>
+        </p:spPr>
+        <p:txBody>
+          <a:bodyPr vert="horz" lIns="91440" tIns="45720" rIns="91440" bIns="45720" rtlCol="0">
+            <a:normAutofit/>
+          </a:bodyPr>
+          <a:lstStyle>
+            <a:lvl1pPr marL="342900" indent="-342900" algn="l" defTabSz="914400" rtl="0" eaLnBrk="1" latinLnBrk="0" hangingPunct="1">
+              <a:lnSpc>
+                <a:spcPct val="90000"/>
+              </a:lnSpc>
+              <a:spcBef>
+                <a:spcPts val="1000"/>
+              </a:spcBef>
+              <a:buClr>
+                <a:srgbClr val="00B050"/>
+              </a:buClr>
+              <a:buFont typeface="Wingdings" panose="05000000000000000000" pitchFamily="2" charset="2"/>
+              <a:buChar char="Ø"/>
+              <a:defRPr sz="2400" kern="1200">
+                <a:solidFill>
+                  <a:schemeClr val="tx1"/>
+                </a:solidFill>
+                <a:latin typeface="Palatino Linotype" panose="02040502050505030304" pitchFamily="18" charset="0"/>
+                <a:ea typeface="+mn-ea"/>
+                <a:cs typeface="+mn-cs"/>
+              </a:defRPr>
+            </a:lvl1pPr>
+            <a:lvl2pPr marL="685800" indent="-228600" algn="l" defTabSz="914400" rtl="0" eaLnBrk="1" latinLnBrk="0" hangingPunct="1">
+              <a:lnSpc>
+                <a:spcPct val="90000"/>
+              </a:lnSpc>
+              <a:spcBef>
+                <a:spcPts val="500"/>
+              </a:spcBef>
+              <a:buClr>
+                <a:srgbClr val="00B050"/>
+              </a:buClr>
+              <a:buFont typeface="Wingdings" panose="05000000000000000000" pitchFamily="2" charset="2"/>
+              <a:buChar char="§"/>
+              <a:defRPr sz="2000" kern="1200">
+                <a:solidFill>
+                  <a:schemeClr val="tx1"/>
+                </a:solidFill>
+                <a:latin typeface="Palatino Linotype" panose="02040502050505030304" pitchFamily="18" charset="0"/>
+                <a:ea typeface="+mn-ea"/>
+                <a:cs typeface="+mn-cs"/>
+              </a:defRPr>
+            </a:lvl2pPr>
+            <a:lvl3pPr marL="1143000" indent="-228600" algn="l" defTabSz="914400" rtl="0" eaLnBrk="1" latinLnBrk="0" hangingPunct="1">
+              <a:lnSpc>
+                <a:spcPct val="90000"/>
+              </a:lnSpc>
+              <a:spcBef>
+                <a:spcPts val="500"/>
+              </a:spcBef>
+              <a:buClr>
+                <a:srgbClr val="00B050"/>
+              </a:buClr>
+              <a:buFont typeface="Arial" panose="020B0604020202020204" pitchFamily="34" charset="0"/>
+              <a:buChar char="•"/>
+              <a:defRPr sz="1800" kern="1200">
+                <a:solidFill>
+                  <a:schemeClr val="tx1"/>
+                </a:solidFill>
+                <a:latin typeface="Palatino Linotype" panose="02040502050505030304" pitchFamily="18" charset="0"/>
+                <a:ea typeface="+mn-ea"/>
+                <a:cs typeface="+mn-cs"/>
+              </a:defRPr>
+            </a:lvl3pPr>
+            <a:lvl4pPr marL="1600200" indent="-228600" algn="l" defTabSz="914400" rtl="0" eaLnBrk="1" latinLnBrk="0" hangingPunct="1">
+              <a:lnSpc>
+                <a:spcPct val="90000"/>
+              </a:lnSpc>
+              <a:spcBef>
+                <a:spcPts val="500"/>
+              </a:spcBef>
+              <a:buClr>
+                <a:srgbClr val="00B050"/>
+              </a:buClr>
+              <a:buFont typeface="Courier New" panose="02070309020205020404" pitchFamily="49" charset="0"/>
+              <a:buChar char="o"/>
+              <a:defRPr sz="1600" kern="1200">
+                <a:solidFill>
+                  <a:schemeClr val="tx1"/>
+                </a:solidFill>
+                <a:latin typeface="Palatino Linotype" panose="02040502050505030304" pitchFamily="18" charset="0"/>
+                <a:ea typeface="+mn-ea"/>
+                <a:cs typeface="+mn-cs"/>
+              </a:defRPr>
+            </a:lvl4pPr>
+            <a:lvl5pPr marL="2057400" indent="-228600" algn="l" defTabSz="914400" rtl="0" eaLnBrk="1" latinLnBrk="0" hangingPunct="1">
+              <a:lnSpc>
+                <a:spcPct val="90000"/>
+              </a:lnSpc>
+              <a:spcBef>
+                <a:spcPts val="500"/>
+              </a:spcBef>
+              <a:buClr>
+                <a:srgbClr val="00B050"/>
+              </a:buClr>
+              <a:buFont typeface="Times New Roman" panose="02020603050405020304" pitchFamily="18" charset="0"/>
+              <a:buChar char="̶"/>
+              <a:defRPr sz="1600" kern="1200">
+                <a:solidFill>
+                  <a:schemeClr val="tx1"/>
+                </a:solidFill>
+                <a:latin typeface="Palatino Linotype" panose="02040502050505030304" pitchFamily="18" charset="0"/>
+                <a:ea typeface="+mn-ea"/>
+                <a:cs typeface="+mn-cs"/>
+              </a:defRPr>
+            </a:lvl5pPr>
+            <a:lvl6pPr marL="2514600" indent="-228600" algn="l" defTabSz="914400" rtl="0" eaLnBrk="1" latinLnBrk="0" hangingPunct="1">
+              <a:lnSpc>
+                <a:spcPct val="90000"/>
+              </a:lnSpc>
+              <a:spcBef>
+                <a:spcPts val="500"/>
+              </a:spcBef>
+              <a:buFont typeface="Arial" panose="020B0604020202020204" pitchFamily="34" charset="0"/>
+              <a:buChar char="•"/>
+              <a:defRPr sz="1800" kern="1200">
+                <a:solidFill>
+                  <a:schemeClr val="tx1"/>
+                </a:solidFill>
+                <a:latin typeface="+mn-lt"/>
+                <a:ea typeface="+mn-ea"/>
+                <a:cs typeface="+mn-cs"/>
+              </a:defRPr>
+            </a:lvl6pPr>
+            <a:lvl7pPr marL="2971800" indent="-228600" algn="l" defTabSz="914400" rtl="0" eaLnBrk="1" latinLnBrk="0" hangingPunct="1">
+              <a:lnSpc>
+                <a:spcPct val="90000"/>
+              </a:lnSpc>
+              <a:spcBef>
+                <a:spcPts val="500"/>
+              </a:spcBef>
+              <a:buFont typeface="Arial" panose="020B0604020202020204" pitchFamily="34" charset="0"/>
+              <a:buChar char="•"/>
+              <a:defRPr sz="1800" kern="1200">
+                <a:solidFill>
+                  <a:schemeClr val="tx1"/>
+                </a:solidFill>
+                <a:latin typeface="+mn-lt"/>
+                <a:ea typeface="+mn-ea"/>
+                <a:cs typeface="+mn-cs"/>
+              </a:defRPr>
+            </a:lvl7pPr>
+            <a:lvl8pPr marL="3429000" indent="-228600" algn="l" defTabSz="914400" rtl="0" eaLnBrk="1" latinLnBrk="0" hangingPunct="1">
+              <a:lnSpc>
+                <a:spcPct val="90000"/>
+              </a:lnSpc>
+              <a:spcBef>
+                <a:spcPts val="500"/>
+              </a:spcBef>
+              <a:buFont typeface="Arial" panose="020B0604020202020204" pitchFamily="34" charset="0"/>
+              <a:buChar char="•"/>
+              <a:defRPr sz="1800" kern="1200">
+                <a:solidFill>
+                  <a:schemeClr val="tx1"/>
+                </a:solidFill>
+                <a:latin typeface="+mn-lt"/>
+                <a:ea typeface="+mn-ea"/>
+                <a:cs typeface="+mn-cs"/>
+              </a:defRPr>
+            </a:lvl8pPr>
+            <a:lvl9pPr marL="3886200" indent="-228600" algn="l" defTabSz="914400" rtl="0" eaLnBrk="1" latinLnBrk="0" hangingPunct="1">
+              <a:lnSpc>
+                <a:spcPct val="90000"/>
+              </a:lnSpc>
+              <a:spcBef>
+                <a:spcPts val="500"/>
+              </a:spcBef>
+              <a:buFont typeface="Arial" panose="020B0604020202020204" pitchFamily="34" charset="0"/>
+              <a:buChar char="•"/>
+              <a:defRPr sz="1800" kern="1200">
+                <a:solidFill>
+                  <a:schemeClr val="tx1"/>
+                </a:solidFill>
+                <a:latin typeface="+mn-lt"/>
+                <a:ea typeface="+mn-ea"/>
+                <a:cs typeface="+mn-cs"/>
+              </a:defRPr>
+            </a:lvl9pPr>
+          </a:lstStyle>
+          <a:p>
+            <a:r>
+              <a:rPr lang="en-IT" sz="2200" dirty="0"/>
+              <a:t>Then, we can finally show the message:</a:t>
+            </a:r>
+          </a:p>
+        </p:txBody>
+      </p:sp>
+      <p:sp>
+        <p:nvSpPr>
+          <p:cNvPr id="20" name="Content Placeholder 5">
+            <a:extLst>
+              <a:ext uri="{FF2B5EF4-FFF2-40B4-BE49-F238E27FC236}">
+                <a16:creationId xmlns:a16="http://schemas.microsoft.com/office/drawing/2014/main" id="{4019F8D8-4B70-395B-7E59-F2583E429E2C}"/>
+              </a:ext>
+            </a:extLst>
+          </p:cNvPr>
+          <p:cNvSpPr txBox="1">
+            <a:spLocks/>
+          </p:cNvSpPr>
+          <p:nvPr/>
+        </p:nvSpPr>
+        <p:spPr>
+          <a:xfrm>
+            <a:off x="673945" y="5831922"/>
+            <a:ext cx="11110202" cy="1726007"/>
+          </a:xfrm>
+          <a:prstGeom prst="rect">
+            <a:avLst/>
+          </a:prstGeom>
+        </p:spPr>
+        <p:txBody>
+          <a:bodyPr vert="horz" lIns="91440" tIns="45720" rIns="91440" bIns="45720" rtlCol="0">
+            <a:normAutofit/>
+          </a:bodyPr>
+          <a:lstStyle>
+            <a:lvl1pPr marL="342900" indent="-342900" algn="l" defTabSz="914400" rtl="0" eaLnBrk="1" latinLnBrk="0" hangingPunct="1">
+              <a:lnSpc>
+                <a:spcPct val="90000"/>
+              </a:lnSpc>
+              <a:spcBef>
+                <a:spcPts val="1000"/>
+              </a:spcBef>
+              <a:buClr>
+                <a:srgbClr val="00B050"/>
+              </a:buClr>
+              <a:buFont typeface="Wingdings" panose="05000000000000000000" pitchFamily="2" charset="2"/>
+              <a:buChar char="Ø"/>
+              <a:defRPr sz="2400" kern="1200">
+                <a:solidFill>
+                  <a:schemeClr val="tx1"/>
+                </a:solidFill>
+                <a:latin typeface="Palatino Linotype" panose="02040502050505030304" pitchFamily="18" charset="0"/>
+                <a:ea typeface="+mn-ea"/>
+                <a:cs typeface="+mn-cs"/>
+              </a:defRPr>
+            </a:lvl1pPr>
+            <a:lvl2pPr marL="685800" indent="-228600" algn="l" defTabSz="914400" rtl="0" eaLnBrk="1" latinLnBrk="0" hangingPunct="1">
+              <a:lnSpc>
+                <a:spcPct val="90000"/>
+              </a:lnSpc>
+              <a:spcBef>
+                <a:spcPts val="500"/>
+              </a:spcBef>
+              <a:buClr>
+                <a:srgbClr val="00B050"/>
+              </a:buClr>
+              <a:buFont typeface="Wingdings" panose="05000000000000000000" pitchFamily="2" charset="2"/>
+              <a:buChar char="§"/>
+              <a:defRPr sz="2000" kern="1200">
+                <a:solidFill>
+                  <a:schemeClr val="tx1"/>
+                </a:solidFill>
+                <a:latin typeface="Palatino Linotype" panose="02040502050505030304" pitchFamily="18" charset="0"/>
+                <a:ea typeface="+mn-ea"/>
+                <a:cs typeface="+mn-cs"/>
+              </a:defRPr>
+            </a:lvl2pPr>
+            <a:lvl3pPr marL="1143000" indent="-228600" algn="l" defTabSz="914400" rtl="0" eaLnBrk="1" latinLnBrk="0" hangingPunct="1">
+              <a:lnSpc>
+                <a:spcPct val="90000"/>
+              </a:lnSpc>
+              <a:spcBef>
+                <a:spcPts val="500"/>
+              </a:spcBef>
+              <a:buClr>
+                <a:srgbClr val="00B050"/>
+              </a:buClr>
+              <a:buFont typeface="Arial" panose="020B0604020202020204" pitchFamily="34" charset="0"/>
+              <a:buChar char="•"/>
+              <a:defRPr sz="1800" kern="1200">
+                <a:solidFill>
+                  <a:schemeClr val="tx1"/>
+                </a:solidFill>
+                <a:latin typeface="Palatino Linotype" panose="02040502050505030304" pitchFamily="18" charset="0"/>
+                <a:ea typeface="+mn-ea"/>
+                <a:cs typeface="+mn-cs"/>
+              </a:defRPr>
+            </a:lvl3pPr>
+            <a:lvl4pPr marL="1600200" indent="-228600" algn="l" defTabSz="914400" rtl="0" eaLnBrk="1" latinLnBrk="0" hangingPunct="1">
+              <a:lnSpc>
+                <a:spcPct val="90000"/>
+              </a:lnSpc>
+              <a:spcBef>
+                <a:spcPts val="500"/>
+              </a:spcBef>
+              <a:buClr>
+                <a:srgbClr val="00B050"/>
+              </a:buClr>
+              <a:buFont typeface="Courier New" panose="02070309020205020404" pitchFamily="49" charset="0"/>
+              <a:buChar char="o"/>
+              <a:defRPr sz="1600" kern="1200">
+                <a:solidFill>
+                  <a:schemeClr val="tx1"/>
+                </a:solidFill>
+                <a:latin typeface="Palatino Linotype" panose="02040502050505030304" pitchFamily="18" charset="0"/>
+                <a:ea typeface="+mn-ea"/>
+                <a:cs typeface="+mn-cs"/>
+              </a:defRPr>
+            </a:lvl4pPr>
+            <a:lvl5pPr marL="2057400" indent="-228600" algn="l" defTabSz="914400" rtl="0" eaLnBrk="1" latinLnBrk="0" hangingPunct="1">
+              <a:lnSpc>
+                <a:spcPct val="90000"/>
+              </a:lnSpc>
+              <a:spcBef>
+                <a:spcPts val="500"/>
+              </a:spcBef>
+              <a:buClr>
+                <a:srgbClr val="00B050"/>
+              </a:buClr>
+              <a:buFont typeface="Times New Roman" panose="02020603050405020304" pitchFamily="18" charset="0"/>
+              <a:buChar char="̶"/>
+              <a:defRPr sz="1600" kern="1200">
+                <a:solidFill>
+                  <a:schemeClr val="tx1"/>
+                </a:solidFill>
+                <a:latin typeface="Palatino Linotype" panose="02040502050505030304" pitchFamily="18" charset="0"/>
+                <a:ea typeface="+mn-ea"/>
+                <a:cs typeface="+mn-cs"/>
+              </a:defRPr>
+            </a:lvl5pPr>
+            <a:lvl6pPr marL="2514600" indent="-228600" algn="l" defTabSz="914400" rtl="0" eaLnBrk="1" latinLnBrk="0" hangingPunct="1">
+              <a:lnSpc>
+                <a:spcPct val="90000"/>
+              </a:lnSpc>
+              <a:spcBef>
+                <a:spcPts val="500"/>
+              </a:spcBef>
+              <a:buFont typeface="Arial" panose="020B0604020202020204" pitchFamily="34" charset="0"/>
+              <a:buChar char="•"/>
+              <a:defRPr sz="1800" kern="1200">
+                <a:solidFill>
+                  <a:schemeClr val="tx1"/>
+                </a:solidFill>
+                <a:latin typeface="+mn-lt"/>
+                <a:ea typeface="+mn-ea"/>
+                <a:cs typeface="+mn-cs"/>
+              </a:defRPr>
+            </a:lvl6pPr>
+            <a:lvl7pPr marL="2971800" indent="-228600" algn="l" defTabSz="914400" rtl="0" eaLnBrk="1" latinLnBrk="0" hangingPunct="1">
+              <a:lnSpc>
+                <a:spcPct val="90000"/>
+              </a:lnSpc>
+              <a:spcBef>
+                <a:spcPts val="500"/>
+              </a:spcBef>
+              <a:buFont typeface="Arial" panose="020B0604020202020204" pitchFamily="34" charset="0"/>
+              <a:buChar char="•"/>
+              <a:defRPr sz="1800" kern="1200">
+                <a:solidFill>
+                  <a:schemeClr val="tx1"/>
+                </a:solidFill>
+                <a:latin typeface="+mn-lt"/>
+                <a:ea typeface="+mn-ea"/>
+                <a:cs typeface="+mn-cs"/>
+              </a:defRPr>
+            </a:lvl7pPr>
+            <a:lvl8pPr marL="3429000" indent="-228600" algn="l" defTabSz="914400" rtl="0" eaLnBrk="1" latinLnBrk="0" hangingPunct="1">
+              <a:lnSpc>
+                <a:spcPct val="90000"/>
+              </a:lnSpc>
+              <a:spcBef>
+                <a:spcPts val="500"/>
+              </a:spcBef>
+              <a:buFont typeface="Arial" panose="020B0604020202020204" pitchFamily="34" charset="0"/>
+              <a:buChar char="•"/>
+              <a:defRPr sz="1800" kern="1200">
+                <a:solidFill>
+                  <a:schemeClr val="tx1"/>
+                </a:solidFill>
+                <a:latin typeface="+mn-lt"/>
+                <a:ea typeface="+mn-ea"/>
+                <a:cs typeface="+mn-cs"/>
+              </a:defRPr>
+            </a:lvl8pPr>
+            <a:lvl9pPr marL="3886200" indent="-228600" algn="l" defTabSz="914400" rtl="0" eaLnBrk="1" latinLnBrk="0" hangingPunct="1">
+              <a:lnSpc>
+                <a:spcPct val="90000"/>
+              </a:lnSpc>
+              <a:spcBef>
+                <a:spcPts val="500"/>
+              </a:spcBef>
+              <a:buFont typeface="Arial" panose="020B0604020202020204" pitchFamily="34" charset="0"/>
+              <a:buChar char="•"/>
+              <a:defRPr sz="1800" kern="1200">
+                <a:solidFill>
+                  <a:schemeClr val="tx1"/>
+                </a:solidFill>
+                <a:latin typeface="+mn-lt"/>
+                <a:ea typeface="+mn-ea"/>
+                <a:cs typeface="+mn-cs"/>
+              </a:defRPr>
+            </a:lvl9pPr>
+          </a:lstStyle>
+          <a:p>
+            <a:pPr marL="0" indent="0">
+              <a:buFont typeface="Wingdings" panose="05000000000000000000" pitchFamily="2" charset="2"/>
+              <a:buNone/>
+            </a:pPr>
+            <a:r>
+              <a:rPr lang="en-GB" sz="1600" dirty="0">
+                <a:latin typeface="Courier" pitchFamily="2" charset="0"/>
+              </a:rPr>
+              <a:t>...</a:t>
+            </a:r>
+          </a:p>
+          <a:p>
+            <a:pPr marL="0" indent="0">
+              <a:buFont typeface="Wingdings" panose="05000000000000000000" pitchFamily="2" charset="2"/>
+              <a:buNone/>
+            </a:pPr>
+            <a:r>
+              <a:rPr lang="en-GB" sz="1600" b="1" dirty="0">
+                <a:latin typeface="Courier" pitchFamily="2" charset="0"/>
+              </a:rPr>
+              <a:t>Text(‘This is the message: $message’),</a:t>
+            </a:r>
+          </a:p>
+          <a:p>
+            <a:pPr marL="0" indent="0">
+              <a:buFont typeface="Wingdings" panose="05000000000000000000" pitchFamily="2" charset="2"/>
+              <a:buNone/>
+            </a:pPr>
+            <a:r>
+              <a:rPr lang="en-GB" sz="1600" dirty="0">
+                <a:latin typeface="Courier" pitchFamily="2" charset="0"/>
+              </a:rPr>
+              <a:t>...</a:t>
+            </a:r>
+          </a:p>
+        </p:txBody>
+      </p:sp>
     </p:spTree>
     <p:extLst>
       <p:ext uri="{BB962C8B-B14F-4D97-AF65-F5344CB8AC3E}">
-        <p14:creationId xmlns:p14="http://schemas.microsoft.com/office/powerpoint/2010/main" val="3412931415"/>
+        <p14:creationId xmlns:p14="http://schemas.microsoft.com/office/powerpoint/2010/main" val="1573254863"/>
       </p:ext>
     </p:extLst>
   </p:cSld>
@@ -15562,2134 +16716,6 @@
           <a:p>
             <a:r>
               <a:rPr lang="en-IT" dirty="0"/>
-              <a:t>Passing arguments</a:t>
-            </a:r>
-          </a:p>
-        </p:txBody>
-      </p:sp>
-      <p:sp>
-        <p:nvSpPr>
-          <p:cNvPr id="4" name="Content Placeholder 3">
-            <a:extLst>
-              <a:ext uri="{FF2B5EF4-FFF2-40B4-BE49-F238E27FC236}">
-                <a16:creationId xmlns:a16="http://schemas.microsoft.com/office/drawing/2014/main" id="{165E04DA-B0B0-E54E-9960-4AE739BD5CDF}"/>
-              </a:ext>
-            </a:extLst>
-          </p:cNvPr>
-          <p:cNvSpPr>
-            <a:spLocks noGrp="1"/>
-          </p:cNvSpPr>
-          <p:nvPr>
-            <p:ph idx="1"/>
-          </p:nvPr>
-        </p:nvSpPr>
-        <p:spPr>
-          <a:xfrm>
-            <a:off x="428172" y="1361168"/>
-            <a:ext cx="11282921" cy="603099"/>
-          </a:xfrm>
-        </p:spPr>
-        <p:txBody>
-          <a:bodyPr>
-            <a:normAutofit fontScale="92500" lnSpcReduction="20000"/>
-          </a:bodyPr>
-          <a:lstStyle/>
-          <a:p>
-            <a:r>
-              <a:rPr lang="en-IT" dirty="0"/>
-              <a:t>To pass an argument to the </a:t>
-            </a:r>
-            <a:r>
-              <a:rPr lang="en-IT" dirty="0">
-                <a:latin typeface="Courier" pitchFamily="2" charset="0"/>
-              </a:rPr>
-              <a:t>MessagePage</a:t>
-            </a:r>
-            <a:r>
-              <a:rPr lang="en-IT" dirty="0"/>
-              <a:t> route, now you can invoke </a:t>
-            </a:r>
-            <a:r>
-              <a:rPr lang="en-IT" dirty="0">
-                <a:latin typeface="Courier" pitchFamily="2" charset="0"/>
-              </a:rPr>
-              <a:t>Navigator.pushNamed()</a:t>
-            </a:r>
-            <a:r>
-              <a:rPr lang="en-IT" dirty="0"/>
-              <a:t> as:</a:t>
-            </a:r>
-          </a:p>
-        </p:txBody>
-      </p:sp>
-      <p:cxnSp>
-        <p:nvCxnSpPr>
-          <p:cNvPr id="7" name="Straight Arrow Connector 6">
-            <a:extLst>
-              <a:ext uri="{FF2B5EF4-FFF2-40B4-BE49-F238E27FC236}">
-                <a16:creationId xmlns:a16="http://schemas.microsoft.com/office/drawing/2014/main" id="{DEB4DC18-BE30-9646-A902-864A61958DC6}"/>
-              </a:ext>
-            </a:extLst>
-          </p:cNvPr>
-          <p:cNvCxnSpPr>
-            <a:cxnSpLocks/>
-          </p:cNvCxnSpPr>
-          <p:nvPr/>
-        </p:nvCxnSpPr>
-        <p:spPr>
-          <a:xfrm flipV="1">
-            <a:off x="3133165" y="2971801"/>
-            <a:ext cx="547295" cy="885747"/>
-          </a:xfrm>
-          <a:prstGeom prst="straightConnector1">
-            <a:avLst/>
-          </a:prstGeom>
-          <a:ln>
-            <a:tailEnd type="triangle"/>
-          </a:ln>
-        </p:spPr>
-        <p:style>
-          <a:lnRef idx="1">
-            <a:schemeClr val="accent6"/>
-          </a:lnRef>
-          <a:fillRef idx="0">
-            <a:schemeClr val="accent6"/>
-          </a:fillRef>
-          <a:effectRef idx="0">
-            <a:schemeClr val="accent6"/>
-          </a:effectRef>
-          <a:fontRef idx="minor">
-            <a:schemeClr val="tx1"/>
-          </a:fontRef>
-        </p:style>
-      </p:cxnSp>
-      <p:sp>
-        <p:nvSpPr>
-          <p:cNvPr id="8" name="Rectangle 7">
-            <a:extLst>
-              <a:ext uri="{FF2B5EF4-FFF2-40B4-BE49-F238E27FC236}">
-                <a16:creationId xmlns:a16="http://schemas.microsoft.com/office/drawing/2014/main" id="{FAD298FF-DC85-3043-AB63-78839672E083}"/>
-              </a:ext>
-            </a:extLst>
-          </p:cNvPr>
-          <p:cNvSpPr/>
-          <p:nvPr/>
-        </p:nvSpPr>
-        <p:spPr>
-          <a:xfrm>
-            <a:off x="1745136" y="3943400"/>
-            <a:ext cx="2776057" cy="369332"/>
-          </a:xfrm>
-          <a:prstGeom prst="rect">
-            <a:avLst/>
-          </a:prstGeom>
-        </p:spPr>
-        <p:txBody>
-          <a:bodyPr wrap="square">
-            <a:spAutoFit/>
-          </a:bodyPr>
-          <a:lstStyle/>
-          <a:p>
-            <a:r>
-              <a:rPr lang="en-IT" dirty="0">
-                <a:latin typeface="Palatino Linotype" panose="02040502050505030304" pitchFamily="18" charset="0"/>
-              </a:rPr>
-              <a:t>Current </a:t>
-            </a:r>
-            <a:r>
-              <a:rPr lang="en-IT" dirty="0">
-                <a:latin typeface="Courier" pitchFamily="2" charset="0"/>
-              </a:rPr>
-              <a:t>BuildContext</a:t>
-            </a:r>
-          </a:p>
-        </p:txBody>
-      </p:sp>
-      <p:sp>
-        <p:nvSpPr>
-          <p:cNvPr id="12" name="Rectangle 11">
-            <a:extLst>
-              <a:ext uri="{FF2B5EF4-FFF2-40B4-BE49-F238E27FC236}">
-                <a16:creationId xmlns:a16="http://schemas.microsoft.com/office/drawing/2014/main" id="{E9B7ED5E-E7DD-9242-A8EC-8BE6E22E2432}"/>
-              </a:ext>
-            </a:extLst>
-          </p:cNvPr>
-          <p:cNvSpPr/>
-          <p:nvPr/>
-        </p:nvSpPr>
-        <p:spPr>
-          <a:xfrm>
-            <a:off x="3737693" y="4349891"/>
-            <a:ext cx="5227713" cy="369332"/>
-          </a:xfrm>
-          <a:prstGeom prst="rect">
-            <a:avLst/>
-          </a:prstGeom>
-        </p:spPr>
-        <p:txBody>
-          <a:bodyPr wrap="none">
-            <a:spAutoFit/>
-          </a:bodyPr>
-          <a:lstStyle/>
-          <a:p>
-            <a:r>
-              <a:rPr lang="en-IT" dirty="0">
-                <a:latin typeface="Palatino Linotype" panose="02040502050505030304" pitchFamily="18" charset="0"/>
-              </a:rPr>
-              <a:t>The name of the route to be pushed into the stack</a:t>
-            </a:r>
-          </a:p>
-        </p:txBody>
-      </p:sp>
-      <p:cxnSp>
-        <p:nvCxnSpPr>
-          <p:cNvPr id="13" name="Straight Arrow Connector 12">
-            <a:extLst>
-              <a:ext uri="{FF2B5EF4-FFF2-40B4-BE49-F238E27FC236}">
-                <a16:creationId xmlns:a16="http://schemas.microsoft.com/office/drawing/2014/main" id="{6661CE1D-26BC-2C4A-B277-1577DF879065}"/>
-              </a:ext>
-            </a:extLst>
-          </p:cNvPr>
-          <p:cNvCxnSpPr>
-            <a:cxnSpLocks/>
-            <a:stCxn id="12" idx="0"/>
-          </p:cNvCxnSpPr>
-          <p:nvPr/>
-        </p:nvCxnSpPr>
-        <p:spPr>
-          <a:xfrm flipH="1" flipV="1">
-            <a:off x="5217197" y="2983231"/>
-            <a:ext cx="1134353" cy="1366660"/>
-          </a:xfrm>
-          <a:prstGeom prst="straightConnector1">
-            <a:avLst/>
-          </a:prstGeom>
-          <a:ln>
-            <a:tailEnd type="triangle"/>
-          </a:ln>
-        </p:spPr>
-        <p:style>
-          <a:lnRef idx="1">
-            <a:schemeClr val="accent6"/>
-          </a:lnRef>
-          <a:fillRef idx="0">
-            <a:schemeClr val="accent6"/>
-          </a:fillRef>
-          <a:effectRef idx="0">
-            <a:schemeClr val="accent6"/>
-          </a:effectRef>
-          <a:fontRef idx="minor">
-            <a:schemeClr val="tx1"/>
-          </a:fontRef>
-        </p:style>
-      </p:cxnSp>
-      <p:sp>
-        <p:nvSpPr>
-          <p:cNvPr id="14" name="Content Placeholder 3">
-            <a:extLst>
-              <a:ext uri="{FF2B5EF4-FFF2-40B4-BE49-F238E27FC236}">
-                <a16:creationId xmlns:a16="http://schemas.microsoft.com/office/drawing/2014/main" id="{49DA7251-B1A7-1940-8B79-1AA4A69B43DA}"/>
-              </a:ext>
-            </a:extLst>
-          </p:cNvPr>
-          <p:cNvSpPr txBox="1">
-            <a:spLocks/>
-          </p:cNvSpPr>
-          <p:nvPr/>
-        </p:nvSpPr>
-        <p:spPr>
-          <a:xfrm>
-            <a:off x="407853" y="5528583"/>
-            <a:ext cx="11282921" cy="603099"/>
-          </a:xfrm>
-          <a:prstGeom prst="rect">
-            <a:avLst/>
-          </a:prstGeom>
-        </p:spPr>
-        <p:txBody>
-          <a:bodyPr vert="horz" lIns="91440" tIns="45720" rIns="91440" bIns="45720" rtlCol="0">
-            <a:normAutofit/>
-          </a:bodyPr>
-          <a:lstStyle>
-            <a:lvl1pPr marL="342900" indent="-342900" algn="l" defTabSz="914400" rtl="0" eaLnBrk="1" latinLnBrk="0" hangingPunct="1">
-              <a:lnSpc>
-                <a:spcPct val="90000"/>
-              </a:lnSpc>
-              <a:spcBef>
-                <a:spcPts val="1000"/>
-              </a:spcBef>
-              <a:buClr>
-                <a:srgbClr val="00B050"/>
-              </a:buClr>
-              <a:buFont typeface="Wingdings" panose="05000000000000000000" pitchFamily="2" charset="2"/>
-              <a:buChar char="Ø"/>
-              <a:defRPr sz="2400" kern="1200">
-                <a:solidFill>
-                  <a:schemeClr val="tx1"/>
-                </a:solidFill>
-                <a:latin typeface="Palatino Linotype" panose="02040502050505030304" pitchFamily="18" charset="0"/>
-                <a:ea typeface="+mn-ea"/>
-                <a:cs typeface="+mn-cs"/>
-              </a:defRPr>
-            </a:lvl1pPr>
-            <a:lvl2pPr marL="685800" indent="-228600" algn="l" defTabSz="914400" rtl="0" eaLnBrk="1" latinLnBrk="0" hangingPunct="1">
-              <a:lnSpc>
-                <a:spcPct val="90000"/>
-              </a:lnSpc>
-              <a:spcBef>
-                <a:spcPts val="500"/>
-              </a:spcBef>
-              <a:buClr>
-                <a:srgbClr val="00B050"/>
-              </a:buClr>
-              <a:buFont typeface="Wingdings" panose="05000000000000000000" pitchFamily="2" charset="2"/>
-              <a:buChar char="§"/>
-              <a:defRPr sz="2000" kern="1200">
-                <a:solidFill>
-                  <a:schemeClr val="tx1"/>
-                </a:solidFill>
-                <a:latin typeface="Palatino Linotype" panose="02040502050505030304" pitchFamily="18" charset="0"/>
-                <a:ea typeface="+mn-ea"/>
-                <a:cs typeface="+mn-cs"/>
-              </a:defRPr>
-            </a:lvl2pPr>
-            <a:lvl3pPr marL="1143000" indent="-228600" algn="l" defTabSz="914400" rtl="0" eaLnBrk="1" latinLnBrk="0" hangingPunct="1">
-              <a:lnSpc>
-                <a:spcPct val="90000"/>
-              </a:lnSpc>
-              <a:spcBef>
-                <a:spcPts val="500"/>
-              </a:spcBef>
-              <a:buClr>
-                <a:srgbClr val="00B050"/>
-              </a:buClr>
-              <a:buFont typeface="Arial" panose="020B0604020202020204" pitchFamily="34" charset="0"/>
-              <a:buChar char="•"/>
-              <a:defRPr sz="1800" kern="1200">
-                <a:solidFill>
-                  <a:schemeClr val="tx1"/>
-                </a:solidFill>
-                <a:latin typeface="Palatino Linotype" panose="02040502050505030304" pitchFamily="18" charset="0"/>
-                <a:ea typeface="+mn-ea"/>
-                <a:cs typeface="+mn-cs"/>
-              </a:defRPr>
-            </a:lvl3pPr>
-            <a:lvl4pPr marL="1600200" indent="-228600" algn="l" defTabSz="914400" rtl="0" eaLnBrk="1" latinLnBrk="0" hangingPunct="1">
-              <a:lnSpc>
-                <a:spcPct val="90000"/>
-              </a:lnSpc>
-              <a:spcBef>
-                <a:spcPts val="500"/>
-              </a:spcBef>
-              <a:buClr>
-                <a:srgbClr val="00B050"/>
-              </a:buClr>
-              <a:buFont typeface="Courier New" panose="02070309020205020404" pitchFamily="49" charset="0"/>
-              <a:buChar char="o"/>
-              <a:defRPr sz="1600" kern="1200">
-                <a:solidFill>
-                  <a:schemeClr val="tx1"/>
-                </a:solidFill>
-                <a:latin typeface="Palatino Linotype" panose="02040502050505030304" pitchFamily="18" charset="0"/>
-                <a:ea typeface="+mn-ea"/>
-                <a:cs typeface="+mn-cs"/>
-              </a:defRPr>
-            </a:lvl4pPr>
-            <a:lvl5pPr marL="2057400" indent="-228600" algn="l" defTabSz="914400" rtl="0" eaLnBrk="1" latinLnBrk="0" hangingPunct="1">
-              <a:lnSpc>
-                <a:spcPct val="90000"/>
-              </a:lnSpc>
-              <a:spcBef>
-                <a:spcPts val="500"/>
-              </a:spcBef>
-              <a:buClr>
-                <a:srgbClr val="00B050"/>
-              </a:buClr>
-              <a:buFont typeface="Times New Roman" panose="02020603050405020304" pitchFamily="18" charset="0"/>
-              <a:buChar char="̶"/>
-              <a:defRPr sz="1600" kern="1200">
-                <a:solidFill>
-                  <a:schemeClr val="tx1"/>
-                </a:solidFill>
-                <a:latin typeface="Palatino Linotype" panose="02040502050505030304" pitchFamily="18" charset="0"/>
-                <a:ea typeface="+mn-ea"/>
-                <a:cs typeface="+mn-cs"/>
-              </a:defRPr>
-            </a:lvl5pPr>
-            <a:lvl6pPr marL="2514600" indent="-228600" algn="l" defTabSz="914400" rtl="0" eaLnBrk="1" latinLnBrk="0" hangingPunct="1">
-              <a:lnSpc>
-                <a:spcPct val="90000"/>
-              </a:lnSpc>
-              <a:spcBef>
-                <a:spcPts val="500"/>
-              </a:spcBef>
-              <a:buFont typeface="Arial" panose="020B0604020202020204" pitchFamily="34" charset="0"/>
-              <a:buChar char="•"/>
-              <a:defRPr sz="1800" kern="1200">
-                <a:solidFill>
-                  <a:schemeClr val="tx1"/>
-                </a:solidFill>
-                <a:latin typeface="+mn-lt"/>
-                <a:ea typeface="+mn-ea"/>
-                <a:cs typeface="+mn-cs"/>
-              </a:defRPr>
-            </a:lvl6pPr>
-            <a:lvl7pPr marL="2971800" indent="-228600" algn="l" defTabSz="914400" rtl="0" eaLnBrk="1" latinLnBrk="0" hangingPunct="1">
-              <a:lnSpc>
-                <a:spcPct val="90000"/>
-              </a:lnSpc>
-              <a:spcBef>
-                <a:spcPts val="500"/>
-              </a:spcBef>
-              <a:buFont typeface="Arial" panose="020B0604020202020204" pitchFamily="34" charset="0"/>
-              <a:buChar char="•"/>
-              <a:defRPr sz="1800" kern="1200">
-                <a:solidFill>
-                  <a:schemeClr val="tx1"/>
-                </a:solidFill>
-                <a:latin typeface="+mn-lt"/>
-                <a:ea typeface="+mn-ea"/>
-                <a:cs typeface="+mn-cs"/>
-              </a:defRPr>
-            </a:lvl7pPr>
-            <a:lvl8pPr marL="3429000" indent="-228600" algn="l" defTabSz="914400" rtl="0" eaLnBrk="1" latinLnBrk="0" hangingPunct="1">
-              <a:lnSpc>
-                <a:spcPct val="90000"/>
-              </a:lnSpc>
-              <a:spcBef>
-                <a:spcPts val="500"/>
-              </a:spcBef>
-              <a:buFont typeface="Arial" panose="020B0604020202020204" pitchFamily="34" charset="0"/>
-              <a:buChar char="•"/>
-              <a:defRPr sz="1800" kern="1200">
-                <a:solidFill>
-                  <a:schemeClr val="tx1"/>
-                </a:solidFill>
-                <a:latin typeface="+mn-lt"/>
-                <a:ea typeface="+mn-ea"/>
-                <a:cs typeface="+mn-cs"/>
-              </a:defRPr>
-            </a:lvl8pPr>
-            <a:lvl9pPr marL="3886200" indent="-228600" algn="l" defTabSz="914400" rtl="0" eaLnBrk="1" latinLnBrk="0" hangingPunct="1">
-              <a:lnSpc>
-                <a:spcPct val="90000"/>
-              </a:lnSpc>
-              <a:spcBef>
-                <a:spcPts val="500"/>
-              </a:spcBef>
-              <a:buFont typeface="Arial" panose="020B0604020202020204" pitchFamily="34" charset="0"/>
-              <a:buChar char="•"/>
-              <a:defRPr sz="1800" kern="1200">
-                <a:solidFill>
-                  <a:schemeClr val="tx1"/>
-                </a:solidFill>
-                <a:latin typeface="+mn-lt"/>
-                <a:ea typeface="+mn-ea"/>
-                <a:cs typeface="+mn-cs"/>
-              </a:defRPr>
-            </a:lvl9pPr>
-          </a:lstStyle>
-          <a:p>
-            <a:r>
-              <a:rPr lang="en-IT" sz="2200" dirty="0"/>
-              <a:t>Note that you can pass ANYTHING as argument, not just a </a:t>
-            </a:r>
-            <a:r>
-              <a:rPr lang="en-IT" sz="2200" dirty="0">
-                <a:latin typeface="Courier" pitchFamily="2" charset="0"/>
-              </a:rPr>
-              <a:t>String</a:t>
-            </a:r>
-            <a:r>
-              <a:rPr lang="en-IT" sz="2200" dirty="0"/>
-              <a:t>. </a:t>
-            </a:r>
-          </a:p>
-        </p:txBody>
-      </p:sp>
-      <p:sp>
-        <p:nvSpPr>
-          <p:cNvPr id="15" name="Content Placeholder 5">
-            <a:extLst>
-              <a:ext uri="{FF2B5EF4-FFF2-40B4-BE49-F238E27FC236}">
-                <a16:creationId xmlns:a16="http://schemas.microsoft.com/office/drawing/2014/main" id="{DF5792CB-C0EA-8D4F-A147-F612F2DC4997}"/>
-              </a:ext>
-            </a:extLst>
-          </p:cNvPr>
-          <p:cNvSpPr txBox="1">
-            <a:spLocks/>
-          </p:cNvSpPr>
-          <p:nvPr/>
-        </p:nvSpPr>
-        <p:spPr>
-          <a:xfrm>
-            <a:off x="580572" y="1971401"/>
-            <a:ext cx="11110202" cy="1726007"/>
-          </a:xfrm>
-          <a:prstGeom prst="rect">
-            <a:avLst/>
-          </a:prstGeom>
-        </p:spPr>
-        <p:txBody>
-          <a:bodyPr vert="horz" lIns="91440" tIns="45720" rIns="91440" bIns="45720" rtlCol="0">
-            <a:normAutofit/>
-          </a:bodyPr>
-          <a:lstStyle>
-            <a:lvl1pPr marL="342900" indent="-342900" algn="l" defTabSz="914400" rtl="0" eaLnBrk="1" latinLnBrk="0" hangingPunct="1">
-              <a:lnSpc>
-                <a:spcPct val="90000"/>
-              </a:lnSpc>
-              <a:spcBef>
-                <a:spcPts val="1000"/>
-              </a:spcBef>
-              <a:buClr>
-                <a:srgbClr val="00B050"/>
-              </a:buClr>
-              <a:buFont typeface="Wingdings" panose="05000000000000000000" pitchFamily="2" charset="2"/>
-              <a:buChar char="Ø"/>
-              <a:defRPr sz="2400" kern="1200">
-                <a:solidFill>
-                  <a:schemeClr val="tx1"/>
-                </a:solidFill>
-                <a:latin typeface="Palatino Linotype" panose="02040502050505030304" pitchFamily="18" charset="0"/>
-                <a:ea typeface="+mn-ea"/>
-                <a:cs typeface="+mn-cs"/>
-              </a:defRPr>
-            </a:lvl1pPr>
-            <a:lvl2pPr marL="685800" indent="-228600" algn="l" defTabSz="914400" rtl="0" eaLnBrk="1" latinLnBrk="0" hangingPunct="1">
-              <a:lnSpc>
-                <a:spcPct val="90000"/>
-              </a:lnSpc>
-              <a:spcBef>
-                <a:spcPts val="500"/>
-              </a:spcBef>
-              <a:buClr>
-                <a:srgbClr val="00B050"/>
-              </a:buClr>
-              <a:buFont typeface="Wingdings" panose="05000000000000000000" pitchFamily="2" charset="2"/>
-              <a:buChar char="§"/>
-              <a:defRPr sz="2000" kern="1200">
-                <a:solidFill>
-                  <a:schemeClr val="tx1"/>
-                </a:solidFill>
-                <a:latin typeface="Palatino Linotype" panose="02040502050505030304" pitchFamily="18" charset="0"/>
-                <a:ea typeface="+mn-ea"/>
-                <a:cs typeface="+mn-cs"/>
-              </a:defRPr>
-            </a:lvl2pPr>
-            <a:lvl3pPr marL="1143000" indent="-228600" algn="l" defTabSz="914400" rtl="0" eaLnBrk="1" latinLnBrk="0" hangingPunct="1">
-              <a:lnSpc>
-                <a:spcPct val="90000"/>
-              </a:lnSpc>
-              <a:spcBef>
-                <a:spcPts val="500"/>
-              </a:spcBef>
-              <a:buClr>
-                <a:srgbClr val="00B050"/>
-              </a:buClr>
-              <a:buFont typeface="Arial" panose="020B0604020202020204" pitchFamily="34" charset="0"/>
-              <a:buChar char="•"/>
-              <a:defRPr sz="1800" kern="1200">
-                <a:solidFill>
-                  <a:schemeClr val="tx1"/>
-                </a:solidFill>
-                <a:latin typeface="Palatino Linotype" panose="02040502050505030304" pitchFamily="18" charset="0"/>
-                <a:ea typeface="+mn-ea"/>
-                <a:cs typeface="+mn-cs"/>
-              </a:defRPr>
-            </a:lvl3pPr>
-            <a:lvl4pPr marL="1600200" indent="-228600" algn="l" defTabSz="914400" rtl="0" eaLnBrk="1" latinLnBrk="0" hangingPunct="1">
-              <a:lnSpc>
-                <a:spcPct val="90000"/>
-              </a:lnSpc>
-              <a:spcBef>
-                <a:spcPts val="500"/>
-              </a:spcBef>
-              <a:buClr>
-                <a:srgbClr val="00B050"/>
-              </a:buClr>
-              <a:buFont typeface="Courier New" panose="02070309020205020404" pitchFamily="49" charset="0"/>
-              <a:buChar char="o"/>
-              <a:defRPr sz="1600" kern="1200">
-                <a:solidFill>
-                  <a:schemeClr val="tx1"/>
-                </a:solidFill>
-                <a:latin typeface="Palatino Linotype" panose="02040502050505030304" pitchFamily="18" charset="0"/>
-                <a:ea typeface="+mn-ea"/>
-                <a:cs typeface="+mn-cs"/>
-              </a:defRPr>
-            </a:lvl4pPr>
-            <a:lvl5pPr marL="2057400" indent="-228600" algn="l" defTabSz="914400" rtl="0" eaLnBrk="1" latinLnBrk="0" hangingPunct="1">
-              <a:lnSpc>
-                <a:spcPct val="90000"/>
-              </a:lnSpc>
-              <a:spcBef>
-                <a:spcPts val="500"/>
-              </a:spcBef>
-              <a:buClr>
-                <a:srgbClr val="00B050"/>
-              </a:buClr>
-              <a:buFont typeface="Times New Roman" panose="02020603050405020304" pitchFamily="18" charset="0"/>
-              <a:buChar char="̶"/>
-              <a:defRPr sz="1600" kern="1200">
-                <a:solidFill>
-                  <a:schemeClr val="tx1"/>
-                </a:solidFill>
-                <a:latin typeface="Palatino Linotype" panose="02040502050505030304" pitchFamily="18" charset="0"/>
-                <a:ea typeface="+mn-ea"/>
-                <a:cs typeface="+mn-cs"/>
-              </a:defRPr>
-            </a:lvl5pPr>
-            <a:lvl6pPr marL="2514600" indent="-228600" algn="l" defTabSz="914400" rtl="0" eaLnBrk="1" latinLnBrk="0" hangingPunct="1">
-              <a:lnSpc>
-                <a:spcPct val="90000"/>
-              </a:lnSpc>
-              <a:spcBef>
-                <a:spcPts val="500"/>
-              </a:spcBef>
-              <a:buFont typeface="Arial" panose="020B0604020202020204" pitchFamily="34" charset="0"/>
-              <a:buChar char="•"/>
-              <a:defRPr sz="1800" kern="1200">
-                <a:solidFill>
-                  <a:schemeClr val="tx1"/>
-                </a:solidFill>
-                <a:latin typeface="+mn-lt"/>
-                <a:ea typeface="+mn-ea"/>
-                <a:cs typeface="+mn-cs"/>
-              </a:defRPr>
-            </a:lvl6pPr>
-            <a:lvl7pPr marL="2971800" indent="-228600" algn="l" defTabSz="914400" rtl="0" eaLnBrk="1" latinLnBrk="0" hangingPunct="1">
-              <a:lnSpc>
-                <a:spcPct val="90000"/>
-              </a:lnSpc>
-              <a:spcBef>
-                <a:spcPts val="500"/>
-              </a:spcBef>
-              <a:buFont typeface="Arial" panose="020B0604020202020204" pitchFamily="34" charset="0"/>
-              <a:buChar char="•"/>
-              <a:defRPr sz="1800" kern="1200">
-                <a:solidFill>
-                  <a:schemeClr val="tx1"/>
-                </a:solidFill>
-                <a:latin typeface="+mn-lt"/>
-                <a:ea typeface="+mn-ea"/>
-                <a:cs typeface="+mn-cs"/>
-              </a:defRPr>
-            </a:lvl7pPr>
-            <a:lvl8pPr marL="3429000" indent="-228600" algn="l" defTabSz="914400" rtl="0" eaLnBrk="1" latinLnBrk="0" hangingPunct="1">
-              <a:lnSpc>
-                <a:spcPct val="90000"/>
-              </a:lnSpc>
-              <a:spcBef>
-                <a:spcPts val="500"/>
-              </a:spcBef>
-              <a:buFont typeface="Arial" panose="020B0604020202020204" pitchFamily="34" charset="0"/>
-              <a:buChar char="•"/>
-              <a:defRPr sz="1800" kern="1200">
-                <a:solidFill>
-                  <a:schemeClr val="tx1"/>
-                </a:solidFill>
-                <a:latin typeface="+mn-lt"/>
-                <a:ea typeface="+mn-ea"/>
-                <a:cs typeface="+mn-cs"/>
-              </a:defRPr>
-            </a:lvl8pPr>
-            <a:lvl9pPr marL="3886200" indent="-228600" algn="l" defTabSz="914400" rtl="0" eaLnBrk="1" latinLnBrk="0" hangingPunct="1">
-              <a:lnSpc>
-                <a:spcPct val="90000"/>
-              </a:lnSpc>
-              <a:spcBef>
-                <a:spcPts val="500"/>
-              </a:spcBef>
-              <a:buFont typeface="Arial" panose="020B0604020202020204" pitchFamily="34" charset="0"/>
-              <a:buChar char="•"/>
-              <a:defRPr sz="1800" kern="1200">
-                <a:solidFill>
-                  <a:schemeClr val="tx1"/>
-                </a:solidFill>
-                <a:latin typeface="+mn-lt"/>
-                <a:ea typeface="+mn-ea"/>
-                <a:cs typeface="+mn-cs"/>
-              </a:defRPr>
-            </a:lvl9pPr>
-          </a:lstStyle>
-          <a:p>
-            <a:pPr marL="0" indent="0">
-              <a:buFont typeface="Wingdings" panose="05000000000000000000" pitchFamily="2" charset="2"/>
-              <a:buNone/>
-            </a:pPr>
-            <a:r>
-              <a:rPr lang="en-GB" sz="1600" dirty="0">
-                <a:latin typeface="Courier" pitchFamily="2" charset="0"/>
-              </a:rPr>
-              <a:t>...</a:t>
-            </a:r>
-          </a:p>
-          <a:p>
-            <a:pPr marL="0" indent="0">
-              <a:buFont typeface="Wingdings" panose="05000000000000000000" pitchFamily="2" charset="2"/>
-              <a:buNone/>
-            </a:pPr>
-            <a:r>
-              <a:rPr lang="en-GB" sz="1600" dirty="0" err="1">
-                <a:latin typeface="Courier" pitchFamily="2" charset="0"/>
-              </a:rPr>
-              <a:t>onPressed</a:t>
-            </a:r>
-            <a:r>
-              <a:rPr lang="en-GB" sz="1600" dirty="0">
-                <a:latin typeface="Courier" pitchFamily="2" charset="0"/>
-              </a:rPr>
-              <a:t>: () {</a:t>
-            </a:r>
-          </a:p>
-          <a:p>
-            <a:pPr marL="0" indent="0">
-              <a:buNone/>
-            </a:pPr>
-            <a:r>
-              <a:rPr lang="en-GB" sz="1600" b="1" dirty="0">
-                <a:latin typeface="Courier" pitchFamily="2" charset="0"/>
-              </a:rPr>
-              <a:t>  </a:t>
-            </a:r>
-            <a:r>
-              <a:rPr lang="en-GB" sz="1600" b="1" dirty="0" err="1">
-                <a:latin typeface="Courier" pitchFamily="2" charset="0"/>
-              </a:rPr>
-              <a:t>Navigator.pushNamed</a:t>
-            </a:r>
-            <a:r>
-              <a:rPr lang="en-GB" sz="1600" b="1" dirty="0">
-                <a:latin typeface="Courier" pitchFamily="2" charset="0"/>
-              </a:rPr>
-              <a:t>(context,’/message/’, arguments: ‘Hello!’);</a:t>
-            </a:r>
-          </a:p>
-          <a:p>
-            <a:pPr marL="0" indent="0">
-              <a:buFont typeface="Wingdings" panose="05000000000000000000" pitchFamily="2" charset="2"/>
-              <a:buNone/>
-            </a:pPr>
-            <a:r>
-              <a:rPr lang="en-GB" sz="1600" dirty="0">
-                <a:latin typeface="Courier" pitchFamily="2" charset="0"/>
-              </a:rPr>
-              <a:t>},</a:t>
-            </a:r>
-          </a:p>
-          <a:p>
-            <a:pPr marL="0" indent="0">
-              <a:buFont typeface="Wingdings" panose="05000000000000000000" pitchFamily="2" charset="2"/>
-              <a:buNone/>
-            </a:pPr>
-            <a:r>
-              <a:rPr lang="en-GB" sz="1600" dirty="0">
-                <a:latin typeface="Courier" pitchFamily="2" charset="0"/>
-              </a:rPr>
-              <a:t>...</a:t>
-            </a:r>
-          </a:p>
-        </p:txBody>
-      </p:sp>
-      <p:cxnSp>
-        <p:nvCxnSpPr>
-          <p:cNvPr id="24" name="Straight Arrow Connector 23">
-            <a:extLst>
-              <a:ext uri="{FF2B5EF4-FFF2-40B4-BE49-F238E27FC236}">
-                <a16:creationId xmlns:a16="http://schemas.microsoft.com/office/drawing/2014/main" id="{5730A01B-E707-FA46-9684-75C0FE207130}"/>
-              </a:ext>
-            </a:extLst>
-          </p:cNvPr>
-          <p:cNvCxnSpPr>
-            <a:cxnSpLocks/>
-          </p:cNvCxnSpPr>
-          <p:nvPr/>
-        </p:nvCxnSpPr>
-        <p:spPr>
-          <a:xfrm flipH="1" flipV="1">
-            <a:off x="7577852" y="2983231"/>
-            <a:ext cx="1014819" cy="812211"/>
-          </a:xfrm>
-          <a:prstGeom prst="straightConnector1">
-            <a:avLst/>
-          </a:prstGeom>
-          <a:ln>
-            <a:tailEnd type="triangle"/>
-          </a:ln>
-        </p:spPr>
-        <p:style>
-          <a:lnRef idx="1">
-            <a:schemeClr val="accent6"/>
-          </a:lnRef>
-          <a:fillRef idx="0">
-            <a:schemeClr val="accent6"/>
-          </a:fillRef>
-          <a:effectRef idx="0">
-            <a:schemeClr val="accent6"/>
-          </a:effectRef>
-          <a:fontRef idx="minor">
-            <a:schemeClr val="tx1"/>
-          </a:fontRef>
-        </p:style>
-      </p:cxnSp>
-      <p:sp>
-        <p:nvSpPr>
-          <p:cNvPr id="27" name="Rectangle 26">
-            <a:extLst>
-              <a:ext uri="{FF2B5EF4-FFF2-40B4-BE49-F238E27FC236}">
-                <a16:creationId xmlns:a16="http://schemas.microsoft.com/office/drawing/2014/main" id="{52A00CE5-764F-8C48-989F-8030038ACE19}"/>
-              </a:ext>
-            </a:extLst>
-          </p:cNvPr>
-          <p:cNvSpPr/>
-          <p:nvPr/>
-        </p:nvSpPr>
-        <p:spPr>
-          <a:xfrm>
-            <a:off x="7143420" y="3832189"/>
-            <a:ext cx="3041217" cy="369332"/>
-          </a:xfrm>
-          <a:prstGeom prst="rect">
-            <a:avLst/>
-          </a:prstGeom>
-        </p:spPr>
-        <p:txBody>
-          <a:bodyPr wrap="square">
-            <a:spAutoFit/>
-          </a:bodyPr>
-          <a:lstStyle/>
-          <a:p>
-            <a:r>
-              <a:rPr lang="en-IT" dirty="0">
-                <a:latin typeface="Palatino Linotype" panose="02040502050505030304" pitchFamily="18" charset="0"/>
-              </a:rPr>
-              <a:t>The arguments to be passed</a:t>
-            </a:r>
-          </a:p>
-        </p:txBody>
-      </p:sp>
-      <p:sp>
-        <p:nvSpPr>
-          <p:cNvPr id="3" name="Slide Number Placeholder 2">
-            <a:extLst>
-              <a:ext uri="{FF2B5EF4-FFF2-40B4-BE49-F238E27FC236}">
-                <a16:creationId xmlns:a16="http://schemas.microsoft.com/office/drawing/2014/main" id="{6E73C37A-26D0-E144-8144-A6E0A8E131A4}"/>
-              </a:ext>
-            </a:extLst>
-          </p:cNvPr>
-          <p:cNvSpPr>
-            <a:spLocks noGrp="1"/>
-          </p:cNvSpPr>
-          <p:nvPr>
-            <p:ph type="sldNum" sz="quarter" idx="12"/>
-          </p:nvPr>
-        </p:nvSpPr>
-        <p:spPr/>
-        <p:txBody>
-          <a:bodyPr/>
-          <a:lstStyle/>
-          <a:p>
-            <a:fld id="{31DE2C5B-556E-47B8-A792-024C2FCA4ACC}" type="slidenum">
-              <a:rPr lang="en-GB" smtClean="0"/>
-              <a:t>30</a:t>
-            </a:fld>
-            <a:endParaRPr lang="en-GB"/>
-          </a:p>
-        </p:txBody>
-      </p:sp>
-    </p:spTree>
-    <p:extLst>
-      <p:ext uri="{BB962C8B-B14F-4D97-AF65-F5344CB8AC3E}">
-        <p14:creationId xmlns:p14="http://schemas.microsoft.com/office/powerpoint/2010/main" val="1573254863"/>
-      </p:ext>
-    </p:extLst>
-  </p:cSld>
-  <p:clrMapOvr>
-    <a:masterClrMapping/>
-  </p:clrMapOvr>
-</p:sld>
-</file>
-
-<file path=ppt/slides/slide31.xml><?xml version="1.0" encoding="utf-8"?>
-<p:sld xmlns:a="http://schemas.openxmlformats.org/drawingml/2006/main" xmlns:r="http://schemas.openxmlformats.org/officeDocument/2006/relationships" xmlns:p="http://schemas.openxmlformats.org/presentationml/2006/main">
-  <p:cSld>
-    <p:spTree>
-      <p:nvGrpSpPr>
-        <p:cNvPr id="1" name=""/>
-        <p:cNvGrpSpPr/>
-        <p:nvPr/>
-      </p:nvGrpSpPr>
-      <p:grpSpPr>
-        <a:xfrm>
-          <a:off x="0" y="0"/>
-          <a:ext cx="0" cy="0"/>
-          <a:chOff x="0" y="0"/>
-          <a:chExt cx="0" cy="0"/>
-        </a:xfrm>
-      </p:grpSpPr>
-      <p:sp>
-        <p:nvSpPr>
-          <p:cNvPr id="2" name="Title 1">
-            <a:extLst>
-              <a:ext uri="{FF2B5EF4-FFF2-40B4-BE49-F238E27FC236}">
-                <a16:creationId xmlns:a16="http://schemas.microsoft.com/office/drawing/2014/main" id="{122C1E14-0610-FB4E-BCD3-3BA8CADF9D02}"/>
-              </a:ext>
-            </a:extLst>
-          </p:cNvPr>
-          <p:cNvSpPr>
-            <a:spLocks noGrp="1"/>
-          </p:cNvSpPr>
-          <p:nvPr>
-            <p:ph type="title"/>
-          </p:nvPr>
-        </p:nvSpPr>
-        <p:spPr/>
-        <p:txBody>
-          <a:bodyPr/>
-          <a:lstStyle/>
-          <a:p>
-            <a:r>
-              <a:rPr lang="en-IT" dirty="0"/>
-              <a:t>Retrieving arguments</a:t>
-            </a:r>
-          </a:p>
-        </p:txBody>
-      </p:sp>
-      <p:sp>
-        <p:nvSpPr>
-          <p:cNvPr id="4" name="Content Placeholder 3">
-            <a:extLst>
-              <a:ext uri="{FF2B5EF4-FFF2-40B4-BE49-F238E27FC236}">
-                <a16:creationId xmlns:a16="http://schemas.microsoft.com/office/drawing/2014/main" id="{165E04DA-B0B0-E54E-9960-4AE739BD5CDF}"/>
-              </a:ext>
-            </a:extLst>
-          </p:cNvPr>
-          <p:cNvSpPr>
-            <a:spLocks noGrp="1"/>
-          </p:cNvSpPr>
-          <p:nvPr>
-            <p:ph idx="1"/>
-          </p:nvPr>
-        </p:nvSpPr>
-        <p:spPr>
-          <a:xfrm>
-            <a:off x="428172" y="1361168"/>
-            <a:ext cx="11282921" cy="603099"/>
-          </a:xfrm>
-        </p:spPr>
-        <p:txBody>
-          <a:bodyPr>
-            <a:normAutofit fontScale="92500" lnSpcReduction="20000"/>
-          </a:bodyPr>
-          <a:lstStyle/>
-          <a:p>
-            <a:r>
-              <a:rPr lang="en-IT" dirty="0"/>
-              <a:t>To retrieve the argument from the </a:t>
-            </a:r>
-            <a:r>
-              <a:rPr lang="en-IT" dirty="0">
-                <a:latin typeface="Courier" pitchFamily="2" charset="0"/>
-              </a:rPr>
-              <a:t>MessagePage</a:t>
-            </a:r>
-            <a:r>
-              <a:rPr lang="en-IT" dirty="0"/>
-              <a:t> route side you can use a </a:t>
-            </a:r>
-            <a:r>
-              <a:rPr lang="en-IT" dirty="0">
-                <a:latin typeface="Courier" pitchFamily="2" charset="0"/>
-              </a:rPr>
-              <a:t>ModalRoute </a:t>
-            </a:r>
-            <a:r>
-              <a:rPr lang="en-IT" dirty="0"/>
-              <a:t>as:</a:t>
-            </a:r>
-          </a:p>
-        </p:txBody>
-      </p:sp>
-      <p:cxnSp>
-        <p:nvCxnSpPr>
-          <p:cNvPr id="7" name="Straight Arrow Connector 6">
-            <a:extLst>
-              <a:ext uri="{FF2B5EF4-FFF2-40B4-BE49-F238E27FC236}">
-                <a16:creationId xmlns:a16="http://schemas.microsoft.com/office/drawing/2014/main" id="{DEB4DC18-BE30-9646-A902-864A61958DC6}"/>
-              </a:ext>
-            </a:extLst>
-          </p:cNvPr>
-          <p:cNvCxnSpPr>
-            <a:cxnSpLocks/>
-          </p:cNvCxnSpPr>
-          <p:nvPr/>
-        </p:nvCxnSpPr>
-        <p:spPr>
-          <a:xfrm flipV="1">
-            <a:off x="3017520" y="2628900"/>
-            <a:ext cx="262890" cy="549231"/>
-          </a:xfrm>
-          <a:prstGeom prst="straightConnector1">
-            <a:avLst/>
-          </a:prstGeom>
-          <a:ln>
-            <a:tailEnd type="triangle"/>
-          </a:ln>
-        </p:spPr>
-        <p:style>
-          <a:lnRef idx="1">
-            <a:schemeClr val="accent6"/>
-          </a:lnRef>
-          <a:fillRef idx="0">
-            <a:schemeClr val="accent6"/>
-          </a:fillRef>
-          <a:effectRef idx="0">
-            <a:schemeClr val="accent6"/>
-          </a:effectRef>
-          <a:fontRef idx="minor">
-            <a:schemeClr val="tx1"/>
-          </a:fontRef>
-        </p:style>
-      </p:cxnSp>
-      <p:sp>
-        <p:nvSpPr>
-          <p:cNvPr id="8" name="Rectangle 7">
-            <a:extLst>
-              <a:ext uri="{FF2B5EF4-FFF2-40B4-BE49-F238E27FC236}">
-                <a16:creationId xmlns:a16="http://schemas.microsoft.com/office/drawing/2014/main" id="{FAD298FF-DC85-3043-AB63-78839672E083}"/>
-              </a:ext>
-            </a:extLst>
-          </p:cNvPr>
-          <p:cNvSpPr/>
-          <p:nvPr/>
-        </p:nvSpPr>
-        <p:spPr>
-          <a:xfrm>
-            <a:off x="492976" y="3277020"/>
-            <a:ext cx="4408943" cy="2031325"/>
-          </a:xfrm>
-          <a:prstGeom prst="rect">
-            <a:avLst/>
-          </a:prstGeom>
-        </p:spPr>
-        <p:txBody>
-          <a:bodyPr wrap="square">
-            <a:spAutoFit/>
-          </a:bodyPr>
-          <a:lstStyle/>
-          <a:p>
-            <a:r>
-              <a:rPr lang="en-IT" dirty="0">
-                <a:latin typeface="Palatino Linotype" panose="02040502050505030304" pitchFamily="18" charset="0"/>
-              </a:rPr>
-              <a:t>To figure out what this is, you can imagine that as a utility that stands between the previous route (here </a:t>
-            </a:r>
-            <a:r>
-              <a:rPr lang="en-IT" dirty="0">
-                <a:latin typeface="Courier" pitchFamily="2" charset="0"/>
-              </a:rPr>
-              <a:t>HomePage</a:t>
-            </a:r>
-            <a:r>
-              <a:rPr lang="en-IT" dirty="0">
-                <a:latin typeface="Palatino Linotype" panose="02040502050505030304" pitchFamily="18" charset="0"/>
-              </a:rPr>
-              <a:t>) and the current one (here </a:t>
-            </a:r>
-            <a:r>
-              <a:rPr lang="en-IT" dirty="0">
-                <a:latin typeface="Courier" pitchFamily="2" charset="0"/>
-              </a:rPr>
-              <a:t>MessagePage</a:t>
-            </a:r>
-            <a:r>
-              <a:rPr lang="en-IT" dirty="0">
-                <a:latin typeface="Palatino Linotype" panose="02040502050505030304" pitchFamily="18" charset="0"/>
-              </a:rPr>
-              <a:t>). For details see: </a:t>
-            </a:r>
-            <a:r>
-              <a:rPr lang="en-GB" dirty="0">
-                <a:latin typeface="Palatino Linotype" panose="02040502050505030304" pitchFamily="18" charset="0"/>
-                <a:hlinkClick r:id="rId2"/>
-              </a:rPr>
-              <a:t>https://api.flutter.dev/flutter/widgets/ModalRoute-class.html</a:t>
-            </a:r>
-            <a:r>
-              <a:rPr lang="en-GB" dirty="0">
-                <a:latin typeface="Palatino Linotype" panose="02040502050505030304" pitchFamily="18" charset="0"/>
-              </a:rPr>
-              <a:t> </a:t>
-            </a:r>
-            <a:endParaRPr lang="en-IT" dirty="0">
-              <a:latin typeface="Palatino Linotype" panose="02040502050505030304" pitchFamily="18" charset="0"/>
-            </a:endParaRPr>
-          </a:p>
-        </p:txBody>
-      </p:sp>
-      <p:sp>
-        <p:nvSpPr>
-          <p:cNvPr id="12" name="Rectangle 11">
-            <a:extLst>
-              <a:ext uri="{FF2B5EF4-FFF2-40B4-BE49-F238E27FC236}">
-                <a16:creationId xmlns:a16="http://schemas.microsoft.com/office/drawing/2014/main" id="{E9B7ED5E-E7DD-9242-A8EC-8BE6E22E2432}"/>
-              </a:ext>
-            </a:extLst>
-          </p:cNvPr>
-          <p:cNvSpPr/>
-          <p:nvPr/>
-        </p:nvSpPr>
-        <p:spPr>
-          <a:xfrm>
-            <a:off x="5349323" y="4445448"/>
-            <a:ext cx="2903563" cy="646331"/>
-          </a:xfrm>
-          <a:prstGeom prst="rect">
-            <a:avLst/>
-          </a:prstGeom>
-        </p:spPr>
-        <p:txBody>
-          <a:bodyPr wrap="square">
-            <a:spAutoFit/>
-          </a:bodyPr>
-          <a:lstStyle/>
-          <a:p>
-            <a:r>
-              <a:rPr lang="en-IT" dirty="0">
-                <a:latin typeface="Palatino Linotype" panose="02040502050505030304" pitchFamily="18" charset="0"/>
-              </a:rPr>
-              <a:t>We put the </a:t>
-            </a:r>
-            <a:r>
-              <a:rPr lang="en-IT" b="1" dirty="0">
-                <a:latin typeface="Courier" pitchFamily="2" charset="0"/>
-              </a:rPr>
-              <a:t>!</a:t>
-            </a:r>
-            <a:r>
-              <a:rPr lang="en-IT" dirty="0">
-                <a:latin typeface="Palatino Linotype" panose="02040502050505030304" pitchFamily="18" charset="0"/>
-              </a:rPr>
-              <a:t> </a:t>
-            </a:r>
-            <a:r>
-              <a:rPr lang="en-GB" dirty="0">
-                <a:latin typeface="Palatino Linotype" panose="02040502050505030304" pitchFamily="18" charset="0"/>
-              </a:rPr>
-              <a:t>here to force the non-null type. </a:t>
-            </a:r>
-            <a:endParaRPr lang="en-IT" dirty="0">
-              <a:latin typeface="Palatino Linotype" panose="02040502050505030304" pitchFamily="18" charset="0"/>
-            </a:endParaRPr>
-          </a:p>
-        </p:txBody>
-      </p:sp>
-      <p:cxnSp>
-        <p:nvCxnSpPr>
-          <p:cNvPr id="13" name="Straight Arrow Connector 12">
-            <a:extLst>
-              <a:ext uri="{FF2B5EF4-FFF2-40B4-BE49-F238E27FC236}">
-                <a16:creationId xmlns:a16="http://schemas.microsoft.com/office/drawing/2014/main" id="{6661CE1D-26BC-2C4A-B277-1577DF879065}"/>
-              </a:ext>
-            </a:extLst>
-          </p:cNvPr>
-          <p:cNvCxnSpPr>
-            <a:cxnSpLocks/>
-          </p:cNvCxnSpPr>
-          <p:nvPr/>
-        </p:nvCxnSpPr>
-        <p:spPr>
-          <a:xfrm flipH="1" flipV="1">
-            <a:off x="5420966" y="2628900"/>
-            <a:ext cx="691364" cy="1816548"/>
-          </a:xfrm>
-          <a:prstGeom prst="straightConnector1">
-            <a:avLst/>
-          </a:prstGeom>
-          <a:ln>
-            <a:tailEnd type="triangle"/>
-          </a:ln>
-        </p:spPr>
-        <p:style>
-          <a:lnRef idx="1">
-            <a:schemeClr val="accent6"/>
-          </a:lnRef>
-          <a:fillRef idx="0">
-            <a:schemeClr val="accent6"/>
-          </a:fillRef>
-          <a:effectRef idx="0">
-            <a:schemeClr val="accent6"/>
-          </a:effectRef>
-          <a:fontRef idx="minor">
-            <a:schemeClr val="tx1"/>
-          </a:fontRef>
-        </p:style>
-      </p:cxnSp>
-      <p:sp>
-        <p:nvSpPr>
-          <p:cNvPr id="14" name="Content Placeholder 3">
-            <a:extLst>
-              <a:ext uri="{FF2B5EF4-FFF2-40B4-BE49-F238E27FC236}">
-                <a16:creationId xmlns:a16="http://schemas.microsoft.com/office/drawing/2014/main" id="{49DA7251-B1A7-1940-8B79-1AA4A69B43DA}"/>
-              </a:ext>
-            </a:extLst>
-          </p:cNvPr>
-          <p:cNvSpPr txBox="1">
-            <a:spLocks/>
-          </p:cNvSpPr>
-          <p:nvPr/>
-        </p:nvSpPr>
-        <p:spPr>
-          <a:xfrm>
-            <a:off x="396844" y="5459873"/>
-            <a:ext cx="11282921" cy="603099"/>
-          </a:xfrm>
-          <a:prstGeom prst="rect">
-            <a:avLst/>
-          </a:prstGeom>
-        </p:spPr>
-        <p:txBody>
-          <a:bodyPr vert="horz" lIns="91440" tIns="45720" rIns="91440" bIns="45720" rtlCol="0">
-            <a:normAutofit/>
-          </a:bodyPr>
-          <a:lstStyle>
-            <a:lvl1pPr marL="342900" indent="-342900" algn="l" defTabSz="914400" rtl="0" eaLnBrk="1" latinLnBrk="0" hangingPunct="1">
-              <a:lnSpc>
-                <a:spcPct val="90000"/>
-              </a:lnSpc>
-              <a:spcBef>
-                <a:spcPts val="1000"/>
-              </a:spcBef>
-              <a:buClr>
-                <a:srgbClr val="00B050"/>
-              </a:buClr>
-              <a:buFont typeface="Wingdings" panose="05000000000000000000" pitchFamily="2" charset="2"/>
-              <a:buChar char="Ø"/>
-              <a:defRPr sz="2400" kern="1200">
-                <a:solidFill>
-                  <a:schemeClr val="tx1"/>
-                </a:solidFill>
-                <a:latin typeface="Palatino Linotype" panose="02040502050505030304" pitchFamily="18" charset="0"/>
-                <a:ea typeface="+mn-ea"/>
-                <a:cs typeface="+mn-cs"/>
-              </a:defRPr>
-            </a:lvl1pPr>
-            <a:lvl2pPr marL="685800" indent="-228600" algn="l" defTabSz="914400" rtl="0" eaLnBrk="1" latinLnBrk="0" hangingPunct="1">
-              <a:lnSpc>
-                <a:spcPct val="90000"/>
-              </a:lnSpc>
-              <a:spcBef>
-                <a:spcPts val="500"/>
-              </a:spcBef>
-              <a:buClr>
-                <a:srgbClr val="00B050"/>
-              </a:buClr>
-              <a:buFont typeface="Wingdings" panose="05000000000000000000" pitchFamily="2" charset="2"/>
-              <a:buChar char="§"/>
-              <a:defRPr sz="2000" kern="1200">
-                <a:solidFill>
-                  <a:schemeClr val="tx1"/>
-                </a:solidFill>
-                <a:latin typeface="Palatino Linotype" panose="02040502050505030304" pitchFamily="18" charset="0"/>
-                <a:ea typeface="+mn-ea"/>
-                <a:cs typeface="+mn-cs"/>
-              </a:defRPr>
-            </a:lvl2pPr>
-            <a:lvl3pPr marL="1143000" indent="-228600" algn="l" defTabSz="914400" rtl="0" eaLnBrk="1" latinLnBrk="0" hangingPunct="1">
-              <a:lnSpc>
-                <a:spcPct val="90000"/>
-              </a:lnSpc>
-              <a:spcBef>
-                <a:spcPts val="500"/>
-              </a:spcBef>
-              <a:buClr>
-                <a:srgbClr val="00B050"/>
-              </a:buClr>
-              <a:buFont typeface="Arial" panose="020B0604020202020204" pitchFamily="34" charset="0"/>
-              <a:buChar char="•"/>
-              <a:defRPr sz="1800" kern="1200">
-                <a:solidFill>
-                  <a:schemeClr val="tx1"/>
-                </a:solidFill>
-                <a:latin typeface="Palatino Linotype" panose="02040502050505030304" pitchFamily="18" charset="0"/>
-                <a:ea typeface="+mn-ea"/>
-                <a:cs typeface="+mn-cs"/>
-              </a:defRPr>
-            </a:lvl3pPr>
-            <a:lvl4pPr marL="1600200" indent="-228600" algn="l" defTabSz="914400" rtl="0" eaLnBrk="1" latinLnBrk="0" hangingPunct="1">
-              <a:lnSpc>
-                <a:spcPct val="90000"/>
-              </a:lnSpc>
-              <a:spcBef>
-                <a:spcPts val="500"/>
-              </a:spcBef>
-              <a:buClr>
-                <a:srgbClr val="00B050"/>
-              </a:buClr>
-              <a:buFont typeface="Courier New" panose="02070309020205020404" pitchFamily="49" charset="0"/>
-              <a:buChar char="o"/>
-              <a:defRPr sz="1600" kern="1200">
-                <a:solidFill>
-                  <a:schemeClr val="tx1"/>
-                </a:solidFill>
-                <a:latin typeface="Palatino Linotype" panose="02040502050505030304" pitchFamily="18" charset="0"/>
-                <a:ea typeface="+mn-ea"/>
-                <a:cs typeface="+mn-cs"/>
-              </a:defRPr>
-            </a:lvl4pPr>
-            <a:lvl5pPr marL="2057400" indent="-228600" algn="l" defTabSz="914400" rtl="0" eaLnBrk="1" latinLnBrk="0" hangingPunct="1">
-              <a:lnSpc>
-                <a:spcPct val="90000"/>
-              </a:lnSpc>
-              <a:spcBef>
-                <a:spcPts val="500"/>
-              </a:spcBef>
-              <a:buClr>
-                <a:srgbClr val="00B050"/>
-              </a:buClr>
-              <a:buFont typeface="Times New Roman" panose="02020603050405020304" pitchFamily="18" charset="0"/>
-              <a:buChar char="̶"/>
-              <a:defRPr sz="1600" kern="1200">
-                <a:solidFill>
-                  <a:schemeClr val="tx1"/>
-                </a:solidFill>
-                <a:latin typeface="Palatino Linotype" panose="02040502050505030304" pitchFamily="18" charset="0"/>
-                <a:ea typeface="+mn-ea"/>
-                <a:cs typeface="+mn-cs"/>
-              </a:defRPr>
-            </a:lvl5pPr>
-            <a:lvl6pPr marL="2514600" indent="-228600" algn="l" defTabSz="914400" rtl="0" eaLnBrk="1" latinLnBrk="0" hangingPunct="1">
-              <a:lnSpc>
-                <a:spcPct val="90000"/>
-              </a:lnSpc>
-              <a:spcBef>
-                <a:spcPts val="500"/>
-              </a:spcBef>
-              <a:buFont typeface="Arial" panose="020B0604020202020204" pitchFamily="34" charset="0"/>
-              <a:buChar char="•"/>
-              <a:defRPr sz="1800" kern="1200">
-                <a:solidFill>
-                  <a:schemeClr val="tx1"/>
-                </a:solidFill>
-                <a:latin typeface="+mn-lt"/>
-                <a:ea typeface="+mn-ea"/>
-                <a:cs typeface="+mn-cs"/>
-              </a:defRPr>
-            </a:lvl6pPr>
-            <a:lvl7pPr marL="2971800" indent="-228600" algn="l" defTabSz="914400" rtl="0" eaLnBrk="1" latinLnBrk="0" hangingPunct="1">
-              <a:lnSpc>
-                <a:spcPct val="90000"/>
-              </a:lnSpc>
-              <a:spcBef>
-                <a:spcPts val="500"/>
-              </a:spcBef>
-              <a:buFont typeface="Arial" panose="020B0604020202020204" pitchFamily="34" charset="0"/>
-              <a:buChar char="•"/>
-              <a:defRPr sz="1800" kern="1200">
-                <a:solidFill>
-                  <a:schemeClr val="tx1"/>
-                </a:solidFill>
-                <a:latin typeface="+mn-lt"/>
-                <a:ea typeface="+mn-ea"/>
-                <a:cs typeface="+mn-cs"/>
-              </a:defRPr>
-            </a:lvl7pPr>
-            <a:lvl8pPr marL="3429000" indent="-228600" algn="l" defTabSz="914400" rtl="0" eaLnBrk="1" latinLnBrk="0" hangingPunct="1">
-              <a:lnSpc>
-                <a:spcPct val="90000"/>
-              </a:lnSpc>
-              <a:spcBef>
-                <a:spcPts val="500"/>
-              </a:spcBef>
-              <a:buFont typeface="Arial" panose="020B0604020202020204" pitchFamily="34" charset="0"/>
-              <a:buChar char="•"/>
-              <a:defRPr sz="1800" kern="1200">
-                <a:solidFill>
-                  <a:schemeClr val="tx1"/>
-                </a:solidFill>
-                <a:latin typeface="+mn-lt"/>
-                <a:ea typeface="+mn-ea"/>
-                <a:cs typeface="+mn-cs"/>
-              </a:defRPr>
-            </a:lvl8pPr>
-            <a:lvl9pPr marL="3886200" indent="-228600" algn="l" defTabSz="914400" rtl="0" eaLnBrk="1" latinLnBrk="0" hangingPunct="1">
-              <a:lnSpc>
-                <a:spcPct val="90000"/>
-              </a:lnSpc>
-              <a:spcBef>
-                <a:spcPts val="500"/>
-              </a:spcBef>
-              <a:buFont typeface="Arial" panose="020B0604020202020204" pitchFamily="34" charset="0"/>
-              <a:buChar char="•"/>
-              <a:defRPr sz="1800" kern="1200">
-                <a:solidFill>
-                  <a:schemeClr val="tx1"/>
-                </a:solidFill>
-                <a:latin typeface="+mn-lt"/>
-                <a:ea typeface="+mn-ea"/>
-                <a:cs typeface="+mn-cs"/>
-              </a:defRPr>
-            </a:lvl9pPr>
-          </a:lstStyle>
-          <a:p>
-            <a:r>
-              <a:rPr lang="en-IT" sz="2200" dirty="0"/>
-              <a:t>Then we display the retrieved argument by simply: </a:t>
-            </a:r>
-          </a:p>
-        </p:txBody>
-      </p:sp>
-      <p:sp>
-        <p:nvSpPr>
-          <p:cNvPr id="15" name="Content Placeholder 5">
-            <a:extLst>
-              <a:ext uri="{FF2B5EF4-FFF2-40B4-BE49-F238E27FC236}">
-                <a16:creationId xmlns:a16="http://schemas.microsoft.com/office/drawing/2014/main" id="{DF5792CB-C0EA-8D4F-A147-F612F2DC4997}"/>
-              </a:ext>
-            </a:extLst>
-          </p:cNvPr>
-          <p:cNvSpPr txBox="1">
-            <a:spLocks/>
-          </p:cNvSpPr>
-          <p:nvPr/>
-        </p:nvSpPr>
-        <p:spPr>
-          <a:xfrm>
-            <a:off x="600890" y="1964267"/>
-            <a:ext cx="10874830" cy="1062336"/>
-          </a:xfrm>
-          <a:prstGeom prst="rect">
-            <a:avLst/>
-          </a:prstGeom>
-        </p:spPr>
-        <p:txBody>
-          <a:bodyPr vert="horz" lIns="91440" tIns="45720" rIns="91440" bIns="45720" rtlCol="0">
-            <a:normAutofit/>
-          </a:bodyPr>
-          <a:lstStyle>
-            <a:lvl1pPr marL="342900" indent="-342900" algn="l" defTabSz="914400" rtl="0" eaLnBrk="1" latinLnBrk="0" hangingPunct="1">
-              <a:lnSpc>
-                <a:spcPct val="90000"/>
-              </a:lnSpc>
-              <a:spcBef>
-                <a:spcPts val="1000"/>
-              </a:spcBef>
-              <a:buClr>
-                <a:srgbClr val="00B050"/>
-              </a:buClr>
-              <a:buFont typeface="Wingdings" panose="05000000000000000000" pitchFamily="2" charset="2"/>
-              <a:buChar char="Ø"/>
-              <a:defRPr sz="2400" kern="1200">
-                <a:solidFill>
-                  <a:schemeClr val="tx1"/>
-                </a:solidFill>
-                <a:latin typeface="Palatino Linotype" panose="02040502050505030304" pitchFamily="18" charset="0"/>
-                <a:ea typeface="+mn-ea"/>
-                <a:cs typeface="+mn-cs"/>
-              </a:defRPr>
-            </a:lvl1pPr>
-            <a:lvl2pPr marL="685800" indent="-228600" algn="l" defTabSz="914400" rtl="0" eaLnBrk="1" latinLnBrk="0" hangingPunct="1">
-              <a:lnSpc>
-                <a:spcPct val="90000"/>
-              </a:lnSpc>
-              <a:spcBef>
-                <a:spcPts val="500"/>
-              </a:spcBef>
-              <a:buClr>
-                <a:srgbClr val="00B050"/>
-              </a:buClr>
-              <a:buFont typeface="Wingdings" panose="05000000000000000000" pitchFamily="2" charset="2"/>
-              <a:buChar char="§"/>
-              <a:defRPr sz="2000" kern="1200">
-                <a:solidFill>
-                  <a:schemeClr val="tx1"/>
-                </a:solidFill>
-                <a:latin typeface="Palatino Linotype" panose="02040502050505030304" pitchFamily="18" charset="0"/>
-                <a:ea typeface="+mn-ea"/>
-                <a:cs typeface="+mn-cs"/>
-              </a:defRPr>
-            </a:lvl2pPr>
-            <a:lvl3pPr marL="1143000" indent="-228600" algn="l" defTabSz="914400" rtl="0" eaLnBrk="1" latinLnBrk="0" hangingPunct="1">
-              <a:lnSpc>
-                <a:spcPct val="90000"/>
-              </a:lnSpc>
-              <a:spcBef>
-                <a:spcPts val="500"/>
-              </a:spcBef>
-              <a:buClr>
-                <a:srgbClr val="00B050"/>
-              </a:buClr>
-              <a:buFont typeface="Arial" panose="020B0604020202020204" pitchFamily="34" charset="0"/>
-              <a:buChar char="•"/>
-              <a:defRPr sz="1800" kern="1200">
-                <a:solidFill>
-                  <a:schemeClr val="tx1"/>
-                </a:solidFill>
-                <a:latin typeface="Palatino Linotype" panose="02040502050505030304" pitchFamily="18" charset="0"/>
-                <a:ea typeface="+mn-ea"/>
-                <a:cs typeface="+mn-cs"/>
-              </a:defRPr>
-            </a:lvl3pPr>
-            <a:lvl4pPr marL="1600200" indent="-228600" algn="l" defTabSz="914400" rtl="0" eaLnBrk="1" latinLnBrk="0" hangingPunct="1">
-              <a:lnSpc>
-                <a:spcPct val="90000"/>
-              </a:lnSpc>
-              <a:spcBef>
-                <a:spcPts val="500"/>
-              </a:spcBef>
-              <a:buClr>
-                <a:srgbClr val="00B050"/>
-              </a:buClr>
-              <a:buFont typeface="Courier New" panose="02070309020205020404" pitchFamily="49" charset="0"/>
-              <a:buChar char="o"/>
-              <a:defRPr sz="1600" kern="1200">
-                <a:solidFill>
-                  <a:schemeClr val="tx1"/>
-                </a:solidFill>
-                <a:latin typeface="Palatino Linotype" panose="02040502050505030304" pitchFamily="18" charset="0"/>
-                <a:ea typeface="+mn-ea"/>
-                <a:cs typeface="+mn-cs"/>
-              </a:defRPr>
-            </a:lvl4pPr>
-            <a:lvl5pPr marL="2057400" indent="-228600" algn="l" defTabSz="914400" rtl="0" eaLnBrk="1" latinLnBrk="0" hangingPunct="1">
-              <a:lnSpc>
-                <a:spcPct val="90000"/>
-              </a:lnSpc>
-              <a:spcBef>
-                <a:spcPts val="500"/>
-              </a:spcBef>
-              <a:buClr>
-                <a:srgbClr val="00B050"/>
-              </a:buClr>
-              <a:buFont typeface="Times New Roman" panose="02020603050405020304" pitchFamily="18" charset="0"/>
-              <a:buChar char="̶"/>
-              <a:defRPr sz="1600" kern="1200">
-                <a:solidFill>
-                  <a:schemeClr val="tx1"/>
-                </a:solidFill>
-                <a:latin typeface="Palatino Linotype" panose="02040502050505030304" pitchFamily="18" charset="0"/>
-                <a:ea typeface="+mn-ea"/>
-                <a:cs typeface="+mn-cs"/>
-              </a:defRPr>
-            </a:lvl5pPr>
-            <a:lvl6pPr marL="2514600" indent="-228600" algn="l" defTabSz="914400" rtl="0" eaLnBrk="1" latinLnBrk="0" hangingPunct="1">
-              <a:lnSpc>
-                <a:spcPct val="90000"/>
-              </a:lnSpc>
-              <a:spcBef>
-                <a:spcPts val="500"/>
-              </a:spcBef>
-              <a:buFont typeface="Arial" panose="020B0604020202020204" pitchFamily="34" charset="0"/>
-              <a:buChar char="•"/>
-              <a:defRPr sz="1800" kern="1200">
-                <a:solidFill>
-                  <a:schemeClr val="tx1"/>
-                </a:solidFill>
-                <a:latin typeface="+mn-lt"/>
-                <a:ea typeface="+mn-ea"/>
-                <a:cs typeface="+mn-cs"/>
-              </a:defRPr>
-            </a:lvl6pPr>
-            <a:lvl7pPr marL="2971800" indent="-228600" algn="l" defTabSz="914400" rtl="0" eaLnBrk="1" latinLnBrk="0" hangingPunct="1">
-              <a:lnSpc>
-                <a:spcPct val="90000"/>
-              </a:lnSpc>
-              <a:spcBef>
-                <a:spcPts val="500"/>
-              </a:spcBef>
-              <a:buFont typeface="Arial" panose="020B0604020202020204" pitchFamily="34" charset="0"/>
-              <a:buChar char="•"/>
-              <a:defRPr sz="1800" kern="1200">
-                <a:solidFill>
-                  <a:schemeClr val="tx1"/>
-                </a:solidFill>
-                <a:latin typeface="+mn-lt"/>
-                <a:ea typeface="+mn-ea"/>
-                <a:cs typeface="+mn-cs"/>
-              </a:defRPr>
-            </a:lvl7pPr>
-            <a:lvl8pPr marL="3429000" indent="-228600" algn="l" defTabSz="914400" rtl="0" eaLnBrk="1" latinLnBrk="0" hangingPunct="1">
-              <a:lnSpc>
-                <a:spcPct val="90000"/>
-              </a:lnSpc>
-              <a:spcBef>
-                <a:spcPts val="500"/>
-              </a:spcBef>
-              <a:buFont typeface="Arial" panose="020B0604020202020204" pitchFamily="34" charset="0"/>
-              <a:buChar char="•"/>
-              <a:defRPr sz="1800" kern="1200">
-                <a:solidFill>
-                  <a:schemeClr val="tx1"/>
-                </a:solidFill>
-                <a:latin typeface="+mn-lt"/>
-                <a:ea typeface="+mn-ea"/>
-                <a:cs typeface="+mn-cs"/>
-              </a:defRPr>
-            </a:lvl8pPr>
-            <a:lvl9pPr marL="3886200" indent="-228600" algn="l" defTabSz="914400" rtl="0" eaLnBrk="1" latinLnBrk="0" hangingPunct="1">
-              <a:lnSpc>
-                <a:spcPct val="90000"/>
-              </a:lnSpc>
-              <a:spcBef>
-                <a:spcPts val="500"/>
-              </a:spcBef>
-              <a:buFont typeface="Arial" panose="020B0604020202020204" pitchFamily="34" charset="0"/>
-              <a:buChar char="•"/>
-              <a:defRPr sz="1800" kern="1200">
-                <a:solidFill>
-                  <a:schemeClr val="tx1"/>
-                </a:solidFill>
-                <a:latin typeface="+mn-lt"/>
-                <a:ea typeface="+mn-ea"/>
-                <a:cs typeface="+mn-cs"/>
-              </a:defRPr>
-            </a:lvl9pPr>
-          </a:lstStyle>
-          <a:p>
-            <a:pPr marL="0" indent="0">
-              <a:buFont typeface="Wingdings" panose="05000000000000000000" pitchFamily="2" charset="2"/>
-              <a:buNone/>
-            </a:pPr>
-            <a:r>
-              <a:rPr lang="en-GB" sz="1600" dirty="0">
-                <a:latin typeface="Courier" pitchFamily="2" charset="0"/>
-              </a:rPr>
-              <a:t>...</a:t>
-            </a:r>
-          </a:p>
-          <a:p>
-            <a:pPr marL="0" indent="0">
-              <a:buNone/>
-            </a:pPr>
-            <a:r>
-              <a:rPr lang="en-GB" sz="1600" b="1" dirty="0">
-                <a:latin typeface="Courier" pitchFamily="2" charset="0"/>
-              </a:rPr>
-              <a:t>final message = </a:t>
-            </a:r>
-            <a:r>
-              <a:rPr lang="en-GB" sz="1600" b="1" dirty="0" err="1">
-                <a:latin typeface="Courier" pitchFamily="2" charset="0"/>
-              </a:rPr>
-              <a:t>ModalRoute.of</a:t>
-            </a:r>
-            <a:r>
-              <a:rPr lang="en-GB" sz="1600" b="1" dirty="0">
-                <a:latin typeface="Courier" pitchFamily="2" charset="0"/>
-              </a:rPr>
-              <a:t>(context)!.</a:t>
-            </a:r>
-            <a:r>
-              <a:rPr lang="en-GB" sz="1600" b="1" dirty="0" err="1">
-                <a:latin typeface="Courier" pitchFamily="2" charset="0"/>
-              </a:rPr>
-              <a:t>settings.arguments</a:t>
-            </a:r>
-            <a:r>
-              <a:rPr lang="en-GB" sz="1600" b="1" dirty="0">
-                <a:latin typeface="Courier" pitchFamily="2" charset="0"/>
-              </a:rPr>
-              <a:t>! as String;</a:t>
-            </a:r>
-          </a:p>
-          <a:p>
-            <a:pPr marL="0" indent="0">
-              <a:buNone/>
-            </a:pPr>
-            <a:r>
-              <a:rPr lang="en-GB" sz="1600" dirty="0">
-                <a:latin typeface="Courier" pitchFamily="2" charset="0"/>
-              </a:rPr>
-              <a:t>...</a:t>
-            </a:r>
-          </a:p>
-        </p:txBody>
-      </p:sp>
-      <p:cxnSp>
-        <p:nvCxnSpPr>
-          <p:cNvPr id="24" name="Straight Arrow Connector 23">
-            <a:extLst>
-              <a:ext uri="{FF2B5EF4-FFF2-40B4-BE49-F238E27FC236}">
-                <a16:creationId xmlns:a16="http://schemas.microsoft.com/office/drawing/2014/main" id="{5730A01B-E707-FA46-9684-75C0FE207130}"/>
-              </a:ext>
-            </a:extLst>
-          </p:cNvPr>
-          <p:cNvCxnSpPr>
-            <a:cxnSpLocks/>
-          </p:cNvCxnSpPr>
-          <p:nvPr/>
-        </p:nvCxnSpPr>
-        <p:spPr>
-          <a:xfrm flipH="1" flipV="1">
-            <a:off x="8252886" y="2628900"/>
-            <a:ext cx="711682" cy="697579"/>
-          </a:xfrm>
-          <a:prstGeom prst="straightConnector1">
-            <a:avLst/>
-          </a:prstGeom>
-          <a:ln>
-            <a:tailEnd type="triangle"/>
-          </a:ln>
-        </p:spPr>
-        <p:style>
-          <a:lnRef idx="1">
-            <a:schemeClr val="accent6"/>
-          </a:lnRef>
-          <a:fillRef idx="0">
-            <a:schemeClr val="accent6"/>
-          </a:fillRef>
-          <a:effectRef idx="0">
-            <a:schemeClr val="accent6"/>
-          </a:effectRef>
-          <a:fontRef idx="minor">
-            <a:schemeClr val="tx1"/>
-          </a:fontRef>
-        </p:style>
-      </p:cxnSp>
-      <p:sp>
-        <p:nvSpPr>
-          <p:cNvPr id="27" name="Rectangle 26">
-            <a:extLst>
-              <a:ext uri="{FF2B5EF4-FFF2-40B4-BE49-F238E27FC236}">
-                <a16:creationId xmlns:a16="http://schemas.microsoft.com/office/drawing/2014/main" id="{52A00CE5-764F-8C48-989F-8030038ACE19}"/>
-              </a:ext>
-            </a:extLst>
-          </p:cNvPr>
-          <p:cNvSpPr/>
-          <p:nvPr/>
-        </p:nvSpPr>
-        <p:spPr>
-          <a:xfrm>
-            <a:off x="7979408" y="3334354"/>
-            <a:ext cx="3909897" cy="923330"/>
-          </a:xfrm>
-          <a:prstGeom prst="rect">
-            <a:avLst/>
-          </a:prstGeom>
-        </p:spPr>
-        <p:txBody>
-          <a:bodyPr wrap="square">
-            <a:spAutoFit/>
-          </a:bodyPr>
-          <a:lstStyle/>
-          <a:p>
-            <a:r>
-              <a:rPr lang="en-GB" dirty="0">
-                <a:latin typeface="Palatino Linotype" panose="02040502050505030304" pitchFamily="18" charset="0"/>
-              </a:rPr>
-              <a:t>A</a:t>
-            </a:r>
-            <a:r>
-              <a:rPr lang="en-IT" dirty="0">
-                <a:latin typeface="Palatino Linotype" panose="02040502050505030304" pitchFamily="18" charset="0"/>
-              </a:rPr>
-              <a:t>rguments is an </a:t>
-            </a:r>
-            <a:r>
-              <a:rPr lang="en-IT" dirty="0">
-                <a:latin typeface="Courier" pitchFamily="2" charset="0"/>
-              </a:rPr>
-              <a:t>Object?</a:t>
-            </a:r>
-            <a:r>
-              <a:rPr lang="en-IT" dirty="0">
-                <a:latin typeface="Palatino Linotype" panose="02040502050505030304" pitchFamily="18" charset="0"/>
-              </a:rPr>
-              <a:t> </a:t>
-            </a:r>
-            <a:r>
-              <a:rPr lang="en-GB" dirty="0">
-                <a:latin typeface="Palatino Linotype" panose="02040502050505030304" pitchFamily="18" charset="0"/>
-              </a:rPr>
-              <a:t>B</a:t>
-            </a:r>
-            <a:r>
-              <a:rPr lang="en-IT" dirty="0">
-                <a:latin typeface="Palatino Linotype" panose="02040502050505030304" pitchFamily="18" charset="0"/>
-              </a:rPr>
-              <a:t>ut you know this is a </a:t>
-            </a:r>
-            <a:r>
-              <a:rPr lang="en-IT" dirty="0">
-                <a:latin typeface="Courier" pitchFamily="2" charset="0"/>
-              </a:rPr>
-              <a:t>String</a:t>
-            </a:r>
-            <a:r>
-              <a:rPr lang="en-IT" dirty="0">
-                <a:latin typeface="Palatino Linotype" panose="02040502050505030304" pitchFamily="18" charset="0"/>
-              </a:rPr>
-              <a:t>, so parse it explicitely!</a:t>
-            </a:r>
-          </a:p>
-        </p:txBody>
-      </p:sp>
-      <p:cxnSp>
-        <p:nvCxnSpPr>
-          <p:cNvPr id="16" name="Straight Arrow Connector 15">
-            <a:extLst>
-              <a:ext uri="{FF2B5EF4-FFF2-40B4-BE49-F238E27FC236}">
-                <a16:creationId xmlns:a16="http://schemas.microsoft.com/office/drawing/2014/main" id="{EC64ED98-4C05-8C44-9CF9-A6C77A5B98F7}"/>
-              </a:ext>
-            </a:extLst>
-          </p:cNvPr>
-          <p:cNvCxnSpPr>
-            <a:cxnSpLocks/>
-          </p:cNvCxnSpPr>
-          <p:nvPr/>
-        </p:nvCxnSpPr>
-        <p:spPr>
-          <a:xfrm flipV="1">
-            <a:off x="6285048" y="2620226"/>
-            <a:ext cx="1521642" cy="1825222"/>
-          </a:xfrm>
-          <a:prstGeom prst="straightConnector1">
-            <a:avLst/>
-          </a:prstGeom>
-          <a:ln>
-            <a:tailEnd type="triangle"/>
-          </a:ln>
-        </p:spPr>
-        <p:style>
-          <a:lnRef idx="1">
-            <a:schemeClr val="accent6"/>
-          </a:lnRef>
-          <a:fillRef idx="0">
-            <a:schemeClr val="accent6"/>
-          </a:fillRef>
-          <a:effectRef idx="0">
-            <a:schemeClr val="accent6"/>
-          </a:effectRef>
-          <a:fontRef idx="minor">
-            <a:schemeClr val="tx1"/>
-          </a:fontRef>
-        </p:style>
-      </p:cxnSp>
-      <p:sp>
-        <p:nvSpPr>
-          <p:cNvPr id="22" name="Content Placeholder 5">
-            <a:extLst>
-              <a:ext uri="{FF2B5EF4-FFF2-40B4-BE49-F238E27FC236}">
-                <a16:creationId xmlns:a16="http://schemas.microsoft.com/office/drawing/2014/main" id="{15FE2BB0-25ED-B442-8A02-03110C3123F6}"/>
-              </a:ext>
-            </a:extLst>
-          </p:cNvPr>
-          <p:cNvSpPr txBox="1">
-            <a:spLocks/>
-          </p:cNvSpPr>
-          <p:nvPr/>
-        </p:nvSpPr>
-        <p:spPr>
-          <a:xfrm>
-            <a:off x="396844" y="5865670"/>
-            <a:ext cx="10874830" cy="1062336"/>
-          </a:xfrm>
-          <a:prstGeom prst="rect">
-            <a:avLst/>
-          </a:prstGeom>
-        </p:spPr>
-        <p:txBody>
-          <a:bodyPr vert="horz" lIns="91440" tIns="45720" rIns="91440" bIns="45720" rtlCol="0">
-            <a:normAutofit/>
-          </a:bodyPr>
-          <a:lstStyle>
-            <a:lvl1pPr marL="342900" indent="-342900" algn="l" defTabSz="914400" rtl="0" eaLnBrk="1" latinLnBrk="0" hangingPunct="1">
-              <a:lnSpc>
-                <a:spcPct val="90000"/>
-              </a:lnSpc>
-              <a:spcBef>
-                <a:spcPts val="1000"/>
-              </a:spcBef>
-              <a:buClr>
-                <a:srgbClr val="00B050"/>
-              </a:buClr>
-              <a:buFont typeface="Wingdings" panose="05000000000000000000" pitchFamily="2" charset="2"/>
-              <a:buChar char="Ø"/>
-              <a:defRPr sz="2400" kern="1200">
-                <a:solidFill>
-                  <a:schemeClr val="tx1"/>
-                </a:solidFill>
-                <a:latin typeface="Palatino Linotype" panose="02040502050505030304" pitchFamily="18" charset="0"/>
-                <a:ea typeface="+mn-ea"/>
-                <a:cs typeface="+mn-cs"/>
-              </a:defRPr>
-            </a:lvl1pPr>
-            <a:lvl2pPr marL="685800" indent="-228600" algn="l" defTabSz="914400" rtl="0" eaLnBrk="1" latinLnBrk="0" hangingPunct="1">
-              <a:lnSpc>
-                <a:spcPct val="90000"/>
-              </a:lnSpc>
-              <a:spcBef>
-                <a:spcPts val="500"/>
-              </a:spcBef>
-              <a:buClr>
-                <a:srgbClr val="00B050"/>
-              </a:buClr>
-              <a:buFont typeface="Wingdings" panose="05000000000000000000" pitchFamily="2" charset="2"/>
-              <a:buChar char="§"/>
-              <a:defRPr sz="2000" kern="1200">
-                <a:solidFill>
-                  <a:schemeClr val="tx1"/>
-                </a:solidFill>
-                <a:latin typeface="Palatino Linotype" panose="02040502050505030304" pitchFamily="18" charset="0"/>
-                <a:ea typeface="+mn-ea"/>
-                <a:cs typeface="+mn-cs"/>
-              </a:defRPr>
-            </a:lvl2pPr>
-            <a:lvl3pPr marL="1143000" indent="-228600" algn="l" defTabSz="914400" rtl="0" eaLnBrk="1" latinLnBrk="0" hangingPunct="1">
-              <a:lnSpc>
-                <a:spcPct val="90000"/>
-              </a:lnSpc>
-              <a:spcBef>
-                <a:spcPts val="500"/>
-              </a:spcBef>
-              <a:buClr>
-                <a:srgbClr val="00B050"/>
-              </a:buClr>
-              <a:buFont typeface="Arial" panose="020B0604020202020204" pitchFamily="34" charset="0"/>
-              <a:buChar char="•"/>
-              <a:defRPr sz="1800" kern="1200">
-                <a:solidFill>
-                  <a:schemeClr val="tx1"/>
-                </a:solidFill>
-                <a:latin typeface="Palatino Linotype" panose="02040502050505030304" pitchFamily="18" charset="0"/>
-                <a:ea typeface="+mn-ea"/>
-                <a:cs typeface="+mn-cs"/>
-              </a:defRPr>
-            </a:lvl3pPr>
-            <a:lvl4pPr marL="1600200" indent="-228600" algn="l" defTabSz="914400" rtl="0" eaLnBrk="1" latinLnBrk="0" hangingPunct="1">
-              <a:lnSpc>
-                <a:spcPct val="90000"/>
-              </a:lnSpc>
-              <a:spcBef>
-                <a:spcPts val="500"/>
-              </a:spcBef>
-              <a:buClr>
-                <a:srgbClr val="00B050"/>
-              </a:buClr>
-              <a:buFont typeface="Courier New" panose="02070309020205020404" pitchFamily="49" charset="0"/>
-              <a:buChar char="o"/>
-              <a:defRPr sz="1600" kern="1200">
-                <a:solidFill>
-                  <a:schemeClr val="tx1"/>
-                </a:solidFill>
-                <a:latin typeface="Palatino Linotype" panose="02040502050505030304" pitchFamily="18" charset="0"/>
-                <a:ea typeface="+mn-ea"/>
-                <a:cs typeface="+mn-cs"/>
-              </a:defRPr>
-            </a:lvl4pPr>
-            <a:lvl5pPr marL="2057400" indent="-228600" algn="l" defTabSz="914400" rtl="0" eaLnBrk="1" latinLnBrk="0" hangingPunct="1">
-              <a:lnSpc>
-                <a:spcPct val="90000"/>
-              </a:lnSpc>
-              <a:spcBef>
-                <a:spcPts val="500"/>
-              </a:spcBef>
-              <a:buClr>
-                <a:srgbClr val="00B050"/>
-              </a:buClr>
-              <a:buFont typeface="Times New Roman" panose="02020603050405020304" pitchFamily="18" charset="0"/>
-              <a:buChar char="̶"/>
-              <a:defRPr sz="1600" kern="1200">
-                <a:solidFill>
-                  <a:schemeClr val="tx1"/>
-                </a:solidFill>
-                <a:latin typeface="Palatino Linotype" panose="02040502050505030304" pitchFamily="18" charset="0"/>
-                <a:ea typeface="+mn-ea"/>
-                <a:cs typeface="+mn-cs"/>
-              </a:defRPr>
-            </a:lvl5pPr>
-            <a:lvl6pPr marL="2514600" indent="-228600" algn="l" defTabSz="914400" rtl="0" eaLnBrk="1" latinLnBrk="0" hangingPunct="1">
-              <a:lnSpc>
-                <a:spcPct val="90000"/>
-              </a:lnSpc>
-              <a:spcBef>
-                <a:spcPts val="500"/>
-              </a:spcBef>
-              <a:buFont typeface="Arial" panose="020B0604020202020204" pitchFamily="34" charset="0"/>
-              <a:buChar char="•"/>
-              <a:defRPr sz="1800" kern="1200">
-                <a:solidFill>
-                  <a:schemeClr val="tx1"/>
-                </a:solidFill>
-                <a:latin typeface="+mn-lt"/>
-                <a:ea typeface="+mn-ea"/>
-                <a:cs typeface="+mn-cs"/>
-              </a:defRPr>
-            </a:lvl6pPr>
-            <a:lvl7pPr marL="2971800" indent="-228600" algn="l" defTabSz="914400" rtl="0" eaLnBrk="1" latinLnBrk="0" hangingPunct="1">
-              <a:lnSpc>
-                <a:spcPct val="90000"/>
-              </a:lnSpc>
-              <a:spcBef>
-                <a:spcPts val="500"/>
-              </a:spcBef>
-              <a:buFont typeface="Arial" panose="020B0604020202020204" pitchFamily="34" charset="0"/>
-              <a:buChar char="•"/>
-              <a:defRPr sz="1800" kern="1200">
-                <a:solidFill>
-                  <a:schemeClr val="tx1"/>
-                </a:solidFill>
-                <a:latin typeface="+mn-lt"/>
-                <a:ea typeface="+mn-ea"/>
-                <a:cs typeface="+mn-cs"/>
-              </a:defRPr>
-            </a:lvl7pPr>
-            <a:lvl8pPr marL="3429000" indent="-228600" algn="l" defTabSz="914400" rtl="0" eaLnBrk="1" latinLnBrk="0" hangingPunct="1">
-              <a:lnSpc>
-                <a:spcPct val="90000"/>
-              </a:lnSpc>
-              <a:spcBef>
-                <a:spcPts val="500"/>
-              </a:spcBef>
-              <a:buFont typeface="Arial" panose="020B0604020202020204" pitchFamily="34" charset="0"/>
-              <a:buChar char="•"/>
-              <a:defRPr sz="1800" kern="1200">
-                <a:solidFill>
-                  <a:schemeClr val="tx1"/>
-                </a:solidFill>
-                <a:latin typeface="+mn-lt"/>
-                <a:ea typeface="+mn-ea"/>
-                <a:cs typeface="+mn-cs"/>
-              </a:defRPr>
-            </a:lvl8pPr>
-            <a:lvl9pPr marL="3886200" indent="-228600" algn="l" defTabSz="914400" rtl="0" eaLnBrk="1" latinLnBrk="0" hangingPunct="1">
-              <a:lnSpc>
-                <a:spcPct val="90000"/>
-              </a:lnSpc>
-              <a:spcBef>
-                <a:spcPts val="500"/>
-              </a:spcBef>
-              <a:buFont typeface="Arial" panose="020B0604020202020204" pitchFamily="34" charset="0"/>
-              <a:buChar char="•"/>
-              <a:defRPr sz="1800" kern="1200">
-                <a:solidFill>
-                  <a:schemeClr val="tx1"/>
-                </a:solidFill>
-                <a:latin typeface="+mn-lt"/>
-                <a:ea typeface="+mn-ea"/>
-                <a:cs typeface="+mn-cs"/>
-              </a:defRPr>
-            </a:lvl9pPr>
-          </a:lstStyle>
-          <a:p>
-            <a:pPr marL="0" indent="0">
-              <a:buFont typeface="Wingdings" panose="05000000000000000000" pitchFamily="2" charset="2"/>
-              <a:buNone/>
-            </a:pPr>
-            <a:r>
-              <a:rPr lang="en-GB" sz="1600" dirty="0">
-                <a:latin typeface="Courier" pitchFamily="2" charset="0"/>
-              </a:rPr>
-              <a:t>...</a:t>
-            </a:r>
-          </a:p>
-          <a:p>
-            <a:pPr marL="0" indent="0">
-              <a:buNone/>
-            </a:pPr>
-            <a:r>
-              <a:rPr lang="en-GB" sz="1600" b="1" dirty="0">
-                <a:latin typeface="Courier" pitchFamily="2" charset="0"/>
-              </a:rPr>
-              <a:t>Text('This is the message: $message’),</a:t>
-            </a:r>
-          </a:p>
-          <a:p>
-            <a:pPr marL="0" indent="0">
-              <a:buNone/>
-            </a:pPr>
-            <a:r>
-              <a:rPr lang="en-GB" sz="1600" dirty="0">
-                <a:latin typeface="Courier" pitchFamily="2" charset="0"/>
-              </a:rPr>
-              <a:t>...</a:t>
-            </a:r>
-          </a:p>
-        </p:txBody>
-      </p:sp>
-      <p:sp>
-        <p:nvSpPr>
-          <p:cNvPr id="3" name="Slide Number Placeholder 2">
-            <a:extLst>
-              <a:ext uri="{FF2B5EF4-FFF2-40B4-BE49-F238E27FC236}">
-                <a16:creationId xmlns:a16="http://schemas.microsoft.com/office/drawing/2014/main" id="{0EE000C3-1DCC-E346-B598-ED28CA9CAAAC}"/>
-              </a:ext>
-            </a:extLst>
-          </p:cNvPr>
-          <p:cNvSpPr>
-            <a:spLocks noGrp="1"/>
-          </p:cNvSpPr>
-          <p:nvPr>
-            <p:ph type="sldNum" sz="quarter" idx="12"/>
-          </p:nvPr>
-        </p:nvSpPr>
-        <p:spPr/>
-        <p:txBody>
-          <a:bodyPr/>
-          <a:lstStyle/>
-          <a:p>
-            <a:fld id="{31DE2C5B-556E-47B8-A792-024C2FCA4ACC}" type="slidenum">
-              <a:rPr lang="en-GB" smtClean="0"/>
-              <a:t>31</a:t>
-            </a:fld>
-            <a:endParaRPr lang="en-GB"/>
-          </a:p>
-        </p:txBody>
-      </p:sp>
-    </p:spTree>
-    <p:extLst>
-      <p:ext uri="{BB962C8B-B14F-4D97-AF65-F5344CB8AC3E}">
-        <p14:creationId xmlns:p14="http://schemas.microsoft.com/office/powerpoint/2010/main" val="2789302695"/>
-      </p:ext>
-    </p:extLst>
-  </p:cSld>
-  <p:clrMapOvr>
-    <a:masterClrMapping/>
-  </p:clrMapOvr>
-</p:sld>
-</file>
-
-<file path=ppt/slides/slide32.xml><?xml version="1.0" encoding="utf-8"?>
-<p:sld xmlns:a="http://schemas.openxmlformats.org/drawingml/2006/main" xmlns:r="http://schemas.openxmlformats.org/officeDocument/2006/relationships" xmlns:p="http://schemas.openxmlformats.org/presentationml/2006/main">
-  <p:cSld>
-    <p:spTree>
-      <p:nvGrpSpPr>
-        <p:cNvPr id="1" name=""/>
-        <p:cNvGrpSpPr/>
-        <p:nvPr/>
-      </p:nvGrpSpPr>
-      <p:grpSpPr>
-        <a:xfrm>
-          <a:off x="0" y="0"/>
-          <a:ext cx="0" cy="0"/>
-          <a:chOff x="0" y="0"/>
-          <a:chExt cx="0" cy="0"/>
-        </a:xfrm>
-      </p:grpSpPr>
-      <p:sp>
-        <p:nvSpPr>
-          <p:cNvPr id="2" name="Title 1">
-            <a:extLst>
-              <a:ext uri="{FF2B5EF4-FFF2-40B4-BE49-F238E27FC236}">
-                <a16:creationId xmlns:a16="http://schemas.microsoft.com/office/drawing/2014/main" id="{122C1E14-0610-FB4E-BCD3-3BA8CADF9D02}"/>
-              </a:ext>
-            </a:extLst>
-          </p:cNvPr>
-          <p:cNvSpPr>
-            <a:spLocks noGrp="1"/>
-          </p:cNvSpPr>
-          <p:nvPr>
-            <p:ph type="title"/>
-          </p:nvPr>
-        </p:nvSpPr>
-        <p:spPr/>
-        <p:txBody>
-          <a:bodyPr/>
-          <a:lstStyle/>
-          <a:p>
-            <a:r>
-              <a:rPr lang="en-IT" dirty="0"/>
               <a:t>Outline</a:t>
             </a:r>
           </a:p>
@@ -17861,7 +16887,7 @@
           <a:p>
             <a:fld id="{31DE2C5B-556E-47B8-A792-024C2FCA4ACC}" type="slidenum">
               <a:rPr lang="en-GB" smtClean="0"/>
-              <a:t>32</a:t>
+              <a:t>30</a:t>
             </a:fld>
             <a:endParaRPr lang="en-GB"/>
           </a:p>
@@ -17880,7 +16906,7 @@
 </p:sld>
 </file>
 
-<file path=ppt/slides/slide33.xml><?xml version="1.0" encoding="utf-8"?>
+<file path=ppt/slides/slide31.xml><?xml version="1.0" encoding="utf-8"?>
 <p:sld xmlns:a="http://schemas.openxmlformats.org/drawingml/2006/main" xmlns:r="http://schemas.openxmlformats.org/officeDocument/2006/relationships" xmlns:p="http://schemas.openxmlformats.org/presentationml/2006/main">
   <p:cSld>
     <p:spTree>
@@ -18217,7 +17243,7 @@
           <a:p>
             <a:fld id="{31DE2C5B-556E-47B8-A792-024C2FCA4ACC}" type="slidenum">
               <a:rPr lang="en-GB" smtClean="0"/>
-              <a:t>33</a:t>
+              <a:t>31</a:t>
             </a:fld>
             <a:endParaRPr lang="en-GB"/>
           </a:p>
@@ -18236,7 +17262,7 @@
 </p:sld>
 </file>
 
-<file path=ppt/slides/slide34.xml><?xml version="1.0" encoding="utf-8"?>
+<file path=ppt/slides/slide32.xml><?xml version="1.0" encoding="utf-8"?>
 <p:sld xmlns:a="http://schemas.openxmlformats.org/drawingml/2006/main" xmlns:r="http://schemas.openxmlformats.org/officeDocument/2006/relationships" xmlns:p="http://schemas.openxmlformats.org/presentationml/2006/main">
   <p:cSld>
     <p:spTree>
@@ -18386,19 +17412,7 @@
               <a:rPr lang="en-GB" sz="1600" dirty="0">
                 <a:latin typeface="Courier" pitchFamily="2" charset="0"/>
               </a:rPr>
-              <a:t>  </a:t>
-            </a:r>
-            <a:r>
-              <a:rPr lang="en-GB" sz="1600" dirty="0" err="1">
-                <a:latin typeface="Courier" pitchFamily="2" charset="0"/>
-              </a:rPr>
-              <a:t>const</a:t>
-            </a:r>
-            <a:r>
-              <a:rPr lang="en-GB" sz="1600" dirty="0">
-                <a:latin typeface="Courier" pitchFamily="2" charset="0"/>
-              </a:rPr>
-              <a:t> </a:t>
+              <a:t>   </a:t>
             </a:r>
             <a:r>
               <a:rPr lang="en-GB" sz="1600" dirty="0" err="1">
@@ -19018,7 +18032,7 @@
           <a:p>
             <a:fld id="{31DE2C5B-556E-47B8-A792-024C2FCA4ACC}" type="slidenum">
               <a:rPr lang="en-GB" smtClean="0"/>
-              <a:t>34</a:t>
+              <a:t>32</a:t>
             </a:fld>
             <a:endParaRPr lang="en-GB"/>
           </a:p>
@@ -19037,315 +18051,7 @@
 </p:sld>
 </file>
 
-<file path=ppt/slides/slide35.xml><?xml version="1.0" encoding="utf-8"?>
-<p:sld xmlns:a="http://schemas.openxmlformats.org/drawingml/2006/main" xmlns:r="http://schemas.openxmlformats.org/officeDocument/2006/relationships" xmlns:p="http://schemas.openxmlformats.org/presentationml/2006/main">
-  <p:cSld>
-    <p:spTree>
-      <p:nvGrpSpPr>
-        <p:cNvPr id="1" name=""/>
-        <p:cNvGrpSpPr/>
-        <p:nvPr/>
-      </p:nvGrpSpPr>
-      <p:grpSpPr>
-        <a:xfrm>
-          <a:off x="0" y="0"/>
-          <a:ext cx="0" cy="0"/>
-          <a:chOff x="0" y="0"/>
-          <a:chExt cx="0" cy="0"/>
-        </a:xfrm>
-      </p:grpSpPr>
-      <p:sp>
-        <p:nvSpPr>
-          <p:cNvPr id="2" name="Title 1">
-            <a:extLst>
-              <a:ext uri="{FF2B5EF4-FFF2-40B4-BE49-F238E27FC236}">
-                <a16:creationId xmlns:a16="http://schemas.microsoft.com/office/drawing/2014/main" id="{122C1E14-0610-FB4E-BCD3-3BA8CADF9D02}"/>
-              </a:ext>
-            </a:extLst>
-          </p:cNvPr>
-          <p:cNvSpPr>
-            <a:spLocks noGrp="1"/>
-          </p:cNvSpPr>
-          <p:nvPr>
-            <p:ph type="title"/>
-          </p:nvPr>
-        </p:nvSpPr>
-        <p:spPr/>
-        <p:txBody>
-          <a:bodyPr/>
-          <a:lstStyle/>
-          <a:p>
-            <a:r>
-              <a:rPr lang="en-IT" dirty="0"/>
-              <a:t>Returning data – Add the new route</a:t>
-            </a:r>
-          </a:p>
-        </p:txBody>
-      </p:sp>
-      <p:sp>
-        <p:nvSpPr>
-          <p:cNvPr id="3" name="Content Placeholder 2">
-            <a:extLst>
-              <a:ext uri="{FF2B5EF4-FFF2-40B4-BE49-F238E27FC236}">
-                <a16:creationId xmlns:a16="http://schemas.microsoft.com/office/drawing/2014/main" id="{8962CCAC-9D70-C543-BBE0-822B6CB5F5CB}"/>
-              </a:ext>
-            </a:extLst>
-          </p:cNvPr>
-          <p:cNvSpPr>
-            <a:spLocks noGrp="1"/>
-          </p:cNvSpPr>
-          <p:nvPr>
-            <p:ph idx="1"/>
-          </p:nvPr>
-        </p:nvSpPr>
-        <p:spPr>
-          <a:xfrm>
-            <a:off x="428171" y="1361167"/>
-            <a:ext cx="10336811" cy="5334907"/>
-          </a:xfrm>
-        </p:spPr>
-        <p:txBody>
-          <a:bodyPr>
-            <a:normAutofit/>
-          </a:bodyPr>
-          <a:lstStyle/>
-          <a:p>
-            <a:r>
-              <a:rPr lang="en-GB" dirty="0"/>
-              <a:t>New route? Let’s add it to the list:</a:t>
-            </a:r>
-          </a:p>
-          <a:p>
-            <a:endParaRPr lang="en-GB" dirty="0"/>
-          </a:p>
-          <a:p>
-            <a:pPr marL="0" indent="0">
-              <a:buNone/>
-            </a:pPr>
-            <a:r>
-              <a:rPr lang="en-GB" dirty="0" err="1">
-                <a:latin typeface="Courier" pitchFamily="2" charset="0"/>
-              </a:rPr>
-              <a:t>MaterialApp</a:t>
-            </a:r>
-            <a:r>
-              <a:rPr lang="en-GB" dirty="0">
-                <a:latin typeface="Courier" pitchFamily="2" charset="0"/>
-              </a:rPr>
-              <a:t>(</a:t>
-            </a:r>
-          </a:p>
-          <a:p>
-            <a:pPr marL="0" indent="0">
-              <a:buNone/>
-            </a:pPr>
-            <a:r>
-              <a:rPr lang="en-GB" b="1" dirty="0">
-                <a:latin typeface="Courier" pitchFamily="2" charset="0"/>
-              </a:rPr>
-              <a:t>  </a:t>
-            </a:r>
-            <a:r>
-              <a:rPr lang="en-GB" dirty="0" err="1">
-                <a:latin typeface="Courier" pitchFamily="2" charset="0"/>
-              </a:rPr>
-              <a:t>initialRoute</a:t>
-            </a:r>
-            <a:r>
-              <a:rPr lang="en-GB" dirty="0">
-                <a:latin typeface="Courier" pitchFamily="2" charset="0"/>
-              </a:rPr>
-              <a:t>: '/’,</a:t>
-            </a:r>
-          </a:p>
-          <a:p>
-            <a:pPr marL="0" indent="0">
-              <a:buNone/>
-            </a:pPr>
-            <a:r>
-              <a:rPr lang="en-GB" dirty="0">
-                <a:latin typeface="Courier" pitchFamily="2" charset="0"/>
-              </a:rPr>
-              <a:t>  routes: {</a:t>
-            </a:r>
-          </a:p>
-          <a:p>
-            <a:pPr marL="0" indent="0">
-              <a:buNone/>
-            </a:pPr>
-            <a:r>
-              <a:rPr lang="en-GB" dirty="0">
-                <a:latin typeface="Courier" pitchFamily="2" charset="0"/>
-              </a:rPr>
-              <a:t>    '/' : (context) =&gt; </a:t>
-            </a:r>
-            <a:r>
-              <a:rPr lang="en-GB" dirty="0" err="1">
-                <a:latin typeface="Courier" pitchFamily="2" charset="0"/>
-              </a:rPr>
-              <a:t>HomePage</a:t>
-            </a:r>
-            <a:r>
-              <a:rPr lang="en-GB" dirty="0">
-                <a:latin typeface="Courier" pitchFamily="2" charset="0"/>
-              </a:rPr>
-              <a:t>(),</a:t>
-            </a:r>
-          </a:p>
-          <a:p>
-            <a:pPr marL="0" indent="0">
-              <a:buNone/>
-            </a:pPr>
-            <a:r>
-              <a:rPr lang="en-GB" dirty="0">
-                <a:latin typeface="Courier" pitchFamily="2" charset="0"/>
-              </a:rPr>
-              <a:t>    '/profile/': (context) =&gt; </a:t>
-            </a:r>
-            <a:r>
-              <a:rPr lang="en-GB" dirty="0" err="1">
-                <a:latin typeface="Courier" pitchFamily="2" charset="0"/>
-              </a:rPr>
-              <a:t>ProfilePage</a:t>
-            </a:r>
-            <a:r>
-              <a:rPr lang="en-GB" dirty="0">
-                <a:latin typeface="Courier" pitchFamily="2" charset="0"/>
-              </a:rPr>
-              <a:t>(),</a:t>
-            </a:r>
-          </a:p>
-          <a:p>
-            <a:pPr marL="0" indent="0">
-              <a:buNone/>
-            </a:pPr>
-            <a:r>
-              <a:rPr lang="en-GB" dirty="0">
-                <a:latin typeface="Courier" pitchFamily="2" charset="0"/>
-              </a:rPr>
-              <a:t>    ‘/message/': (context) =&gt; </a:t>
-            </a:r>
-            <a:r>
-              <a:rPr lang="en-GB" dirty="0" err="1">
-                <a:latin typeface="Courier" pitchFamily="2" charset="0"/>
-              </a:rPr>
-              <a:t>MessagePage</a:t>
-            </a:r>
-            <a:r>
-              <a:rPr lang="en-GB" dirty="0">
-                <a:latin typeface="Courier" pitchFamily="2" charset="0"/>
-              </a:rPr>
-              <a:t>(),</a:t>
-            </a:r>
-          </a:p>
-          <a:p>
-            <a:pPr marL="0" indent="0">
-              <a:buNone/>
-            </a:pPr>
-            <a:r>
-              <a:rPr lang="en-GB" b="1" dirty="0">
-                <a:latin typeface="Courier" pitchFamily="2" charset="0"/>
-              </a:rPr>
-              <a:t>    ‘/</a:t>
-            </a:r>
-            <a:r>
-              <a:rPr lang="en-GB" b="1" dirty="0" err="1">
-                <a:latin typeface="Courier" pitchFamily="2" charset="0"/>
-              </a:rPr>
-              <a:t>pickValue</a:t>
-            </a:r>
-            <a:r>
-              <a:rPr lang="en-GB" b="1" dirty="0">
-                <a:latin typeface="Courier" pitchFamily="2" charset="0"/>
-              </a:rPr>
-              <a:t>/': (context) =&gt; </a:t>
-            </a:r>
-            <a:r>
-              <a:rPr lang="en-GB" b="1" dirty="0" err="1">
-                <a:latin typeface="Courier" pitchFamily="2" charset="0"/>
-              </a:rPr>
-              <a:t>PickValuePage</a:t>
-            </a:r>
-            <a:r>
-              <a:rPr lang="en-GB" b="1" dirty="0">
-                <a:latin typeface="Courier" pitchFamily="2" charset="0"/>
-              </a:rPr>
-              <a:t>(),</a:t>
-            </a:r>
-          </a:p>
-          <a:p>
-            <a:pPr marL="0" indent="0">
-              <a:buNone/>
-            </a:pPr>
-            <a:r>
-              <a:rPr lang="en-GB" dirty="0">
-                <a:latin typeface="Courier" pitchFamily="2" charset="0"/>
-              </a:rPr>
-              <a:t>  },</a:t>
-            </a:r>
-          </a:p>
-          <a:p>
-            <a:pPr marL="0" indent="0">
-              <a:buNone/>
-            </a:pPr>
-            <a:r>
-              <a:rPr lang="en-GB" dirty="0">
-                <a:latin typeface="Courier" pitchFamily="2" charset="0"/>
-              </a:rPr>
-              <a:t>);</a:t>
-            </a:r>
-          </a:p>
-          <a:p>
-            <a:endParaRPr lang="en-GB" dirty="0"/>
-          </a:p>
-          <a:p>
-            <a:endParaRPr lang="en-GB" dirty="0"/>
-          </a:p>
-        </p:txBody>
-      </p:sp>
-      <p:sp>
-        <p:nvSpPr>
-          <p:cNvPr id="4" name="Slide Number Placeholder 3">
-            <a:extLst>
-              <a:ext uri="{FF2B5EF4-FFF2-40B4-BE49-F238E27FC236}">
-                <a16:creationId xmlns:a16="http://schemas.microsoft.com/office/drawing/2014/main" id="{21B81ACF-E8FA-3344-903F-A06FD30D5359}"/>
-              </a:ext>
-            </a:extLst>
-          </p:cNvPr>
-          <p:cNvSpPr>
-            <a:spLocks noGrp="1"/>
-          </p:cNvSpPr>
-          <p:nvPr>
-            <p:ph type="sldNum" sz="quarter" idx="12"/>
-          </p:nvPr>
-        </p:nvSpPr>
-        <p:spPr/>
-        <p:txBody>
-          <a:bodyPr/>
-          <a:lstStyle/>
-          <a:p>
-            <a:fld id="{31DE2C5B-556E-47B8-A792-024C2FCA4ACC}" type="slidenum">
-              <a:rPr lang="en-GB" smtClean="0"/>
-              <a:t>35</a:t>
-            </a:fld>
-            <a:endParaRPr lang="en-GB"/>
-          </a:p>
-        </p:txBody>
-      </p:sp>
-    </p:spTree>
-    <p:extLst>
-      <p:ext uri="{BB962C8B-B14F-4D97-AF65-F5344CB8AC3E}">
-        <p14:creationId xmlns:p14="http://schemas.microsoft.com/office/powerpoint/2010/main" val="2267190649"/>
-      </p:ext>
-    </p:extLst>
-  </p:cSld>
-  <p:clrMapOvr>
-    <a:masterClrMapping/>
-  </p:clrMapOvr>
-</p:sld>
-</file>
-
-<file path=ppt/slides/slide36.xml><?xml version="1.0" encoding="utf-8"?>
+<file path=ppt/slides/slide33.xml><?xml version="1.0" encoding="utf-8"?>
 <p:sld xmlns:a="http://schemas.openxmlformats.org/drawingml/2006/main" xmlns:r="http://schemas.openxmlformats.org/officeDocument/2006/relationships" xmlns:p="http://schemas.openxmlformats.org/presentationml/2006/main">
   <p:cSld>
     <p:spTree>
@@ -20075,7 +18781,7 @@
           <a:p>
             <a:fld id="{31DE2C5B-556E-47B8-A792-024C2FCA4ACC}" type="slidenum">
               <a:rPr lang="en-GB" smtClean="0"/>
-              <a:t>36</a:t>
+              <a:t>33</a:t>
             </a:fld>
             <a:endParaRPr lang="en-GB"/>
           </a:p>
@@ -20094,7 +18800,7 @@
 </p:sld>
 </file>
 
-<file path=ppt/slides/slide37.xml><?xml version="1.0" encoding="utf-8"?>
+<file path=ppt/slides/slide34.xml><?xml version="1.0" encoding="utf-8"?>
 <p:sld xmlns:a="http://schemas.openxmlformats.org/drawingml/2006/main" xmlns:r="http://schemas.openxmlformats.org/officeDocument/2006/relationships" xmlns:p="http://schemas.openxmlformats.org/presentationml/2006/main">
   <p:cSld>
     <p:spTree>
@@ -20208,8 +18914,8 @@
         </p:nvCxnSpPr>
         <p:spPr>
           <a:xfrm flipH="1">
-            <a:off x="2777490" y="2592989"/>
-            <a:ext cx="2274570" cy="566202"/>
+            <a:off x="2875935" y="2592989"/>
+            <a:ext cx="2176125" cy="533669"/>
           </a:xfrm>
           <a:prstGeom prst="straightConnector1">
             <a:avLst/>
@@ -20306,7 +19012,7 @@
         </p:spPr>
         <p:txBody>
           <a:bodyPr vert="horz" lIns="91440" tIns="45720" rIns="91440" bIns="45720" rtlCol="0">
-            <a:normAutofit/>
+            <a:normAutofit lnSpcReduction="10000"/>
           </a:bodyPr>
           <a:lstStyle>
             <a:lvl1pPr marL="342900" indent="-342900" algn="l" defTabSz="914400" rtl="0" eaLnBrk="1" latinLnBrk="0" hangingPunct="1">
@@ -20554,25 +19260,37 @@
               <a:rPr lang="en-GB" sz="1600" dirty="0" err="1">
                 <a:latin typeface="Courier" pitchFamily="2" charset="0"/>
               </a:rPr>
-              <a:t>Navigator.pushNamed</a:t>
+              <a:t>Navigator.push</a:t>
             </a:r>
             <a:r>
               <a:rPr lang="en-GB" sz="1600" dirty="0">
                 <a:latin typeface="Courier" pitchFamily="2" charset="0"/>
               </a:rPr>
-              <a:t>(context, '/</a:t>
+              <a:t>(context, </a:t>
             </a:r>
             <a:r>
               <a:rPr lang="en-GB" sz="1600" dirty="0" err="1">
                 <a:latin typeface="Courier" pitchFamily="2" charset="0"/>
               </a:rPr>
-              <a:t>pickValue</a:t>
+              <a:t>MaterialPageRoute</a:t>
             </a:r>
             <a:r>
               <a:rPr lang="en-GB" sz="1600" dirty="0">
                 <a:latin typeface="Courier" pitchFamily="2" charset="0"/>
               </a:rPr>
-              <a:t>/'); </a:t>
+              <a:t>(builder: (context) =&gt; </a:t>
+            </a:r>
+            <a:r>
+              <a:rPr lang="en-GB" sz="1600" dirty="0" err="1">
+                <a:latin typeface="Courier" pitchFamily="2" charset="0"/>
+              </a:rPr>
+              <a:t>PickValuePage</a:t>
+            </a:r>
+            <a:r>
+              <a:rPr lang="en-GB" sz="1600" dirty="0">
+                <a:latin typeface="Courier" pitchFamily="2" charset="0"/>
+              </a:rPr>
+              <a:t>()));</a:t>
             </a:r>
           </a:p>
           <a:p>
@@ -20583,7 +19301,7 @@
               <a:rPr lang="en-GB" sz="1600" dirty="0">
                 <a:latin typeface="Courier" pitchFamily="2" charset="0"/>
               </a:rPr>
-              <a:t>  </a:t>
+              <a:t>    </a:t>
             </a:r>
             <a:r>
               <a:rPr lang="en-GB" sz="1600" dirty="0" err="1">
@@ -20969,7 +19687,7 @@
           <a:p>
             <a:fld id="{31DE2C5B-556E-47B8-A792-024C2FCA4ACC}" type="slidenum">
               <a:rPr lang="en-GB" smtClean="0"/>
-              <a:t>37</a:t>
+              <a:t>34</a:t>
             </a:fld>
             <a:endParaRPr lang="en-GB"/>
           </a:p>
@@ -20988,7 +19706,7 @@
 </p:sld>
 </file>
 
-<file path=ppt/slides/slide38.xml><?xml version="1.0" encoding="utf-8"?>
+<file path=ppt/slides/slide35.xml><?xml version="1.0" encoding="utf-8"?>
 <p:sld xmlns:a="http://schemas.openxmlformats.org/drawingml/2006/main" xmlns:r="http://schemas.openxmlformats.org/officeDocument/2006/relationships" xmlns:p="http://schemas.openxmlformats.org/presentationml/2006/main">
   <p:cSld>
     <p:spTree>
@@ -21028,7 +19746,7 @@
           <a:p>
             <a:r>
               <a:rPr lang="en-IT" dirty="0"/>
-              <a:t>Outline</a:t>
+              <a:t>A final note</a:t>
             </a:r>
           </a:p>
         </p:txBody>
@@ -21051,8 +19769,8 @@
         </p:nvSpPr>
         <p:spPr>
           <a:xfrm>
-            <a:off x="428172" y="1361167"/>
-            <a:ext cx="11213368" cy="5334907"/>
+            <a:off x="428171" y="1361167"/>
+            <a:ext cx="10336811" cy="5334907"/>
           </a:xfrm>
         </p:spPr>
         <p:txBody>
@@ -21062,118 +19780,115 @@
           <a:lstStyle/>
           <a:p>
             <a:r>
+              <a:rPr lang="en-GB" dirty="0"/>
+              <a:t>There are other approaches: </a:t>
+            </a:r>
+          </a:p>
+          <a:p>
+            <a:endParaRPr lang="en-GB" dirty="0"/>
+          </a:p>
+          <a:p>
+            <a:pPr lvl="1"/>
+            <a:r>
+              <a:rPr lang="en-GB" dirty="0"/>
+              <a:t>You can push “replacements”: </a:t>
+            </a:r>
+            <a:r>
+              <a:rPr lang="en-GB" dirty="0" err="1">
+                <a:latin typeface="Courier" pitchFamily="2" charset="0"/>
+              </a:rPr>
+              <a:t>Navigator.pushReplacement</a:t>
+            </a:r>
+            <a:r>
               <a:rPr lang="en-GB" dirty="0">
-                <a:solidFill>
-                  <a:schemeClr val="bg2">
-                    <a:lumMod val="90000"/>
-                  </a:schemeClr>
-                </a:solidFill>
-              </a:rPr>
-              <a:t>Asynchrony</a:t>
-            </a:r>
-          </a:p>
-          <a:p>
+                <a:latin typeface="Courier" pitchFamily="2" charset="0"/>
+              </a:rPr>
+              <a:t>()</a:t>
+            </a:r>
+            <a:r>
+              <a:rPr lang="en-GB" dirty="0"/>
+              <a:t> / </a:t>
+            </a:r>
+            <a:r>
+              <a:rPr lang="en-GB" dirty="0" err="1">
+                <a:latin typeface="Courier" pitchFamily="2" charset="0"/>
+              </a:rPr>
+              <a:t>Navigator.pushReplacementNamed</a:t>
+            </a:r>
             <a:r>
               <a:rPr lang="en-GB" dirty="0">
-                <a:solidFill>
-                  <a:schemeClr val="bg2">
-                    <a:lumMod val="90000"/>
-                  </a:schemeClr>
-                </a:solidFill>
+                <a:latin typeface="Courier" pitchFamily="2" charset="0"/>
+              </a:rPr>
+              <a:t>()</a:t>
+            </a:r>
+            <a:r>
+              <a:rPr lang="en-GB" dirty="0"/>
+              <a:t> </a:t>
+            </a:r>
+          </a:p>
+          <a:p>
+            <a:pPr lvl="1"/>
+            <a:endParaRPr lang="en-GB" dirty="0"/>
+          </a:p>
+          <a:p>
+            <a:pPr lvl="1"/>
+            <a:r>
+              <a:rPr lang="en-GB" dirty="0"/>
+              <a:t>There is a new </a:t>
+            </a:r>
+            <a:r>
+              <a:rPr lang="en-GB" dirty="0">
+                <a:latin typeface="Courier" pitchFamily="2" charset="0"/>
               </a:rPr>
               <a:t>Navigator</a:t>
             </a:r>
-          </a:p>
-          <a:p>
+            <a:r>
+              <a:rPr lang="en-GB" dirty="0"/>
+              <a:t>: Navigator 2.0 -&gt; </a:t>
+            </a:r>
             <a:r>
               <a:rPr lang="en-GB" dirty="0">
-                <a:solidFill>
-                  <a:schemeClr val="bg2">
-                    <a:lumMod val="90000"/>
-                  </a:schemeClr>
-                </a:solidFill>
-              </a:rPr>
-              <a:t>Navigate to a new screen and back</a:t>
-            </a:r>
-          </a:p>
-          <a:p>
-            <a:r>
-              <a:rPr lang="en-GB" dirty="0">
-                <a:solidFill>
-                  <a:schemeClr val="bg2">
-                    <a:lumMod val="90000"/>
-                  </a:schemeClr>
-                </a:solidFill>
-              </a:rPr>
-              <a:t>Named routes </a:t>
-            </a:r>
-          </a:p>
-          <a:p>
-            <a:r>
-              <a:rPr lang="en-GB" dirty="0">
-                <a:solidFill>
-                  <a:schemeClr val="bg2">
-                    <a:lumMod val="90000"/>
-                  </a:schemeClr>
-                </a:solidFill>
-              </a:rPr>
-              <a:t>Passing argument to a named routes</a:t>
-            </a:r>
-          </a:p>
-          <a:p>
-            <a:r>
-              <a:rPr lang="en-GB" dirty="0">
-                <a:solidFill>
-                  <a:schemeClr val="bg2">
-                    <a:lumMod val="90000"/>
-                  </a:schemeClr>
-                </a:solidFill>
-              </a:rPr>
-              <a:t>Returning an argument from a named route</a:t>
-            </a:r>
-          </a:p>
-          <a:p>
-            <a:endParaRPr lang="en-GB" dirty="0">
-              <a:solidFill>
-                <a:schemeClr val="bg2">
-                  <a:lumMod val="90000"/>
-                </a:schemeClr>
-              </a:solidFill>
-            </a:endParaRPr>
-          </a:p>
-          <a:p>
-            <a:r>
-              <a:rPr lang="en-GB" b="1" dirty="0"/>
-              <a:t>Exercise</a:t>
-            </a:r>
-          </a:p>
-          <a:p>
-            <a:r>
-              <a:rPr lang="en-GB" dirty="0">
-                <a:solidFill>
-                  <a:schemeClr val="bg2">
-                    <a:lumMod val="90000"/>
-                  </a:schemeClr>
-                </a:solidFill>
-              </a:rPr>
-              <a:t>Homework</a:t>
-            </a:r>
-          </a:p>
-          <a:p>
-            <a:r>
-              <a:rPr lang="en-GB" dirty="0">
-                <a:solidFill>
-                  <a:schemeClr val="bg2">
-                    <a:lumMod val="90000"/>
-                  </a:schemeClr>
-                </a:solidFill>
-              </a:rPr>
-              <a:t>Resources</a:t>
-            </a:r>
-          </a:p>
-          <a:p>
+                <a:hlinkClick r:id="rId3"/>
+              </a:rPr>
+              <a:t>https://blog.codemagic.io/flutter-navigator2/</a:t>
+            </a:r>
+            <a:r>
+              <a:rPr lang="en-GB" dirty="0"/>
+              <a:t> </a:t>
+            </a:r>
+          </a:p>
+          <a:p>
+            <a:pPr lvl="1"/>
             <a:endParaRPr lang="en-GB" dirty="0"/>
           </a:p>
+          <a:p>
+            <a:pPr lvl="1"/>
+            <a:r>
+              <a:rPr lang="en-GB" dirty="0"/>
+              <a:t>…</a:t>
+            </a:r>
+          </a:p>
+          <a:p>
+            <a:pPr marL="0" indent="0">
+              <a:buNone/>
+            </a:pPr>
+            <a:endParaRPr lang="en-GB" dirty="0"/>
+          </a:p>
+          <a:p>
+            <a:pPr marL="0" indent="0">
+              <a:buNone/>
+            </a:pPr>
+            <a:r>
+              <a:rPr lang="en-GB" dirty="0"/>
+              <a:t>	</a:t>
+            </a:r>
+          </a:p>
+          <a:p>
+            <a:r>
+              <a:rPr lang="en-GB" dirty="0"/>
+              <a:t>The usual rationale: they all have their pros and cons. Choose the approach you prefer! </a:t>
+            </a:r>
+          </a:p>
         </p:txBody>
       </p:sp>
       <p:sp>
@@ -21181,7 +19896,7 @@
           <p:cNvPr id="4" name="Slide Number Placeholder 3">
             <a:extLst>
               <a:ext uri="{FF2B5EF4-FFF2-40B4-BE49-F238E27FC236}">
-                <a16:creationId xmlns:a16="http://schemas.microsoft.com/office/drawing/2014/main" id="{7B92D939-F8DA-2243-8E3D-55072F9F7FE4}"/>
+                <a16:creationId xmlns:a16="http://schemas.microsoft.com/office/drawing/2014/main" id="{322FC86B-EC6C-4344-AA70-A15054DA4CC4}"/>
               </a:ext>
             </a:extLst>
           </p:cNvPr>
@@ -21199,16 +19914,70 @@
           <a:p>
             <a:fld id="{31DE2C5B-556E-47B8-A792-024C2FCA4ACC}" type="slidenum">
               <a:rPr lang="en-GB" smtClean="0"/>
-              <a:t>38</a:t>
+              <a:t>35</a:t>
             </a:fld>
             <a:endParaRPr lang="en-GB"/>
+          </a:p>
+        </p:txBody>
+      </p:sp>
+      <p:sp>
+        <p:nvSpPr>
+          <p:cNvPr id="5" name="TextBox 4">
+            <a:extLst>
+              <a:ext uri="{FF2B5EF4-FFF2-40B4-BE49-F238E27FC236}">
+                <a16:creationId xmlns:a16="http://schemas.microsoft.com/office/drawing/2014/main" id="{C257E6DC-34C5-B2FE-E557-83E00BCD9190}"/>
+              </a:ext>
+            </a:extLst>
+          </p:cNvPr>
+          <p:cNvSpPr txBox="1"/>
+          <p:nvPr/>
+        </p:nvSpPr>
+        <p:spPr>
+          <a:xfrm>
+            <a:off x="10381670" y="407381"/>
+            <a:ext cx="1265382" cy="369332"/>
+          </a:xfrm>
+          <a:prstGeom prst="rect">
+            <a:avLst/>
+          </a:prstGeom>
+        </p:spPr>
+        <p:style>
+          <a:lnRef idx="2">
+            <a:schemeClr val="accent6">
+              <a:shade val="50000"/>
+            </a:schemeClr>
+          </a:lnRef>
+          <a:fillRef idx="1">
+            <a:schemeClr val="accent6"/>
+          </a:fillRef>
+          <a:effectRef idx="0">
+            <a:schemeClr val="accent6"/>
+          </a:effectRef>
+          <a:fontRef idx="minor">
+            <a:schemeClr val="lt1"/>
+          </a:fontRef>
+        </p:style>
+        <p:txBody>
+          <a:bodyPr wrap="square" rtlCol="0" anchor="ctr">
+            <a:spAutoFit/>
+          </a:bodyPr>
+          <a:lstStyle/>
+          <a:p>
+            <a:pPr algn="ctr"/>
+            <a:r>
+              <a:rPr lang="en-IT" dirty="0">
+                <a:latin typeface="Palatino Linotype" panose="02040502050505030304" pitchFamily="18" charset="0"/>
+                <a:ea typeface="Palatino" pitchFamily="2" charset="77"/>
+              </a:rPr>
+              <a:t>BONUS</a:t>
+            </a:r>
           </a:p>
         </p:txBody>
       </p:sp>
     </p:spTree>
     <p:extLst>
       <p:ext uri="{BB962C8B-B14F-4D97-AF65-F5344CB8AC3E}">
-        <p14:creationId xmlns:p14="http://schemas.microsoft.com/office/powerpoint/2010/main" val="1374369101"/>
+        <p14:creationId xmlns:p14="http://schemas.microsoft.com/office/powerpoint/2010/main" val="2541073074"/>
       </p:ext>
     </p:extLst>
   </p:cSld>
@@ -21218,7 +19987,7 @@
 </p:sld>
 </file>
 
-<file path=ppt/slides/slide39.xml><?xml version="1.0" encoding="utf-8"?>
+<file path=ppt/slides/slide36.xml><?xml version="1.0" encoding="utf-8"?>
 <p:sld xmlns:a="http://schemas.openxmlformats.org/drawingml/2006/main" xmlns:r="http://schemas.openxmlformats.org/officeDocument/2006/relationships" xmlns:p="http://schemas.openxmlformats.org/presentationml/2006/main">
   <p:cSld>
     <p:spTree>
@@ -21258,7 +20027,7 @@
           <a:p>
             <a:r>
               <a:rPr lang="en-IT" dirty="0"/>
-              <a:t>Exercises</a:t>
+              <a:t>Outline</a:t>
             </a:r>
           </a:p>
         </p:txBody>
@@ -21292,102 +20061,117 @@
           <a:lstStyle/>
           <a:p>
             <a:r>
-              <a:rPr lang="en-IT" dirty="0"/>
-              <a:t>Exercise 06.01</a:t>
-            </a:r>
-          </a:p>
-          <a:p>
-            <a:pPr lvl="1"/>
-            <a:r>
-              <a:rPr lang="en-IT" dirty="0"/>
-              <a:t>Write an asynchronous function fetchUserRole() that after 3 seconds returns the String ‘admin’. Then, use that function in the main function to print the provided and properly produce the following output:</a:t>
-            </a:r>
-          </a:p>
-          <a:p>
-            <a:pPr marL="914400" lvl="2" indent="0">
-              <a:buNone/>
-            </a:pPr>
-            <a:r>
-              <a:rPr lang="en-IT" dirty="0">
-                <a:latin typeface="Courier" pitchFamily="2" charset="0"/>
-              </a:rPr>
-              <a:t>Fetching user role…</a:t>
-            </a:r>
-            <a:br>
-              <a:rPr lang="en-IT" dirty="0">
-                <a:latin typeface="Courier" pitchFamily="2" charset="0"/>
-              </a:rPr>
-            </a:br>
-            <a:r>
-              <a:rPr lang="en-IT" dirty="0">
-                <a:latin typeface="Courier" pitchFamily="2" charset="0"/>
-              </a:rPr>
-              <a:t>The user is an admin.</a:t>
-            </a:r>
-          </a:p>
-          <a:p>
-            <a:pPr lvl="1"/>
-            <a:endParaRPr lang="en-IT" dirty="0"/>
-          </a:p>
-          <a:p>
-            <a:r>
-              <a:rPr lang="en-IT" dirty="0"/>
-              <a:t>Exercise 06.02</a:t>
-            </a:r>
-          </a:p>
-          <a:p>
-            <a:pPr lvl="1"/>
-            <a:r>
-              <a:rPr lang="en-IT" dirty="0"/>
-              <a:t>Use the fetchUserRole() function developed in 06.01 to create a new function isAdminUser() that checks if the string provided by fetchUserRole() is ‘admin’ and returns the respective boolean. Use t</a:t>
-            </a:r>
-            <a:r>
-              <a:rPr lang="en-GB" dirty="0"/>
-              <a:t>he</a:t>
-            </a:r>
-            <a:r>
-              <a:rPr lang="en-IT" dirty="0"/>
-              <a:t> new function in the main to produce the following output:</a:t>
-            </a:r>
-          </a:p>
-          <a:p>
-            <a:pPr marL="914400" lvl="2" indent="0">
-              <a:buNone/>
-            </a:pPr>
-            <a:r>
-              <a:rPr lang="en-IT" dirty="0">
-                <a:latin typeface="Courier" pitchFamily="2" charset="0"/>
-              </a:rPr>
-              <a:t>Checking if user is an admin…</a:t>
-            </a:r>
-            <a:br>
-              <a:rPr lang="en-IT" dirty="0">
-                <a:latin typeface="Courier" pitchFamily="2" charset="0"/>
-              </a:rPr>
-            </a:br>
-            <a:r>
-              <a:rPr lang="en-IT" dirty="0">
-                <a:latin typeface="Courier" pitchFamily="2" charset="0"/>
-              </a:rPr>
-              <a:t>Ok, access granted! </a:t>
-            </a:r>
-            <a:r>
-              <a:rPr lang="en-IT" dirty="0"/>
-              <a:t>(if the user is an admin)</a:t>
-            </a:r>
-            <a:br>
-              <a:rPr lang="en-IT" dirty="0"/>
-            </a:br>
-            <a:r>
-              <a:rPr lang="en-IT" dirty="0">
-                <a:latin typeface="Courier" pitchFamily="2" charset="0"/>
-              </a:rPr>
-              <a:t>Access denied! </a:t>
-            </a:r>
-            <a:r>
-              <a:rPr lang="en-IT" dirty="0"/>
-              <a:t>(if the user is not an admin)</a:t>
-            </a:r>
+              <a:rPr lang="en-GB" dirty="0">
+                <a:solidFill>
+                  <a:schemeClr val="bg2">
+                    <a:lumMod val="90000"/>
+                  </a:schemeClr>
+                </a:solidFill>
+              </a:rPr>
+              <a:t>Asynchrony</a:t>
+            </a:r>
+          </a:p>
+          <a:p>
+            <a:r>
+              <a:rPr lang="en-GB" dirty="0">
+                <a:solidFill>
+                  <a:schemeClr val="bg2">
+                    <a:lumMod val="90000"/>
+                  </a:schemeClr>
+                </a:solidFill>
+              </a:rPr>
+              <a:t>Navigator</a:t>
+            </a:r>
+          </a:p>
+          <a:p>
+            <a:r>
+              <a:rPr lang="en-GB" dirty="0">
+                <a:solidFill>
+                  <a:schemeClr val="bg2">
+                    <a:lumMod val="90000"/>
+                  </a:schemeClr>
+                </a:solidFill>
+              </a:rPr>
+              <a:t>Navigate to a new screen and back</a:t>
+            </a:r>
+          </a:p>
+          <a:p>
+            <a:r>
+              <a:rPr lang="en-GB" dirty="0">
+                <a:solidFill>
+                  <a:schemeClr val="bg2">
+                    <a:lumMod val="90000"/>
+                  </a:schemeClr>
+                </a:solidFill>
+              </a:rPr>
+              <a:t>Named routes </a:t>
+            </a:r>
+          </a:p>
+          <a:p>
+            <a:r>
+              <a:rPr lang="en-GB" dirty="0">
+                <a:solidFill>
+                  <a:schemeClr val="bg2">
+                    <a:lumMod val="90000"/>
+                  </a:schemeClr>
+                </a:solidFill>
+              </a:rPr>
+              <a:t>Passing argument to a named routes</a:t>
+            </a:r>
+          </a:p>
+          <a:p>
+            <a:r>
+              <a:rPr lang="en-GB" dirty="0">
+                <a:solidFill>
+                  <a:schemeClr val="bg2">
+                    <a:lumMod val="90000"/>
+                  </a:schemeClr>
+                </a:solidFill>
+              </a:rPr>
+              <a:t>Returning an argument from a named route</a:t>
+            </a:r>
+          </a:p>
+          <a:p>
+            <a:endParaRPr lang="en-GB" dirty="0">
+              <a:solidFill>
+                <a:schemeClr val="bg2">
+                  <a:lumMod val="90000"/>
+                </a:schemeClr>
+              </a:solidFill>
+            </a:endParaRPr>
+          </a:p>
+          <a:p>
+            <a:r>
+              <a:rPr lang="en-GB" b="1" dirty="0"/>
+              <a:t>Exercise</a:t>
+            </a:r>
+          </a:p>
+          <a:p>
+            <a:r>
+              <a:rPr lang="en-GB" dirty="0">
+                <a:solidFill>
+                  <a:schemeClr val="bg2">
+                    <a:lumMod val="90000"/>
+                  </a:schemeClr>
+                </a:solidFill>
+              </a:rPr>
+              <a:t>Homework</a:t>
+            </a:r>
+          </a:p>
+          <a:p>
+            <a:r>
+              <a:rPr lang="en-GB" dirty="0">
+                <a:solidFill>
+                  <a:schemeClr val="bg2">
+                    <a:lumMod val="90000"/>
+                  </a:schemeClr>
+                </a:solidFill>
+              </a:rPr>
+              <a:t>Resources</a:t>
+            </a:r>
+          </a:p>
+          <a:p>
+            <a:endParaRPr lang="en-GB" dirty="0"/>
           </a:p>
         </p:txBody>
       </p:sp>
@@ -21396,7 +20180,7 @@
           <p:cNvPr id="4" name="Slide Number Placeholder 3">
             <a:extLst>
               <a:ext uri="{FF2B5EF4-FFF2-40B4-BE49-F238E27FC236}">
-                <a16:creationId xmlns:a16="http://schemas.microsoft.com/office/drawing/2014/main" id="{28CFD9F2-A816-7349-8A40-B768E58EEE8E}"/>
+                <a16:creationId xmlns:a16="http://schemas.microsoft.com/office/drawing/2014/main" id="{7B92D939-F8DA-2243-8E3D-55072F9F7FE4}"/>
               </a:ext>
             </a:extLst>
           </p:cNvPr>
@@ -21414,7 +20198,7 @@
           <a:p>
             <a:fld id="{31DE2C5B-556E-47B8-A792-024C2FCA4ACC}" type="slidenum">
               <a:rPr lang="en-GB" smtClean="0"/>
-              <a:t>39</a:t>
+              <a:t>36</a:t>
             </a:fld>
             <a:endParaRPr lang="en-GB"/>
           </a:p>
@@ -21423,7 +20207,7 @@
     </p:spTree>
     <p:extLst>
       <p:ext uri="{BB962C8B-B14F-4D97-AF65-F5344CB8AC3E}">
-        <p14:creationId xmlns:p14="http://schemas.microsoft.com/office/powerpoint/2010/main" val="2925809359"/>
+        <p14:creationId xmlns:p14="http://schemas.microsoft.com/office/powerpoint/2010/main" val="1374369101"/>
       </p:ext>
     </p:extLst>
   </p:cSld>
@@ -21433,7 +20217,7 @@
 </p:sld>
 </file>
 
-<file path=ppt/slides/slide4.xml><?xml version="1.0" encoding="utf-8"?>
+<file path=ppt/slides/slide37.xml><?xml version="1.0" encoding="utf-8"?>
 <p:sld xmlns:a="http://schemas.openxmlformats.org/drawingml/2006/main" xmlns:r="http://schemas.openxmlformats.org/officeDocument/2006/relationships" xmlns:p="http://schemas.openxmlformats.org/presentationml/2006/main">
   <p:cSld>
     <p:spTree>
@@ -21473,17 +20257,17 @@
           <a:p>
             <a:r>
               <a:rPr lang="en-IT" dirty="0"/>
-              <a:t>Key terms</a:t>
-            </a:r>
-          </a:p>
-        </p:txBody>
-      </p:sp>
-      <p:sp>
-        <p:nvSpPr>
-          <p:cNvPr id="6" name="Content Placeholder 5">
-            <a:extLst>
-              <a:ext uri="{FF2B5EF4-FFF2-40B4-BE49-F238E27FC236}">
-                <a16:creationId xmlns:a16="http://schemas.microsoft.com/office/drawing/2014/main" id="{0EDA931C-E473-FE49-BB53-C08AAD603E18}"/>
+              <a:t>Exercises</a:t>
+            </a:r>
+          </a:p>
+        </p:txBody>
+      </p:sp>
+      <p:sp>
+        <p:nvSpPr>
+          <p:cNvPr id="3" name="Content Placeholder 2">
+            <a:extLst>
+              <a:ext uri="{FF2B5EF4-FFF2-40B4-BE49-F238E27FC236}">
+                <a16:creationId xmlns:a16="http://schemas.microsoft.com/office/drawing/2014/main" id="{8962CCAC-9D70-C543-BBE0-822B6CB5F5CB}"/>
               </a:ext>
             </a:extLst>
           </p:cNvPr>
@@ -21494,7 +20278,12 @@
             <p:ph idx="1"/>
           </p:nvPr>
         </p:nvSpPr>
-        <p:spPr/>
+        <p:spPr>
+          <a:xfrm>
+            <a:off x="428172" y="1361167"/>
+            <a:ext cx="11213368" cy="5334907"/>
+          </a:xfrm>
+        </p:spPr>
         <p:txBody>
           <a:bodyPr>
             <a:normAutofit/>
@@ -21502,62 +20291,111 @@
           <a:lstStyle/>
           <a:p>
             <a:r>
-              <a:rPr lang="en-GB" b="1" dirty="0"/>
-              <a:t>synchronous operation</a:t>
+              <a:rPr lang="en-IT" dirty="0"/>
+              <a:t>Exercise 06.01</a:t>
+            </a:r>
+          </a:p>
+          <a:p>
+            <a:pPr lvl="1"/>
+            <a:r>
+              <a:rPr lang="en-IT" dirty="0"/>
+              <a:t>Write an asynchronous function fetchUserRole() that after 3 seconds returns the String ‘admin’. Then, use that function in the main function to print the provided and properly produce the following output:</a:t>
+            </a:r>
+          </a:p>
+          <a:p>
+            <a:pPr marL="914400" lvl="2" indent="0">
+              <a:buNone/>
+            </a:pPr>
+            <a:r>
+              <a:rPr lang="en-IT" dirty="0">
+                <a:latin typeface="Courier" pitchFamily="2" charset="0"/>
+              </a:rPr>
+              <a:t>Fetching user role…</a:t>
+            </a:r>
+            <a:br>
+              <a:rPr lang="en-IT" dirty="0">
+                <a:latin typeface="Courier" pitchFamily="2" charset="0"/>
+              </a:rPr>
+            </a:br>
+            <a:r>
+              <a:rPr lang="en-IT" dirty="0">
+                <a:latin typeface="Courier" pitchFamily="2" charset="0"/>
+              </a:rPr>
+              <a:t>The user is an admin.</a:t>
+            </a:r>
+          </a:p>
+          <a:p>
+            <a:pPr lvl="1"/>
+            <a:endParaRPr lang="en-IT" dirty="0"/>
+          </a:p>
+          <a:p>
+            <a:r>
+              <a:rPr lang="en-IT" dirty="0"/>
+              <a:t>Exercise 06.02</a:t>
+            </a:r>
+          </a:p>
+          <a:p>
+            <a:pPr lvl="1"/>
+            <a:r>
+              <a:rPr lang="en-IT" dirty="0"/>
+              <a:t>Use the fetchUserRole() function developed in 06.01 to create a new function isAdminUser() that checks if the string provided by fetchUserRole() is ‘admin’ and returns the respective boolean. Use t</a:t>
             </a:r>
             <a:r>
               <a:rPr lang="en-GB" dirty="0"/>
-              <a:t>: A synchronous operation blocks other operations from executing until it completes.</a:t>
-            </a:r>
-          </a:p>
-          <a:p>
-            <a:endParaRPr lang="en-GB" dirty="0"/>
-          </a:p>
-          <a:p>
-            <a:r>
-              <a:rPr lang="en-GB" b="1" dirty="0"/>
-              <a:t>synchronous function</a:t>
-            </a:r>
-            <a:r>
-              <a:rPr lang="en-GB" dirty="0"/>
-              <a:t>: A synchronous function only performs synchronous operations.</a:t>
-            </a:r>
-          </a:p>
-          <a:p>
-            <a:endParaRPr lang="en-GB" dirty="0"/>
-          </a:p>
-          <a:p>
-            <a:r>
-              <a:rPr lang="en-GB" b="1" dirty="0"/>
-              <a:t>asynchronous operation</a:t>
-            </a:r>
-            <a:r>
-              <a:rPr lang="en-GB" dirty="0"/>
-              <a:t>: Once initiated, an asynchronous operation allows other operations to execute before it completes.</a:t>
-            </a:r>
-          </a:p>
-          <a:p>
-            <a:endParaRPr lang="en-GB" dirty="0"/>
-          </a:p>
-          <a:p>
-            <a:r>
-              <a:rPr lang="en-GB" b="1" dirty="0"/>
-              <a:t>asynchronous function</a:t>
-            </a:r>
-            <a:r>
-              <a:rPr lang="en-GB" dirty="0"/>
-              <a:t>: An asynchronous function performs at least one asynchronous operation and can also perform synchronous operations.</a:t>
-            </a:r>
-            <a:endParaRPr lang="en-IT" dirty="0"/>
-          </a:p>
-        </p:txBody>
-      </p:sp>
-      <p:sp>
-        <p:nvSpPr>
-          <p:cNvPr id="3" name="Slide Number Placeholder 2">
-            <a:extLst>
-              <a:ext uri="{FF2B5EF4-FFF2-40B4-BE49-F238E27FC236}">
-                <a16:creationId xmlns:a16="http://schemas.microsoft.com/office/drawing/2014/main" id="{8CCB4CCE-1D86-464D-84CA-9A1992A47F18}"/>
+              <a:t>he</a:t>
+            </a:r>
+            <a:r>
+              <a:rPr lang="en-IT" dirty="0"/>
+              <a:t> new function in the main to produce the following output:</a:t>
+            </a:r>
+          </a:p>
+          <a:p>
+            <a:pPr marL="914400" lvl="2" indent="0">
+              <a:buNone/>
+            </a:pPr>
+            <a:r>
+              <a:rPr lang="en-IT" dirty="0">
+                <a:latin typeface="Courier" pitchFamily="2" charset="0"/>
+              </a:rPr>
+              <a:t>Checking if user is an admin…</a:t>
+            </a:r>
+            <a:br>
+              <a:rPr lang="en-IT" dirty="0">
+                <a:latin typeface="Courier" pitchFamily="2" charset="0"/>
+              </a:rPr>
+            </a:br>
+            <a:r>
+              <a:rPr lang="en-IT" dirty="0">
+                <a:latin typeface="Courier" pitchFamily="2" charset="0"/>
+              </a:rPr>
+              <a:t>Ok, access granted! </a:t>
+            </a:r>
+            <a:r>
+              <a:rPr lang="en-IT" dirty="0"/>
+              <a:t>(if the user is an admin)</a:t>
+            </a:r>
+            <a:br>
+              <a:rPr lang="en-IT" dirty="0"/>
+            </a:br>
+            <a:r>
+              <a:rPr lang="en-IT" dirty="0">
+                <a:latin typeface="Courier" pitchFamily="2" charset="0"/>
+              </a:rPr>
+              <a:t>Access denied! </a:t>
+            </a:r>
+            <a:r>
+              <a:rPr lang="en-IT" dirty="0"/>
+              <a:t>(if the user is not an admin)</a:t>
+            </a:r>
+          </a:p>
+        </p:txBody>
+      </p:sp>
+      <p:sp>
+        <p:nvSpPr>
+          <p:cNvPr id="4" name="Slide Number Placeholder 3">
+            <a:extLst>
+              <a:ext uri="{FF2B5EF4-FFF2-40B4-BE49-F238E27FC236}">
+                <a16:creationId xmlns:a16="http://schemas.microsoft.com/office/drawing/2014/main" id="{28CFD9F2-A816-7349-8A40-B768E58EEE8E}"/>
               </a:ext>
             </a:extLst>
           </p:cNvPr>
@@ -21575,7 +20413,7 @@
           <a:p>
             <a:fld id="{31DE2C5B-556E-47B8-A792-024C2FCA4ACC}" type="slidenum">
               <a:rPr lang="en-GB" smtClean="0"/>
-              <a:t>4</a:t>
+              <a:t>37</a:t>
             </a:fld>
             <a:endParaRPr lang="en-GB"/>
           </a:p>
@@ -21584,7 +20422,7 @@
     </p:spTree>
     <p:extLst>
       <p:ext uri="{BB962C8B-B14F-4D97-AF65-F5344CB8AC3E}">
-        <p14:creationId xmlns:p14="http://schemas.microsoft.com/office/powerpoint/2010/main" val="3425253548"/>
+        <p14:creationId xmlns:p14="http://schemas.microsoft.com/office/powerpoint/2010/main" val="2925809359"/>
       </p:ext>
     </p:extLst>
   </p:cSld>
@@ -21594,7 +20432,7 @@
 </p:sld>
 </file>
 
-<file path=ppt/slides/slide40.xml><?xml version="1.0" encoding="utf-8"?>
+<file path=ppt/slides/slide38.xml><?xml version="1.0" encoding="utf-8"?>
 <p:sld xmlns:a="http://schemas.openxmlformats.org/drawingml/2006/main" xmlns:r="http://schemas.openxmlformats.org/officeDocument/2006/relationships" xmlns:p="http://schemas.openxmlformats.org/presentationml/2006/main">
   <p:cSld>
     <p:spTree>
@@ -22444,7 +21282,7 @@
           <a:p>
             <a:fld id="{31DE2C5B-556E-47B8-A792-024C2FCA4ACC}" type="slidenum">
               <a:rPr lang="en-GB" smtClean="0"/>
-              <a:t>40</a:t>
+              <a:t>38</a:t>
             </a:fld>
             <a:endParaRPr lang="en-GB"/>
           </a:p>
@@ -22463,7 +21301,7 @@
 </p:sld>
 </file>
 
-<file path=ppt/slides/slide41.xml><?xml version="1.0" encoding="utf-8"?>
+<file path=ppt/slides/slide39.xml><?xml version="1.0" encoding="utf-8"?>
 <p:sld xmlns:a="http://schemas.openxmlformats.org/drawingml/2006/main" xmlns:r="http://schemas.openxmlformats.org/officeDocument/2006/relationships" xmlns:p="http://schemas.openxmlformats.org/presentationml/2006/main">
   <p:cSld>
     <p:spTree>
@@ -22838,7 +21676,7 @@
           <a:p>
             <a:fld id="{31DE2C5B-556E-47B8-A792-024C2FCA4ACC}" type="slidenum">
               <a:rPr lang="en-GB" smtClean="0"/>
-              <a:t>41</a:t>
+              <a:t>39</a:t>
             </a:fld>
             <a:endParaRPr lang="en-GB"/>
           </a:p>
@@ -22857,7 +21695,168 @@
 </p:sld>
 </file>
 
-<file path=ppt/slides/slide42.xml><?xml version="1.0" encoding="utf-8"?>
+<file path=ppt/slides/slide4.xml><?xml version="1.0" encoding="utf-8"?>
+<p:sld xmlns:a="http://schemas.openxmlformats.org/drawingml/2006/main" xmlns:r="http://schemas.openxmlformats.org/officeDocument/2006/relationships" xmlns:p="http://schemas.openxmlformats.org/presentationml/2006/main">
+  <p:cSld>
+    <p:spTree>
+      <p:nvGrpSpPr>
+        <p:cNvPr id="1" name=""/>
+        <p:cNvGrpSpPr/>
+        <p:nvPr/>
+      </p:nvGrpSpPr>
+      <p:grpSpPr>
+        <a:xfrm>
+          <a:off x="0" y="0"/>
+          <a:ext cx="0" cy="0"/>
+          <a:chOff x="0" y="0"/>
+          <a:chExt cx="0" cy="0"/>
+        </a:xfrm>
+      </p:grpSpPr>
+      <p:sp>
+        <p:nvSpPr>
+          <p:cNvPr id="2" name="Title 1">
+            <a:extLst>
+              <a:ext uri="{FF2B5EF4-FFF2-40B4-BE49-F238E27FC236}">
+                <a16:creationId xmlns:a16="http://schemas.microsoft.com/office/drawing/2014/main" id="{122C1E14-0610-FB4E-BCD3-3BA8CADF9D02}"/>
+              </a:ext>
+            </a:extLst>
+          </p:cNvPr>
+          <p:cNvSpPr>
+            <a:spLocks noGrp="1"/>
+          </p:cNvSpPr>
+          <p:nvPr>
+            <p:ph type="title"/>
+          </p:nvPr>
+        </p:nvSpPr>
+        <p:spPr/>
+        <p:txBody>
+          <a:bodyPr/>
+          <a:lstStyle/>
+          <a:p>
+            <a:r>
+              <a:rPr lang="en-IT" dirty="0"/>
+              <a:t>Key terms</a:t>
+            </a:r>
+          </a:p>
+        </p:txBody>
+      </p:sp>
+      <p:sp>
+        <p:nvSpPr>
+          <p:cNvPr id="6" name="Content Placeholder 5">
+            <a:extLst>
+              <a:ext uri="{FF2B5EF4-FFF2-40B4-BE49-F238E27FC236}">
+                <a16:creationId xmlns:a16="http://schemas.microsoft.com/office/drawing/2014/main" id="{0EDA931C-E473-FE49-BB53-C08AAD603E18}"/>
+              </a:ext>
+            </a:extLst>
+          </p:cNvPr>
+          <p:cNvSpPr>
+            <a:spLocks noGrp="1"/>
+          </p:cNvSpPr>
+          <p:nvPr>
+            <p:ph idx="1"/>
+          </p:nvPr>
+        </p:nvSpPr>
+        <p:spPr/>
+        <p:txBody>
+          <a:bodyPr>
+            <a:normAutofit/>
+          </a:bodyPr>
+          <a:lstStyle/>
+          <a:p>
+            <a:r>
+              <a:rPr lang="en-GB" b="1" dirty="0"/>
+              <a:t>synchronous operation</a:t>
+            </a:r>
+            <a:r>
+              <a:rPr lang="en-GB" dirty="0"/>
+              <a:t>: A synchronous operation blocks other operations from executing until it completes.</a:t>
+            </a:r>
+          </a:p>
+          <a:p>
+            <a:endParaRPr lang="en-GB" dirty="0"/>
+          </a:p>
+          <a:p>
+            <a:r>
+              <a:rPr lang="en-GB" b="1" dirty="0"/>
+              <a:t>synchronous function</a:t>
+            </a:r>
+            <a:r>
+              <a:rPr lang="en-GB" dirty="0"/>
+              <a:t>: A synchronous function only performs synchronous operations.</a:t>
+            </a:r>
+          </a:p>
+          <a:p>
+            <a:endParaRPr lang="en-GB" dirty="0"/>
+          </a:p>
+          <a:p>
+            <a:r>
+              <a:rPr lang="en-GB" b="1" dirty="0"/>
+              <a:t>asynchronous operation</a:t>
+            </a:r>
+            <a:r>
+              <a:rPr lang="en-GB" dirty="0"/>
+              <a:t>: Once initiated, an asynchronous operation allows other operations to execute before it completes.</a:t>
+            </a:r>
+          </a:p>
+          <a:p>
+            <a:endParaRPr lang="en-GB" dirty="0"/>
+          </a:p>
+          <a:p>
+            <a:r>
+              <a:rPr lang="en-GB" b="1" dirty="0"/>
+              <a:t>asynchronous function</a:t>
+            </a:r>
+            <a:r>
+              <a:rPr lang="en-GB" dirty="0"/>
+              <a:t>: An asynchronous function performs at least one asynchronous operation and can also perform synchronous operations.</a:t>
+            </a:r>
+            <a:endParaRPr lang="en-IT" dirty="0"/>
+          </a:p>
+        </p:txBody>
+      </p:sp>
+      <p:sp>
+        <p:nvSpPr>
+          <p:cNvPr id="3" name="Slide Number Placeholder 2">
+            <a:extLst>
+              <a:ext uri="{FF2B5EF4-FFF2-40B4-BE49-F238E27FC236}">
+                <a16:creationId xmlns:a16="http://schemas.microsoft.com/office/drawing/2014/main" id="{8CCB4CCE-1D86-464D-84CA-9A1992A47F18}"/>
+              </a:ext>
+            </a:extLst>
+          </p:cNvPr>
+          <p:cNvSpPr>
+            <a:spLocks noGrp="1"/>
+          </p:cNvSpPr>
+          <p:nvPr>
+            <p:ph type="sldNum" sz="quarter" idx="12"/>
+          </p:nvPr>
+        </p:nvSpPr>
+        <p:spPr/>
+        <p:txBody>
+          <a:bodyPr/>
+          <a:lstStyle/>
+          <a:p>
+            <a:fld id="{31DE2C5B-556E-47B8-A792-024C2FCA4ACC}" type="slidenum">
+              <a:rPr lang="en-GB" smtClean="0"/>
+              <a:t>4</a:t>
+            </a:fld>
+            <a:endParaRPr lang="en-GB"/>
+          </a:p>
+        </p:txBody>
+      </p:sp>
+    </p:spTree>
+    <p:extLst>
+      <p:ext uri="{BB962C8B-B14F-4D97-AF65-F5344CB8AC3E}">
+        <p14:creationId xmlns:p14="http://schemas.microsoft.com/office/powerpoint/2010/main" val="3425253548"/>
+      </p:ext>
+    </p:extLst>
+  </p:cSld>
+  <p:clrMapOvr>
+    <a:masterClrMapping/>
+  </p:clrMapOvr>
+</p:sld>
+</file>
+
+<file path=ppt/slides/slide40.xml><?xml version="1.0" encoding="utf-8"?>
 <p:sld xmlns:a="http://schemas.openxmlformats.org/drawingml/2006/main" xmlns:r="http://schemas.openxmlformats.org/officeDocument/2006/relationships" xmlns:p="http://schemas.openxmlformats.org/presentationml/2006/main">
   <p:cSld>
     <p:spTree>
@@ -23149,7 +22148,7 @@
           <a:p>
             <a:fld id="{31DE2C5B-556E-47B8-A792-024C2FCA4ACC}" type="slidenum">
               <a:rPr lang="en-GB" smtClean="0"/>
-              <a:t>42</a:t>
+              <a:t>40</a:t>
             </a:fld>
             <a:endParaRPr lang="en-GB"/>
           </a:p>
@@ -23159,6 +22158,362 @@
     <p:extLst>
       <p:ext uri="{BB962C8B-B14F-4D97-AF65-F5344CB8AC3E}">
         <p14:creationId xmlns:p14="http://schemas.microsoft.com/office/powerpoint/2010/main" val="1053411705"/>
+      </p:ext>
+    </p:extLst>
+  </p:cSld>
+  <p:clrMapOvr>
+    <a:masterClrMapping/>
+  </p:clrMapOvr>
+</p:sld>
+</file>
+
+<file path=ppt/slides/slide41.xml><?xml version="1.0" encoding="utf-8"?>
+<p:sld xmlns:a="http://schemas.openxmlformats.org/drawingml/2006/main" xmlns:r="http://schemas.openxmlformats.org/officeDocument/2006/relationships" xmlns:p="http://schemas.openxmlformats.org/presentationml/2006/main">
+  <p:cSld>
+    <p:spTree>
+      <p:nvGrpSpPr>
+        <p:cNvPr id="1" name=""/>
+        <p:cNvGrpSpPr/>
+        <p:nvPr/>
+      </p:nvGrpSpPr>
+      <p:grpSpPr>
+        <a:xfrm>
+          <a:off x="0" y="0"/>
+          <a:ext cx="0" cy="0"/>
+          <a:chOff x="0" y="0"/>
+          <a:chExt cx="0" cy="0"/>
+        </a:xfrm>
+      </p:grpSpPr>
+      <p:sp>
+        <p:nvSpPr>
+          <p:cNvPr id="2" name="Title 1">
+            <a:extLst>
+              <a:ext uri="{FF2B5EF4-FFF2-40B4-BE49-F238E27FC236}">
+                <a16:creationId xmlns:a16="http://schemas.microsoft.com/office/drawing/2014/main" id="{122C1E14-0610-FB4E-BCD3-3BA8CADF9D02}"/>
+              </a:ext>
+            </a:extLst>
+          </p:cNvPr>
+          <p:cNvSpPr>
+            <a:spLocks noGrp="1"/>
+          </p:cNvSpPr>
+          <p:nvPr>
+            <p:ph type="title"/>
+          </p:nvPr>
+        </p:nvSpPr>
+        <p:spPr/>
+        <p:txBody>
+          <a:bodyPr/>
+          <a:lstStyle/>
+          <a:p>
+            <a:r>
+              <a:rPr lang="en-IT" dirty="0"/>
+              <a:t>Outline</a:t>
+            </a:r>
+          </a:p>
+        </p:txBody>
+      </p:sp>
+      <p:sp>
+        <p:nvSpPr>
+          <p:cNvPr id="3" name="Content Placeholder 2">
+            <a:extLst>
+              <a:ext uri="{FF2B5EF4-FFF2-40B4-BE49-F238E27FC236}">
+                <a16:creationId xmlns:a16="http://schemas.microsoft.com/office/drawing/2014/main" id="{8962CCAC-9D70-C543-BBE0-822B6CB5F5CB}"/>
+              </a:ext>
+            </a:extLst>
+          </p:cNvPr>
+          <p:cNvSpPr>
+            <a:spLocks noGrp="1"/>
+          </p:cNvSpPr>
+          <p:nvPr>
+            <p:ph idx="1"/>
+          </p:nvPr>
+        </p:nvSpPr>
+        <p:spPr>
+          <a:xfrm>
+            <a:off x="428172" y="1361167"/>
+            <a:ext cx="11213368" cy="5334907"/>
+          </a:xfrm>
+        </p:spPr>
+        <p:txBody>
+          <a:bodyPr>
+            <a:normAutofit/>
+          </a:bodyPr>
+          <a:lstStyle/>
+          <a:p>
+            <a:r>
+              <a:rPr lang="en-GB" dirty="0">
+                <a:solidFill>
+                  <a:schemeClr val="bg2">
+                    <a:lumMod val="90000"/>
+                  </a:schemeClr>
+                </a:solidFill>
+              </a:rPr>
+              <a:t>Recap</a:t>
+            </a:r>
+          </a:p>
+          <a:p>
+            <a:r>
+              <a:rPr lang="en-GB" dirty="0">
+                <a:solidFill>
+                  <a:schemeClr val="bg2">
+                    <a:lumMod val="90000"/>
+                  </a:schemeClr>
+                </a:solidFill>
+              </a:rPr>
+              <a:t>Navigator</a:t>
+            </a:r>
+          </a:p>
+          <a:p>
+            <a:r>
+              <a:rPr lang="en-GB" dirty="0">
+                <a:solidFill>
+                  <a:schemeClr val="bg2">
+                    <a:lumMod val="90000"/>
+                  </a:schemeClr>
+                </a:solidFill>
+              </a:rPr>
+              <a:t>Navigate to a new screen and back</a:t>
+            </a:r>
+          </a:p>
+          <a:p>
+            <a:r>
+              <a:rPr lang="en-GB" dirty="0">
+                <a:solidFill>
+                  <a:schemeClr val="bg2">
+                    <a:lumMod val="90000"/>
+                  </a:schemeClr>
+                </a:solidFill>
+              </a:rPr>
+              <a:t>Named routes </a:t>
+            </a:r>
+          </a:p>
+          <a:p>
+            <a:r>
+              <a:rPr lang="en-GB" dirty="0">
+                <a:solidFill>
+                  <a:schemeClr val="bg2">
+                    <a:lumMod val="90000"/>
+                  </a:schemeClr>
+                </a:solidFill>
+              </a:rPr>
+              <a:t>Passing argument to a named routes</a:t>
+            </a:r>
+          </a:p>
+          <a:p>
+            <a:r>
+              <a:rPr lang="en-GB" dirty="0">
+                <a:solidFill>
+                  <a:schemeClr val="bg2">
+                    <a:lumMod val="90000"/>
+                  </a:schemeClr>
+                </a:solidFill>
+              </a:rPr>
+              <a:t>Returning an argument from a named route</a:t>
+            </a:r>
+          </a:p>
+          <a:p>
+            <a:endParaRPr lang="en-GB" dirty="0">
+              <a:solidFill>
+                <a:schemeClr val="bg2">
+                  <a:lumMod val="90000"/>
+                </a:schemeClr>
+              </a:solidFill>
+            </a:endParaRPr>
+          </a:p>
+          <a:p>
+            <a:r>
+              <a:rPr lang="en-GB" dirty="0">
+                <a:solidFill>
+                  <a:schemeClr val="bg2">
+                    <a:lumMod val="90000"/>
+                  </a:schemeClr>
+                </a:solidFill>
+              </a:rPr>
+              <a:t>Exercise</a:t>
+            </a:r>
+          </a:p>
+          <a:p>
+            <a:r>
+              <a:rPr lang="en-GB" b="1" dirty="0"/>
+              <a:t>Homework</a:t>
+            </a:r>
+          </a:p>
+          <a:p>
+            <a:r>
+              <a:rPr lang="en-GB" dirty="0">
+                <a:solidFill>
+                  <a:schemeClr val="bg2">
+                    <a:lumMod val="90000"/>
+                  </a:schemeClr>
+                </a:solidFill>
+              </a:rPr>
+              <a:t>Resources</a:t>
+            </a:r>
+          </a:p>
+          <a:p>
+            <a:endParaRPr lang="en-GB" dirty="0"/>
+          </a:p>
+        </p:txBody>
+      </p:sp>
+      <p:sp>
+        <p:nvSpPr>
+          <p:cNvPr id="4" name="Slide Number Placeholder 3">
+            <a:extLst>
+              <a:ext uri="{FF2B5EF4-FFF2-40B4-BE49-F238E27FC236}">
+                <a16:creationId xmlns:a16="http://schemas.microsoft.com/office/drawing/2014/main" id="{A685D3AB-7ADF-DE4E-B760-7D6C21C93E9A}"/>
+              </a:ext>
+            </a:extLst>
+          </p:cNvPr>
+          <p:cNvSpPr>
+            <a:spLocks noGrp="1"/>
+          </p:cNvSpPr>
+          <p:nvPr>
+            <p:ph type="sldNum" sz="quarter" idx="12"/>
+          </p:nvPr>
+        </p:nvSpPr>
+        <p:spPr/>
+        <p:txBody>
+          <a:bodyPr/>
+          <a:lstStyle/>
+          <a:p>
+            <a:fld id="{31DE2C5B-556E-47B8-A792-024C2FCA4ACC}" type="slidenum">
+              <a:rPr lang="en-GB" smtClean="0"/>
+              <a:t>41</a:t>
+            </a:fld>
+            <a:endParaRPr lang="en-GB"/>
+          </a:p>
+        </p:txBody>
+      </p:sp>
+    </p:spTree>
+    <p:extLst>
+      <p:ext uri="{BB962C8B-B14F-4D97-AF65-F5344CB8AC3E}">
+        <p14:creationId xmlns:p14="http://schemas.microsoft.com/office/powerpoint/2010/main" val="1279224021"/>
+      </p:ext>
+    </p:extLst>
+  </p:cSld>
+  <p:clrMapOvr>
+    <a:masterClrMapping/>
+  </p:clrMapOvr>
+</p:sld>
+</file>
+
+<file path=ppt/slides/slide42.xml><?xml version="1.0" encoding="utf-8"?>
+<p:sld xmlns:a="http://schemas.openxmlformats.org/drawingml/2006/main" xmlns:r="http://schemas.openxmlformats.org/officeDocument/2006/relationships" xmlns:p="http://schemas.openxmlformats.org/presentationml/2006/main">
+  <p:cSld>
+    <p:spTree>
+      <p:nvGrpSpPr>
+        <p:cNvPr id="1" name=""/>
+        <p:cNvGrpSpPr/>
+        <p:nvPr/>
+      </p:nvGrpSpPr>
+      <p:grpSpPr>
+        <a:xfrm>
+          <a:off x="0" y="0"/>
+          <a:ext cx="0" cy="0"/>
+          <a:chOff x="0" y="0"/>
+          <a:chExt cx="0" cy="0"/>
+        </a:xfrm>
+      </p:grpSpPr>
+      <p:sp>
+        <p:nvSpPr>
+          <p:cNvPr id="2" name="Title 1">
+            <a:extLst>
+              <a:ext uri="{FF2B5EF4-FFF2-40B4-BE49-F238E27FC236}">
+                <a16:creationId xmlns:a16="http://schemas.microsoft.com/office/drawing/2014/main" id="{122C1E14-0610-FB4E-BCD3-3BA8CADF9D02}"/>
+              </a:ext>
+            </a:extLst>
+          </p:cNvPr>
+          <p:cNvSpPr>
+            <a:spLocks noGrp="1"/>
+          </p:cNvSpPr>
+          <p:nvPr>
+            <p:ph type="title"/>
+          </p:nvPr>
+        </p:nvSpPr>
+        <p:spPr/>
+        <p:txBody>
+          <a:bodyPr/>
+          <a:lstStyle/>
+          <a:p>
+            <a:r>
+              <a:rPr lang="en-IT" dirty="0"/>
+              <a:t>Homework </a:t>
+            </a:r>
+          </a:p>
+        </p:txBody>
+      </p:sp>
+      <p:sp>
+        <p:nvSpPr>
+          <p:cNvPr id="3" name="Content Placeholder 2">
+            <a:extLst>
+              <a:ext uri="{FF2B5EF4-FFF2-40B4-BE49-F238E27FC236}">
+                <a16:creationId xmlns:a16="http://schemas.microsoft.com/office/drawing/2014/main" id="{8962CCAC-9D70-C543-BBE0-822B6CB5F5CB}"/>
+              </a:ext>
+            </a:extLst>
+          </p:cNvPr>
+          <p:cNvSpPr>
+            <a:spLocks noGrp="1"/>
+          </p:cNvSpPr>
+          <p:nvPr>
+            <p:ph idx="1"/>
+          </p:nvPr>
+        </p:nvSpPr>
+        <p:spPr>
+          <a:xfrm>
+            <a:off x="428172" y="1361167"/>
+            <a:ext cx="11213368" cy="5334907"/>
+          </a:xfrm>
+        </p:spPr>
+        <p:txBody>
+          <a:bodyPr>
+            <a:normAutofit/>
+          </a:bodyPr>
+          <a:lstStyle/>
+          <a:p>
+            <a:r>
+              <a:rPr lang="en-GB" dirty="0"/>
+              <a:t>Get familiar with Asynchrony and Navigator</a:t>
+            </a:r>
+            <a:br>
+              <a:rPr lang="en-GB" dirty="0"/>
+            </a:br>
+            <a:endParaRPr lang="en-IT" dirty="0"/>
+          </a:p>
+        </p:txBody>
+      </p:sp>
+      <p:sp>
+        <p:nvSpPr>
+          <p:cNvPr id="4" name="Slide Number Placeholder 3">
+            <a:extLst>
+              <a:ext uri="{FF2B5EF4-FFF2-40B4-BE49-F238E27FC236}">
+                <a16:creationId xmlns:a16="http://schemas.microsoft.com/office/drawing/2014/main" id="{DA9F2601-12EC-1B4E-8F13-1A6587DF4C6A}"/>
+              </a:ext>
+            </a:extLst>
+          </p:cNvPr>
+          <p:cNvSpPr>
+            <a:spLocks noGrp="1"/>
+          </p:cNvSpPr>
+          <p:nvPr>
+            <p:ph type="sldNum" sz="quarter" idx="12"/>
+          </p:nvPr>
+        </p:nvSpPr>
+        <p:spPr/>
+        <p:txBody>
+          <a:bodyPr/>
+          <a:lstStyle/>
+          <a:p>
+            <a:fld id="{31DE2C5B-556E-47B8-A792-024C2FCA4ACC}" type="slidenum">
+              <a:rPr lang="en-GB" smtClean="0"/>
+              <a:t>42</a:t>
+            </a:fld>
+            <a:endParaRPr lang="en-GB"/>
+          </a:p>
+        </p:txBody>
+      </p:sp>
+    </p:spTree>
+    <p:extLst>
+      <p:ext uri="{BB962C8B-B14F-4D97-AF65-F5344CB8AC3E}">
+        <p14:creationId xmlns:p14="http://schemas.microsoft.com/office/powerpoint/2010/main" val="895378464"/>
       </p:ext>
     </p:extLst>
   </p:cSld>
@@ -23335,12 +22690,6 @@
           </a:p>
           <a:p>
             <a:r>
-              <a:rPr lang="en-GB" b="1" dirty="0"/>
-              <a:t>Homework</a:t>
-            </a:r>
-          </a:p>
-          <a:p>
-            <a:r>
               <a:rPr lang="en-GB" dirty="0">
                 <a:solidFill>
                   <a:schemeClr val="bg2">
@@ -23348,6 +22697,12 @@
                   </a:schemeClr>
                 </a:solidFill>
               </a:rPr>
+              <a:t>Homework</a:t>
+            </a:r>
+          </a:p>
+          <a:p>
+            <a:r>
+              <a:rPr lang="en-GB" b="1" dirty="0"/>
               <a:t>Resources</a:t>
             </a:r>
           </a:p>
@@ -23361,7 +22716,7 @@
           <p:cNvPr id="4" name="Slide Number Placeholder 3">
             <a:extLst>
               <a:ext uri="{FF2B5EF4-FFF2-40B4-BE49-F238E27FC236}">
-                <a16:creationId xmlns:a16="http://schemas.microsoft.com/office/drawing/2014/main" id="{A685D3AB-7ADF-DE4E-B760-7D6C21C93E9A}"/>
+                <a16:creationId xmlns:a16="http://schemas.microsoft.com/office/drawing/2014/main" id="{452EC4BD-0471-3748-9E2B-909E0D4B10DB}"/>
               </a:ext>
             </a:extLst>
           </p:cNvPr>
@@ -23388,7 +22743,7 @@
     </p:spTree>
     <p:extLst>
       <p:ext uri="{BB962C8B-B14F-4D97-AF65-F5344CB8AC3E}">
-        <p14:creationId xmlns:p14="http://schemas.microsoft.com/office/powerpoint/2010/main" val="1279224021"/>
+        <p14:creationId xmlns:p14="http://schemas.microsoft.com/office/powerpoint/2010/main" val="1415450225"/>
       </p:ext>
     </p:extLst>
   </p:cSld>
@@ -23438,7 +22793,7 @@
           <a:p>
             <a:r>
               <a:rPr lang="en-IT" dirty="0"/>
-              <a:t>Homework </a:t>
+              <a:t>Resources</a:t>
             </a:r>
           </a:p>
         </p:txBody>
@@ -23461,8 +22816,8 @@
         </p:nvSpPr>
         <p:spPr>
           <a:xfrm>
-            <a:off x="428172" y="1361167"/>
-            <a:ext cx="11213368" cy="5334907"/>
+            <a:off x="428171" y="1361167"/>
+            <a:ext cx="10913119" cy="5334907"/>
           </a:xfrm>
         </p:spPr>
         <p:txBody>
@@ -23471,15 +22826,78 @@
           </a:bodyPr>
           <a:lstStyle/>
           <a:p>
+            <a:endParaRPr lang="en-GB" dirty="0"/>
+          </a:p>
+          <a:p>
             <a:r>
               <a:rPr lang="en-GB" dirty="0"/>
-              <a:t>Get familiar with Asynchrony and Navigator</a:t>
+              <a:t>Code repository of today’s lesson and exercises solution</a:t>
+            </a:r>
+          </a:p>
+          <a:p>
+            <a:pPr lvl="1"/>
+            <a:r>
+              <a:rPr lang="en-GB" dirty="0">
+                <a:hlinkClick r:id="rId2"/>
+              </a:rPr>
+              <a:t>https://github.com/gcappon/bwthw/tree/master/lab_06-navigation</a:t>
+            </a:r>
+            <a:r>
+              <a:rPr lang="en-GB" dirty="0"/>
+              <a:t> </a:t>
             </a:r>
             <a:br>
               <a:rPr lang="en-GB" dirty="0"/>
             </a:br>
+            <a:endParaRPr lang="en-GB" dirty="0"/>
+          </a:p>
+          <a:p>
+            <a:r>
+              <a:rPr lang="en-GB" dirty="0"/>
+              <a:t>Async and await </a:t>
+            </a:r>
+            <a:r>
+              <a:rPr lang="en-GB" dirty="0" err="1"/>
+              <a:t>codelabs</a:t>
+            </a:r>
+            <a:endParaRPr lang="en-GB" dirty="0"/>
+          </a:p>
+          <a:p>
+            <a:pPr lvl="1"/>
+            <a:r>
+              <a:rPr lang="en-GB" dirty="0">
+                <a:hlinkClick r:id="rId3"/>
+              </a:rPr>
+              <a:t>https://dart.dev/codelabs/async-await</a:t>
+            </a:r>
+            <a:r>
+              <a:rPr lang="en-GB" dirty="0"/>
+              <a:t> </a:t>
+            </a:r>
+          </a:p>
+          <a:p>
             <a:endParaRPr lang="en-IT" dirty="0"/>
           </a:p>
+          <a:p>
+            <a:r>
+              <a:rPr lang="en-IT" dirty="0"/>
+              <a:t>Navigation Recipes</a:t>
+            </a:r>
+          </a:p>
+          <a:p>
+            <a:pPr lvl="1"/>
+            <a:r>
+              <a:rPr lang="en-GB" dirty="0">
+                <a:hlinkClick r:id="rId4"/>
+              </a:rPr>
+              <a:t>https://docs.flutter.dev/cookbook/navigation</a:t>
+            </a:r>
+            <a:r>
+              <a:rPr lang="en-GB" dirty="0"/>
+              <a:t> </a:t>
+            </a:r>
+            <a:endParaRPr lang="en-IT" dirty="0"/>
+          </a:p>
         </p:txBody>
       </p:sp>
       <p:sp>
@@ -23487,7 +22905,7 @@
           <p:cNvPr id="4" name="Slide Number Placeholder 3">
             <a:extLst>
               <a:ext uri="{FF2B5EF4-FFF2-40B4-BE49-F238E27FC236}">
-                <a16:creationId xmlns:a16="http://schemas.microsoft.com/office/drawing/2014/main" id="{DA9F2601-12EC-1B4E-8F13-1A6587DF4C6A}"/>
+                <a16:creationId xmlns:a16="http://schemas.microsoft.com/office/drawing/2014/main" id="{A5DAD94D-1F09-934E-96DC-60957E97A22E}"/>
               </a:ext>
             </a:extLst>
           </p:cNvPr>
@@ -23506,425 +22924,6 @@
             <a:fld id="{31DE2C5B-556E-47B8-A792-024C2FCA4ACC}" type="slidenum">
               <a:rPr lang="en-GB" smtClean="0"/>
               <a:t>44</a:t>
-            </a:fld>
-            <a:endParaRPr lang="en-GB"/>
-          </a:p>
-        </p:txBody>
-      </p:sp>
-    </p:spTree>
-    <p:extLst>
-      <p:ext uri="{BB962C8B-B14F-4D97-AF65-F5344CB8AC3E}">
-        <p14:creationId xmlns:p14="http://schemas.microsoft.com/office/powerpoint/2010/main" val="895378464"/>
-      </p:ext>
-    </p:extLst>
-  </p:cSld>
-  <p:clrMapOvr>
-    <a:masterClrMapping/>
-  </p:clrMapOvr>
-</p:sld>
-</file>
-
-<file path=ppt/slides/slide45.xml><?xml version="1.0" encoding="utf-8"?>
-<p:sld xmlns:a="http://schemas.openxmlformats.org/drawingml/2006/main" xmlns:r="http://schemas.openxmlformats.org/officeDocument/2006/relationships" xmlns:p="http://schemas.openxmlformats.org/presentationml/2006/main">
-  <p:cSld>
-    <p:spTree>
-      <p:nvGrpSpPr>
-        <p:cNvPr id="1" name=""/>
-        <p:cNvGrpSpPr/>
-        <p:nvPr/>
-      </p:nvGrpSpPr>
-      <p:grpSpPr>
-        <a:xfrm>
-          <a:off x="0" y="0"/>
-          <a:ext cx="0" cy="0"/>
-          <a:chOff x="0" y="0"/>
-          <a:chExt cx="0" cy="0"/>
-        </a:xfrm>
-      </p:grpSpPr>
-      <p:sp>
-        <p:nvSpPr>
-          <p:cNvPr id="2" name="Title 1">
-            <a:extLst>
-              <a:ext uri="{FF2B5EF4-FFF2-40B4-BE49-F238E27FC236}">
-                <a16:creationId xmlns:a16="http://schemas.microsoft.com/office/drawing/2014/main" id="{122C1E14-0610-FB4E-BCD3-3BA8CADF9D02}"/>
-              </a:ext>
-            </a:extLst>
-          </p:cNvPr>
-          <p:cNvSpPr>
-            <a:spLocks noGrp="1"/>
-          </p:cNvSpPr>
-          <p:nvPr>
-            <p:ph type="title"/>
-          </p:nvPr>
-        </p:nvSpPr>
-        <p:spPr/>
-        <p:txBody>
-          <a:bodyPr/>
-          <a:lstStyle/>
-          <a:p>
-            <a:r>
-              <a:rPr lang="en-IT" dirty="0"/>
-              <a:t>Outline</a:t>
-            </a:r>
-          </a:p>
-        </p:txBody>
-      </p:sp>
-      <p:sp>
-        <p:nvSpPr>
-          <p:cNvPr id="3" name="Content Placeholder 2">
-            <a:extLst>
-              <a:ext uri="{FF2B5EF4-FFF2-40B4-BE49-F238E27FC236}">
-                <a16:creationId xmlns:a16="http://schemas.microsoft.com/office/drawing/2014/main" id="{8962CCAC-9D70-C543-BBE0-822B6CB5F5CB}"/>
-              </a:ext>
-            </a:extLst>
-          </p:cNvPr>
-          <p:cNvSpPr>
-            <a:spLocks noGrp="1"/>
-          </p:cNvSpPr>
-          <p:nvPr>
-            <p:ph idx="1"/>
-          </p:nvPr>
-        </p:nvSpPr>
-        <p:spPr>
-          <a:xfrm>
-            <a:off x="428172" y="1361167"/>
-            <a:ext cx="11213368" cy="5334907"/>
-          </a:xfrm>
-        </p:spPr>
-        <p:txBody>
-          <a:bodyPr>
-            <a:normAutofit/>
-          </a:bodyPr>
-          <a:lstStyle/>
-          <a:p>
-            <a:r>
-              <a:rPr lang="en-GB" dirty="0">
-                <a:solidFill>
-                  <a:schemeClr val="bg2">
-                    <a:lumMod val="90000"/>
-                  </a:schemeClr>
-                </a:solidFill>
-              </a:rPr>
-              <a:t>Recap</a:t>
-            </a:r>
-          </a:p>
-          <a:p>
-            <a:r>
-              <a:rPr lang="en-GB" dirty="0">
-                <a:solidFill>
-                  <a:schemeClr val="bg2">
-                    <a:lumMod val="90000"/>
-                  </a:schemeClr>
-                </a:solidFill>
-              </a:rPr>
-              <a:t>Navigator</a:t>
-            </a:r>
-          </a:p>
-          <a:p>
-            <a:r>
-              <a:rPr lang="en-GB" dirty="0">
-                <a:solidFill>
-                  <a:schemeClr val="bg2">
-                    <a:lumMod val="90000"/>
-                  </a:schemeClr>
-                </a:solidFill>
-              </a:rPr>
-              <a:t>Navigate to a new screen and back</a:t>
-            </a:r>
-          </a:p>
-          <a:p>
-            <a:r>
-              <a:rPr lang="en-GB" dirty="0">
-                <a:solidFill>
-                  <a:schemeClr val="bg2">
-                    <a:lumMod val="90000"/>
-                  </a:schemeClr>
-                </a:solidFill>
-              </a:rPr>
-              <a:t>Named routes </a:t>
-            </a:r>
-          </a:p>
-          <a:p>
-            <a:r>
-              <a:rPr lang="en-GB" dirty="0">
-                <a:solidFill>
-                  <a:schemeClr val="bg2">
-                    <a:lumMod val="90000"/>
-                  </a:schemeClr>
-                </a:solidFill>
-              </a:rPr>
-              <a:t>Passing argument to a named routes</a:t>
-            </a:r>
-          </a:p>
-          <a:p>
-            <a:r>
-              <a:rPr lang="en-GB" dirty="0">
-                <a:solidFill>
-                  <a:schemeClr val="bg2">
-                    <a:lumMod val="90000"/>
-                  </a:schemeClr>
-                </a:solidFill>
-              </a:rPr>
-              <a:t>Returning an argument from a named route</a:t>
-            </a:r>
-          </a:p>
-          <a:p>
-            <a:endParaRPr lang="en-GB" dirty="0">
-              <a:solidFill>
-                <a:schemeClr val="bg2">
-                  <a:lumMod val="90000"/>
-                </a:schemeClr>
-              </a:solidFill>
-            </a:endParaRPr>
-          </a:p>
-          <a:p>
-            <a:r>
-              <a:rPr lang="en-GB" dirty="0">
-                <a:solidFill>
-                  <a:schemeClr val="bg2">
-                    <a:lumMod val="90000"/>
-                  </a:schemeClr>
-                </a:solidFill>
-              </a:rPr>
-              <a:t>Exercise</a:t>
-            </a:r>
-          </a:p>
-          <a:p>
-            <a:r>
-              <a:rPr lang="en-GB" dirty="0">
-                <a:solidFill>
-                  <a:schemeClr val="bg2">
-                    <a:lumMod val="90000"/>
-                  </a:schemeClr>
-                </a:solidFill>
-              </a:rPr>
-              <a:t>Homework</a:t>
-            </a:r>
-          </a:p>
-          <a:p>
-            <a:r>
-              <a:rPr lang="en-GB" b="1" dirty="0"/>
-              <a:t>Resources</a:t>
-            </a:r>
-          </a:p>
-          <a:p>
-            <a:endParaRPr lang="en-GB" dirty="0"/>
-          </a:p>
-        </p:txBody>
-      </p:sp>
-      <p:sp>
-        <p:nvSpPr>
-          <p:cNvPr id="4" name="Slide Number Placeholder 3">
-            <a:extLst>
-              <a:ext uri="{FF2B5EF4-FFF2-40B4-BE49-F238E27FC236}">
-                <a16:creationId xmlns:a16="http://schemas.microsoft.com/office/drawing/2014/main" id="{452EC4BD-0471-3748-9E2B-909E0D4B10DB}"/>
-              </a:ext>
-            </a:extLst>
-          </p:cNvPr>
-          <p:cNvSpPr>
-            <a:spLocks noGrp="1"/>
-          </p:cNvSpPr>
-          <p:nvPr>
-            <p:ph type="sldNum" sz="quarter" idx="12"/>
-          </p:nvPr>
-        </p:nvSpPr>
-        <p:spPr/>
-        <p:txBody>
-          <a:bodyPr/>
-          <a:lstStyle/>
-          <a:p>
-            <a:fld id="{31DE2C5B-556E-47B8-A792-024C2FCA4ACC}" type="slidenum">
-              <a:rPr lang="en-GB" smtClean="0"/>
-              <a:t>45</a:t>
-            </a:fld>
-            <a:endParaRPr lang="en-GB"/>
-          </a:p>
-        </p:txBody>
-      </p:sp>
-    </p:spTree>
-    <p:extLst>
-      <p:ext uri="{BB962C8B-B14F-4D97-AF65-F5344CB8AC3E}">
-        <p14:creationId xmlns:p14="http://schemas.microsoft.com/office/powerpoint/2010/main" val="1415450225"/>
-      </p:ext>
-    </p:extLst>
-  </p:cSld>
-  <p:clrMapOvr>
-    <a:masterClrMapping/>
-  </p:clrMapOvr>
-</p:sld>
-</file>
-
-<file path=ppt/slides/slide46.xml><?xml version="1.0" encoding="utf-8"?>
-<p:sld xmlns:a="http://schemas.openxmlformats.org/drawingml/2006/main" xmlns:r="http://schemas.openxmlformats.org/officeDocument/2006/relationships" xmlns:p="http://schemas.openxmlformats.org/presentationml/2006/main">
-  <p:cSld>
-    <p:spTree>
-      <p:nvGrpSpPr>
-        <p:cNvPr id="1" name=""/>
-        <p:cNvGrpSpPr/>
-        <p:nvPr/>
-      </p:nvGrpSpPr>
-      <p:grpSpPr>
-        <a:xfrm>
-          <a:off x="0" y="0"/>
-          <a:ext cx="0" cy="0"/>
-          <a:chOff x="0" y="0"/>
-          <a:chExt cx="0" cy="0"/>
-        </a:xfrm>
-      </p:grpSpPr>
-      <p:sp>
-        <p:nvSpPr>
-          <p:cNvPr id="2" name="Title 1">
-            <a:extLst>
-              <a:ext uri="{FF2B5EF4-FFF2-40B4-BE49-F238E27FC236}">
-                <a16:creationId xmlns:a16="http://schemas.microsoft.com/office/drawing/2014/main" id="{122C1E14-0610-FB4E-BCD3-3BA8CADF9D02}"/>
-              </a:ext>
-            </a:extLst>
-          </p:cNvPr>
-          <p:cNvSpPr>
-            <a:spLocks noGrp="1"/>
-          </p:cNvSpPr>
-          <p:nvPr>
-            <p:ph type="title"/>
-          </p:nvPr>
-        </p:nvSpPr>
-        <p:spPr/>
-        <p:txBody>
-          <a:bodyPr/>
-          <a:lstStyle/>
-          <a:p>
-            <a:r>
-              <a:rPr lang="en-IT" dirty="0"/>
-              <a:t>Resources</a:t>
-            </a:r>
-          </a:p>
-        </p:txBody>
-      </p:sp>
-      <p:sp>
-        <p:nvSpPr>
-          <p:cNvPr id="3" name="Content Placeholder 2">
-            <a:extLst>
-              <a:ext uri="{FF2B5EF4-FFF2-40B4-BE49-F238E27FC236}">
-                <a16:creationId xmlns:a16="http://schemas.microsoft.com/office/drawing/2014/main" id="{8962CCAC-9D70-C543-BBE0-822B6CB5F5CB}"/>
-              </a:ext>
-            </a:extLst>
-          </p:cNvPr>
-          <p:cNvSpPr>
-            <a:spLocks noGrp="1"/>
-          </p:cNvSpPr>
-          <p:nvPr>
-            <p:ph idx="1"/>
-          </p:nvPr>
-        </p:nvSpPr>
-        <p:spPr>
-          <a:xfrm>
-            <a:off x="428171" y="1361167"/>
-            <a:ext cx="10913119" cy="5334907"/>
-          </a:xfrm>
-        </p:spPr>
-        <p:txBody>
-          <a:bodyPr>
-            <a:normAutofit/>
-          </a:bodyPr>
-          <a:lstStyle/>
-          <a:p>
-            <a:endParaRPr lang="en-GB" dirty="0"/>
-          </a:p>
-          <a:p>
-            <a:r>
-              <a:rPr lang="en-GB" dirty="0"/>
-              <a:t>Code repository of today’s lesson and exercises solution</a:t>
-            </a:r>
-          </a:p>
-          <a:p>
-            <a:pPr lvl="1"/>
-            <a:r>
-              <a:rPr lang="en-GB" dirty="0">
-                <a:hlinkClick r:id="rId2"/>
-              </a:rPr>
-              <a:t>https://github.com/gcappon/bwthw/tree/master/lab_06-navigation</a:t>
-            </a:r>
-            <a:r>
-              <a:rPr lang="en-GB" dirty="0"/>
-              <a:t> </a:t>
-            </a:r>
-            <a:br>
-              <a:rPr lang="en-GB" dirty="0"/>
-            </a:br>
-            <a:endParaRPr lang="en-GB" dirty="0"/>
-          </a:p>
-          <a:p>
-            <a:r>
-              <a:rPr lang="en-GB" dirty="0"/>
-              <a:t>Async and await </a:t>
-            </a:r>
-            <a:r>
-              <a:rPr lang="en-GB" dirty="0" err="1"/>
-              <a:t>codelabs</a:t>
-            </a:r>
-            <a:endParaRPr lang="en-GB" dirty="0"/>
-          </a:p>
-          <a:p>
-            <a:pPr lvl="1"/>
-            <a:r>
-              <a:rPr lang="en-GB" dirty="0">
-                <a:hlinkClick r:id="rId3"/>
-              </a:rPr>
-              <a:t>https://dart.dev/codelabs/async-await</a:t>
-            </a:r>
-            <a:r>
-              <a:rPr lang="en-GB" dirty="0"/>
-              <a:t> </a:t>
-            </a:r>
-          </a:p>
-          <a:p>
-            <a:endParaRPr lang="en-IT" dirty="0"/>
-          </a:p>
-          <a:p>
-            <a:r>
-              <a:rPr lang="en-IT" dirty="0"/>
-              <a:t>Navigation Recipes</a:t>
-            </a:r>
-          </a:p>
-          <a:p>
-            <a:pPr lvl="1"/>
-            <a:r>
-              <a:rPr lang="en-GB" dirty="0">
-                <a:hlinkClick r:id="rId4"/>
-              </a:rPr>
-              <a:t>https://docs.flutter.dev/cookbook/navigation</a:t>
-            </a:r>
-            <a:r>
-              <a:rPr lang="en-GB" dirty="0"/>
-              <a:t> </a:t>
-            </a:r>
-            <a:endParaRPr lang="en-IT" dirty="0"/>
-          </a:p>
-        </p:txBody>
-      </p:sp>
-      <p:sp>
-        <p:nvSpPr>
-          <p:cNvPr id="4" name="Slide Number Placeholder 3">
-            <a:extLst>
-              <a:ext uri="{FF2B5EF4-FFF2-40B4-BE49-F238E27FC236}">
-                <a16:creationId xmlns:a16="http://schemas.microsoft.com/office/drawing/2014/main" id="{A5DAD94D-1F09-934E-96DC-60957E97A22E}"/>
-              </a:ext>
-            </a:extLst>
-          </p:cNvPr>
-          <p:cNvSpPr>
-            <a:spLocks noGrp="1"/>
-          </p:cNvSpPr>
-          <p:nvPr>
-            <p:ph type="sldNum" sz="quarter" idx="12"/>
-          </p:nvPr>
-        </p:nvSpPr>
-        <p:spPr/>
-        <p:txBody>
-          <a:bodyPr/>
-          <a:lstStyle/>
-          <a:p>
-            <a:fld id="{31DE2C5B-556E-47B8-A792-024C2FCA4ACC}" type="slidenum">
-              <a:rPr lang="en-GB" smtClean="0"/>
-              <a:t>46</a:t>
             </a:fld>
             <a:endParaRPr lang="en-GB"/>
           </a:p>

--- a/lab_06-navigation/lab_06-navigation.pptx
+++ b/lab_06-navigation/lab_06-navigation.pptx
@@ -20536,15 +20536,7 @@
             <a:pPr lvl="1"/>
             <a:r>
               <a:rPr lang="en-US" dirty="0"/>
-              <a:t>Reproduce the app navigation structure on the right using the </a:t>
-            </a:r>
-            <a:r>
-              <a:rPr lang="en-US" b="1" dirty="0"/>
-              <a:t>named routing approach</a:t>
-            </a:r>
-            <a:r>
-              <a:rPr lang="en-US" dirty="0"/>
-              <a:t>.</a:t>
+              <a:t>Reproduce the app navigation structure on the right.</a:t>
             </a:r>
           </a:p>
         </p:txBody>
@@ -21405,7 +21397,7 @@
             <a:pPr lvl="1"/>
             <a:r>
               <a:rPr lang="en-US" dirty="0"/>
-              <a:t>Reproduce the app navigation structure on the right using the named routing approach.</a:t>
+              <a:t>Reproduce the app navigation structure on the right.</a:t>
             </a:r>
           </a:p>
           <a:p>

--- a/lab_06-navigation/lab_06-navigation.pptx
+++ b/lab_06-navigation/lab_06-navigation.pptx
@@ -240,7 +240,7 @@
           <a:p>
             <a:fld id="{81C4B3FE-0320-8142-8396-5C3025C019EC}" type="datetimeFigureOut">
               <a:rPr lang="en-IT" smtClean="0"/>
-              <a:t>04/04/23</a:t>
+              <a:t>4/7/24</a:t>
             </a:fld>
             <a:endParaRPr lang="en-IT"/>
           </a:p>
@@ -4830,96 +4830,12 @@
           <a:chExt cx="0" cy="0"/>
         </a:xfrm>
       </p:grpSpPr>
-      <p:sp>
-        <p:nvSpPr>
-          <p:cNvPr id="2" name="Title 1">
-            <a:extLst>
-              <a:ext uri="{FF2B5EF4-FFF2-40B4-BE49-F238E27FC236}">
-                <a16:creationId xmlns:a16="http://schemas.microsoft.com/office/drawing/2014/main" id="{122C1E14-0610-FB4E-BCD3-3BA8CADF9D02}"/>
-              </a:ext>
-            </a:extLst>
-          </p:cNvPr>
-          <p:cNvSpPr>
-            <a:spLocks noGrp="1"/>
-          </p:cNvSpPr>
-          <p:nvPr>
-            <p:ph type="title"/>
-          </p:nvPr>
-        </p:nvSpPr>
-        <p:spPr/>
-        <p:txBody>
-          <a:bodyPr/>
-          <a:lstStyle/>
-          <a:p>
-            <a:r>
-              <a:rPr lang="en-IT" dirty="0"/>
-              <a:t>Navigator basics</a:t>
-            </a:r>
-          </a:p>
-        </p:txBody>
-      </p:sp>
-      <p:sp>
-        <p:nvSpPr>
-          <p:cNvPr id="6" name="Content Placeholder 5">
-            <a:extLst>
-              <a:ext uri="{FF2B5EF4-FFF2-40B4-BE49-F238E27FC236}">
-                <a16:creationId xmlns:a16="http://schemas.microsoft.com/office/drawing/2014/main" id="{1CFD16F6-AE87-6245-A265-931E7A6676CD}"/>
-              </a:ext>
-            </a:extLst>
-          </p:cNvPr>
-          <p:cNvSpPr>
-            <a:spLocks noGrp="1"/>
-          </p:cNvSpPr>
-          <p:nvPr>
-            <p:ph idx="1"/>
-          </p:nvPr>
-        </p:nvSpPr>
-        <p:spPr>
-          <a:xfrm>
-            <a:off x="428172" y="1361167"/>
-            <a:ext cx="4625091" cy="4858203"/>
-          </a:xfrm>
-        </p:spPr>
-        <p:txBody>
-          <a:bodyPr>
-            <a:normAutofit fontScale="92500"/>
-          </a:bodyPr>
-          <a:lstStyle/>
-          <a:p>
-            <a:r>
-              <a:rPr lang="en-IT" dirty="0"/>
-              <a:t>First let’s see how to move between two routes</a:t>
-            </a:r>
-          </a:p>
-          <a:p>
-            <a:pPr marL="0" indent="0">
-              <a:buNone/>
-            </a:pPr>
-            <a:endParaRPr lang="en-IT" dirty="0"/>
-          </a:p>
-          <a:p>
-            <a:r>
-              <a:rPr lang="en-IT" dirty="0"/>
-              <a:t>We will start from creating a simple two-routes app where the first route will act as homepage and the second will represent the route that will ideally contain the info on the user profile.</a:t>
-            </a:r>
-          </a:p>
-          <a:p>
-            <a:endParaRPr lang="en-IT" dirty="0"/>
-          </a:p>
-          <a:p>
-            <a:r>
-              <a:rPr lang="en-IT" dirty="0"/>
-              <a:t>When the user taps the button on the homepage it will be directed to the profile page and viceversa</a:t>
-            </a:r>
-          </a:p>
-        </p:txBody>
-      </p:sp>
       <p:pic>
         <p:nvPicPr>
-          <p:cNvPr id="29" name="Picture 28" descr="Graphical user interface, text, application&#10;&#10;Description automatically generated">
-            <a:extLst>
-              <a:ext uri="{FF2B5EF4-FFF2-40B4-BE49-F238E27FC236}">
-                <a16:creationId xmlns:a16="http://schemas.microsoft.com/office/drawing/2014/main" id="{FB8D6A7B-7B21-4C4E-9F90-3DFA0D807A4A}"/>
+          <p:cNvPr id="8" name="Picture 7" descr="A white rectangular object with purple text&#10;&#10;Description automatically generated">
+            <a:extLst>
+              <a:ext uri="{FF2B5EF4-FFF2-40B4-BE49-F238E27FC236}">
+                <a16:creationId xmlns:a16="http://schemas.microsoft.com/office/drawing/2014/main" id="{F5D76B75-9BE7-53D6-1C9C-C1AB40A60162}"/>
               </a:ext>
             </a:extLst>
           </p:cNvPr>
@@ -4942,8 +4858,8 @@
         </p:blipFill>
         <p:spPr>
           <a:xfrm>
-            <a:off x="5227261" y="1200148"/>
-            <a:ext cx="2539587" cy="5495926"/>
+            <a:off x="8932802" y="1225548"/>
+            <a:ext cx="2535675" cy="5495927"/>
           </a:xfrm>
           <a:prstGeom prst="rect">
             <a:avLst/>
@@ -4952,10 +4868,10 @@
       </p:pic>
       <p:pic>
         <p:nvPicPr>
-          <p:cNvPr id="31" name="Picture 30" descr="Graphical user interface, application&#10;&#10;Description automatically generated">
-            <a:extLst>
-              <a:ext uri="{FF2B5EF4-FFF2-40B4-BE49-F238E27FC236}">
-                <a16:creationId xmlns:a16="http://schemas.microsoft.com/office/drawing/2014/main" id="{A7C1F2C1-A3D7-6C4A-8C08-691171715EAE}"/>
+          <p:cNvPr id="5" name="Picture 4" descr="A white rectangular object with purple text&#10;&#10;Description automatically generated">
+            <a:extLst>
+              <a:ext uri="{FF2B5EF4-FFF2-40B4-BE49-F238E27FC236}">
+                <a16:creationId xmlns:a16="http://schemas.microsoft.com/office/drawing/2014/main" id="{2DBCE1F0-13B5-8BC1-5551-C435120EA58E}"/>
               </a:ext>
             </a:extLst>
           </p:cNvPr>
@@ -4978,14 +4894,98 @@
         </p:blipFill>
         <p:spPr>
           <a:xfrm>
-            <a:off x="8961590" y="1200148"/>
-            <a:ext cx="2539586" cy="5495926"/>
+            <a:off x="5034749" y="1225548"/>
+            <a:ext cx="2535675" cy="5495927"/>
           </a:xfrm>
           <a:prstGeom prst="rect">
             <a:avLst/>
           </a:prstGeom>
         </p:spPr>
       </p:pic>
+      <p:sp>
+        <p:nvSpPr>
+          <p:cNvPr id="2" name="Title 1">
+            <a:extLst>
+              <a:ext uri="{FF2B5EF4-FFF2-40B4-BE49-F238E27FC236}">
+                <a16:creationId xmlns:a16="http://schemas.microsoft.com/office/drawing/2014/main" id="{122C1E14-0610-FB4E-BCD3-3BA8CADF9D02}"/>
+              </a:ext>
+            </a:extLst>
+          </p:cNvPr>
+          <p:cNvSpPr>
+            <a:spLocks noGrp="1"/>
+          </p:cNvSpPr>
+          <p:nvPr>
+            <p:ph type="title"/>
+          </p:nvPr>
+        </p:nvSpPr>
+        <p:spPr/>
+        <p:txBody>
+          <a:bodyPr/>
+          <a:lstStyle/>
+          <a:p>
+            <a:r>
+              <a:rPr lang="en-IT" dirty="0"/>
+              <a:t>Navigator basics</a:t>
+            </a:r>
+          </a:p>
+        </p:txBody>
+      </p:sp>
+      <p:sp>
+        <p:nvSpPr>
+          <p:cNvPr id="6" name="Content Placeholder 5">
+            <a:extLst>
+              <a:ext uri="{FF2B5EF4-FFF2-40B4-BE49-F238E27FC236}">
+                <a16:creationId xmlns:a16="http://schemas.microsoft.com/office/drawing/2014/main" id="{1CFD16F6-AE87-6245-A265-931E7A6676CD}"/>
+              </a:ext>
+            </a:extLst>
+          </p:cNvPr>
+          <p:cNvSpPr>
+            <a:spLocks noGrp="1"/>
+          </p:cNvSpPr>
+          <p:nvPr>
+            <p:ph idx="1"/>
+          </p:nvPr>
+        </p:nvSpPr>
+        <p:spPr>
+          <a:xfrm>
+            <a:off x="428172" y="1361167"/>
+            <a:ext cx="4625091" cy="4858203"/>
+          </a:xfrm>
+        </p:spPr>
+        <p:txBody>
+          <a:bodyPr>
+            <a:normAutofit fontScale="92500"/>
+          </a:bodyPr>
+          <a:lstStyle/>
+          <a:p>
+            <a:r>
+              <a:rPr lang="en-IT" dirty="0"/>
+              <a:t>First let’s see how to move between two routes</a:t>
+            </a:r>
+          </a:p>
+          <a:p>
+            <a:pPr marL="0" indent="0">
+              <a:buNone/>
+            </a:pPr>
+            <a:endParaRPr lang="en-IT" dirty="0"/>
+          </a:p>
+          <a:p>
+            <a:r>
+              <a:rPr lang="en-IT" dirty="0"/>
+              <a:t>We will start from creating a simple two-routes app where the first route will act as homepage and the second will represent the route that will ideally contain the info on the user profile.</a:t>
+            </a:r>
+          </a:p>
+          <a:p>
+            <a:endParaRPr lang="en-IT" dirty="0"/>
+          </a:p>
+          <a:p>
+            <a:r>
+              <a:rPr lang="en-IT" dirty="0"/>
+              <a:t>When the user taps the button on the homepage it will be directed to the profile page and viceversa</a:t>
+            </a:r>
+          </a:p>
+        </p:txBody>
+      </p:sp>
       <p:cxnSp>
         <p:nvCxnSpPr>
           <p:cNvPr id="33" name="Straight Arrow Connector 32">
@@ -13800,10 +13800,10 @@
       </p:grpSpPr>
       <p:pic>
         <p:nvPicPr>
-          <p:cNvPr id="7" name="Picture 6" descr="Graphical user interface&#10;&#10;Description automatically generated">
-            <a:extLst>
-              <a:ext uri="{FF2B5EF4-FFF2-40B4-BE49-F238E27FC236}">
-                <a16:creationId xmlns:a16="http://schemas.microsoft.com/office/drawing/2014/main" id="{78E60534-2F58-B74A-BBC3-99782BBBCB45}"/>
+          <p:cNvPr id="10" name="Picture 9" descr="A screenshot of a message&#10;&#10;Description automatically generated">
+            <a:extLst>
+              <a:ext uri="{FF2B5EF4-FFF2-40B4-BE49-F238E27FC236}">
+                <a16:creationId xmlns:a16="http://schemas.microsoft.com/office/drawing/2014/main" id="{AA5C381D-F3BF-82CB-40F3-78AACCCCD87E}"/>
               </a:ext>
             </a:extLst>
           </p:cNvPr>
@@ -13826,8 +13826,8 @@
         </p:blipFill>
         <p:spPr>
           <a:xfrm>
-            <a:off x="9095928" y="1200148"/>
-            <a:ext cx="2533718" cy="5483225"/>
+            <a:off x="8971287" y="1199241"/>
+            <a:ext cx="2536093" cy="5496833"/>
           </a:xfrm>
           <a:prstGeom prst="rect">
             <a:avLst/>
@@ -13836,10 +13836,10 @@
       </p:pic>
       <p:pic>
         <p:nvPicPr>
-          <p:cNvPr id="4" name="Picture 3" descr="Graphical user interface, text, application, chat or text message&#10;&#10;Description automatically generated">
-            <a:extLst>
-              <a:ext uri="{FF2B5EF4-FFF2-40B4-BE49-F238E27FC236}">
-                <a16:creationId xmlns:a16="http://schemas.microsoft.com/office/drawing/2014/main" id="{FDC4A269-85AF-6349-AD98-169D4892E219}"/>
+          <p:cNvPr id="8" name="Picture 7" descr="A screenshot of a phone&#10;&#10;Description automatically generated">
+            <a:extLst>
+              <a:ext uri="{FF2B5EF4-FFF2-40B4-BE49-F238E27FC236}">
+                <a16:creationId xmlns:a16="http://schemas.microsoft.com/office/drawing/2014/main" id="{3ED73714-DF7A-7FC8-B0E0-2008AF0CB12E}"/>
               </a:ext>
             </a:extLst>
           </p:cNvPr>
@@ -13862,8 +13862,8 @@
         </p:blipFill>
         <p:spPr>
           <a:xfrm>
-            <a:off x="5296561" y="1200148"/>
-            <a:ext cx="2539586" cy="5495925"/>
+            <a:off x="5182534" y="1225549"/>
+            <a:ext cx="2535674" cy="5495926"/>
           </a:xfrm>
           <a:prstGeom prst="rect">
             <a:avLst/>
@@ -16925,10 +16925,10 @@
       </p:grpSpPr>
       <p:pic>
         <p:nvPicPr>
-          <p:cNvPr id="10" name="Picture 9" descr="Graphical user interface, text, application, chat or text message&#10;&#10;Description automatically generated">
-            <a:extLst>
-              <a:ext uri="{FF2B5EF4-FFF2-40B4-BE49-F238E27FC236}">
-                <a16:creationId xmlns:a16="http://schemas.microsoft.com/office/drawing/2014/main" id="{58377878-F9F6-3243-BF5A-4535774583F6}"/>
+          <p:cNvPr id="12" name="Picture 11" descr="A screenshot of a phone&#10;&#10;Description automatically generated">
+            <a:extLst>
+              <a:ext uri="{FF2B5EF4-FFF2-40B4-BE49-F238E27FC236}">
+                <a16:creationId xmlns:a16="http://schemas.microsoft.com/office/drawing/2014/main" id="{87F5C41C-5A5E-F29A-0094-972B8616D407}"/>
               </a:ext>
             </a:extLst>
           </p:cNvPr>
@@ -16951,8 +16951,8 @@
         </p:blipFill>
         <p:spPr>
           <a:xfrm>
-            <a:off x="9224241" y="1187445"/>
-            <a:ext cx="2539587" cy="5495928"/>
+            <a:off x="5216272" y="1187447"/>
+            <a:ext cx="2535674" cy="5495926"/>
           </a:xfrm>
           <a:prstGeom prst="rect">
             <a:avLst/>
@@ -16961,10 +16961,10 @@
       </p:pic>
       <p:pic>
         <p:nvPicPr>
-          <p:cNvPr id="5" name="Picture 4" descr="Graphical user interface, text, application, chat or text message&#10;&#10;Description automatically generated">
-            <a:extLst>
-              <a:ext uri="{FF2B5EF4-FFF2-40B4-BE49-F238E27FC236}">
-                <a16:creationId xmlns:a16="http://schemas.microsoft.com/office/drawing/2014/main" id="{0D9E23EF-FFDA-0542-9B07-DB092EB5411A}"/>
+          <p:cNvPr id="9" name="Picture 8" descr="A white rectangular object with purple text&#10;&#10;Description automatically generated">
+            <a:extLst>
+              <a:ext uri="{FF2B5EF4-FFF2-40B4-BE49-F238E27FC236}">
+                <a16:creationId xmlns:a16="http://schemas.microsoft.com/office/drawing/2014/main" id="{2F859568-9F08-21F8-7BDE-BDE4A3E63942}"/>
               </a:ext>
             </a:extLst>
           </p:cNvPr>
@@ -16987,8 +16987,8 @@
         </p:blipFill>
         <p:spPr>
           <a:xfrm>
-            <a:off x="5283615" y="1187448"/>
-            <a:ext cx="2539586" cy="5495925"/>
+            <a:off x="9228154" y="1187447"/>
+            <a:ext cx="2535674" cy="5495925"/>
           </a:xfrm>
           <a:prstGeom prst="rect">
             <a:avLst/>
@@ -21356,110 +21356,131 @@
         </p:nvSpPr>
         <p:spPr>
           <a:xfrm>
-            <a:off x="428172" y="1361167"/>
-            <a:ext cx="7504209" cy="5334907"/>
+            <a:off x="0" y="1361167"/>
+            <a:ext cx="6280043" cy="5334907"/>
           </a:xfrm>
         </p:spPr>
         <p:txBody>
           <a:bodyPr>
-            <a:normAutofit lnSpcReduction="10000"/>
+            <a:normAutofit/>
           </a:bodyPr>
           <a:lstStyle/>
           <a:p>
             <a:r>
-              <a:rPr lang="en-GB" dirty="0"/>
+              <a:rPr lang="en-GB" sz="1800" dirty="0"/>
               <a:t>Exercise 06.04 (medium)</a:t>
             </a:r>
           </a:p>
           <a:p>
-            <a:endParaRPr lang="en-GB" dirty="0"/>
+            <a:endParaRPr lang="en-GB" sz="1800" dirty="0"/>
           </a:p>
           <a:p>
             <a:pPr lvl="1"/>
             <a:r>
-              <a:rPr lang="en-US" dirty="0"/>
+              <a:rPr lang="en-US" sz="1600" dirty="0"/>
               <a:t>Create a new project ‘</a:t>
             </a:r>
             <a:r>
-              <a:rPr lang="en-US" dirty="0" err="1"/>
+              <a:rPr lang="en-US" sz="1600" dirty="0" err="1"/>
               <a:t>login_flow</a:t>
             </a:r>
             <a:r>
-              <a:rPr lang="en-US" dirty="0"/>
+              <a:rPr lang="en-US" sz="1600" dirty="0"/>
               <a:t>’</a:t>
             </a:r>
           </a:p>
           <a:p>
             <a:pPr lvl="1"/>
-            <a:endParaRPr lang="en-US" dirty="0"/>
+            <a:r>
+              <a:rPr lang="en-US" sz="1600" dirty="0"/>
+              <a:t>Reproduce the app navigation structure on the right.</a:t>
+            </a:r>
           </a:p>
           <a:p>
             <a:pPr lvl="1"/>
             <a:r>
-              <a:rPr lang="en-US" dirty="0"/>
-              <a:t>Reproduce the app navigation structure on the right.</a:t>
+              <a:rPr lang="en-US" sz="1600" dirty="0"/>
+              <a:t>The login page consists of a form with two textboxes (one for the username and the other for the password) and a button.</a:t>
             </a:r>
           </a:p>
           <a:p>
             <a:pPr lvl="1"/>
-            <a:endParaRPr lang="en-US" dirty="0"/>
+            <a:r>
+              <a:rPr lang="en-US" sz="1600" dirty="0"/>
+              <a:t>When the user types “</a:t>
+            </a:r>
+            <a:r>
+              <a:rPr lang="en-US" sz="1600" dirty="0" err="1"/>
+              <a:t>bug@expert.com</a:t>
+            </a:r>
+            <a:r>
+              <a:rPr lang="en-US" sz="1600" dirty="0"/>
+              <a:t>” in the username textbox and “5TrNgP5Wd” in the password textbox, and taps the button, the user is redirected to the Homepage. If the credentials are wrong, a </a:t>
+            </a:r>
+            <a:r>
+              <a:rPr lang="en-US" sz="1600" dirty="0" err="1">
+                <a:latin typeface="Courier" pitchFamily="2" charset="0"/>
+              </a:rPr>
+              <a:t>ScaffoldMessenger</a:t>
+            </a:r>
+            <a:r>
+              <a:rPr lang="en-US" sz="1600" dirty="0"/>
+              <a:t> is showed for 2 seconds saying “Wrong credentials”.</a:t>
+            </a:r>
           </a:p>
           <a:p>
             <a:pPr lvl="1"/>
-            <a:r>
-              <a:rPr lang="en-US" dirty="0"/>
-              <a:t>The login page consists of a form with two textboxes (one for the username and the other for the password) and a button. Hint: you can use the widgets</a:t>
-            </a:r>
+            <a:endParaRPr lang="en-US" sz="1600" dirty="0"/>
           </a:p>
           <a:p>
             <a:pPr lvl="1"/>
-            <a:endParaRPr lang="en-US" dirty="0"/>
+            <a:r>
+              <a:rPr lang="en-US" sz="1600" b="1" dirty="0"/>
+              <a:t>Hint #1</a:t>
+            </a:r>
+            <a:r>
+              <a:rPr lang="en-US" sz="1600" dirty="0"/>
+              <a:t>: you need to instantiate a </a:t>
+            </a:r>
+            <a:r>
+              <a:rPr lang="en-US" sz="1600" dirty="0" err="1"/>
+              <a:t>TextEditingController</a:t>
+            </a:r>
+            <a:r>
+              <a:rPr lang="en-US" sz="1600" dirty="0"/>
+              <a:t> as state variable</a:t>
+            </a:r>
           </a:p>
           <a:p>
             <a:pPr lvl="1"/>
             <a:r>
-              <a:rPr lang="en-US" dirty="0"/>
-              <a:t>When the user types “</a:t>
-            </a:r>
-            <a:r>
-              <a:rPr lang="en-US" dirty="0" err="1"/>
-              <a:t>bug@expert.com</a:t>
-            </a:r>
-            <a:r>
-              <a:rPr lang="en-US" dirty="0"/>
-              <a:t>” in the username textbox and “5TrNgP5Wd” in the password textbox, and taps the button, the user is redirected to the Homepage. If the credentials are wrong, a </a:t>
-            </a:r>
-            <a:r>
-              <a:rPr lang="en-US" dirty="0" err="1">
-                <a:latin typeface="Courier" pitchFamily="2" charset="0"/>
-              </a:rPr>
-              <a:t>ScaffoldMessenger</a:t>
-            </a:r>
-            <a:r>
-              <a:rPr lang="en-US" dirty="0"/>
-              <a:t> is showed for 2 seconds saying “Wrong credentials”.   </a:t>
+              <a:rPr lang="en-US" sz="1600" b="1" dirty="0"/>
+              <a:t>Hint #2</a:t>
+            </a:r>
+            <a:r>
+              <a:rPr lang="en-US" sz="1600" dirty="0"/>
+              <a:t>: you need to use a </a:t>
+            </a:r>
+            <a:r>
+              <a:rPr lang="en-US" sz="1600" dirty="0" err="1"/>
+              <a:t>TextField</a:t>
+            </a:r>
+            <a:r>
+              <a:rPr lang="en-US" sz="1600" dirty="0"/>
+              <a:t> in you UI</a:t>
             </a:r>
           </a:p>
           <a:p>
             <a:pPr lvl="1"/>
-            <a:endParaRPr lang="en-US" dirty="0"/>
-          </a:p>
-          <a:p>
-            <a:pPr lvl="1"/>
-            <a:r>
-              <a:rPr lang="en-US" dirty="0"/>
-              <a:t>The </a:t>
-            </a:r>
-            <a:r>
-              <a:rPr lang="en-US" dirty="0" err="1">
-                <a:latin typeface="Courier" pitchFamily="2" charset="0"/>
-              </a:rPr>
-              <a:t>HomePage</a:t>
-            </a:r>
-            <a:r>
-              <a:rPr lang="en-US" dirty="0"/>
-              <a:t> must show the provided username.</a:t>
-            </a:r>
+            <a:r>
+              <a:rPr lang="en-US" sz="1600" b="1" dirty="0"/>
+              <a:t>Hint #3</a:t>
+            </a:r>
+            <a:r>
+              <a:rPr lang="en-US" sz="1600" dirty="0"/>
+              <a:t>: then, you can access to the text value using</a:t>
+            </a:r>
+            <a:endParaRPr lang="en-US" sz="1600" b="1" dirty="0"/>
           </a:p>
         </p:txBody>
       </p:sp>
@@ -21477,7 +21498,7 @@
         </p:nvSpPr>
         <p:spPr>
           <a:xfrm>
-            <a:off x="8708250" y="2009026"/>
+            <a:off x="6734638" y="1222049"/>
             <a:ext cx="1760256" cy="452175"/>
           </a:xfrm>
           <a:prstGeom prst="rect">
@@ -21527,7 +21548,7 @@
         </p:nvSpPr>
         <p:spPr>
           <a:xfrm>
-            <a:off x="8708250" y="2944961"/>
+            <a:off x="6734638" y="2157984"/>
             <a:ext cx="1760256" cy="452175"/>
           </a:xfrm>
           <a:prstGeom prst="rect">
@@ -21579,7 +21600,7 @@
         </p:nvCxnSpPr>
         <p:spPr>
           <a:xfrm flipV="1">
-            <a:off x="9294990" y="2461202"/>
+            <a:off x="7321378" y="1674225"/>
             <a:ext cx="0" cy="483759"/>
           </a:xfrm>
           <a:prstGeom prst="straightConnector1">
@@ -21620,7 +21641,7 @@
         </p:nvCxnSpPr>
         <p:spPr>
           <a:xfrm>
-            <a:off x="9948133" y="2461201"/>
+            <a:off x="7974521" y="1674224"/>
             <a:ext cx="0" cy="483761"/>
           </a:xfrm>
           <a:prstGeom prst="straightConnector1">
@@ -21674,6 +21695,482 @@
           </a:p>
         </p:txBody>
       </p:sp>
+      <p:sp>
+        <p:nvSpPr>
+          <p:cNvPr id="8" name="TextBox 7">
+            <a:extLst>
+              <a:ext uri="{FF2B5EF4-FFF2-40B4-BE49-F238E27FC236}">
+                <a16:creationId xmlns:a16="http://schemas.microsoft.com/office/drawing/2014/main" id="{2670A44A-55CA-337C-30FB-66C6F0D5FE27}"/>
+              </a:ext>
+            </a:extLst>
+          </p:cNvPr>
+          <p:cNvSpPr txBox="1"/>
+          <p:nvPr/>
+        </p:nvSpPr>
+        <p:spPr>
+          <a:xfrm>
+            <a:off x="6562398" y="4028620"/>
+            <a:ext cx="3569362" cy="1754326"/>
+          </a:xfrm>
+          <a:prstGeom prst="rect">
+            <a:avLst/>
+          </a:prstGeom>
+          <a:noFill/>
+        </p:spPr>
+        <p:txBody>
+          <a:bodyPr wrap="square">
+            <a:spAutoFit/>
+          </a:bodyPr>
+          <a:lstStyle/>
+          <a:p>
+            <a:r>
+              <a:rPr lang="en-US" sz="1200" b="0" dirty="0" err="1">
+                <a:effectLst/>
+                <a:latin typeface="Menlo" panose="020B0609030804020204" pitchFamily="49" charset="0"/>
+              </a:rPr>
+              <a:t>TextField</a:t>
+            </a:r>
+            <a:r>
+              <a:rPr lang="en-US" sz="1200" b="0" dirty="0">
+                <a:effectLst/>
+                <a:latin typeface="Menlo" panose="020B0609030804020204" pitchFamily="49" charset="0"/>
+              </a:rPr>
+              <a:t>(</a:t>
+            </a:r>
+          </a:p>
+          <a:p>
+            <a:r>
+              <a:rPr lang="en-US" sz="1200" b="0" dirty="0">
+                <a:effectLst/>
+                <a:latin typeface="Menlo" panose="020B0609030804020204" pitchFamily="49" charset="0"/>
+              </a:rPr>
+              <a:t>  </a:t>
+            </a:r>
+            <a:r>
+              <a:rPr lang="en-US" sz="1200" b="0" dirty="0" err="1">
+                <a:effectLst/>
+                <a:latin typeface="Menlo" panose="020B0609030804020204" pitchFamily="49" charset="0"/>
+              </a:rPr>
+              <a:t>obscureText</a:t>
+            </a:r>
+            <a:r>
+              <a:rPr lang="en-US" sz="1200" b="0" dirty="0">
+                <a:effectLst/>
+                <a:latin typeface="Menlo" panose="020B0609030804020204" pitchFamily="49" charset="0"/>
+              </a:rPr>
+              <a:t>: true,</a:t>
+            </a:r>
+          </a:p>
+          <a:p>
+            <a:r>
+              <a:rPr lang="en-US" sz="1200" b="0" dirty="0">
+                <a:effectLst/>
+                <a:latin typeface="Menlo" panose="020B0609030804020204" pitchFamily="49" charset="0"/>
+              </a:rPr>
+              <a:t>  controller: </a:t>
+            </a:r>
+            <a:r>
+              <a:rPr lang="en-US" sz="1200" b="0" dirty="0" err="1">
+                <a:effectLst/>
+                <a:latin typeface="Menlo" panose="020B0609030804020204" pitchFamily="49" charset="0"/>
+              </a:rPr>
+              <a:t>passwordController</a:t>
+            </a:r>
+            <a:r>
+              <a:rPr lang="en-US" sz="1200" b="0" dirty="0">
+                <a:effectLst/>
+                <a:latin typeface="Menlo" panose="020B0609030804020204" pitchFamily="49" charset="0"/>
+              </a:rPr>
+              <a:t>,</a:t>
+            </a:r>
+          </a:p>
+          <a:p>
+            <a:r>
+              <a:rPr lang="en-US" sz="1200" b="0" dirty="0">
+                <a:effectLst/>
+                <a:latin typeface="Menlo" panose="020B0609030804020204" pitchFamily="49" charset="0"/>
+              </a:rPr>
+              <a:t>  decoration: </a:t>
+            </a:r>
+            <a:r>
+              <a:rPr lang="en-US" sz="1200" b="0" dirty="0" err="1">
+                <a:effectLst/>
+                <a:latin typeface="Menlo" panose="020B0609030804020204" pitchFamily="49" charset="0"/>
+              </a:rPr>
+              <a:t>InputDecoration</a:t>
+            </a:r>
+            <a:r>
+              <a:rPr lang="en-US" sz="1200" b="0" dirty="0">
+                <a:effectLst/>
+                <a:latin typeface="Menlo" panose="020B0609030804020204" pitchFamily="49" charset="0"/>
+              </a:rPr>
+              <a:t>(</a:t>
+            </a:r>
+          </a:p>
+          <a:p>
+            <a:r>
+              <a:rPr lang="en-US" sz="1200" b="0" dirty="0">
+                <a:effectLst/>
+                <a:latin typeface="Menlo" panose="020B0609030804020204" pitchFamily="49" charset="0"/>
+              </a:rPr>
+              <a:t>    border: </a:t>
+            </a:r>
+            <a:r>
+              <a:rPr lang="en-US" sz="1200" b="0" dirty="0" err="1">
+                <a:effectLst/>
+                <a:latin typeface="Menlo" panose="020B0609030804020204" pitchFamily="49" charset="0"/>
+              </a:rPr>
+              <a:t>OutlineInputBorder</a:t>
+            </a:r>
+            <a:r>
+              <a:rPr lang="en-US" sz="1200" b="0" dirty="0">
+                <a:effectLst/>
+                <a:latin typeface="Menlo" panose="020B0609030804020204" pitchFamily="49" charset="0"/>
+              </a:rPr>
+              <a:t>(),</a:t>
+            </a:r>
+          </a:p>
+          <a:p>
+            <a:r>
+              <a:rPr lang="en-US" sz="1200" b="0" dirty="0">
+                <a:effectLst/>
+                <a:latin typeface="Menlo" panose="020B0609030804020204" pitchFamily="49" charset="0"/>
+              </a:rPr>
+              <a:t>    </a:t>
+            </a:r>
+            <a:r>
+              <a:rPr lang="en-US" sz="1200" b="0" dirty="0" err="1">
+                <a:effectLst/>
+                <a:latin typeface="Menlo" panose="020B0609030804020204" pitchFamily="49" charset="0"/>
+              </a:rPr>
+              <a:t>labelText</a:t>
+            </a:r>
+            <a:r>
+              <a:rPr lang="en-US" sz="1200" b="0" dirty="0">
+                <a:effectLst/>
+                <a:latin typeface="Menlo" panose="020B0609030804020204" pitchFamily="49" charset="0"/>
+              </a:rPr>
+              <a:t>: 'Password’,</a:t>
+            </a:r>
+          </a:p>
+          <a:p>
+            <a:r>
+              <a:rPr lang="en-US" sz="1200" b="0" dirty="0">
+                <a:effectLst/>
+                <a:latin typeface="Menlo" panose="020B0609030804020204" pitchFamily="49" charset="0"/>
+              </a:rPr>
+              <a:t>    </a:t>
+            </a:r>
+            <a:r>
+              <a:rPr lang="en-US" sz="1200" b="0" dirty="0" err="1">
+                <a:effectLst/>
+                <a:latin typeface="Menlo" panose="020B0609030804020204" pitchFamily="49" charset="0"/>
+              </a:rPr>
+              <a:t>hintText</a:t>
+            </a:r>
+            <a:r>
+              <a:rPr lang="en-US" sz="1200" b="0" dirty="0">
+                <a:effectLst/>
+                <a:latin typeface="Menlo" panose="020B0609030804020204" pitchFamily="49" charset="0"/>
+              </a:rPr>
+              <a:t>: 'Enter password’</a:t>
+            </a:r>
+          </a:p>
+          <a:p>
+            <a:r>
+              <a:rPr lang="en-US" sz="1200" b="0" dirty="0">
+                <a:effectLst/>
+                <a:latin typeface="Menlo" panose="020B0609030804020204" pitchFamily="49" charset="0"/>
+              </a:rPr>
+              <a:t>  ),</a:t>
+            </a:r>
+          </a:p>
+          <a:p>
+            <a:r>
+              <a:rPr lang="en-US" sz="1200" b="0" dirty="0">
+                <a:effectLst/>
+                <a:latin typeface="Menlo" panose="020B0609030804020204" pitchFamily="49" charset="0"/>
+              </a:rPr>
+              <a:t>),</a:t>
+            </a:r>
+          </a:p>
+        </p:txBody>
+      </p:sp>
+      <p:sp>
+        <p:nvSpPr>
+          <p:cNvPr id="10" name="TextBox 9">
+            <a:extLst>
+              <a:ext uri="{FF2B5EF4-FFF2-40B4-BE49-F238E27FC236}">
+                <a16:creationId xmlns:a16="http://schemas.microsoft.com/office/drawing/2014/main" id="{834CF76B-7C7A-22CB-FDE0-7BC6AEA66B7C}"/>
+              </a:ext>
+            </a:extLst>
+          </p:cNvPr>
+          <p:cNvSpPr txBox="1"/>
+          <p:nvPr/>
+        </p:nvSpPr>
+        <p:spPr>
+          <a:xfrm>
+            <a:off x="6562398" y="2996224"/>
+            <a:ext cx="3405816" cy="646331"/>
+          </a:xfrm>
+          <a:prstGeom prst="rect">
+            <a:avLst/>
+          </a:prstGeom>
+          <a:noFill/>
+        </p:spPr>
+        <p:txBody>
+          <a:bodyPr wrap="square">
+            <a:spAutoFit/>
+          </a:bodyPr>
+          <a:lstStyle/>
+          <a:p>
+            <a:r>
+              <a:rPr lang="en-US" sz="1200" b="0" dirty="0" err="1">
+                <a:effectLst/>
+                <a:latin typeface="Menlo" panose="020B0609030804020204" pitchFamily="49" charset="0"/>
+              </a:rPr>
+              <a:t>TextEditingController</a:t>
+            </a:r>
+            <a:r>
+              <a:rPr lang="en-US" sz="1200" b="0" dirty="0">
+                <a:effectLst/>
+                <a:latin typeface="Menlo" panose="020B0609030804020204" pitchFamily="49" charset="0"/>
+              </a:rPr>
+              <a:t> </a:t>
+            </a:r>
+            <a:r>
+              <a:rPr lang="en-US" sz="1200" b="0" dirty="0" err="1">
+                <a:effectLst/>
+                <a:latin typeface="Menlo" panose="020B0609030804020204" pitchFamily="49" charset="0"/>
+              </a:rPr>
+              <a:t>passwordController</a:t>
+            </a:r>
+            <a:r>
+              <a:rPr lang="en-US" sz="1200" b="0" dirty="0">
+                <a:effectLst/>
+                <a:latin typeface="Menlo" panose="020B0609030804020204" pitchFamily="49" charset="0"/>
+              </a:rPr>
+              <a:t> = </a:t>
+            </a:r>
+            <a:r>
+              <a:rPr lang="en-US" sz="1200" b="0" dirty="0" err="1">
+                <a:effectLst/>
+                <a:latin typeface="Menlo" panose="020B0609030804020204" pitchFamily="49" charset="0"/>
+              </a:rPr>
+              <a:t>TextEditingController</a:t>
+            </a:r>
+            <a:r>
+              <a:rPr lang="en-US" sz="1200" b="0" dirty="0">
+                <a:effectLst/>
+                <a:latin typeface="Menlo" panose="020B0609030804020204" pitchFamily="49" charset="0"/>
+              </a:rPr>
+              <a:t>();</a:t>
+            </a:r>
+          </a:p>
+        </p:txBody>
+      </p:sp>
+      <p:pic>
+        <p:nvPicPr>
+          <p:cNvPr id="13" name="Picture 12" descr="A screenshot of a login form&#10;&#10;Description automatically generated">
+            <a:extLst>
+              <a:ext uri="{FF2B5EF4-FFF2-40B4-BE49-F238E27FC236}">
+                <a16:creationId xmlns:a16="http://schemas.microsoft.com/office/drawing/2014/main" id="{6F79062D-F922-359C-0310-433D26B8611F}"/>
+              </a:ext>
+            </a:extLst>
+          </p:cNvPr>
+          <p:cNvPicPr>
+            <a:picLocks noChangeAspect="1"/>
+          </p:cNvPicPr>
+          <p:nvPr/>
+        </p:nvPicPr>
+        <p:blipFill>
+          <a:blip r:embed="rId2">
+            <a:extLst>
+              <a:ext uri="{28A0092B-C50C-407E-A947-70E740481C1C}">
+                <a14:useLocalDpi xmlns:a14="http://schemas.microsoft.com/office/drawing/2010/main" val="0"/>
+              </a:ext>
+            </a:extLst>
+          </a:blip>
+          <a:stretch>
+            <a:fillRect/>
+          </a:stretch>
+        </p:blipFill>
+        <p:spPr>
+          <a:xfrm>
+            <a:off x="9968214" y="1677109"/>
+            <a:ext cx="1929336" cy="4181724"/>
+          </a:xfrm>
+          <a:prstGeom prst="rect">
+            <a:avLst/>
+          </a:prstGeom>
+        </p:spPr>
+      </p:pic>
+      <p:cxnSp>
+        <p:nvCxnSpPr>
+          <p:cNvPr id="15" name="Straight Arrow Connector 14">
+            <a:extLst>
+              <a:ext uri="{FF2B5EF4-FFF2-40B4-BE49-F238E27FC236}">
+                <a16:creationId xmlns:a16="http://schemas.microsoft.com/office/drawing/2014/main" id="{3220D260-183F-7EB5-5D8D-ECF4A46B049E}"/>
+              </a:ext>
+            </a:extLst>
+          </p:cNvPr>
+          <p:cNvCxnSpPr>
+            <a:cxnSpLocks/>
+          </p:cNvCxnSpPr>
+          <p:nvPr/>
+        </p:nvCxnSpPr>
+        <p:spPr>
+          <a:xfrm flipV="1">
+            <a:off x="5878286" y="3642555"/>
+            <a:ext cx="684112" cy="1214453"/>
+          </a:xfrm>
+          <a:prstGeom prst="straightConnector1">
+            <a:avLst/>
+          </a:prstGeom>
+          <a:ln w="38100">
+            <a:tailEnd type="triangle"/>
+          </a:ln>
+        </p:spPr>
+        <p:style>
+          <a:lnRef idx="1">
+            <a:schemeClr val="accent6"/>
+          </a:lnRef>
+          <a:fillRef idx="0">
+            <a:schemeClr val="accent6"/>
+          </a:fillRef>
+          <a:effectRef idx="0">
+            <a:schemeClr val="accent6"/>
+          </a:effectRef>
+          <a:fontRef idx="minor">
+            <a:schemeClr val="tx1"/>
+          </a:fontRef>
+        </p:style>
+      </p:cxnSp>
+      <p:cxnSp>
+        <p:nvCxnSpPr>
+          <p:cNvPr id="18" name="Straight Arrow Connector 17">
+            <a:extLst>
+              <a:ext uri="{FF2B5EF4-FFF2-40B4-BE49-F238E27FC236}">
+                <a16:creationId xmlns:a16="http://schemas.microsoft.com/office/drawing/2014/main" id="{E30EE6B1-272E-BE8C-6826-0F34F965EB58}"/>
+              </a:ext>
+            </a:extLst>
+          </p:cNvPr>
+          <p:cNvCxnSpPr>
+            <a:cxnSpLocks/>
+          </p:cNvCxnSpPr>
+          <p:nvPr/>
+        </p:nvCxnSpPr>
+        <p:spPr>
+          <a:xfrm flipV="1">
+            <a:off x="4999512" y="5201392"/>
+            <a:ext cx="1562886" cy="201881"/>
+          </a:xfrm>
+          <a:prstGeom prst="straightConnector1">
+            <a:avLst/>
+          </a:prstGeom>
+          <a:ln w="38100">
+            <a:tailEnd type="triangle"/>
+          </a:ln>
+        </p:spPr>
+        <p:style>
+          <a:lnRef idx="1">
+            <a:schemeClr val="accent6"/>
+          </a:lnRef>
+          <a:fillRef idx="0">
+            <a:schemeClr val="accent6"/>
+          </a:fillRef>
+          <a:effectRef idx="0">
+            <a:schemeClr val="accent6"/>
+          </a:effectRef>
+          <a:fontRef idx="minor">
+            <a:schemeClr val="tx1"/>
+          </a:fontRef>
+        </p:style>
+      </p:cxnSp>
+      <p:sp>
+        <p:nvSpPr>
+          <p:cNvPr id="22" name="TextBox 21">
+            <a:extLst>
+              <a:ext uri="{FF2B5EF4-FFF2-40B4-BE49-F238E27FC236}">
+                <a16:creationId xmlns:a16="http://schemas.microsoft.com/office/drawing/2014/main" id="{8BC1F25C-8FC7-73F6-1EED-DCDBAED21024}"/>
+              </a:ext>
+            </a:extLst>
+          </p:cNvPr>
+          <p:cNvSpPr txBox="1"/>
+          <p:nvPr/>
+        </p:nvSpPr>
+        <p:spPr>
+          <a:xfrm>
+            <a:off x="6602276" y="6084157"/>
+            <a:ext cx="3785235" cy="307777"/>
+          </a:xfrm>
+          <a:prstGeom prst="rect">
+            <a:avLst/>
+          </a:prstGeom>
+          <a:noFill/>
+        </p:spPr>
+        <p:txBody>
+          <a:bodyPr wrap="square">
+            <a:spAutoFit/>
+          </a:bodyPr>
+          <a:lstStyle/>
+          <a:p>
+            <a:r>
+              <a:rPr lang="en-US" sz="1400" b="0" dirty="0" err="1">
+                <a:effectLst/>
+                <a:latin typeface="Menlo" panose="020B0609030804020204" pitchFamily="49" charset="0"/>
+              </a:rPr>
+              <a:t>passwordController.text</a:t>
+            </a:r>
+            <a:endParaRPr lang="en-US" sz="1400" b="0" dirty="0">
+              <a:effectLst/>
+              <a:latin typeface="Menlo" panose="020B0609030804020204" pitchFamily="49" charset="0"/>
+            </a:endParaRPr>
+          </a:p>
+        </p:txBody>
+      </p:sp>
+      <p:cxnSp>
+        <p:nvCxnSpPr>
+          <p:cNvPr id="23" name="Straight Arrow Connector 22">
+            <a:extLst>
+              <a:ext uri="{FF2B5EF4-FFF2-40B4-BE49-F238E27FC236}">
+                <a16:creationId xmlns:a16="http://schemas.microsoft.com/office/drawing/2014/main" id="{70CB6D4B-1C3D-3A0E-9345-DCA48D6E5AD0}"/>
+              </a:ext>
+            </a:extLst>
+          </p:cNvPr>
+          <p:cNvCxnSpPr>
+            <a:cxnSpLocks/>
+            <a:endCxn id="22" idx="1"/>
+          </p:cNvCxnSpPr>
+          <p:nvPr/>
+        </p:nvCxnSpPr>
+        <p:spPr>
+          <a:xfrm>
+            <a:off x="5486400" y="5719949"/>
+            <a:ext cx="1115876" cy="518097"/>
+          </a:xfrm>
+          <a:prstGeom prst="straightConnector1">
+            <a:avLst/>
+          </a:prstGeom>
+          <a:ln w="38100">
+            <a:tailEnd type="triangle"/>
+          </a:ln>
+        </p:spPr>
+        <p:style>
+          <a:lnRef idx="1">
+            <a:schemeClr val="accent6"/>
+          </a:lnRef>
+          <a:fillRef idx="0">
+            <a:schemeClr val="accent6"/>
+          </a:fillRef>
+          <a:effectRef idx="0">
+            <a:schemeClr val="accent6"/>
+          </a:effectRef>
+          <a:fontRef idx="minor">
+            <a:schemeClr val="tx1"/>
+          </a:fontRef>
+        </p:style>
+      </p:cxnSp>
     </p:spTree>
     <p:extLst>
       <p:ext uri="{BB962C8B-B14F-4D97-AF65-F5344CB8AC3E}">
@@ -21865,110 +22362,12 @@
           <a:chExt cx="0" cy="0"/>
         </a:xfrm>
       </p:grpSpPr>
-      <p:sp>
-        <p:nvSpPr>
-          <p:cNvPr id="2" name="Title 1">
-            <a:extLst>
-              <a:ext uri="{FF2B5EF4-FFF2-40B4-BE49-F238E27FC236}">
-                <a16:creationId xmlns:a16="http://schemas.microsoft.com/office/drawing/2014/main" id="{122C1E14-0610-FB4E-BCD3-3BA8CADF9D02}"/>
-              </a:ext>
-            </a:extLst>
-          </p:cNvPr>
-          <p:cNvSpPr>
-            <a:spLocks noGrp="1"/>
-          </p:cNvSpPr>
-          <p:nvPr>
-            <p:ph type="title"/>
-          </p:nvPr>
-        </p:nvSpPr>
-        <p:spPr/>
-        <p:txBody>
-          <a:bodyPr/>
-          <a:lstStyle/>
-          <a:p>
-            <a:r>
-              <a:rPr lang="en-IT" dirty="0"/>
-              <a:t>Exercise</a:t>
-            </a:r>
-          </a:p>
-        </p:txBody>
-      </p:sp>
-      <p:sp>
-        <p:nvSpPr>
-          <p:cNvPr id="3" name="Content Placeholder 2">
-            <a:extLst>
-              <a:ext uri="{FF2B5EF4-FFF2-40B4-BE49-F238E27FC236}">
-                <a16:creationId xmlns:a16="http://schemas.microsoft.com/office/drawing/2014/main" id="{8962CCAC-9D70-C543-BBE0-822B6CB5F5CB}"/>
-              </a:ext>
-            </a:extLst>
-          </p:cNvPr>
-          <p:cNvSpPr>
-            <a:spLocks noGrp="1"/>
-          </p:cNvSpPr>
-          <p:nvPr>
-            <p:ph idx="1"/>
-          </p:nvPr>
-        </p:nvSpPr>
-        <p:spPr>
-          <a:xfrm>
-            <a:off x="428173" y="1361167"/>
-            <a:ext cx="3835217" cy="5334907"/>
-          </a:xfrm>
-        </p:spPr>
-        <p:txBody>
-          <a:bodyPr>
-            <a:normAutofit/>
-          </a:bodyPr>
-          <a:lstStyle/>
-          <a:p>
-            <a:r>
-              <a:rPr lang="en-GB" dirty="0"/>
-              <a:t>Exercise 06.05 (medium) </a:t>
-            </a:r>
-          </a:p>
-          <a:p>
-            <a:endParaRPr lang="en-GB" dirty="0"/>
-          </a:p>
-          <a:p>
-            <a:pPr lvl="1"/>
-            <a:r>
-              <a:rPr lang="en-US" dirty="0"/>
-              <a:t>Follow the cookbook </a:t>
-            </a:r>
-            <a:r>
-              <a:rPr lang="en-US" dirty="0">
-                <a:hlinkClick r:id="rId2"/>
-              </a:rPr>
-              <a:t>https://docs.flutter.dev/cookbook/navigation/passing-data</a:t>
-            </a:r>
-            <a:r>
-              <a:rPr lang="en-US" dirty="0"/>
-              <a:t> by the Flutter team to learn how to pass data to a route directly to its constructor.</a:t>
-            </a:r>
-          </a:p>
-          <a:p>
-            <a:pPr lvl="1"/>
-            <a:endParaRPr lang="en-US" dirty="0"/>
-          </a:p>
-          <a:p>
-            <a:pPr lvl="1"/>
-            <a:r>
-              <a:rPr lang="en-US" dirty="0"/>
-              <a:t>(solution available from the Flutter team in the cookbook)</a:t>
-            </a:r>
-          </a:p>
-          <a:p>
-            <a:pPr lvl="1"/>
-            <a:endParaRPr lang="en-US" dirty="0"/>
-          </a:p>
-        </p:txBody>
-      </p:sp>
       <p:pic>
         <p:nvPicPr>
-          <p:cNvPr id="9" name="Picture 8" descr="Table&#10;&#10;Description automatically generated">
-            <a:extLst>
-              <a:ext uri="{FF2B5EF4-FFF2-40B4-BE49-F238E27FC236}">
-                <a16:creationId xmlns:a16="http://schemas.microsoft.com/office/drawing/2014/main" id="{B931B8C3-031A-CC42-A8B1-D9D3EE491B13}"/>
+          <p:cNvPr id="12" name="Picture 11" descr="A screenshot of a phone&#10;&#10;Description automatically generated">
+            <a:extLst>
+              <a:ext uri="{FF2B5EF4-FFF2-40B4-BE49-F238E27FC236}">
+                <a16:creationId xmlns:a16="http://schemas.microsoft.com/office/drawing/2014/main" id="{FB8EDD8C-3127-468F-854B-62C7445FF640}"/>
               </a:ext>
             </a:extLst>
           </p:cNvPr>
@@ -21978,7 +22377,7 @@
           <p:nvPr/>
         </p:nvPicPr>
         <p:blipFill>
-          <a:blip r:embed="rId3">
+          <a:blip r:embed="rId2">
             <a:extLst>
               <a:ext uri="{28A0092B-C50C-407E-A947-70E740481C1C}">
                 <a14:useLocalDpi xmlns:a14="http://schemas.microsoft.com/office/drawing/2010/main" val="0"/>
@@ -21991,8 +22390,8 @@
         </p:blipFill>
         <p:spPr>
           <a:xfrm>
-            <a:off x="5335270" y="1776460"/>
-            <a:ext cx="2735580" cy="3793539"/>
+            <a:off x="8398051" y="1817146"/>
+            <a:ext cx="3209337" cy="3744227"/>
           </a:xfrm>
           <a:prstGeom prst="rect">
             <a:avLst/>
@@ -22001,10 +22400,10 @@
       </p:pic>
       <p:pic>
         <p:nvPicPr>
-          <p:cNvPr id="11" name="Picture 10" descr="Text&#10;&#10;Description automatically generated with low confidence">
-            <a:extLst>
-              <a:ext uri="{FF2B5EF4-FFF2-40B4-BE49-F238E27FC236}">
-                <a16:creationId xmlns:a16="http://schemas.microsoft.com/office/drawing/2014/main" id="{49A45043-7485-2F4D-85DD-70808F98E2E3}"/>
+          <p:cNvPr id="7" name="Picture 6" descr="A screenshot of a phone&#10;&#10;Description automatically generated">
+            <a:extLst>
+              <a:ext uri="{FF2B5EF4-FFF2-40B4-BE49-F238E27FC236}">
+                <a16:creationId xmlns:a16="http://schemas.microsoft.com/office/drawing/2014/main" id="{0524971C-E8EC-BEA3-6012-05251999C67E}"/>
               </a:ext>
             </a:extLst>
           </p:cNvPr>
@@ -22014,7 +22413,7 @@
           <p:nvPr/>
         </p:nvPicPr>
         <p:blipFill>
-          <a:blip r:embed="rId4">
+          <a:blip r:embed="rId3">
             <a:extLst>
               <a:ext uri="{28A0092B-C50C-407E-A947-70E740481C1C}">
                 <a14:useLocalDpi xmlns:a14="http://schemas.microsoft.com/office/drawing/2010/main" val="0"/>
@@ -22027,14 +22426,112 @@
         </p:blipFill>
         <p:spPr>
           <a:xfrm>
-            <a:off x="8488680" y="1776460"/>
-            <a:ext cx="2735580" cy="3744230"/>
+            <a:off x="4949757" y="1776460"/>
+            <a:ext cx="3191646" cy="3744230"/>
           </a:xfrm>
           <a:prstGeom prst="rect">
             <a:avLst/>
           </a:prstGeom>
         </p:spPr>
       </p:pic>
+      <p:sp>
+        <p:nvSpPr>
+          <p:cNvPr id="2" name="Title 1">
+            <a:extLst>
+              <a:ext uri="{FF2B5EF4-FFF2-40B4-BE49-F238E27FC236}">
+                <a16:creationId xmlns:a16="http://schemas.microsoft.com/office/drawing/2014/main" id="{122C1E14-0610-FB4E-BCD3-3BA8CADF9D02}"/>
+              </a:ext>
+            </a:extLst>
+          </p:cNvPr>
+          <p:cNvSpPr>
+            <a:spLocks noGrp="1"/>
+          </p:cNvSpPr>
+          <p:nvPr>
+            <p:ph type="title"/>
+          </p:nvPr>
+        </p:nvSpPr>
+        <p:spPr/>
+        <p:txBody>
+          <a:bodyPr/>
+          <a:lstStyle/>
+          <a:p>
+            <a:r>
+              <a:rPr lang="en-IT" dirty="0"/>
+              <a:t>Exercise</a:t>
+            </a:r>
+          </a:p>
+        </p:txBody>
+      </p:sp>
+      <p:sp>
+        <p:nvSpPr>
+          <p:cNvPr id="3" name="Content Placeholder 2">
+            <a:extLst>
+              <a:ext uri="{FF2B5EF4-FFF2-40B4-BE49-F238E27FC236}">
+                <a16:creationId xmlns:a16="http://schemas.microsoft.com/office/drawing/2014/main" id="{8962CCAC-9D70-C543-BBE0-822B6CB5F5CB}"/>
+              </a:ext>
+            </a:extLst>
+          </p:cNvPr>
+          <p:cNvSpPr>
+            <a:spLocks noGrp="1"/>
+          </p:cNvSpPr>
+          <p:nvPr>
+            <p:ph idx="1"/>
+          </p:nvPr>
+        </p:nvSpPr>
+        <p:spPr>
+          <a:xfrm>
+            <a:off x="428173" y="1361167"/>
+            <a:ext cx="3835217" cy="5334907"/>
+          </a:xfrm>
+        </p:spPr>
+        <p:txBody>
+          <a:bodyPr>
+            <a:normAutofit/>
+          </a:bodyPr>
+          <a:lstStyle/>
+          <a:p>
+            <a:r>
+              <a:rPr lang="en-GB" dirty="0"/>
+              <a:t>Exercise 06.05 (medium) </a:t>
+            </a:r>
+          </a:p>
+          <a:p>
+            <a:endParaRPr lang="en-GB" dirty="0"/>
+          </a:p>
+          <a:p>
+            <a:pPr lvl="1"/>
+            <a:r>
+              <a:rPr lang="en-US" dirty="0"/>
+              <a:t>Follow the cookbook </a:t>
+            </a:r>
+            <a:r>
+              <a:rPr lang="en-US" dirty="0">
+                <a:hlinkClick r:id="rId4"/>
+              </a:rPr>
+              <a:t>https://docs.flutter.dev/cookbook/navigation/passing-data</a:t>
+            </a:r>
+            <a:r>
+              <a:rPr lang="en-US" dirty="0"/>
+              <a:t> by the Flutter team to learn how to pass data to a route directly to its constructor.</a:t>
+            </a:r>
+          </a:p>
+          <a:p>
+            <a:pPr lvl="1"/>
+            <a:endParaRPr lang="en-US" dirty="0"/>
+          </a:p>
+          <a:p>
+            <a:pPr lvl="1"/>
+            <a:r>
+              <a:rPr lang="en-US" dirty="0"/>
+              <a:t>(solution available from the Flutter team in the cookbook)</a:t>
+            </a:r>
+          </a:p>
+          <a:p>
+            <a:pPr lvl="1"/>
+            <a:endParaRPr lang="en-US" dirty="0"/>
+          </a:p>
+        </p:txBody>
+      </p:sp>
       <p:cxnSp>
         <p:nvCxnSpPr>
           <p:cNvPr id="15" name="Straight Arrow Connector 14">
@@ -22051,8 +22548,8 @@
         </p:nvCxnSpPr>
         <p:spPr>
           <a:xfrm flipV="1">
-            <a:off x="7680960" y="2434590"/>
-            <a:ext cx="1600200" cy="640081"/>
+            <a:off x="7514942" y="2434590"/>
+            <a:ext cx="1766218" cy="994410"/>
           </a:xfrm>
           <a:prstGeom prst="straightConnector1">
             <a:avLst/>

--- a/lab_06-navigation/lab_06-navigation.pptx
+++ b/lab_06-navigation/lab_06-navigation.pptx
@@ -240,7 +240,7 @@
           <a:p>
             <a:fld id="{81C4B3FE-0320-8142-8396-5C3025C019EC}" type="datetimeFigureOut">
               <a:rPr lang="en-IT" smtClean="0"/>
-              <a:t>4/7/24</a:t>
+              <a:t>4/9/24</a:t>
             </a:fld>
             <a:endParaRPr lang="en-IT"/>
           </a:p>

--- a/lab_06-navigation/lab_06-navigation.pptx
+++ b/lab_06-navigation/lab_06-navigation.pptx
@@ -240,7 +240,7 @@
           <a:p>
             <a:fld id="{81C4B3FE-0320-8142-8396-5C3025C019EC}" type="datetimeFigureOut">
               <a:rPr lang="en-IT" smtClean="0"/>
-              <a:t>4/9/24</a:t>
+              <a:t>5/4/24</a:t>
             </a:fld>
             <a:endParaRPr lang="en-IT"/>
           </a:p>
@@ -2477,7 +2477,7 @@
             </a:pPr>
             <a:r>
               <a:rPr lang="it-IT" sz="2800" dirty="0"/>
-              <a:t>A.Y. 2022-2023</a:t>
+              <a:t>A.Y. 2023-2024</a:t>
             </a:r>
           </a:p>
         </p:txBody>
